--- a/Solution_Architecture/Zero-Downtime Architecture.pptx
+++ b/Solution_Architecture/Zero-Downtime Architecture.pptx
@@ -111,6 +111,11 @@
       </a:defRPr>
     </a:lvl9pPr>
   </p:defaultTextStyle>
+  <p:extLst>
+    <p:ext uri="{EFAFB233-063F-42B5-8137-9DF3F51BA10A}">
+      <p15:sldGuideLst xmlns:p15="http://schemas.microsoft.com/office/powerpoint/2012/main"/>
+    </p:ext>
+  </p:extLst>
 </p:presentation>
 </file>
 
@@ -5035,10 +5040,10 @@
       </p:grpSpPr>
       <p:sp>
         <p:nvSpPr>
-          <p:cNvPr id="4" name="Rectangle 3">
-            <a:extLst>
-              <a:ext uri="{FF2B5EF4-FFF2-40B4-BE49-F238E27FC236}">
-                <a16:creationId xmlns:a16="http://schemas.microsoft.com/office/drawing/2014/main" id="{A02F3C1E-23A1-4238-B8E3-B55B9145357D}"/>
+          <p:cNvPr id="44" name="Rectangle 43">
+            <a:extLst>
+              <a:ext uri="{FF2B5EF4-FFF2-40B4-BE49-F238E27FC236}">
+                <a16:creationId xmlns:a16="http://schemas.microsoft.com/office/drawing/2014/main" id="{78AE7551-26A0-4656-9996-F6319F7EF1FC}"/>
               </a:ext>
             </a:extLst>
           </p:cNvPr>
@@ -5047,15 +5052,55 @@
         </p:nvSpPr>
         <p:spPr>
           <a:xfrm>
-            <a:off x="709296" y="580103"/>
-            <a:ext cx="11281172" cy="5791200"/>
+            <a:off x="765844" y="5611934"/>
+            <a:ext cx="5259062" cy="261610"/>
+          </a:xfrm>
+          <a:prstGeom prst="rect">
+            <a:avLst/>
+          </a:prstGeom>
+          <a:solidFill>
+            <a:schemeClr val="bg1">
+              <a:lumMod val="85000"/>
+              <a:alpha val="80000"/>
+            </a:schemeClr>
+          </a:solidFill>
+        </p:spPr>
+        <p:txBody>
+          <a:bodyPr wrap="square">
+            <a:spAutoFit/>
+          </a:bodyPr>
+          <a:lstStyle/>
+          <a:p>
+            <a:r>
+              <a:rPr lang="en-US" sz="1100" dirty="0"/>
+              <a:t>RG-BACKEND</a:t>
+            </a:r>
+          </a:p>
+        </p:txBody>
+      </p:sp>
+      <p:sp>
+        <p:nvSpPr>
+          <p:cNvPr id="4" name="Rectangle 3">
+            <a:extLst>
+              <a:ext uri="{FF2B5EF4-FFF2-40B4-BE49-F238E27FC236}">
+                <a16:creationId xmlns:a16="http://schemas.microsoft.com/office/drawing/2014/main" id="{A02F3C1E-23A1-4238-B8E3-B55B9145357D}"/>
+              </a:ext>
+            </a:extLst>
+          </p:cNvPr>
+          <p:cNvSpPr/>
+          <p:nvPr/>
+        </p:nvSpPr>
+        <p:spPr>
+          <a:xfrm>
+            <a:off x="467633" y="930623"/>
+            <a:ext cx="8023222" cy="5791200"/>
           </a:xfrm>
           <a:prstGeom prst="rect">
             <a:avLst/>
           </a:prstGeom>
           <a:noFill/>
           <a:ln>
-            <a:prstDash val="sysDot"/>
+            <a:prstDash val="dash"/>
           </a:ln>
         </p:spPr>
         <p:style>
@@ -5097,19 +5142,20 @@
         </p:nvSpPr>
         <p:spPr>
           <a:xfrm>
-            <a:off x="1007508" y="2222090"/>
-            <a:ext cx="2453447" cy="2261420"/>
+            <a:off x="765846" y="3158521"/>
+            <a:ext cx="2431628" cy="1988722"/>
           </a:xfrm>
           <a:prstGeom prst="rect">
             <a:avLst/>
           </a:prstGeom>
           <a:solidFill>
-            <a:schemeClr val="accent1">
+            <a:schemeClr val="accent6">
               <a:lumMod val="20000"/>
               <a:lumOff val="80000"/>
             </a:schemeClr>
           </a:solidFill>
           <a:ln>
+            <a:noFill/>
             <a:prstDash val="sysDot"/>
           </a:ln>
         </p:spPr>
@@ -5133,7 +5179,7 @@
           <a:bodyPr rtlCol="0" anchor="t"/>
           <a:lstStyle/>
           <a:p>
-            <a:endParaRPr lang="en-US" sz="1080" dirty="0">
+            <a:endParaRPr lang="en-US" dirty="0">
               <a:solidFill>
                 <a:schemeClr val="tx1"/>
               </a:solidFill>
@@ -5169,7 +5215,7 @@
         </p:blipFill>
         <p:spPr>
           <a:xfrm>
-            <a:off x="11468710" y="182622"/>
+            <a:off x="7885359" y="442232"/>
             <a:ext cx="608150" cy="608150"/>
           </a:xfrm>
           <a:prstGeom prst="rect">
@@ -5191,19 +5237,20 @@
         </p:nvSpPr>
         <p:spPr>
           <a:xfrm>
-            <a:off x="3799869" y="2222090"/>
-            <a:ext cx="2453447" cy="2261420"/>
+            <a:off x="3566771" y="3158521"/>
+            <a:ext cx="2431628" cy="1988722"/>
           </a:xfrm>
           <a:prstGeom prst="rect">
             <a:avLst/>
           </a:prstGeom>
           <a:solidFill>
-            <a:schemeClr val="accent6">
+            <a:schemeClr val="accent1">
               <a:lumMod val="20000"/>
               <a:lumOff val="80000"/>
             </a:schemeClr>
           </a:solidFill>
           <a:ln>
+            <a:noFill/>
             <a:prstDash val="sysDot"/>
           </a:ln>
         </p:spPr>
@@ -5227,7 +5274,7 @@
           <a:bodyPr rtlCol="0" anchor="t"/>
           <a:lstStyle/>
           <a:p>
-            <a:endParaRPr lang="en-US" sz="1080" dirty="0">
+            <a:endParaRPr lang="en-US" dirty="0">
               <a:solidFill>
                 <a:schemeClr val="tx1"/>
               </a:solidFill>
@@ -5249,14 +5296,19 @@
         </p:nvSpPr>
         <p:spPr>
           <a:xfrm>
-            <a:off x="1007508" y="5352600"/>
-            <a:ext cx="5245808" cy="823122"/>
+            <a:off x="765845" y="5866906"/>
+            <a:ext cx="5245808" cy="659335"/>
           </a:xfrm>
           <a:prstGeom prst="rect">
             <a:avLst/>
           </a:prstGeom>
-          <a:noFill/>
+          <a:solidFill>
+            <a:schemeClr val="bg1">
+              <a:lumMod val="95000"/>
+            </a:schemeClr>
+          </a:solidFill>
           <a:ln>
+            <a:noFill/>
             <a:prstDash val="sysDot"/>
           </a:ln>
         </p:spPr>
@@ -5280,7 +5332,7 @@
           <a:bodyPr rtlCol="0" anchor="t"/>
           <a:lstStyle/>
           <a:p>
-            <a:endParaRPr lang="en-US" sz="1080" dirty="0">
+            <a:endParaRPr lang="en-US" sz="1400" dirty="0">
               <a:solidFill>
                 <a:schemeClr val="tx1"/>
               </a:solidFill>
@@ -5316,7 +5368,7 @@
         </p:blipFill>
         <p:spPr>
           <a:xfrm>
-            <a:off x="1844086" y="2360429"/>
+            <a:off x="1602423" y="3160406"/>
             <a:ext cx="780290" cy="780290"/>
           </a:xfrm>
           <a:prstGeom prst="rect">
@@ -5352,7 +5404,7 @@
         </p:blipFill>
         <p:spPr>
           <a:xfrm>
-            <a:off x="4636447" y="2360429"/>
+            <a:off x="4394784" y="3160406"/>
             <a:ext cx="780290" cy="780290"/>
           </a:xfrm>
           <a:prstGeom prst="rect">
@@ -5388,7 +5440,7 @@
         </p:blipFill>
         <p:spPr>
           <a:xfrm>
-            <a:off x="1844086" y="3475703"/>
+            <a:off x="1598080" y="4274428"/>
             <a:ext cx="780290" cy="780290"/>
           </a:xfrm>
           <a:prstGeom prst="rect">
@@ -5424,7 +5476,7 @@
         </p:blipFill>
         <p:spPr>
           <a:xfrm>
-            <a:off x="4636447" y="3475703"/>
+            <a:off x="4394784" y="4244771"/>
             <a:ext cx="780290" cy="780290"/>
           </a:xfrm>
           <a:prstGeom prst="rect">
@@ -5460,7 +5512,7 @@
         </p:blipFill>
         <p:spPr>
           <a:xfrm>
-            <a:off x="2989075" y="5458988"/>
+            <a:off x="2747412" y="5890788"/>
             <a:ext cx="1282674" cy="673404"/>
           </a:xfrm>
           <a:prstGeom prst="rect">
@@ -5468,6 +5520,2748 @@
           </a:prstGeom>
         </p:spPr>
       </p:pic>
+      <p:sp>
+        <p:nvSpPr>
+          <p:cNvPr id="13" name="Rectangle 12">
+            <a:extLst>
+              <a:ext uri="{FF2B5EF4-FFF2-40B4-BE49-F238E27FC236}">
+                <a16:creationId xmlns:a16="http://schemas.microsoft.com/office/drawing/2014/main" id="{4B00D2DD-76A1-4C48-B29F-52A7F7BAC1AB}"/>
+              </a:ext>
+            </a:extLst>
+          </p:cNvPr>
+          <p:cNvSpPr/>
+          <p:nvPr/>
+        </p:nvSpPr>
+        <p:spPr>
+          <a:xfrm>
+            <a:off x="765845" y="1123239"/>
+            <a:ext cx="5245808" cy="1114387"/>
+          </a:xfrm>
+          <a:prstGeom prst="rect">
+            <a:avLst/>
+          </a:prstGeom>
+          <a:solidFill>
+            <a:schemeClr val="bg1">
+              <a:lumMod val="95000"/>
+            </a:schemeClr>
+          </a:solidFill>
+          <a:ln>
+            <a:noFill/>
+            <a:prstDash val="sysDot"/>
+          </a:ln>
+        </p:spPr>
+        <p:style>
+          <a:lnRef idx="2">
+            <a:schemeClr val="accent1">
+              <a:shade val="50000"/>
+            </a:schemeClr>
+          </a:lnRef>
+          <a:fillRef idx="1">
+            <a:schemeClr val="accent1"/>
+          </a:fillRef>
+          <a:effectRef idx="0">
+            <a:schemeClr val="accent1"/>
+          </a:effectRef>
+          <a:fontRef idx="minor">
+            <a:schemeClr val="lt1"/>
+          </a:fontRef>
+        </p:style>
+        <p:txBody>
+          <a:bodyPr rtlCol="0" anchor="t"/>
+          <a:lstStyle/>
+          <a:p>
+            <a:endParaRPr lang="en-US" sz="1400" dirty="0">
+              <a:solidFill>
+                <a:schemeClr val="tx1"/>
+              </a:solidFill>
+            </a:endParaRPr>
+          </a:p>
+        </p:txBody>
+      </p:sp>
+      <p:cxnSp>
+        <p:nvCxnSpPr>
+          <p:cNvPr id="3" name="Straight Arrow Connector 2">
+            <a:extLst>
+              <a:ext uri="{FF2B5EF4-FFF2-40B4-BE49-F238E27FC236}">
+                <a16:creationId xmlns:a16="http://schemas.microsoft.com/office/drawing/2014/main" id="{44641634-A9A1-4421-A9EF-F9FDB2A221C5}"/>
+              </a:ext>
+            </a:extLst>
+          </p:cNvPr>
+          <p:cNvCxnSpPr>
+            <a:cxnSpLocks/>
+            <a:endCxn id="11" idx="0"/>
+          </p:cNvCxnSpPr>
+          <p:nvPr/>
+        </p:nvCxnSpPr>
+        <p:spPr>
+          <a:xfrm flipH="1">
+            <a:off x="1992568" y="2038146"/>
+            <a:ext cx="1396181" cy="1122260"/>
+          </a:xfrm>
+          <a:prstGeom prst="straightConnector1">
+            <a:avLst/>
+          </a:prstGeom>
+          <a:ln w="28575">
+            <a:solidFill>
+              <a:schemeClr val="tx1"/>
+            </a:solidFill>
+            <a:tailEnd type="triangle"/>
+          </a:ln>
+        </p:spPr>
+        <p:style>
+          <a:lnRef idx="1">
+            <a:schemeClr val="accent1"/>
+          </a:lnRef>
+          <a:fillRef idx="0">
+            <a:schemeClr val="accent1"/>
+          </a:fillRef>
+          <a:effectRef idx="0">
+            <a:schemeClr val="accent1"/>
+          </a:effectRef>
+          <a:fontRef idx="minor">
+            <a:schemeClr val="tx1"/>
+          </a:fontRef>
+        </p:style>
+      </p:cxnSp>
+      <p:cxnSp>
+        <p:nvCxnSpPr>
+          <p:cNvPr id="18" name="Straight Arrow Connector 17">
+            <a:extLst>
+              <a:ext uri="{FF2B5EF4-FFF2-40B4-BE49-F238E27FC236}">
+                <a16:creationId xmlns:a16="http://schemas.microsoft.com/office/drawing/2014/main" id="{6FDD3F8D-D867-4553-AA7A-4FBC4F269791}"/>
+              </a:ext>
+            </a:extLst>
+          </p:cNvPr>
+          <p:cNvCxnSpPr>
+            <a:cxnSpLocks/>
+            <a:endCxn id="12" idx="0"/>
+          </p:cNvCxnSpPr>
+          <p:nvPr/>
+        </p:nvCxnSpPr>
+        <p:spPr>
+          <a:xfrm>
+            <a:off x="3388749" y="2038146"/>
+            <a:ext cx="1396180" cy="1122260"/>
+          </a:xfrm>
+          <a:prstGeom prst="straightConnector1">
+            <a:avLst/>
+          </a:prstGeom>
+          <a:ln w="28575">
+            <a:solidFill>
+              <a:schemeClr val="tx1"/>
+            </a:solidFill>
+            <a:tailEnd type="triangle"/>
+          </a:ln>
+        </p:spPr>
+        <p:style>
+          <a:lnRef idx="1">
+            <a:schemeClr val="accent1"/>
+          </a:lnRef>
+          <a:fillRef idx="0">
+            <a:schemeClr val="accent1"/>
+          </a:fillRef>
+          <a:effectRef idx="0">
+            <a:schemeClr val="accent1"/>
+          </a:effectRef>
+          <a:fontRef idx="minor">
+            <a:schemeClr val="tx1"/>
+          </a:fontRef>
+        </p:style>
+      </p:cxnSp>
+      <p:sp>
+        <p:nvSpPr>
+          <p:cNvPr id="20" name="Rectangle 19">
+            <a:extLst>
+              <a:ext uri="{FF2B5EF4-FFF2-40B4-BE49-F238E27FC236}">
+                <a16:creationId xmlns:a16="http://schemas.microsoft.com/office/drawing/2014/main" id="{6E94084E-3E1B-4A27-8D25-0878AEEE0B34}"/>
+              </a:ext>
+            </a:extLst>
+          </p:cNvPr>
+          <p:cNvSpPr/>
+          <p:nvPr/>
+        </p:nvSpPr>
+        <p:spPr>
+          <a:xfrm>
+            <a:off x="6185892" y="1122436"/>
+            <a:ext cx="2176525" cy="5435435"/>
+          </a:xfrm>
+          <a:prstGeom prst="rect">
+            <a:avLst/>
+          </a:prstGeom>
+          <a:solidFill>
+            <a:schemeClr val="bg1">
+              <a:lumMod val="95000"/>
+            </a:schemeClr>
+          </a:solidFill>
+          <a:ln>
+            <a:noFill/>
+            <a:prstDash val="sysDot"/>
+          </a:ln>
+        </p:spPr>
+        <p:style>
+          <a:lnRef idx="2">
+            <a:schemeClr val="accent1">
+              <a:shade val="50000"/>
+            </a:schemeClr>
+          </a:lnRef>
+          <a:fillRef idx="1">
+            <a:schemeClr val="accent1"/>
+          </a:fillRef>
+          <a:effectRef idx="0">
+            <a:schemeClr val="accent1"/>
+          </a:effectRef>
+          <a:fontRef idx="minor">
+            <a:schemeClr val="lt1"/>
+          </a:fontRef>
+        </p:style>
+        <p:txBody>
+          <a:bodyPr rtlCol="0" anchor="t"/>
+          <a:lstStyle/>
+          <a:p>
+            <a:endParaRPr lang="en-US" sz="1400" dirty="0">
+              <a:solidFill>
+                <a:schemeClr val="tx1"/>
+              </a:solidFill>
+            </a:endParaRPr>
+          </a:p>
+        </p:txBody>
+      </p:sp>
+      <p:sp>
+        <p:nvSpPr>
+          <p:cNvPr id="21" name="TextBox 20">
+            <a:extLst>
+              <a:ext uri="{FF2B5EF4-FFF2-40B4-BE49-F238E27FC236}">
+                <a16:creationId xmlns:a16="http://schemas.microsoft.com/office/drawing/2014/main" id="{C8BB2704-0171-48B7-9534-40E9EFACAB72}"/>
+              </a:ext>
+            </a:extLst>
+          </p:cNvPr>
+          <p:cNvSpPr txBox="1"/>
+          <p:nvPr/>
+        </p:nvSpPr>
+        <p:spPr>
+          <a:xfrm>
+            <a:off x="2419990" y="3357445"/>
+            <a:ext cx="402674" cy="369332"/>
+          </a:xfrm>
+          <a:prstGeom prst="rect">
+            <a:avLst/>
+          </a:prstGeom>
+          <a:noFill/>
+        </p:spPr>
+        <p:txBody>
+          <a:bodyPr wrap="none" rtlCol="0">
+            <a:spAutoFit/>
+          </a:bodyPr>
+          <a:lstStyle/>
+          <a:p>
+            <a:r>
+              <a:rPr lang="en-US" dirty="0"/>
+              <a:t>FE</a:t>
+            </a:r>
+          </a:p>
+        </p:txBody>
+      </p:sp>
+      <p:sp>
+        <p:nvSpPr>
+          <p:cNvPr id="22" name="TextBox 21">
+            <a:extLst>
+              <a:ext uri="{FF2B5EF4-FFF2-40B4-BE49-F238E27FC236}">
+                <a16:creationId xmlns:a16="http://schemas.microsoft.com/office/drawing/2014/main" id="{A9D16197-6A6E-4759-83FC-E3AFFB60B6E0}"/>
+              </a:ext>
+            </a:extLst>
+          </p:cNvPr>
+          <p:cNvSpPr txBox="1"/>
+          <p:nvPr/>
+        </p:nvSpPr>
+        <p:spPr>
+          <a:xfrm>
+            <a:off x="2373103" y="4232516"/>
+            <a:ext cx="635110" cy="646331"/>
+          </a:xfrm>
+          <a:prstGeom prst="rect">
+            <a:avLst/>
+          </a:prstGeom>
+          <a:noFill/>
+        </p:spPr>
+        <p:txBody>
+          <a:bodyPr wrap="none" rtlCol="0">
+            <a:spAutoFit/>
+          </a:bodyPr>
+          <a:lstStyle/>
+          <a:p>
+            <a:r>
+              <a:rPr lang="en-US" dirty="0"/>
+              <a:t>MID </a:t>
+            </a:r>
+          </a:p>
+          <a:p>
+            <a:r>
+              <a:rPr lang="en-US" dirty="0"/>
+              <a:t>TIER</a:t>
+            </a:r>
+          </a:p>
+        </p:txBody>
+      </p:sp>
+      <p:sp>
+        <p:nvSpPr>
+          <p:cNvPr id="23" name="TextBox 22">
+            <a:extLst>
+              <a:ext uri="{FF2B5EF4-FFF2-40B4-BE49-F238E27FC236}">
+                <a16:creationId xmlns:a16="http://schemas.microsoft.com/office/drawing/2014/main" id="{CA2451D0-BC6A-4BB8-8C89-03C188AE9CD4}"/>
+              </a:ext>
+            </a:extLst>
+          </p:cNvPr>
+          <p:cNvSpPr txBox="1"/>
+          <p:nvPr/>
+        </p:nvSpPr>
+        <p:spPr>
+          <a:xfrm>
+            <a:off x="5211034" y="3294563"/>
+            <a:ext cx="402674" cy="369332"/>
+          </a:xfrm>
+          <a:prstGeom prst="rect">
+            <a:avLst/>
+          </a:prstGeom>
+          <a:noFill/>
+        </p:spPr>
+        <p:txBody>
+          <a:bodyPr wrap="none" rtlCol="0">
+            <a:spAutoFit/>
+          </a:bodyPr>
+          <a:lstStyle/>
+          <a:p>
+            <a:r>
+              <a:rPr lang="en-US" dirty="0"/>
+              <a:t>FE</a:t>
+            </a:r>
+          </a:p>
+        </p:txBody>
+      </p:sp>
+      <p:sp>
+        <p:nvSpPr>
+          <p:cNvPr id="24" name="TextBox 23">
+            <a:extLst>
+              <a:ext uri="{FF2B5EF4-FFF2-40B4-BE49-F238E27FC236}">
+                <a16:creationId xmlns:a16="http://schemas.microsoft.com/office/drawing/2014/main" id="{BA044653-CA52-40C2-9172-F2424C63D754}"/>
+              </a:ext>
+            </a:extLst>
+          </p:cNvPr>
+          <p:cNvSpPr txBox="1"/>
+          <p:nvPr/>
+        </p:nvSpPr>
+        <p:spPr>
+          <a:xfrm>
+            <a:off x="5164147" y="4169634"/>
+            <a:ext cx="635110" cy="646331"/>
+          </a:xfrm>
+          <a:prstGeom prst="rect">
+            <a:avLst/>
+          </a:prstGeom>
+          <a:noFill/>
+        </p:spPr>
+        <p:txBody>
+          <a:bodyPr wrap="none" rtlCol="0">
+            <a:spAutoFit/>
+          </a:bodyPr>
+          <a:lstStyle/>
+          <a:p>
+            <a:r>
+              <a:rPr lang="en-US" dirty="0"/>
+              <a:t>MID </a:t>
+            </a:r>
+          </a:p>
+          <a:p>
+            <a:r>
+              <a:rPr lang="en-US" dirty="0"/>
+              <a:t>TIER</a:t>
+            </a:r>
+          </a:p>
+        </p:txBody>
+      </p:sp>
+      <p:pic>
+        <p:nvPicPr>
+          <p:cNvPr id="26" name="Picture 25">
+            <a:extLst>
+              <a:ext uri="{FF2B5EF4-FFF2-40B4-BE49-F238E27FC236}">
+                <a16:creationId xmlns:a16="http://schemas.microsoft.com/office/drawing/2014/main" id="{6BA921DC-DB91-4A66-BACE-44A5D007D5D8}"/>
+              </a:ext>
+            </a:extLst>
+          </p:cNvPr>
+          <p:cNvPicPr>
+            <a:picLocks noChangeAspect="1"/>
+          </p:cNvPicPr>
+          <p:nvPr/>
+        </p:nvPicPr>
+        <p:blipFill>
+          <a:blip r:embed="rId7">
+            <a:extLst>
+              <a:ext uri="{28A0092B-C50C-407E-A947-70E740481C1C}">
+                <a14:useLocalDpi xmlns:a14="http://schemas.microsoft.com/office/drawing/2010/main" val="0"/>
+              </a:ext>
+            </a:extLst>
+          </a:blip>
+          <a:stretch>
+            <a:fillRect/>
+          </a:stretch>
+        </p:blipFill>
+        <p:spPr>
+          <a:xfrm>
+            <a:off x="6973339" y="1961701"/>
+            <a:ext cx="669689" cy="669688"/>
+          </a:xfrm>
+          <a:prstGeom prst="rect">
+            <a:avLst/>
+          </a:prstGeom>
+        </p:spPr>
+      </p:pic>
+      <p:sp>
+        <p:nvSpPr>
+          <p:cNvPr id="27" name="TextBox 26">
+            <a:extLst>
+              <a:ext uri="{FF2B5EF4-FFF2-40B4-BE49-F238E27FC236}">
+                <a16:creationId xmlns:a16="http://schemas.microsoft.com/office/drawing/2014/main" id="{B944EC12-6905-4667-9AB9-61BB101511C6}"/>
+              </a:ext>
+            </a:extLst>
+          </p:cNvPr>
+          <p:cNvSpPr txBox="1"/>
+          <p:nvPr/>
+        </p:nvSpPr>
+        <p:spPr>
+          <a:xfrm>
+            <a:off x="6635384" y="2685559"/>
+            <a:ext cx="1361598" cy="646331"/>
+          </a:xfrm>
+          <a:prstGeom prst="rect">
+            <a:avLst/>
+          </a:prstGeom>
+          <a:noFill/>
+        </p:spPr>
+        <p:txBody>
+          <a:bodyPr wrap="square" rtlCol="0">
+            <a:spAutoFit/>
+          </a:bodyPr>
+          <a:lstStyle/>
+          <a:p>
+            <a:pPr algn="ctr"/>
+            <a:r>
+              <a:rPr lang="en-US" dirty="0"/>
+              <a:t>OMS / Log Search</a:t>
+            </a:r>
+          </a:p>
+        </p:txBody>
+      </p:sp>
+      <p:pic>
+        <p:nvPicPr>
+          <p:cNvPr id="29" name="Picture 28">
+            <a:extLst>
+              <a:ext uri="{FF2B5EF4-FFF2-40B4-BE49-F238E27FC236}">
+                <a16:creationId xmlns:a16="http://schemas.microsoft.com/office/drawing/2014/main" id="{D5067D6D-C24D-463F-99F4-E9535FEEE39F}"/>
+              </a:ext>
+            </a:extLst>
+          </p:cNvPr>
+          <p:cNvPicPr>
+            <a:picLocks noChangeAspect="1"/>
+          </p:cNvPicPr>
+          <p:nvPr/>
+        </p:nvPicPr>
+        <p:blipFill>
+          <a:blip r:embed="rId8">
+            <a:extLst>
+              <a:ext uri="{28A0092B-C50C-407E-A947-70E740481C1C}">
+                <a14:useLocalDpi xmlns:a14="http://schemas.microsoft.com/office/drawing/2010/main" val="0"/>
+              </a:ext>
+            </a:extLst>
+          </a:blip>
+          <a:stretch>
+            <a:fillRect/>
+          </a:stretch>
+        </p:blipFill>
+        <p:spPr>
+          <a:xfrm>
+            <a:off x="6998440" y="4930695"/>
+            <a:ext cx="686444" cy="686444"/>
+          </a:xfrm>
+          <a:prstGeom prst="rect">
+            <a:avLst/>
+          </a:prstGeom>
+        </p:spPr>
+      </p:pic>
+      <p:sp>
+        <p:nvSpPr>
+          <p:cNvPr id="30" name="TextBox 29">
+            <a:extLst>
+              <a:ext uri="{FF2B5EF4-FFF2-40B4-BE49-F238E27FC236}">
+                <a16:creationId xmlns:a16="http://schemas.microsoft.com/office/drawing/2014/main" id="{18A1346D-C816-4FEE-9299-57BFF407F4B8}"/>
+              </a:ext>
+            </a:extLst>
+          </p:cNvPr>
+          <p:cNvSpPr txBox="1"/>
+          <p:nvPr/>
+        </p:nvSpPr>
+        <p:spPr>
+          <a:xfrm>
+            <a:off x="6820418" y="5575217"/>
+            <a:ext cx="991530" cy="584775"/>
+          </a:xfrm>
+          <a:prstGeom prst="rect">
+            <a:avLst/>
+          </a:prstGeom>
+          <a:noFill/>
+        </p:spPr>
+        <p:txBody>
+          <a:bodyPr wrap="square" rtlCol="0">
+            <a:spAutoFit/>
+          </a:bodyPr>
+          <a:lstStyle/>
+          <a:p>
+            <a:pPr algn="ctr"/>
+            <a:r>
+              <a:rPr lang="en-US" sz="1600" dirty="0">
+                <a:latin typeface="Open Sans" panose="020B0606030504020204" pitchFamily="34" charset="0"/>
+                <a:ea typeface="Open Sans" panose="020B0606030504020204" pitchFamily="34" charset="0"/>
+                <a:cs typeface="Open Sans" panose="020B0606030504020204" pitchFamily="34" charset="0"/>
+              </a:rPr>
+              <a:t>Azure Monitor</a:t>
+            </a:r>
+            <a:endParaRPr lang="en-US" sz="1200" dirty="0">
+              <a:latin typeface="Open Sans" panose="020B0606030504020204" pitchFamily="34" charset="0"/>
+              <a:ea typeface="Open Sans" panose="020B0606030504020204" pitchFamily="34" charset="0"/>
+              <a:cs typeface="Open Sans" panose="020B0606030504020204" pitchFamily="34" charset="0"/>
+            </a:endParaRPr>
+          </a:p>
+        </p:txBody>
+      </p:sp>
+      <p:pic>
+        <p:nvPicPr>
+          <p:cNvPr id="32" name="Picture 31">
+            <a:extLst>
+              <a:ext uri="{FF2B5EF4-FFF2-40B4-BE49-F238E27FC236}">
+                <a16:creationId xmlns:a16="http://schemas.microsoft.com/office/drawing/2014/main" id="{8FD1EF84-2D8F-459D-9434-8EF5980B421A}"/>
+              </a:ext>
+            </a:extLst>
+          </p:cNvPr>
+          <p:cNvPicPr>
+            <a:picLocks noChangeAspect="1"/>
+          </p:cNvPicPr>
+          <p:nvPr/>
+        </p:nvPicPr>
+        <p:blipFill>
+          <a:blip r:embed="rId9">
+            <a:extLst>
+              <a:ext uri="{28A0092B-C50C-407E-A947-70E740481C1C}">
+                <a14:useLocalDpi xmlns:a14="http://schemas.microsoft.com/office/drawing/2010/main" val="0"/>
+              </a:ext>
+            </a:extLst>
+          </a:blip>
+          <a:stretch>
+            <a:fillRect/>
+          </a:stretch>
+        </p:blipFill>
+        <p:spPr>
+          <a:xfrm>
+            <a:off x="6989704" y="3371743"/>
+            <a:ext cx="653324" cy="653325"/>
+          </a:xfrm>
+          <a:prstGeom prst="rect">
+            <a:avLst/>
+          </a:prstGeom>
+        </p:spPr>
+      </p:pic>
+      <p:sp>
+        <p:nvSpPr>
+          <p:cNvPr id="33" name="TextBox 32">
+            <a:extLst>
+              <a:ext uri="{FF2B5EF4-FFF2-40B4-BE49-F238E27FC236}">
+                <a16:creationId xmlns:a16="http://schemas.microsoft.com/office/drawing/2014/main" id="{984BC89A-EF9C-4255-A9E3-1B1030EBC1B5}"/>
+              </a:ext>
+            </a:extLst>
+          </p:cNvPr>
+          <p:cNvSpPr txBox="1"/>
+          <p:nvPr/>
+        </p:nvSpPr>
+        <p:spPr>
+          <a:xfrm>
+            <a:off x="6791186" y="4021758"/>
+            <a:ext cx="991529" cy="646331"/>
+          </a:xfrm>
+          <a:prstGeom prst="rect">
+            <a:avLst/>
+          </a:prstGeom>
+          <a:noFill/>
+        </p:spPr>
+        <p:txBody>
+          <a:bodyPr wrap="square" rtlCol="0">
+            <a:spAutoFit/>
+          </a:bodyPr>
+          <a:lstStyle/>
+          <a:p>
+            <a:pPr algn="ctr"/>
+            <a:r>
+              <a:rPr lang="en-US" dirty="0"/>
+              <a:t>App Insights</a:t>
+            </a:r>
+          </a:p>
+        </p:txBody>
+      </p:sp>
+      <p:pic>
+        <p:nvPicPr>
+          <p:cNvPr id="34" name="Picture 33">
+            <a:extLst>
+              <a:ext uri="{FF2B5EF4-FFF2-40B4-BE49-F238E27FC236}">
+                <a16:creationId xmlns:a16="http://schemas.microsoft.com/office/drawing/2014/main" id="{0B9ACF4B-85AE-4325-9FD4-BF1AE31AA101}"/>
+              </a:ext>
+            </a:extLst>
+          </p:cNvPr>
+          <p:cNvPicPr>
+            <a:picLocks noChangeAspect="1"/>
+          </p:cNvPicPr>
+          <p:nvPr/>
+        </p:nvPicPr>
+        <p:blipFill>
+          <a:blip r:embed="rId10">
+            <a:extLst>
+              <a:ext uri="{28A0092B-C50C-407E-A947-70E740481C1C}">
+                <a14:useLocalDpi xmlns:a14="http://schemas.microsoft.com/office/drawing/2010/main" val="0"/>
+              </a:ext>
+            </a:extLst>
+          </a:blip>
+          <a:stretch>
+            <a:fillRect/>
+          </a:stretch>
+        </p:blipFill>
+        <p:spPr>
+          <a:xfrm>
+            <a:off x="1964640" y="73723"/>
+            <a:ext cx="608150" cy="608150"/>
+          </a:xfrm>
+          <a:prstGeom prst="rect">
+            <a:avLst/>
+          </a:prstGeom>
+        </p:spPr>
+      </p:pic>
+      <p:pic>
+        <p:nvPicPr>
+          <p:cNvPr id="35" name="Picture 34" descr="multiple user icons different colors - vector Clip Art">
+            <a:extLst>
+              <a:ext uri="{FF2B5EF4-FFF2-40B4-BE49-F238E27FC236}">
+                <a16:creationId xmlns:a16="http://schemas.microsoft.com/office/drawing/2014/main" id="{B1D40254-BC7A-43F5-890F-EC4BDA1DA09D}"/>
+              </a:ext>
+            </a:extLst>
+          </p:cNvPr>
+          <p:cNvPicPr>
+            <a:picLocks noChangeAspect="1"/>
+          </p:cNvPicPr>
+          <p:nvPr/>
+        </p:nvPicPr>
+        <p:blipFill>
+          <a:blip r:embed="rId11">
+            <a:extLst>
+              <a:ext uri="{28A0092B-C50C-407E-A947-70E740481C1C}">
+                <a14:useLocalDpi xmlns:a14="http://schemas.microsoft.com/office/drawing/2010/main" val="0"/>
+              </a:ext>
+            </a:extLst>
+          </a:blip>
+          <a:stretch>
+            <a:fillRect/>
+          </a:stretch>
+        </p:blipFill>
+        <p:spPr>
+          <a:xfrm>
+            <a:off x="3149351" y="117735"/>
+            <a:ext cx="478795" cy="514705"/>
+          </a:xfrm>
+          <a:prstGeom prst="rect">
+            <a:avLst/>
+          </a:prstGeom>
+        </p:spPr>
+      </p:pic>
+      <p:cxnSp>
+        <p:nvCxnSpPr>
+          <p:cNvPr id="37" name="Straight Arrow Connector 36">
+            <a:extLst>
+              <a:ext uri="{FF2B5EF4-FFF2-40B4-BE49-F238E27FC236}">
+                <a16:creationId xmlns:a16="http://schemas.microsoft.com/office/drawing/2014/main" id="{47013818-6971-4F74-939D-ED77889F1BFD}"/>
+              </a:ext>
+            </a:extLst>
+          </p:cNvPr>
+          <p:cNvCxnSpPr>
+            <a:stCxn id="35" idx="2"/>
+            <a:endCxn id="13" idx="0"/>
+          </p:cNvCxnSpPr>
+          <p:nvPr/>
+        </p:nvCxnSpPr>
+        <p:spPr>
+          <a:xfrm>
+            <a:off x="3388749" y="632440"/>
+            <a:ext cx="0" cy="490799"/>
+          </a:xfrm>
+          <a:prstGeom prst="straightConnector1">
+            <a:avLst/>
+          </a:prstGeom>
+          <a:ln>
+            <a:tailEnd type="triangle"/>
+          </a:ln>
+        </p:spPr>
+        <p:style>
+          <a:lnRef idx="1">
+            <a:schemeClr val="accent1"/>
+          </a:lnRef>
+          <a:fillRef idx="0">
+            <a:schemeClr val="accent1"/>
+          </a:fillRef>
+          <a:effectRef idx="0">
+            <a:schemeClr val="accent1"/>
+          </a:effectRef>
+          <a:fontRef idx="minor">
+            <a:schemeClr val="tx1"/>
+          </a:fontRef>
+        </p:style>
+      </p:cxnSp>
+      <p:cxnSp>
+        <p:nvCxnSpPr>
+          <p:cNvPr id="38" name="Straight Arrow Connector 37">
+            <a:extLst>
+              <a:ext uri="{FF2B5EF4-FFF2-40B4-BE49-F238E27FC236}">
+                <a16:creationId xmlns:a16="http://schemas.microsoft.com/office/drawing/2014/main" id="{F731D298-FB4E-4BCF-9D41-1355354BE853}"/>
+              </a:ext>
+            </a:extLst>
+          </p:cNvPr>
+          <p:cNvCxnSpPr>
+            <a:cxnSpLocks/>
+            <a:stCxn id="35" idx="1"/>
+            <a:endCxn id="34" idx="3"/>
+          </p:cNvCxnSpPr>
+          <p:nvPr/>
+        </p:nvCxnSpPr>
+        <p:spPr>
+          <a:xfrm flipH="1">
+            <a:off x="2572790" y="375088"/>
+            <a:ext cx="576561" cy="2710"/>
+          </a:xfrm>
+          <a:prstGeom prst="straightConnector1">
+            <a:avLst/>
+          </a:prstGeom>
+          <a:ln>
+            <a:tailEnd type="triangle"/>
+          </a:ln>
+        </p:spPr>
+        <p:style>
+          <a:lnRef idx="1">
+            <a:schemeClr val="accent1"/>
+          </a:lnRef>
+          <a:fillRef idx="0">
+            <a:schemeClr val="accent1"/>
+          </a:fillRef>
+          <a:effectRef idx="0">
+            <a:schemeClr val="accent1"/>
+          </a:effectRef>
+          <a:fontRef idx="minor">
+            <a:schemeClr val="tx1"/>
+          </a:fontRef>
+        </p:style>
+      </p:cxnSp>
+      <p:cxnSp>
+        <p:nvCxnSpPr>
+          <p:cNvPr id="42" name="Straight Arrow Connector 41">
+            <a:extLst>
+              <a:ext uri="{FF2B5EF4-FFF2-40B4-BE49-F238E27FC236}">
+                <a16:creationId xmlns:a16="http://schemas.microsoft.com/office/drawing/2014/main" id="{8B06D9F2-34CE-442B-B45F-D52930B78270}"/>
+              </a:ext>
+            </a:extLst>
+          </p:cNvPr>
+          <p:cNvCxnSpPr>
+            <a:cxnSpLocks/>
+            <a:stCxn id="11" idx="2"/>
+            <a:endCxn id="14" idx="0"/>
+          </p:cNvCxnSpPr>
+          <p:nvPr/>
+        </p:nvCxnSpPr>
+        <p:spPr>
+          <a:xfrm flipH="1">
+            <a:off x="1988225" y="3940696"/>
+            <a:ext cx="4343" cy="333732"/>
+          </a:xfrm>
+          <a:prstGeom prst="straightConnector1">
+            <a:avLst/>
+          </a:prstGeom>
+          <a:ln w="28575">
+            <a:solidFill>
+              <a:schemeClr val="tx1"/>
+            </a:solidFill>
+            <a:tailEnd type="triangle"/>
+          </a:ln>
+        </p:spPr>
+        <p:style>
+          <a:lnRef idx="1">
+            <a:schemeClr val="accent1"/>
+          </a:lnRef>
+          <a:fillRef idx="0">
+            <a:schemeClr val="accent1"/>
+          </a:fillRef>
+          <a:effectRef idx="0">
+            <a:schemeClr val="accent1"/>
+          </a:effectRef>
+          <a:fontRef idx="minor">
+            <a:schemeClr val="tx1"/>
+          </a:fontRef>
+        </p:style>
+      </p:cxnSp>
+      <p:cxnSp>
+        <p:nvCxnSpPr>
+          <p:cNvPr id="46" name="Straight Arrow Connector 45">
+            <a:extLst>
+              <a:ext uri="{FF2B5EF4-FFF2-40B4-BE49-F238E27FC236}">
+                <a16:creationId xmlns:a16="http://schemas.microsoft.com/office/drawing/2014/main" id="{38462AF2-1921-4642-88B1-93F3DCD14233}"/>
+              </a:ext>
+            </a:extLst>
+          </p:cNvPr>
+          <p:cNvCxnSpPr>
+            <a:cxnSpLocks/>
+            <a:endCxn id="15" idx="0"/>
+          </p:cNvCxnSpPr>
+          <p:nvPr/>
+        </p:nvCxnSpPr>
+        <p:spPr>
+          <a:xfrm>
+            <a:off x="4779778" y="3946967"/>
+            <a:ext cx="5151" cy="297804"/>
+          </a:xfrm>
+          <a:prstGeom prst="straightConnector1">
+            <a:avLst/>
+          </a:prstGeom>
+          <a:ln w="28575">
+            <a:solidFill>
+              <a:schemeClr val="tx1"/>
+            </a:solidFill>
+            <a:tailEnd type="triangle"/>
+          </a:ln>
+        </p:spPr>
+        <p:style>
+          <a:lnRef idx="1">
+            <a:schemeClr val="accent1"/>
+          </a:lnRef>
+          <a:fillRef idx="0">
+            <a:schemeClr val="accent1"/>
+          </a:fillRef>
+          <a:effectRef idx="0">
+            <a:schemeClr val="accent1"/>
+          </a:effectRef>
+          <a:fontRef idx="minor">
+            <a:schemeClr val="tx1"/>
+          </a:fontRef>
+        </p:style>
+      </p:cxnSp>
+      <p:cxnSp>
+        <p:nvCxnSpPr>
+          <p:cNvPr id="48" name="Straight Arrow Connector 47">
+            <a:extLst>
+              <a:ext uri="{FF2B5EF4-FFF2-40B4-BE49-F238E27FC236}">
+                <a16:creationId xmlns:a16="http://schemas.microsoft.com/office/drawing/2014/main" id="{1956C536-186D-48E2-8AAC-71D23C53D188}"/>
+              </a:ext>
+            </a:extLst>
+          </p:cNvPr>
+          <p:cNvCxnSpPr>
+            <a:cxnSpLocks/>
+            <a:stCxn id="14" idx="2"/>
+            <a:endCxn id="17" idx="0"/>
+          </p:cNvCxnSpPr>
+          <p:nvPr/>
+        </p:nvCxnSpPr>
+        <p:spPr>
+          <a:xfrm>
+            <a:off x="1988225" y="5054718"/>
+            <a:ext cx="1400524" cy="836070"/>
+          </a:xfrm>
+          <a:prstGeom prst="straightConnector1">
+            <a:avLst/>
+          </a:prstGeom>
+          <a:ln w="28575">
+            <a:solidFill>
+              <a:schemeClr val="tx1"/>
+            </a:solidFill>
+            <a:tailEnd type="triangle"/>
+          </a:ln>
+        </p:spPr>
+        <p:style>
+          <a:lnRef idx="1">
+            <a:schemeClr val="accent1"/>
+          </a:lnRef>
+          <a:fillRef idx="0">
+            <a:schemeClr val="accent1"/>
+          </a:fillRef>
+          <a:effectRef idx="0">
+            <a:schemeClr val="accent1"/>
+          </a:effectRef>
+          <a:fontRef idx="minor">
+            <a:schemeClr val="tx1"/>
+          </a:fontRef>
+        </p:style>
+      </p:cxnSp>
+      <p:cxnSp>
+        <p:nvCxnSpPr>
+          <p:cNvPr id="51" name="Straight Arrow Connector 50">
+            <a:extLst>
+              <a:ext uri="{FF2B5EF4-FFF2-40B4-BE49-F238E27FC236}">
+                <a16:creationId xmlns:a16="http://schemas.microsoft.com/office/drawing/2014/main" id="{F3740B8D-E510-437D-9F35-7A07ACFB5FC8}"/>
+              </a:ext>
+            </a:extLst>
+          </p:cNvPr>
+          <p:cNvCxnSpPr>
+            <a:cxnSpLocks/>
+            <a:stCxn id="8" idx="2"/>
+            <a:endCxn id="17" idx="0"/>
+          </p:cNvCxnSpPr>
+          <p:nvPr/>
+        </p:nvCxnSpPr>
+        <p:spPr>
+          <a:xfrm flipH="1">
+            <a:off x="3388749" y="5147243"/>
+            <a:ext cx="1393836" cy="743545"/>
+          </a:xfrm>
+          <a:prstGeom prst="straightConnector1">
+            <a:avLst/>
+          </a:prstGeom>
+          <a:ln w="28575">
+            <a:solidFill>
+              <a:schemeClr val="tx1"/>
+            </a:solidFill>
+            <a:tailEnd type="triangle"/>
+          </a:ln>
+        </p:spPr>
+        <p:style>
+          <a:lnRef idx="1">
+            <a:schemeClr val="accent1"/>
+          </a:lnRef>
+          <a:fillRef idx="0">
+            <a:schemeClr val="accent1"/>
+          </a:fillRef>
+          <a:effectRef idx="0">
+            <a:schemeClr val="accent1"/>
+          </a:effectRef>
+          <a:fontRef idx="minor">
+            <a:schemeClr val="tx1"/>
+          </a:fontRef>
+        </p:style>
+      </p:cxnSp>
+      <p:cxnSp>
+        <p:nvCxnSpPr>
+          <p:cNvPr id="54" name="Straight Arrow Connector 53">
+            <a:extLst>
+              <a:ext uri="{FF2B5EF4-FFF2-40B4-BE49-F238E27FC236}">
+                <a16:creationId xmlns:a16="http://schemas.microsoft.com/office/drawing/2014/main" id="{E16A0888-0245-4290-AABC-150BAF63527E}"/>
+              </a:ext>
+            </a:extLst>
+          </p:cNvPr>
+          <p:cNvCxnSpPr>
+            <a:cxnSpLocks/>
+            <a:endCxn id="11" idx="1"/>
+          </p:cNvCxnSpPr>
+          <p:nvPr/>
+        </p:nvCxnSpPr>
+        <p:spPr>
+          <a:xfrm flipV="1">
+            <a:off x="253900" y="3550551"/>
+            <a:ext cx="1348523" cy="870"/>
+          </a:xfrm>
+          <a:prstGeom prst="straightConnector1">
+            <a:avLst/>
+          </a:prstGeom>
+          <a:ln w="28575">
+            <a:solidFill>
+              <a:schemeClr val="tx1"/>
+            </a:solidFill>
+            <a:tailEnd type="triangle"/>
+          </a:ln>
+        </p:spPr>
+        <p:style>
+          <a:lnRef idx="1">
+            <a:schemeClr val="accent1"/>
+          </a:lnRef>
+          <a:fillRef idx="0">
+            <a:schemeClr val="accent1"/>
+          </a:fillRef>
+          <a:effectRef idx="0">
+            <a:schemeClr val="accent1"/>
+          </a:effectRef>
+          <a:fontRef idx="minor">
+            <a:schemeClr val="tx1"/>
+          </a:fontRef>
+        </p:style>
+      </p:cxnSp>
+      <p:sp>
+        <p:nvSpPr>
+          <p:cNvPr id="64" name="TextBox 63">
+            <a:extLst>
+              <a:ext uri="{FF2B5EF4-FFF2-40B4-BE49-F238E27FC236}">
+                <a16:creationId xmlns:a16="http://schemas.microsoft.com/office/drawing/2014/main" id="{F9BB4968-A9A8-44D8-9EB0-199B2224DB85}"/>
+              </a:ext>
+            </a:extLst>
+          </p:cNvPr>
+          <p:cNvSpPr txBox="1"/>
+          <p:nvPr/>
+        </p:nvSpPr>
+        <p:spPr>
+          <a:xfrm>
+            <a:off x="-79118" y="3919580"/>
+            <a:ext cx="908518" cy="369332"/>
+          </a:xfrm>
+          <a:prstGeom prst="rect">
+            <a:avLst/>
+          </a:prstGeom>
+          <a:noFill/>
+        </p:spPr>
+        <p:txBody>
+          <a:bodyPr wrap="none" rtlCol="0">
+            <a:spAutoFit/>
+          </a:bodyPr>
+          <a:lstStyle/>
+          <a:p>
+            <a:r>
+              <a:rPr lang="en-US" dirty="0"/>
+              <a:t>DevOps</a:t>
+            </a:r>
+          </a:p>
+        </p:txBody>
+      </p:sp>
+      <p:pic>
+        <p:nvPicPr>
+          <p:cNvPr id="39" name="Picture 38">
+            <a:extLst>
+              <a:ext uri="{FF2B5EF4-FFF2-40B4-BE49-F238E27FC236}">
+                <a16:creationId xmlns:a16="http://schemas.microsoft.com/office/drawing/2014/main" id="{8B6AE27E-7401-4516-8589-76B653B76C4A}"/>
+              </a:ext>
+            </a:extLst>
+          </p:cNvPr>
+          <p:cNvPicPr>
+            <a:picLocks noChangeAspect="1"/>
+          </p:cNvPicPr>
+          <p:nvPr/>
+        </p:nvPicPr>
+        <p:blipFill>
+          <a:blip r:embed="rId12">
+            <a:extLst>
+              <a:ext uri="{28A0092B-C50C-407E-A947-70E740481C1C}">
+                <a14:useLocalDpi xmlns:a14="http://schemas.microsoft.com/office/drawing/2010/main" val="0"/>
+              </a:ext>
+            </a:extLst>
+          </a:blip>
+          <a:stretch>
+            <a:fillRect/>
+          </a:stretch>
+        </p:blipFill>
+        <p:spPr>
+          <a:xfrm>
+            <a:off x="61357" y="3261886"/>
+            <a:ext cx="464686" cy="579070"/>
+          </a:xfrm>
+          <a:prstGeom prst="rect">
+            <a:avLst/>
+          </a:prstGeom>
+        </p:spPr>
+      </p:pic>
+      <p:sp>
+        <p:nvSpPr>
+          <p:cNvPr id="40" name="Rectangle 39">
+            <a:extLst>
+              <a:ext uri="{FF2B5EF4-FFF2-40B4-BE49-F238E27FC236}">
+                <a16:creationId xmlns:a16="http://schemas.microsoft.com/office/drawing/2014/main" id="{64FFCF27-B03F-4994-8771-3A395A2F1698}"/>
+              </a:ext>
+            </a:extLst>
+          </p:cNvPr>
+          <p:cNvSpPr/>
+          <p:nvPr/>
+        </p:nvSpPr>
+        <p:spPr>
+          <a:xfrm>
+            <a:off x="765845" y="1116968"/>
+            <a:ext cx="5245808" cy="261610"/>
+          </a:xfrm>
+          <a:prstGeom prst="rect">
+            <a:avLst/>
+          </a:prstGeom>
+          <a:solidFill>
+            <a:schemeClr val="bg1">
+              <a:lumMod val="85000"/>
+              <a:alpha val="80000"/>
+            </a:schemeClr>
+          </a:solidFill>
+        </p:spPr>
+        <p:txBody>
+          <a:bodyPr wrap="square">
+            <a:spAutoFit/>
+          </a:bodyPr>
+          <a:lstStyle/>
+          <a:p>
+            <a:r>
+              <a:rPr lang="en-US" sz="1100" dirty="0"/>
+              <a:t>RG-NETWORKING</a:t>
+            </a:r>
+          </a:p>
+        </p:txBody>
+      </p:sp>
+      <p:sp>
+        <p:nvSpPr>
+          <p:cNvPr id="41" name="Rectangle 40">
+            <a:extLst>
+              <a:ext uri="{FF2B5EF4-FFF2-40B4-BE49-F238E27FC236}">
+                <a16:creationId xmlns:a16="http://schemas.microsoft.com/office/drawing/2014/main" id="{7112A0FC-2237-4695-9349-20BD809E48B0}"/>
+              </a:ext>
+            </a:extLst>
+          </p:cNvPr>
+          <p:cNvSpPr/>
+          <p:nvPr/>
+        </p:nvSpPr>
+        <p:spPr>
+          <a:xfrm>
+            <a:off x="765844" y="2911836"/>
+            <a:ext cx="2453447" cy="269738"/>
+          </a:xfrm>
+          <a:prstGeom prst="rect">
+            <a:avLst/>
+          </a:prstGeom>
+          <a:solidFill>
+            <a:schemeClr val="bg1">
+              <a:lumMod val="85000"/>
+              <a:alpha val="80000"/>
+            </a:schemeClr>
+          </a:solidFill>
+        </p:spPr>
+        <p:txBody>
+          <a:bodyPr wrap="square">
+            <a:spAutoFit/>
+          </a:bodyPr>
+          <a:lstStyle/>
+          <a:p>
+            <a:r>
+              <a:rPr lang="en-US" sz="1100" dirty="0"/>
+              <a:t>RG-V2</a:t>
+            </a:r>
+          </a:p>
+        </p:txBody>
+      </p:sp>
+      <p:sp>
+        <p:nvSpPr>
+          <p:cNvPr id="43" name="Rectangle 42">
+            <a:extLst>
+              <a:ext uri="{FF2B5EF4-FFF2-40B4-BE49-F238E27FC236}">
+                <a16:creationId xmlns:a16="http://schemas.microsoft.com/office/drawing/2014/main" id="{CED5222F-12F8-4C07-8DE6-A8C81039FE5F}"/>
+              </a:ext>
+            </a:extLst>
+          </p:cNvPr>
+          <p:cNvSpPr/>
+          <p:nvPr/>
+        </p:nvSpPr>
+        <p:spPr>
+          <a:xfrm>
+            <a:off x="3566772" y="2911068"/>
+            <a:ext cx="2439338" cy="268900"/>
+          </a:xfrm>
+          <a:prstGeom prst="rect">
+            <a:avLst/>
+          </a:prstGeom>
+          <a:solidFill>
+            <a:schemeClr val="bg1">
+              <a:lumMod val="85000"/>
+              <a:alpha val="80000"/>
+            </a:schemeClr>
+          </a:solidFill>
+        </p:spPr>
+        <p:txBody>
+          <a:bodyPr wrap="square">
+            <a:spAutoFit/>
+          </a:bodyPr>
+          <a:lstStyle/>
+          <a:p>
+            <a:r>
+              <a:rPr lang="en-US" sz="1100" dirty="0"/>
+              <a:t>RG-V1</a:t>
+            </a:r>
+          </a:p>
+        </p:txBody>
+      </p:sp>
+      <p:sp>
+        <p:nvSpPr>
+          <p:cNvPr id="45" name="Rectangle 44">
+            <a:extLst>
+              <a:ext uri="{FF2B5EF4-FFF2-40B4-BE49-F238E27FC236}">
+                <a16:creationId xmlns:a16="http://schemas.microsoft.com/office/drawing/2014/main" id="{7E8E3C9B-9A6E-4D2A-B8FB-82056CBF51CF}"/>
+              </a:ext>
+            </a:extLst>
+          </p:cNvPr>
+          <p:cNvSpPr/>
+          <p:nvPr/>
+        </p:nvSpPr>
+        <p:spPr>
+          <a:xfrm>
+            <a:off x="6192518" y="1127051"/>
+            <a:ext cx="2163271" cy="261610"/>
+          </a:xfrm>
+          <a:prstGeom prst="rect">
+            <a:avLst/>
+          </a:prstGeom>
+          <a:solidFill>
+            <a:schemeClr val="bg1">
+              <a:lumMod val="85000"/>
+              <a:alpha val="80000"/>
+            </a:schemeClr>
+          </a:solidFill>
+        </p:spPr>
+        <p:txBody>
+          <a:bodyPr wrap="square">
+            <a:spAutoFit/>
+          </a:bodyPr>
+          <a:lstStyle/>
+          <a:p>
+            <a:r>
+              <a:rPr lang="en-US" sz="1100" dirty="0"/>
+              <a:t>RG-NETWORKING</a:t>
+            </a:r>
+          </a:p>
+        </p:txBody>
+      </p:sp>
+      <p:sp>
+        <p:nvSpPr>
+          <p:cNvPr id="49" name="TextBox 48">
+            <a:extLst>
+              <a:ext uri="{FF2B5EF4-FFF2-40B4-BE49-F238E27FC236}">
+                <a16:creationId xmlns:a16="http://schemas.microsoft.com/office/drawing/2014/main" id="{4AEF6160-6996-4CCA-9FB6-BAE87555F1DB}"/>
+              </a:ext>
+            </a:extLst>
+          </p:cNvPr>
+          <p:cNvSpPr txBox="1"/>
+          <p:nvPr/>
+        </p:nvSpPr>
+        <p:spPr>
+          <a:xfrm>
+            <a:off x="540295" y="3307118"/>
+            <a:ext cx="636841" cy="276999"/>
+          </a:xfrm>
+          <a:prstGeom prst="rect">
+            <a:avLst/>
+          </a:prstGeom>
+          <a:noFill/>
+        </p:spPr>
+        <p:txBody>
+          <a:bodyPr wrap="none" rtlCol="0">
+            <a:spAutoFit/>
+          </a:bodyPr>
+          <a:lstStyle/>
+          <a:p>
+            <a:r>
+              <a:rPr lang="en-US" sz="1200" dirty="0"/>
+              <a:t>verifies</a:t>
+            </a:r>
+          </a:p>
+        </p:txBody>
+      </p:sp>
+      <p:sp>
+        <p:nvSpPr>
+          <p:cNvPr id="50" name="Rectangle 49">
+            <a:extLst>
+              <a:ext uri="{FF2B5EF4-FFF2-40B4-BE49-F238E27FC236}">
+                <a16:creationId xmlns:a16="http://schemas.microsoft.com/office/drawing/2014/main" id="{EC236BEA-4FF7-4BC6-BE5F-B68EF3B94371}"/>
+              </a:ext>
+            </a:extLst>
+          </p:cNvPr>
+          <p:cNvSpPr/>
+          <p:nvPr/>
+        </p:nvSpPr>
+        <p:spPr>
+          <a:xfrm>
+            <a:off x="9092618" y="0"/>
+            <a:ext cx="3099381" cy="6858000"/>
+          </a:xfrm>
+          <a:prstGeom prst="rect">
+            <a:avLst/>
+          </a:prstGeom>
+          <a:solidFill>
+            <a:schemeClr val="bg1">
+              <a:lumMod val="75000"/>
+            </a:schemeClr>
+          </a:solidFill>
+          <a:ln>
+            <a:noFill/>
+          </a:ln>
+        </p:spPr>
+        <p:style>
+          <a:lnRef idx="2">
+            <a:schemeClr val="accent1">
+              <a:shade val="50000"/>
+            </a:schemeClr>
+          </a:lnRef>
+          <a:fillRef idx="1">
+            <a:schemeClr val="accent1"/>
+          </a:fillRef>
+          <a:effectRef idx="0">
+            <a:schemeClr val="accent1"/>
+          </a:effectRef>
+          <a:fontRef idx="minor">
+            <a:schemeClr val="lt1"/>
+          </a:fontRef>
+        </p:style>
+        <p:txBody>
+          <a:bodyPr rot="0" spcFirstLastPara="0" vertOverflow="overflow" horzOverflow="overflow" vert="horz" wrap="square" lIns="109728" tIns="54864" rIns="109728" bIns="54864" numCol="1" spcCol="0" rtlCol="0" fromWordArt="0" anchor="ctr" anchorCtr="0" forceAA="0" compatLnSpc="1">
+            <a:prstTxWarp prst="textNoShape">
+              <a:avLst/>
+            </a:prstTxWarp>
+            <a:noAutofit/>
+          </a:bodyPr>
+          <a:lstStyle/>
+          <a:p>
+            <a:pPr algn="ctr"/>
+            <a:endParaRPr lang="en-US" sz="2160" dirty="0"/>
+          </a:p>
+        </p:txBody>
+      </p:sp>
+      <p:graphicFrame>
+        <p:nvGraphicFramePr>
+          <p:cNvPr id="52" name="Table 51">
+            <a:extLst>
+              <a:ext uri="{FF2B5EF4-FFF2-40B4-BE49-F238E27FC236}">
+                <a16:creationId xmlns:a16="http://schemas.microsoft.com/office/drawing/2014/main" id="{BC48272C-EE20-4238-836A-01EC9DFE39F4}"/>
+              </a:ext>
+            </a:extLst>
+          </p:cNvPr>
+          <p:cNvGraphicFramePr>
+            <a:graphicFrameLocks noGrp="1"/>
+          </p:cNvGraphicFramePr>
+          <p:nvPr>
+            <p:extLst>
+              <p:ext uri="{D42A27DB-BD31-4B8C-83A1-F6EECF244321}">
+                <p14:modId xmlns:p14="http://schemas.microsoft.com/office/powerpoint/2010/main" val="4259465647"/>
+              </p:ext>
+            </p:extLst>
+          </p:nvPr>
+        </p:nvGraphicFramePr>
+        <p:xfrm>
+          <a:off x="9334943" y="1508144"/>
+          <a:ext cx="2480266" cy="746786"/>
+        </p:xfrm>
+        <a:graphic>
+          <a:graphicData uri="http://schemas.openxmlformats.org/drawingml/2006/table">
+            <a:tbl>
+              <a:tblPr firstRow="1">
+                <a:tableStyleId>{5C22544A-7EE6-4342-B048-85BDC9FD1C3A}</a:tableStyleId>
+              </a:tblPr>
+              <a:tblGrid>
+                <a:gridCol w="438106">
+                  <a:extLst>
+                    <a:ext uri="{9D8B030D-6E8A-4147-A177-3AD203B41FA5}">
+                      <a16:colId xmlns:a16="http://schemas.microsoft.com/office/drawing/2014/main" val="2690540099"/>
+                    </a:ext>
+                  </a:extLst>
+                </a:gridCol>
+                <a:gridCol w="2042160">
+                  <a:extLst>
+                    <a:ext uri="{9D8B030D-6E8A-4147-A177-3AD203B41FA5}">
+                      <a16:colId xmlns:a16="http://schemas.microsoft.com/office/drawing/2014/main" val="1884880132"/>
+                    </a:ext>
+                  </a:extLst>
+                </a:gridCol>
+              </a:tblGrid>
+              <a:tr h="303382">
+                <a:tc>
+                  <a:txBody>
+                    <a:bodyPr/>
+                    <a:lstStyle/>
+                    <a:p>
+                      <a:r>
+                        <a:rPr lang="en-US" sz="800" dirty="0"/>
+                        <a:t>STEP</a:t>
+                      </a:r>
+                    </a:p>
+                  </a:txBody>
+                  <a:tcPr marL="109728" marR="109728" marT="54864" marB="54864">
+                    <a:lnL w="12700" cmpd="sng">
+                      <a:noFill/>
+                    </a:lnL>
+                    <a:lnR w="12700" cmpd="sng">
+                      <a:noFill/>
+                    </a:lnR>
+                    <a:lnT w="12700" cmpd="sng">
+                      <a:noFill/>
+                    </a:lnT>
+                    <a:lnB w="38100" cmpd="sng">
+                      <a:noFill/>
+                    </a:lnB>
+                    <a:lnTlToBr w="12700" cmpd="sng">
+                      <a:noFill/>
+                      <a:prstDash val="solid"/>
+                    </a:lnTlToBr>
+                    <a:lnBlToTr w="12700" cmpd="sng">
+                      <a:noFill/>
+                      <a:prstDash val="solid"/>
+                    </a:lnBlToTr>
+                  </a:tcPr>
+                </a:tc>
+                <a:tc>
+                  <a:txBody>
+                    <a:bodyPr/>
+                    <a:lstStyle/>
+                    <a:p>
+                      <a:r>
+                        <a:rPr lang="en-US" sz="800" b="1" kern="1200" dirty="0">
+                          <a:solidFill>
+                            <a:schemeClr val="lt1"/>
+                          </a:solidFill>
+                          <a:latin typeface="+mn-lt"/>
+                          <a:ea typeface="+mn-ea"/>
+                          <a:cs typeface="+mn-cs"/>
+                        </a:rPr>
+                        <a:t>EVENT</a:t>
+                      </a:r>
+                    </a:p>
+                  </a:txBody>
+                  <a:tcPr marL="109728" marR="109728" marT="54864" marB="54864">
+                    <a:lnL w="12700" cmpd="sng">
+                      <a:noFill/>
+                    </a:lnL>
+                    <a:lnR w="12700" cmpd="sng">
+                      <a:noFill/>
+                    </a:lnR>
+                    <a:lnT w="12700" cmpd="sng">
+                      <a:noFill/>
+                    </a:lnT>
+                    <a:lnB w="38100" cmpd="sng">
+                      <a:noFill/>
+                    </a:lnB>
+                    <a:lnTlToBr w="12700" cmpd="sng">
+                      <a:noFill/>
+                      <a:prstDash val="solid"/>
+                    </a:lnTlToBr>
+                    <a:lnBlToTr w="12700" cmpd="sng">
+                      <a:noFill/>
+                      <a:prstDash val="solid"/>
+                    </a:lnBlToTr>
+                  </a:tcPr>
+                </a:tc>
+                <a:extLst>
+                  <a:ext uri="{0D108BD9-81ED-4DB2-BD59-A6C34878D82A}">
+                    <a16:rowId xmlns:a16="http://schemas.microsoft.com/office/drawing/2014/main" val="1426359565"/>
+                  </a:ext>
+                </a:extLst>
+              </a:tr>
+              <a:tr h="443404">
+                <a:tc>
+                  <a:txBody>
+                    <a:bodyPr/>
+                    <a:lstStyle/>
+                    <a:p>
+                      <a:r>
+                        <a:rPr lang="en-US" sz="1600" dirty="0"/>
+                        <a:t>0</a:t>
+                      </a:r>
+                    </a:p>
+                  </a:txBody>
+                  <a:tcPr marL="109728" marR="109728" marT="54864" marB="54864" anchor="ctr">
+                    <a:lnL w="12700" cmpd="sng">
+                      <a:noFill/>
+                    </a:lnL>
+                    <a:lnR w="12700" cap="flat" cmpd="sng" algn="ctr">
+                      <a:solidFill>
+                        <a:schemeClr val="tx1"/>
+                      </a:solidFill>
+                      <a:prstDash val="sysDot"/>
+                      <a:round/>
+                      <a:headEnd type="none" w="med" len="med"/>
+                      <a:tailEnd type="none" w="med" len="med"/>
+                    </a:lnR>
+                    <a:lnT w="38100" cmpd="sng">
+                      <a:noFill/>
+                    </a:lnT>
+                    <a:lnB w="12700" cap="flat" cmpd="sng" algn="ctr">
+                      <a:solidFill>
+                        <a:schemeClr val="tx1"/>
+                      </a:solidFill>
+                      <a:prstDash val="sysDot"/>
+                      <a:round/>
+                      <a:headEnd type="none" w="med" len="med"/>
+                      <a:tailEnd type="none" w="med" len="med"/>
+                    </a:lnB>
+                    <a:lnTlToBr w="12700" cmpd="sng">
+                      <a:noFill/>
+                      <a:prstDash val="solid"/>
+                    </a:lnTlToBr>
+                    <a:lnBlToTr w="12700" cmpd="sng">
+                      <a:noFill/>
+                      <a:prstDash val="solid"/>
+                    </a:lnBlToTr>
+                    <a:solidFill>
+                      <a:schemeClr val="bg1"/>
+                    </a:solidFill>
+                  </a:tcPr>
+                </a:tc>
+                <a:tc>
+                  <a:txBody>
+                    <a:bodyPr/>
+                    <a:lstStyle/>
+                    <a:p>
+                      <a:pPr marL="0" marR="0" lvl="0" indent="0" algn="l" defTabSz="685800" rtl="0" eaLnBrk="1" fontAlgn="auto" latinLnBrk="0" hangingPunct="1">
+                        <a:lnSpc>
+                          <a:spcPct val="100000"/>
+                        </a:lnSpc>
+                        <a:spcBef>
+                          <a:spcPts val="0"/>
+                        </a:spcBef>
+                        <a:spcAft>
+                          <a:spcPts val="0"/>
+                        </a:spcAft>
+                        <a:buClrTx/>
+                        <a:buSzTx/>
+                        <a:buFontTx/>
+                        <a:buNone/>
+                        <a:tabLst/>
+                        <a:defRPr/>
+                      </a:pPr>
+                      <a:r>
+                        <a:rPr lang="en-US" sz="1000" dirty="0">
+                          <a:latin typeface="Open Sans" panose="020B0606030504020204" pitchFamily="34" charset="0"/>
+                          <a:ea typeface="Open Sans" panose="020B0606030504020204" pitchFamily="34" charset="0"/>
+                          <a:cs typeface="Open Sans" panose="020B0606030504020204" pitchFamily="34" charset="0"/>
+                        </a:rPr>
+                        <a:t>Blank Azure Subscription</a:t>
+                      </a:r>
+                      <a:endParaRPr lang="en-US" sz="200" dirty="0">
+                        <a:latin typeface="Open Sans" panose="020B0606030504020204" pitchFamily="34" charset="0"/>
+                        <a:ea typeface="Open Sans" panose="020B0606030504020204" pitchFamily="34" charset="0"/>
+                        <a:cs typeface="Open Sans" panose="020B0606030504020204" pitchFamily="34" charset="0"/>
+                      </a:endParaRPr>
+                    </a:p>
+                  </a:txBody>
+                  <a:tcPr marL="109728" marR="109728" marT="54864" marB="54864">
+                    <a:lnL w="12700" cap="flat" cmpd="sng" algn="ctr">
+                      <a:solidFill>
+                        <a:schemeClr val="tx1"/>
+                      </a:solidFill>
+                      <a:prstDash val="sysDot"/>
+                      <a:round/>
+                      <a:headEnd type="none" w="med" len="med"/>
+                      <a:tailEnd type="none" w="med" len="med"/>
+                    </a:lnL>
+                    <a:lnR w="12700" cmpd="sng">
+                      <a:noFill/>
+                    </a:lnR>
+                    <a:lnT w="38100" cmpd="sng">
+                      <a:noFill/>
+                    </a:lnT>
+                    <a:lnB w="12700" cap="flat" cmpd="sng" algn="ctr">
+                      <a:solidFill>
+                        <a:schemeClr val="tx1"/>
+                      </a:solidFill>
+                      <a:prstDash val="sysDot"/>
+                      <a:round/>
+                      <a:headEnd type="none" w="med" len="med"/>
+                      <a:tailEnd type="none" w="med" len="med"/>
+                    </a:lnB>
+                    <a:lnTlToBr w="12700" cmpd="sng">
+                      <a:noFill/>
+                      <a:prstDash val="solid"/>
+                    </a:lnTlToBr>
+                    <a:lnBlToTr w="12700" cmpd="sng">
+                      <a:noFill/>
+                      <a:prstDash val="solid"/>
+                    </a:lnBlToTr>
+                    <a:solidFill>
+                      <a:schemeClr val="bg1"/>
+                    </a:solidFill>
+                  </a:tcPr>
+                </a:tc>
+                <a:extLst>
+                  <a:ext uri="{0D108BD9-81ED-4DB2-BD59-A6C34878D82A}">
+                    <a16:rowId xmlns:a16="http://schemas.microsoft.com/office/drawing/2014/main" val="417872996"/>
+                  </a:ext>
+                </a:extLst>
+              </a:tr>
+            </a:tbl>
+          </a:graphicData>
+        </a:graphic>
+      </p:graphicFrame>
+      <p:sp>
+        <p:nvSpPr>
+          <p:cNvPr id="53" name="TextBox 52">
+            <a:extLst>
+              <a:ext uri="{FF2B5EF4-FFF2-40B4-BE49-F238E27FC236}">
+                <a16:creationId xmlns:a16="http://schemas.microsoft.com/office/drawing/2014/main" id="{76568F4A-94B2-45B4-811F-5277F0981E16}"/>
+              </a:ext>
+            </a:extLst>
+          </p:cNvPr>
+          <p:cNvSpPr txBox="1"/>
+          <p:nvPr/>
+        </p:nvSpPr>
+        <p:spPr>
+          <a:xfrm>
+            <a:off x="9092618" y="17500"/>
+            <a:ext cx="3099380" cy="1089529"/>
+          </a:xfrm>
+          <a:prstGeom prst="rect">
+            <a:avLst/>
+          </a:prstGeom>
+          <a:solidFill>
+            <a:schemeClr val="tx1"/>
+          </a:solidFill>
+        </p:spPr>
+        <p:txBody>
+          <a:bodyPr wrap="square" rtlCol="0">
+            <a:spAutoFit/>
+          </a:bodyPr>
+          <a:lstStyle/>
+          <a:p>
+            <a:r>
+              <a:rPr lang="en-US" sz="2160" dirty="0">
+                <a:solidFill>
+                  <a:schemeClr val="bg1"/>
+                </a:solidFill>
+              </a:rPr>
+              <a:t>DEMO </a:t>
+            </a:r>
+          </a:p>
+          <a:p>
+            <a:r>
+              <a:rPr lang="en-US" sz="2160" dirty="0">
+                <a:solidFill>
+                  <a:schemeClr val="bg1"/>
+                </a:solidFill>
+              </a:rPr>
+              <a:t>SEQUENCE</a:t>
+            </a:r>
+          </a:p>
+          <a:p>
+            <a:endParaRPr lang="en-US" sz="2160" dirty="0">
+              <a:solidFill>
+                <a:schemeClr val="bg1"/>
+              </a:solidFill>
+            </a:endParaRPr>
+          </a:p>
+        </p:txBody>
+      </p:sp>
+      <p:graphicFrame>
+        <p:nvGraphicFramePr>
+          <p:cNvPr id="31" name="Table 30">
+            <a:extLst>
+              <a:ext uri="{FF2B5EF4-FFF2-40B4-BE49-F238E27FC236}">
+                <a16:creationId xmlns:a16="http://schemas.microsoft.com/office/drawing/2014/main" id="{E850B8E3-1759-463C-B8FE-A27074C8A1B5}"/>
+              </a:ext>
+            </a:extLst>
+          </p:cNvPr>
+          <p:cNvGraphicFramePr>
+            <a:graphicFrameLocks noGrp="1"/>
+          </p:cNvGraphicFramePr>
+          <p:nvPr>
+            <p:extLst>
+              <p:ext uri="{D42A27DB-BD31-4B8C-83A1-F6EECF244321}">
+                <p14:modId xmlns:p14="http://schemas.microsoft.com/office/powerpoint/2010/main" val="586067078"/>
+              </p:ext>
+            </p:extLst>
+          </p:nvPr>
+        </p:nvGraphicFramePr>
+        <p:xfrm>
+          <a:off x="9334943" y="2237626"/>
+          <a:ext cx="2480266" cy="734568"/>
+        </p:xfrm>
+        <a:graphic>
+          <a:graphicData uri="http://schemas.openxmlformats.org/drawingml/2006/table">
+            <a:tbl>
+              <a:tblPr firstRow="1">
+                <a:tableStyleId>{5940675A-B579-460E-94D1-54222C63F5DA}</a:tableStyleId>
+              </a:tblPr>
+              <a:tblGrid>
+                <a:gridCol w="438106">
+                  <a:extLst>
+                    <a:ext uri="{9D8B030D-6E8A-4147-A177-3AD203B41FA5}">
+                      <a16:colId xmlns:a16="http://schemas.microsoft.com/office/drawing/2014/main" val="3091912266"/>
+                    </a:ext>
+                  </a:extLst>
+                </a:gridCol>
+                <a:gridCol w="2042160">
+                  <a:extLst>
+                    <a:ext uri="{9D8B030D-6E8A-4147-A177-3AD203B41FA5}">
+                      <a16:colId xmlns:a16="http://schemas.microsoft.com/office/drawing/2014/main" val="616119238"/>
+                    </a:ext>
+                  </a:extLst>
+                </a:gridCol>
+              </a:tblGrid>
+              <a:tr h="700112">
+                <a:tc>
+                  <a:txBody>
+                    <a:bodyPr/>
+                    <a:lstStyle/>
+                    <a:p>
+                      <a:pPr marL="0" marR="0" lvl="0" indent="0" algn="l" defTabSz="685773" rtl="0" eaLnBrk="1" fontAlgn="auto" latinLnBrk="0" hangingPunct="1">
+                        <a:lnSpc>
+                          <a:spcPct val="100000"/>
+                        </a:lnSpc>
+                        <a:spcBef>
+                          <a:spcPts val="0"/>
+                        </a:spcBef>
+                        <a:spcAft>
+                          <a:spcPts val="0"/>
+                        </a:spcAft>
+                        <a:buClrTx/>
+                        <a:buSzTx/>
+                        <a:buFontTx/>
+                        <a:buNone/>
+                        <a:tabLst/>
+                        <a:defRPr/>
+                      </a:pPr>
+                      <a:r>
+                        <a:rPr lang="en-US" sz="1600" kern="1200" dirty="0"/>
+                        <a:t>1</a:t>
+                      </a:r>
+                      <a:endParaRPr lang="en-US" sz="1600" kern="1200" dirty="0">
+                        <a:solidFill>
+                          <a:schemeClr val="dk1"/>
+                        </a:solidFill>
+                        <a:latin typeface="+mn-lt"/>
+                        <a:ea typeface="+mn-ea"/>
+                        <a:cs typeface="+mn-cs"/>
+                      </a:endParaRPr>
+                    </a:p>
+                  </a:txBody>
+                  <a:tcPr marL="109728" marR="109728" marT="54864" marB="54864" anchor="ctr">
+                    <a:solidFill>
+                      <a:schemeClr val="bg1"/>
+                    </a:solidFill>
+                  </a:tcPr>
+                </a:tc>
+                <a:tc>
+                  <a:txBody>
+                    <a:bodyPr/>
+                    <a:lstStyle/>
+                    <a:p>
+                      <a:pPr marL="0" marR="0" lvl="0" indent="0" algn="l" defTabSz="685800" rtl="0" eaLnBrk="1" fontAlgn="auto" latinLnBrk="0" hangingPunct="1">
+                        <a:lnSpc>
+                          <a:spcPct val="100000"/>
+                        </a:lnSpc>
+                        <a:spcBef>
+                          <a:spcPts val="0"/>
+                        </a:spcBef>
+                        <a:spcAft>
+                          <a:spcPts val="0"/>
+                        </a:spcAft>
+                        <a:buClrTx/>
+                        <a:buSzTx/>
+                        <a:buFontTx/>
+                        <a:buNone/>
+                        <a:tabLst/>
+                        <a:defRPr/>
+                      </a:pPr>
+                      <a:r>
+                        <a:rPr lang="en-US" sz="1100" b="1" kern="1200" dirty="0"/>
+                        <a:t>Site admin </a:t>
+                      </a:r>
+                    </a:p>
+                    <a:p>
+                      <a:pPr marL="171450" marR="0" lvl="0" indent="-171450" algn="l" defTabSz="685800" rtl="0" eaLnBrk="1" fontAlgn="auto" latinLnBrk="0" hangingPunct="1">
+                        <a:lnSpc>
+                          <a:spcPct val="100000"/>
+                        </a:lnSpc>
+                        <a:spcBef>
+                          <a:spcPts val="0"/>
+                        </a:spcBef>
+                        <a:spcAft>
+                          <a:spcPts val="0"/>
+                        </a:spcAft>
+                        <a:buClrTx/>
+                        <a:buSzTx/>
+                        <a:buFont typeface="Arial" panose="020B0604020202020204" pitchFamily="34" charset="0"/>
+                        <a:buChar char="•"/>
+                        <a:tabLst/>
+                        <a:defRPr/>
+                      </a:pPr>
+                      <a:r>
+                        <a:rPr lang="en-US" sz="1000" kern="1200" dirty="0"/>
+                        <a:t>DEPLOYS entire stack containing V1</a:t>
+                      </a:r>
+                    </a:p>
+                    <a:p>
+                      <a:pPr marL="171450" marR="0" lvl="0" indent="-171450" algn="l" defTabSz="685800" rtl="0" eaLnBrk="1" fontAlgn="auto" latinLnBrk="0" hangingPunct="1">
+                        <a:lnSpc>
+                          <a:spcPct val="100000"/>
+                        </a:lnSpc>
+                        <a:spcBef>
+                          <a:spcPts val="0"/>
+                        </a:spcBef>
+                        <a:spcAft>
+                          <a:spcPts val="0"/>
+                        </a:spcAft>
+                        <a:buClrTx/>
+                        <a:buSzTx/>
+                        <a:buFont typeface="Arial" panose="020B0604020202020204" pitchFamily="34" charset="0"/>
+                        <a:buChar char="•"/>
+                        <a:tabLst/>
+                        <a:defRPr/>
+                      </a:pPr>
+                      <a:r>
+                        <a:rPr lang="en-US" sz="1000" kern="1200" dirty="0"/>
+                        <a:t>Monitors traffic</a:t>
+                      </a:r>
+                      <a:endParaRPr lang="en-US" sz="1000" b="0" kern="1200" dirty="0">
+                        <a:solidFill>
+                          <a:schemeClr val="tx1"/>
+                        </a:solidFill>
+                        <a:latin typeface="Open Sans" panose="020B0606030504020204" pitchFamily="34" charset="0"/>
+                        <a:ea typeface="Open Sans" panose="020B0606030504020204" pitchFamily="34" charset="0"/>
+                        <a:cs typeface="Open Sans" panose="020B0606030504020204" pitchFamily="34" charset="0"/>
+                      </a:endParaRPr>
+                    </a:p>
+                  </a:txBody>
+                  <a:tcPr marL="109728" marR="109728" marT="54864" marB="54864">
+                    <a:solidFill>
+                      <a:schemeClr val="bg1"/>
+                    </a:solidFill>
+                  </a:tcPr>
+                </a:tc>
+                <a:extLst>
+                  <a:ext uri="{0D108BD9-81ED-4DB2-BD59-A6C34878D82A}">
+                    <a16:rowId xmlns:a16="http://schemas.microsoft.com/office/drawing/2014/main" val="1837033778"/>
+                  </a:ext>
+                </a:extLst>
+              </a:tr>
+            </a:tbl>
+          </a:graphicData>
+        </a:graphic>
+      </p:graphicFrame>
+      <p:graphicFrame>
+        <p:nvGraphicFramePr>
+          <p:cNvPr id="36" name="Table 35">
+            <a:extLst>
+              <a:ext uri="{FF2B5EF4-FFF2-40B4-BE49-F238E27FC236}">
+                <a16:creationId xmlns:a16="http://schemas.microsoft.com/office/drawing/2014/main" id="{B50B56F4-792D-4098-9C4D-ECC29249F111}"/>
+              </a:ext>
+            </a:extLst>
+          </p:cNvPr>
+          <p:cNvGraphicFramePr>
+            <a:graphicFrameLocks noGrp="1"/>
+          </p:cNvGraphicFramePr>
+          <p:nvPr>
+            <p:extLst>
+              <p:ext uri="{D42A27DB-BD31-4B8C-83A1-F6EECF244321}">
+                <p14:modId xmlns:p14="http://schemas.microsoft.com/office/powerpoint/2010/main" val="760431025"/>
+              </p:ext>
+            </p:extLst>
+          </p:nvPr>
+        </p:nvGraphicFramePr>
+        <p:xfrm>
+          <a:off x="9334943" y="2953327"/>
+          <a:ext cx="2480266" cy="734568"/>
+        </p:xfrm>
+        <a:graphic>
+          <a:graphicData uri="http://schemas.openxmlformats.org/drawingml/2006/table">
+            <a:tbl>
+              <a:tblPr firstRow="1">
+                <a:tableStyleId>{5940675A-B579-460E-94D1-54222C63F5DA}</a:tableStyleId>
+              </a:tblPr>
+              <a:tblGrid>
+                <a:gridCol w="438106">
+                  <a:extLst>
+                    <a:ext uri="{9D8B030D-6E8A-4147-A177-3AD203B41FA5}">
+                      <a16:colId xmlns:a16="http://schemas.microsoft.com/office/drawing/2014/main" val="2359723394"/>
+                    </a:ext>
+                  </a:extLst>
+                </a:gridCol>
+                <a:gridCol w="2042160">
+                  <a:extLst>
+                    <a:ext uri="{9D8B030D-6E8A-4147-A177-3AD203B41FA5}">
+                      <a16:colId xmlns:a16="http://schemas.microsoft.com/office/drawing/2014/main" val="3047012286"/>
+                    </a:ext>
+                  </a:extLst>
+                </a:gridCol>
+              </a:tblGrid>
+              <a:tr h="700112">
+                <a:tc>
+                  <a:txBody>
+                    <a:bodyPr/>
+                    <a:lstStyle/>
+                    <a:p>
+                      <a:pPr marL="0" marR="0" lvl="0" indent="0" algn="l" defTabSz="685773" rtl="0" eaLnBrk="1" fontAlgn="auto" latinLnBrk="0" hangingPunct="1">
+                        <a:lnSpc>
+                          <a:spcPct val="100000"/>
+                        </a:lnSpc>
+                        <a:spcBef>
+                          <a:spcPts val="0"/>
+                        </a:spcBef>
+                        <a:spcAft>
+                          <a:spcPts val="0"/>
+                        </a:spcAft>
+                        <a:buClrTx/>
+                        <a:buSzTx/>
+                        <a:buFontTx/>
+                        <a:buNone/>
+                        <a:tabLst/>
+                        <a:defRPr/>
+                      </a:pPr>
+                      <a:r>
+                        <a:rPr lang="en-US" sz="1600" kern="1200" dirty="0"/>
+                        <a:t>2</a:t>
+                      </a:r>
+                      <a:endParaRPr lang="en-US" sz="1600" kern="1200" dirty="0">
+                        <a:solidFill>
+                          <a:schemeClr val="dk1"/>
+                        </a:solidFill>
+                        <a:latin typeface="+mn-lt"/>
+                        <a:ea typeface="+mn-ea"/>
+                        <a:cs typeface="+mn-cs"/>
+                      </a:endParaRPr>
+                    </a:p>
+                  </a:txBody>
+                  <a:tcPr marL="109728" marR="109728" marT="54864" marB="54864" anchor="ctr">
+                    <a:solidFill>
+                      <a:schemeClr val="bg1"/>
+                    </a:solidFill>
+                  </a:tcPr>
+                </a:tc>
+                <a:tc>
+                  <a:txBody>
+                    <a:bodyPr/>
+                    <a:lstStyle/>
+                    <a:p>
+                      <a:pPr marL="0" marR="0" lvl="0" indent="0" algn="l" defTabSz="685800" rtl="0" eaLnBrk="1" fontAlgn="auto" latinLnBrk="0" hangingPunct="1">
+                        <a:lnSpc>
+                          <a:spcPct val="100000"/>
+                        </a:lnSpc>
+                        <a:spcBef>
+                          <a:spcPts val="0"/>
+                        </a:spcBef>
+                        <a:spcAft>
+                          <a:spcPts val="0"/>
+                        </a:spcAft>
+                        <a:buClrTx/>
+                        <a:buSzTx/>
+                        <a:buFontTx/>
+                        <a:buNone/>
+                        <a:tabLst/>
+                        <a:defRPr/>
+                      </a:pPr>
+                      <a:r>
+                        <a:rPr lang="en-US" sz="1100" b="1" kern="1200" dirty="0">
+                          <a:solidFill>
+                            <a:schemeClr val="tx1"/>
+                          </a:solidFill>
+                          <a:latin typeface="+mn-lt"/>
+                          <a:ea typeface="+mn-ea"/>
+                          <a:cs typeface="+mn-cs"/>
+                        </a:rPr>
+                        <a:t>Site Admin </a:t>
+                      </a:r>
+                    </a:p>
+                    <a:p>
+                      <a:pPr marL="171450" marR="0" lvl="0" indent="-171450" algn="l" defTabSz="685800" rtl="0" eaLnBrk="1" fontAlgn="auto" latinLnBrk="0" hangingPunct="1">
+                        <a:lnSpc>
+                          <a:spcPct val="100000"/>
+                        </a:lnSpc>
+                        <a:spcBef>
+                          <a:spcPts val="0"/>
+                        </a:spcBef>
+                        <a:spcAft>
+                          <a:spcPts val="0"/>
+                        </a:spcAft>
+                        <a:buClrTx/>
+                        <a:buSzTx/>
+                        <a:buFont typeface="Arial" panose="020B0604020202020204" pitchFamily="34" charset="0"/>
+                        <a:buChar char="•"/>
+                        <a:tabLst/>
+                        <a:defRPr/>
+                      </a:pPr>
+                      <a:r>
+                        <a:rPr lang="en-US" sz="1000" kern="1200" dirty="0"/>
+                        <a:t>DEPLOYS v2 stack. No production traffic to v2</a:t>
+                      </a:r>
+                    </a:p>
+                    <a:p>
+                      <a:pPr marL="171450" marR="0" lvl="0" indent="-171450" algn="l" defTabSz="685800" rtl="0" eaLnBrk="1" fontAlgn="auto" latinLnBrk="0" hangingPunct="1">
+                        <a:lnSpc>
+                          <a:spcPct val="100000"/>
+                        </a:lnSpc>
+                        <a:spcBef>
+                          <a:spcPts val="0"/>
+                        </a:spcBef>
+                        <a:spcAft>
+                          <a:spcPts val="0"/>
+                        </a:spcAft>
+                        <a:buClrTx/>
+                        <a:buSzTx/>
+                        <a:buFont typeface="Arial" panose="020B0604020202020204" pitchFamily="34" charset="0"/>
+                        <a:buChar char="•"/>
+                        <a:tabLst/>
+                        <a:defRPr/>
+                      </a:pPr>
+                      <a:r>
+                        <a:rPr lang="en-US" sz="1000" kern="1200" dirty="0"/>
+                        <a:t>Monitors traffic. </a:t>
+                      </a:r>
+                      <a:endParaRPr lang="en-US" sz="1000" b="0" kern="1200" dirty="0">
+                        <a:solidFill>
+                          <a:schemeClr val="tx1"/>
+                        </a:solidFill>
+                        <a:latin typeface="Open Sans" panose="020B0606030504020204" pitchFamily="34" charset="0"/>
+                        <a:ea typeface="Open Sans" panose="020B0606030504020204" pitchFamily="34" charset="0"/>
+                        <a:cs typeface="Open Sans" panose="020B0606030504020204" pitchFamily="34" charset="0"/>
+                      </a:endParaRPr>
+                    </a:p>
+                  </a:txBody>
+                  <a:tcPr marL="109728" marR="109728" marT="54864" marB="54864">
+                    <a:solidFill>
+                      <a:schemeClr val="bg1"/>
+                    </a:solidFill>
+                  </a:tcPr>
+                </a:tc>
+                <a:extLst>
+                  <a:ext uri="{0D108BD9-81ED-4DB2-BD59-A6C34878D82A}">
+                    <a16:rowId xmlns:a16="http://schemas.microsoft.com/office/drawing/2014/main" val="4226925215"/>
+                  </a:ext>
+                </a:extLst>
+              </a:tr>
+            </a:tbl>
+          </a:graphicData>
+        </a:graphic>
+      </p:graphicFrame>
+      <p:graphicFrame>
+        <p:nvGraphicFramePr>
+          <p:cNvPr id="47" name="Table 46">
+            <a:extLst>
+              <a:ext uri="{FF2B5EF4-FFF2-40B4-BE49-F238E27FC236}">
+                <a16:creationId xmlns:a16="http://schemas.microsoft.com/office/drawing/2014/main" id="{71551B3D-5348-497A-BE88-C8049AF97DCE}"/>
+              </a:ext>
+            </a:extLst>
+          </p:cNvPr>
+          <p:cNvGraphicFramePr>
+            <a:graphicFrameLocks noGrp="1"/>
+          </p:cNvGraphicFramePr>
+          <p:nvPr>
+            <p:extLst>
+              <p:ext uri="{D42A27DB-BD31-4B8C-83A1-F6EECF244321}">
+                <p14:modId xmlns:p14="http://schemas.microsoft.com/office/powerpoint/2010/main" val="3680846067"/>
+              </p:ext>
+            </p:extLst>
+          </p:nvPr>
+        </p:nvGraphicFramePr>
+        <p:xfrm>
+          <a:off x="9334943" y="3664770"/>
+          <a:ext cx="2480266" cy="638981"/>
+        </p:xfrm>
+        <a:graphic>
+          <a:graphicData uri="http://schemas.openxmlformats.org/drawingml/2006/table">
+            <a:tbl>
+              <a:tblPr firstRow="1">
+                <a:tableStyleId>{5940675A-B579-460E-94D1-54222C63F5DA}</a:tableStyleId>
+              </a:tblPr>
+              <a:tblGrid>
+                <a:gridCol w="438106">
+                  <a:extLst>
+                    <a:ext uri="{9D8B030D-6E8A-4147-A177-3AD203B41FA5}">
+                      <a16:colId xmlns:a16="http://schemas.microsoft.com/office/drawing/2014/main" val="2119658498"/>
+                    </a:ext>
+                  </a:extLst>
+                </a:gridCol>
+                <a:gridCol w="2042160">
+                  <a:extLst>
+                    <a:ext uri="{9D8B030D-6E8A-4147-A177-3AD203B41FA5}">
+                      <a16:colId xmlns:a16="http://schemas.microsoft.com/office/drawing/2014/main" val="3416850144"/>
+                    </a:ext>
+                  </a:extLst>
+                </a:gridCol>
+              </a:tblGrid>
+              <a:tr h="638981">
+                <a:tc>
+                  <a:txBody>
+                    <a:bodyPr/>
+                    <a:lstStyle/>
+                    <a:p>
+                      <a:pPr marL="0" marR="0" lvl="0" indent="0" algn="l" defTabSz="685773" rtl="0" eaLnBrk="1" fontAlgn="auto" latinLnBrk="0" hangingPunct="1">
+                        <a:lnSpc>
+                          <a:spcPct val="100000"/>
+                        </a:lnSpc>
+                        <a:spcBef>
+                          <a:spcPts val="0"/>
+                        </a:spcBef>
+                        <a:spcAft>
+                          <a:spcPts val="0"/>
+                        </a:spcAft>
+                        <a:buClrTx/>
+                        <a:buSzTx/>
+                        <a:buFontTx/>
+                        <a:buNone/>
+                        <a:tabLst/>
+                        <a:defRPr/>
+                      </a:pPr>
+                      <a:r>
+                        <a:rPr lang="en-US" sz="1600" kern="1200" dirty="0"/>
+                        <a:t>3</a:t>
+                      </a:r>
+                      <a:endParaRPr lang="en-US" sz="1600" kern="1200" dirty="0">
+                        <a:solidFill>
+                          <a:schemeClr val="dk1"/>
+                        </a:solidFill>
+                        <a:latin typeface="+mn-lt"/>
+                        <a:ea typeface="+mn-ea"/>
+                        <a:cs typeface="+mn-cs"/>
+                      </a:endParaRPr>
+                    </a:p>
+                  </a:txBody>
+                  <a:tcPr marL="109728" marR="109728" marT="54864" marB="54864" anchor="ctr">
+                    <a:solidFill>
+                      <a:schemeClr val="bg1"/>
+                    </a:solidFill>
+                  </a:tcPr>
+                </a:tc>
+                <a:tc>
+                  <a:txBody>
+                    <a:bodyPr/>
+                    <a:lstStyle/>
+                    <a:p>
+                      <a:pPr marL="0" marR="0" lvl="0" indent="0" algn="l" defTabSz="685800" rtl="0" eaLnBrk="1" fontAlgn="auto" latinLnBrk="0" hangingPunct="1">
+                        <a:lnSpc>
+                          <a:spcPct val="100000"/>
+                        </a:lnSpc>
+                        <a:spcBef>
+                          <a:spcPts val="0"/>
+                        </a:spcBef>
+                        <a:spcAft>
+                          <a:spcPts val="0"/>
+                        </a:spcAft>
+                        <a:buClrTx/>
+                        <a:buSzTx/>
+                        <a:buFontTx/>
+                        <a:buNone/>
+                        <a:tabLst/>
+                        <a:defRPr/>
+                      </a:pPr>
+                      <a:r>
+                        <a:rPr lang="en-US" sz="1100" b="1" kern="1200" dirty="0">
+                          <a:solidFill>
+                            <a:schemeClr val="tx1"/>
+                          </a:solidFill>
+                          <a:latin typeface="+mn-lt"/>
+                          <a:ea typeface="+mn-ea"/>
+                          <a:cs typeface="+mn-cs"/>
+                        </a:rPr>
+                        <a:t>DevOps team </a:t>
+                      </a:r>
+                    </a:p>
+                    <a:p>
+                      <a:pPr marL="171450" marR="0" lvl="0" indent="-171450" algn="l" defTabSz="685800" rtl="0" eaLnBrk="1" fontAlgn="auto" latinLnBrk="0" hangingPunct="1">
+                        <a:lnSpc>
+                          <a:spcPct val="100000"/>
+                        </a:lnSpc>
+                        <a:spcBef>
+                          <a:spcPts val="0"/>
+                        </a:spcBef>
+                        <a:spcAft>
+                          <a:spcPts val="0"/>
+                        </a:spcAft>
+                        <a:buClrTx/>
+                        <a:buSzTx/>
+                        <a:buFont typeface="Arial" panose="020B0604020202020204" pitchFamily="34" charset="0"/>
+                        <a:buChar char="•"/>
+                        <a:tabLst/>
+                        <a:defRPr/>
+                      </a:pPr>
+                      <a:r>
+                        <a:rPr lang="en-US" sz="1000" kern="1200" dirty="0"/>
+                        <a:t>VERIFIES V2 is working fine</a:t>
+                      </a:r>
+                    </a:p>
+                    <a:p>
+                      <a:pPr marL="171450" marR="0" lvl="0" indent="-171450" algn="l" defTabSz="685800" rtl="0" eaLnBrk="1" fontAlgn="auto" latinLnBrk="0" hangingPunct="1">
+                        <a:lnSpc>
+                          <a:spcPct val="100000"/>
+                        </a:lnSpc>
+                        <a:spcBef>
+                          <a:spcPts val="0"/>
+                        </a:spcBef>
+                        <a:spcAft>
+                          <a:spcPts val="0"/>
+                        </a:spcAft>
+                        <a:buClrTx/>
+                        <a:buSzTx/>
+                        <a:buFont typeface="Arial" panose="020B0604020202020204" pitchFamily="34" charset="0"/>
+                        <a:buChar char="•"/>
+                        <a:tabLst/>
+                        <a:defRPr/>
+                      </a:pPr>
+                      <a:r>
+                        <a:rPr lang="en-US" sz="1000" kern="1200" dirty="0"/>
+                        <a:t>Monitors traffic</a:t>
+                      </a:r>
+                      <a:endParaRPr lang="en-US" sz="1000" b="0" kern="1200" dirty="0">
+                        <a:solidFill>
+                          <a:srgbClr val="C00000"/>
+                        </a:solidFill>
+                        <a:latin typeface="Open Sans" panose="020B0606030504020204" pitchFamily="34" charset="0"/>
+                        <a:ea typeface="Open Sans" panose="020B0606030504020204" pitchFamily="34" charset="0"/>
+                        <a:cs typeface="Open Sans" panose="020B0606030504020204" pitchFamily="34" charset="0"/>
+                      </a:endParaRPr>
+                    </a:p>
+                  </a:txBody>
+                  <a:tcPr marL="109728" marR="109728" marT="54864" marB="54864">
+                    <a:solidFill>
+                      <a:schemeClr val="bg1"/>
+                    </a:solidFill>
+                  </a:tcPr>
+                </a:tc>
+                <a:extLst>
+                  <a:ext uri="{0D108BD9-81ED-4DB2-BD59-A6C34878D82A}">
+                    <a16:rowId xmlns:a16="http://schemas.microsoft.com/office/drawing/2014/main" val="3516674379"/>
+                  </a:ext>
+                </a:extLst>
+              </a:tr>
+            </a:tbl>
+          </a:graphicData>
+        </a:graphic>
+      </p:graphicFrame>
+      <p:graphicFrame>
+        <p:nvGraphicFramePr>
+          <p:cNvPr id="55" name="Table 54">
+            <a:extLst>
+              <a:ext uri="{FF2B5EF4-FFF2-40B4-BE49-F238E27FC236}">
+                <a16:creationId xmlns:a16="http://schemas.microsoft.com/office/drawing/2014/main" id="{E849D8A3-A8D8-44BA-8AD9-2FF207C2369D}"/>
+              </a:ext>
+            </a:extLst>
+          </p:cNvPr>
+          <p:cNvGraphicFramePr>
+            <a:graphicFrameLocks noGrp="1"/>
+          </p:cNvGraphicFramePr>
+          <p:nvPr>
+            <p:extLst>
+              <p:ext uri="{D42A27DB-BD31-4B8C-83A1-F6EECF244321}">
+                <p14:modId xmlns:p14="http://schemas.microsoft.com/office/powerpoint/2010/main" val="2042369523"/>
+              </p:ext>
+            </p:extLst>
+          </p:nvPr>
+        </p:nvGraphicFramePr>
+        <p:xfrm>
+          <a:off x="9334943" y="4313726"/>
+          <a:ext cx="2480266" cy="734568"/>
+        </p:xfrm>
+        <a:graphic>
+          <a:graphicData uri="http://schemas.openxmlformats.org/drawingml/2006/table">
+            <a:tbl>
+              <a:tblPr firstRow="1">
+                <a:tableStyleId>{5940675A-B579-460E-94D1-54222C63F5DA}</a:tableStyleId>
+              </a:tblPr>
+              <a:tblGrid>
+                <a:gridCol w="438106">
+                  <a:extLst>
+                    <a:ext uri="{9D8B030D-6E8A-4147-A177-3AD203B41FA5}">
+                      <a16:colId xmlns:a16="http://schemas.microsoft.com/office/drawing/2014/main" val="3978291844"/>
+                    </a:ext>
+                  </a:extLst>
+                </a:gridCol>
+                <a:gridCol w="2042160">
+                  <a:extLst>
+                    <a:ext uri="{9D8B030D-6E8A-4147-A177-3AD203B41FA5}">
+                      <a16:colId xmlns:a16="http://schemas.microsoft.com/office/drawing/2014/main" val="1189919095"/>
+                    </a:ext>
+                  </a:extLst>
+                </a:gridCol>
+              </a:tblGrid>
+              <a:tr h="443404">
+                <a:tc>
+                  <a:txBody>
+                    <a:bodyPr/>
+                    <a:lstStyle/>
+                    <a:p>
+                      <a:pPr marL="0" marR="0" lvl="0" indent="0" algn="l" defTabSz="685773" rtl="0" eaLnBrk="1" fontAlgn="auto" latinLnBrk="0" hangingPunct="1">
+                        <a:lnSpc>
+                          <a:spcPct val="100000"/>
+                        </a:lnSpc>
+                        <a:spcBef>
+                          <a:spcPts val="0"/>
+                        </a:spcBef>
+                        <a:spcAft>
+                          <a:spcPts val="0"/>
+                        </a:spcAft>
+                        <a:buClrTx/>
+                        <a:buSzTx/>
+                        <a:buFontTx/>
+                        <a:buNone/>
+                        <a:tabLst/>
+                        <a:defRPr/>
+                      </a:pPr>
+                      <a:r>
+                        <a:rPr lang="en-US" sz="1600" kern="1200" dirty="0"/>
+                        <a:t>4</a:t>
+                      </a:r>
+                      <a:endParaRPr lang="en-US" sz="1600" kern="1200" dirty="0">
+                        <a:solidFill>
+                          <a:schemeClr val="dk1"/>
+                        </a:solidFill>
+                        <a:latin typeface="+mn-lt"/>
+                        <a:ea typeface="+mn-ea"/>
+                        <a:cs typeface="+mn-cs"/>
+                      </a:endParaRPr>
+                    </a:p>
+                  </a:txBody>
+                  <a:tcPr marL="109728" marR="109728" marT="54864" marB="54864">
+                    <a:solidFill>
+                      <a:schemeClr val="bg1"/>
+                    </a:solidFill>
+                  </a:tcPr>
+                </a:tc>
+                <a:tc>
+                  <a:txBody>
+                    <a:bodyPr/>
+                    <a:lstStyle/>
+                    <a:p>
+                      <a:pPr marL="0" marR="0" lvl="0" indent="0" algn="l" defTabSz="685800" rtl="0" eaLnBrk="1" fontAlgn="auto" latinLnBrk="0" hangingPunct="1">
+                        <a:lnSpc>
+                          <a:spcPct val="100000"/>
+                        </a:lnSpc>
+                        <a:spcBef>
+                          <a:spcPts val="0"/>
+                        </a:spcBef>
+                        <a:spcAft>
+                          <a:spcPts val="0"/>
+                        </a:spcAft>
+                        <a:buClrTx/>
+                        <a:buSzTx/>
+                        <a:buFontTx/>
+                        <a:buNone/>
+                        <a:tabLst/>
+                        <a:defRPr/>
+                      </a:pPr>
+                      <a:r>
+                        <a:rPr lang="en-US" sz="1100" b="1" kern="1200" dirty="0">
+                          <a:solidFill>
+                            <a:schemeClr val="tx1"/>
+                          </a:solidFill>
+                          <a:latin typeface="+mn-lt"/>
+                          <a:ea typeface="+mn-ea"/>
+                          <a:cs typeface="+mn-cs"/>
+                        </a:rPr>
+                        <a:t>Site admin and DevOps</a:t>
+                      </a:r>
+                    </a:p>
+                    <a:p>
+                      <a:pPr marL="171450" marR="0" lvl="0" indent="-171450" algn="l" defTabSz="685800" rtl="0" eaLnBrk="1" fontAlgn="auto" latinLnBrk="0" hangingPunct="1">
+                        <a:lnSpc>
+                          <a:spcPct val="100000"/>
+                        </a:lnSpc>
+                        <a:spcBef>
+                          <a:spcPts val="0"/>
+                        </a:spcBef>
+                        <a:spcAft>
+                          <a:spcPts val="0"/>
+                        </a:spcAft>
+                        <a:buClrTx/>
+                        <a:buSzTx/>
+                        <a:buFont typeface="Arial" panose="020B0604020202020204" pitchFamily="34" charset="0"/>
+                        <a:buChar char="•"/>
+                        <a:tabLst/>
+                        <a:defRPr/>
+                      </a:pPr>
+                      <a:r>
+                        <a:rPr lang="en-US" sz="1000" kern="1200" dirty="0">
+                          <a:solidFill>
+                            <a:srgbClr val="C00000"/>
+                          </a:solidFill>
+                          <a:latin typeface="Open Sans" panose="020B0606030504020204" pitchFamily="34" charset="0"/>
+                          <a:ea typeface="Open Sans" panose="020B0606030504020204" pitchFamily="34" charset="0"/>
+                          <a:cs typeface="Open Sans" panose="020B0606030504020204" pitchFamily="34" charset="0"/>
+                        </a:rPr>
+                        <a:t>Puts v2 in rotation. Some live traffic to v2</a:t>
+                      </a:r>
+                    </a:p>
+                    <a:p>
+                      <a:pPr marL="171450" marR="0" lvl="0" indent="-171450" algn="l" defTabSz="685800" rtl="0" eaLnBrk="1" fontAlgn="auto" latinLnBrk="0" hangingPunct="1">
+                        <a:lnSpc>
+                          <a:spcPct val="100000"/>
+                        </a:lnSpc>
+                        <a:spcBef>
+                          <a:spcPts val="0"/>
+                        </a:spcBef>
+                        <a:spcAft>
+                          <a:spcPts val="0"/>
+                        </a:spcAft>
+                        <a:buClrTx/>
+                        <a:buSzTx/>
+                        <a:buFont typeface="Arial" panose="020B0604020202020204" pitchFamily="34" charset="0"/>
+                        <a:buChar char="•"/>
+                        <a:tabLst/>
+                        <a:defRPr/>
+                      </a:pPr>
+                      <a:r>
+                        <a:rPr lang="en-US" sz="1000" kern="1200" dirty="0"/>
+                        <a:t>Monitors traffic</a:t>
+                      </a:r>
+                      <a:endParaRPr lang="en-US" sz="1000" kern="1200" dirty="0">
+                        <a:solidFill>
+                          <a:srgbClr val="C00000"/>
+                        </a:solidFill>
+                        <a:latin typeface="Open Sans" panose="020B0606030504020204" pitchFamily="34" charset="0"/>
+                        <a:ea typeface="Open Sans" panose="020B0606030504020204" pitchFamily="34" charset="0"/>
+                        <a:cs typeface="Open Sans" panose="020B0606030504020204" pitchFamily="34" charset="0"/>
+                      </a:endParaRPr>
+                    </a:p>
+                  </a:txBody>
+                  <a:tcPr marL="109728" marR="109728" marT="54864" marB="54864">
+                    <a:solidFill>
+                      <a:schemeClr val="bg1"/>
+                    </a:solidFill>
+                  </a:tcPr>
+                </a:tc>
+                <a:extLst>
+                  <a:ext uri="{0D108BD9-81ED-4DB2-BD59-A6C34878D82A}">
+                    <a16:rowId xmlns:a16="http://schemas.microsoft.com/office/drawing/2014/main" val="2720193619"/>
+                  </a:ext>
+                </a:extLst>
+              </a:tr>
+            </a:tbl>
+          </a:graphicData>
+        </a:graphic>
+      </p:graphicFrame>
+      <p:graphicFrame>
+        <p:nvGraphicFramePr>
+          <p:cNvPr id="56" name="Table 55">
+            <a:extLst>
+              <a:ext uri="{FF2B5EF4-FFF2-40B4-BE49-F238E27FC236}">
+                <a16:creationId xmlns:a16="http://schemas.microsoft.com/office/drawing/2014/main" id="{7FA4E3C6-89B8-4924-A6AD-5D6C74833220}"/>
+              </a:ext>
+            </a:extLst>
+          </p:cNvPr>
+          <p:cNvGraphicFramePr>
+            <a:graphicFrameLocks noGrp="1"/>
+          </p:cNvGraphicFramePr>
+          <p:nvPr>
+            <p:extLst>
+              <p:ext uri="{D42A27DB-BD31-4B8C-83A1-F6EECF244321}">
+                <p14:modId xmlns:p14="http://schemas.microsoft.com/office/powerpoint/2010/main" val="1157905203"/>
+              </p:ext>
+            </p:extLst>
+          </p:nvPr>
+        </p:nvGraphicFramePr>
+        <p:xfrm>
+          <a:off x="9334943" y="5061580"/>
+          <a:ext cx="2480266" cy="443404"/>
+        </p:xfrm>
+        <a:graphic>
+          <a:graphicData uri="http://schemas.openxmlformats.org/drawingml/2006/table">
+            <a:tbl>
+              <a:tblPr firstRow="1">
+                <a:tableStyleId>{5940675A-B579-460E-94D1-54222C63F5DA}</a:tableStyleId>
+              </a:tblPr>
+              <a:tblGrid>
+                <a:gridCol w="438106">
+                  <a:extLst>
+                    <a:ext uri="{9D8B030D-6E8A-4147-A177-3AD203B41FA5}">
+                      <a16:colId xmlns:a16="http://schemas.microsoft.com/office/drawing/2014/main" val="2781208114"/>
+                    </a:ext>
+                  </a:extLst>
+                </a:gridCol>
+                <a:gridCol w="2042160">
+                  <a:extLst>
+                    <a:ext uri="{9D8B030D-6E8A-4147-A177-3AD203B41FA5}">
+                      <a16:colId xmlns:a16="http://schemas.microsoft.com/office/drawing/2014/main" val="3937285327"/>
+                    </a:ext>
+                  </a:extLst>
+                </a:gridCol>
+              </a:tblGrid>
+              <a:tr h="443404">
+                <a:tc>
+                  <a:txBody>
+                    <a:bodyPr/>
+                    <a:lstStyle/>
+                    <a:p>
+                      <a:pPr marL="0" marR="0" lvl="0" indent="0" algn="l" defTabSz="685773" rtl="0" eaLnBrk="1" fontAlgn="auto" latinLnBrk="0" hangingPunct="1">
+                        <a:lnSpc>
+                          <a:spcPct val="100000"/>
+                        </a:lnSpc>
+                        <a:spcBef>
+                          <a:spcPts val="0"/>
+                        </a:spcBef>
+                        <a:spcAft>
+                          <a:spcPts val="0"/>
+                        </a:spcAft>
+                        <a:buClrTx/>
+                        <a:buSzTx/>
+                        <a:buFontTx/>
+                        <a:buNone/>
+                        <a:tabLst/>
+                        <a:defRPr/>
+                      </a:pPr>
+                      <a:r>
+                        <a:rPr lang="en-US" sz="1600" kern="1200" dirty="0">
+                          <a:solidFill>
+                            <a:schemeClr val="dk1"/>
+                          </a:solidFill>
+                          <a:latin typeface="+mn-lt"/>
+                          <a:ea typeface="+mn-ea"/>
+                          <a:cs typeface="+mn-cs"/>
+                        </a:rPr>
+                        <a:t>5</a:t>
+                      </a:r>
+                    </a:p>
+                  </a:txBody>
+                  <a:tcPr marL="109728" marR="109728" marT="54864" marB="54864">
+                    <a:solidFill>
+                      <a:schemeClr val="bg1"/>
+                    </a:solidFill>
+                  </a:tcPr>
+                </a:tc>
+                <a:tc>
+                  <a:txBody>
+                    <a:bodyPr/>
+                    <a:lstStyle/>
+                    <a:p>
+                      <a:pPr marL="0" marR="0" lvl="0" indent="0" algn="l" defTabSz="685800" rtl="0" eaLnBrk="1" fontAlgn="auto" latinLnBrk="0" hangingPunct="1">
+                        <a:lnSpc>
+                          <a:spcPct val="100000"/>
+                        </a:lnSpc>
+                        <a:spcBef>
+                          <a:spcPts val="0"/>
+                        </a:spcBef>
+                        <a:spcAft>
+                          <a:spcPts val="0"/>
+                        </a:spcAft>
+                        <a:buClrTx/>
+                        <a:buSzTx/>
+                        <a:buFontTx/>
+                        <a:buNone/>
+                        <a:tabLst/>
+                        <a:defRPr/>
+                      </a:pPr>
+                      <a:r>
+                        <a:rPr lang="en-US" sz="1100" b="1" kern="1200" dirty="0">
+                          <a:solidFill>
+                            <a:schemeClr val="tx1"/>
+                          </a:solidFill>
+                          <a:latin typeface="+mn-lt"/>
+                          <a:ea typeface="+mn-ea"/>
+                          <a:cs typeface="+mn-cs"/>
+                        </a:rPr>
+                        <a:t>Site admin and DevOps</a:t>
+                      </a:r>
+                    </a:p>
+                    <a:p>
+                      <a:pPr marL="171450" marR="0" lvl="0" indent="-171450" algn="l" defTabSz="685800" rtl="0" eaLnBrk="1" fontAlgn="auto" latinLnBrk="0" hangingPunct="1">
+                        <a:lnSpc>
+                          <a:spcPct val="100000"/>
+                        </a:lnSpc>
+                        <a:spcBef>
+                          <a:spcPts val="0"/>
+                        </a:spcBef>
+                        <a:spcAft>
+                          <a:spcPts val="0"/>
+                        </a:spcAft>
+                        <a:buClrTx/>
+                        <a:buSzTx/>
+                        <a:buFont typeface="Arial" panose="020B0604020202020204" pitchFamily="34" charset="0"/>
+                        <a:buChar char="•"/>
+                        <a:tabLst/>
+                        <a:defRPr/>
+                      </a:pPr>
+                      <a:r>
+                        <a:rPr lang="en-US" sz="1000" kern="1200" dirty="0">
+                          <a:solidFill>
+                            <a:srgbClr val="C00000"/>
+                          </a:solidFill>
+                          <a:latin typeface="Open Sans" panose="020B0606030504020204" pitchFamily="34" charset="0"/>
+                          <a:ea typeface="Open Sans" panose="020B0606030504020204" pitchFamily="34" charset="0"/>
+                          <a:cs typeface="Open Sans" panose="020B0606030504020204" pitchFamily="34" charset="0"/>
+                        </a:rPr>
+                        <a:t>Deprecates v1</a:t>
+                      </a:r>
+                    </a:p>
+                  </a:txBody>
+                  <a:tcPr marL="109728" marR="109728" marT="54864" marB="54864">
+                    <a:solidFill>
+                      <a:schemeClr val="bg1"/>
+                    </a:solidFill>
+                  </a:tcPr>
+                </a:tc>
+                <a:extLst>
+                  <a:ext uri="{0D108BD9-81ED-4DB2-BD59-A6C34878D82A}">
+                    <a16:rowId xmlns:a16="http://schemas.microsoft.com/office/drawing/2014/main" val="2383691914"/>
+                  </a:ext>
+                </a:extLst>
+              </a:tr>
+            </a:tbl>
+          </a:graphicData>
+        </a:graphic>
+      </p:graphicFrame>
+      <p:grpSp>
+        <p:nvGrpSpPr>
+          <p:cNvPr id="57" name="Group 56">
+            <a:extLst>
+              <a:ext uri="{FF2B5EF4-FFF2-40B4-BE49-F238E27FC236}">
+                <a16:creationId xmlns:a16="http://schemas.microsoft.com/office/drawing/2014/main" id="{8088AF96-CC84-432C-B86B-CD8DDCD9F9ED}"/>
+              </a:ext>
+            </a:extLst>
+          </p:cNvPr>
+          <p:cNvGrpSpPr/>
+          <p:nvPr/>
+        </p:nvGrpSpPr>
+        <p:grpSpPr>
+          <a:xfrm>
+            <a:off x="10671964" y="-10744"/>
+            <a:ext cx="1661489" cy="997895"/>
+            <a:chOff x="7884812" y="0"/>
+            <a:chExt cx="1384574" cy="831579"/>
+          </a:xfrm>
+        </p:grpSpPr>
+        <p:sp>
+          <p:nvSpPr>
+            <p:cNvPr id="58" name="Right Triangle 57">
+              <a:extLst>
+                <a:ext uri="{FF2B5EF4-FFF2-40B4-BE49-F238E27FC236}">
+                  <a16:creationId xmlns:a16="http://schemas.microsoft.com/office/drawing/2014/main" id="{85C8ED50-6DED-48D4-9FF1-144D38D8CDBC}"/>
+                </a:ext>
+              </a:extLst>
+            </p:cNvPr>
+            <p:cNvSpPr/>
+            <p:nvPr/>
+          </p:nvSpPr>
+          <p:spPr>
+            <a:xfrm rot="10800000">
+              <a:off x="7884812" y="0"/>
+              <a:ext cx="1266807" cy="831579"/>
+            </a:xfrm>
+            <a:prstGeom prst="rtTriangle">
+              <a:avLst/>
+            </a:prstGeom>
+          </p:spPr>
+          <p:style>
+            <a:lnRef idx="2">
+              <a:schemeClr val="accent4">
+                <a:shade val="50000"/>
+              </a:schemeClr>
+            </a:lnRef>
+            <a:fillRef idx="1">
+              <a:schemeClr val="accent4"/>
+            </a:fillRef>
+            <a:effectRef idx="0">
+              <a:schemeClr val="accent4"/>
+            </a:effectRef>
+            <a:fontRef idx="minor">
+              <a:schemeClr val="lt1"/>
+            </a:fontRef>
+          </p:style>
+          <p:txBody>
+            <a:bodyPr rtlCol="0" anchor="ctr"/>
+            <a:lstStyle/>
+            <a:p>
+              <a:pPr algn="ctr"/>
+              <a:endParaRPr lang="en-US" sz="2160" dirty="0"/>
+            </a:p>
+          </p:txBody>
+        </p:sp>
+        <p:sp>
+          <p:nvSpPr>
+            <p:cNvPr id="59" name="TextBox 58">
+              <a:extLst>
+                <a:ext uri="{FF2B5EF4-FFF2-40B4-BE49-F238E27FC236}">
+                  <a16:creationId xmlns:a16="http://schemas.microsoft.com/office/drawing/2014/main" id="{4DA30E0F-415A-40CB-931C-2E2A399FB86F}"/>
+                </a:ext>
+              </a:extLst>
+            </p:cNvPr>
+            <p:cNvSpPr txBox="1"/>
+            <p:nvPr/>
+          </p:nvSpPr>
+          <p:spPr>
+            <a:xfrm rot="2049301">
+              <a:off x="8148726" y="180997"/>
+              <a:ext cx="1120660" cy="353943"/>
+            </a:xfrm>
+            <a:prstGeom prst="rect">
+              <a:avLst/>
+            </a:prstGeom>
+            <a:noFill/>
+          </p:spPr>
+          <p:txBody>
+            <a:bodyPr wrap="none" rtlCol="0">
+              <a:spAutoFit/>
+            </a:bodyPr>
+            <a:lstStyle/>
+            <a:p>
+              <a:r>
+                <a:rPr lang="en-US" sz="2160" dirty="0">
+                  <a:latin typeface="Open Sans" panose="020B0606030504020204" pitchFamily="34" charset="0"/>
+                  <a:ea typeface="Open Sans" panose="020B0606030504020204" pitchFamily="34" charset="0"/>
+                  <a:cs typeface="Open Sans" panose="020B0606030504020204" pitchFamily="34" charset="0"/>
+                </a:rPr>
+                <a:t>Proposed</a:t>
+              </a:r>
+            </a:p>
+          </p:txBody>
+        </p:sp>
+      </p:grpSp>
+      <p:pic>
+        <p:nvPicPr>
+          <p:cNvPr id="6" name="Picture 5" descr="A close up of a sign&#10;&#10;Description generated with very high confidence">
+            <a:extLst>
+              <a:ext uri="{FF2B5EF4-FFF2-40B4-BE49-F238E27FC236}">
+                <a16:creationId xmlns:a16="http://schemas.microsoft.com/office/drawing/2014/main" id="{F1F6E81A-3AB7-4B08-B81E-5D188D9D3B08}"/>
+              </a:ext>
+            </a:extLst>
+          </p:cNvPr>
+          <p:cNvPicPr>
+            <a:picLocks noChangeAspect="1"/>
+          </p:cNvPicPr>
+          <p:nvPr/>
+        </p:nvPicPr>
+        <p:blipFill>
+          <a:blip r:embed="rId13">
+            <a:extLst>
+              <a:ext uri="{28A0092B-C50C-407E-A947-70E740481C1C}">
+                <a14:useLocalDpi xmlns:a14="http://schemas.microsoft.com/office/drawing/2010/main" val="0"/>
+              </a:ext>
+            </a:extLst>
+          </a:blip>
+          <a:stretch>
+            <a:fillRect/>
+          </a:stretch>
+        </p:blipFill>
+        <p:spPr>
+          <a:xfrm>
+            <a:off x="3058108" y="1416945"/>
+            <a:ext cx="635075" cy="635075"/>
+          </a:xfrm>
+          <a:prstGeom prst="rect">
+            <a:avLst/>
+          </a:prstGeom>
+        </p:spPr>
+      </p:pic>
+      <p:sp>
+        <p:nvSpPr>
+          <p:cNvPr id="60" name="TextBox 59">
+            <a:extLst>
+              <a:ext uri="{FF2B5EF4-FFF2-40B4-BE49-F238E27FC236}">
+                <a16:creationId xmlns:a16="http://schemas.microsoft.com/office/drawing/2014/main" id="{F9CD6543-4C16-44F1-81C2-D8FA3491D18E}"/>
+              </a:ext>
+            </a:extLst>
+          </p:cNvPr>
+          <p:cNvSpPr txBox="1"/>
+          <p:nvPr/>
+        </p:nvSpPr>
+        <p:spPr>
+          <a:xfrm>
+            <a:off x="3790058" y="1481013"/>
+            <a:ext cx="2305942" cy="738664"/>
+          </a:xfrm>
+          <a:prstGeom prst="rect">
+            <a:avLst/>
+          </a:prstGeom>
+          <a:noFill/>
+        </p:spPr>
+        <p:txBody>
+          <a:bodyPr wrap="square" rtlCol="0">
+            <a:spAutoFit/>
+          </a:bodyPr>
+          <a:lstStyle/>
+          <a:p>
+            <a:r>
+              <a:rPr lang="en-US" sz="1400" dirty="0"/>
+              <a:t>A controller like</a:t>
+            </a:r>
+          </a:p>
+          <a:p>
+            <a:r>
+              <a:rPr lang="en-US" sz="1400" dirty="0"/>
+              <a:t>Traffic Manager / Application Gateway</a:t>
+            </a:r>
+          </a:p>
+        </p:txBody>
+      </p:sp>
     </p:spTree>
     <p:extLst>
       <p:ext uri="{BB962C8B-B14F-4D97-AF65-F5344CB8AC3E}">
@@ -5478,6 +8272,2112 @@
   <p:clrMapOvr>
     <a:masterClrMapping/>
   </p:clrMapOvr>
+  <p:timing>
+    <p:tnLst>
+      <p:par>
+        <p:cTn id="1" dur="indefinite" restart="never" nodeType="tmRoot">
+          <p:childTnLst>
+            <p:seq concurrent="1" nextAc="seek">
+              <p:cTn id="2" dur="indefinite" nodeType="mainSeq">
+                <p:childTnLst>
+                  <p:par>
+                    <p:cTn id="3" fill="hold">
+                      <p:stCondLst>
+                        <p:cond delay="indefinite"/>
+                      </p:stCondLst>
+                      <p:childTnLst>
+                        <p:par>
+                          <p:cTn id="4" fill="hold">
+                            <p:stCondLst>
+                              <p:cond delay="0"/>
+                            </p:stCondLst>
+                            <p:childTnLst>
+                              <p:par>
+                                <p:cTn id="5" presetID="10" presetClass="entr" presetSubtype="0" fill="hold" nodeType="clickEffect">
+                                  <p:stCondLst>
+                                    <p:cond delay="0"/>
+                                  </p:stCondLst>
+                                  <p:childTnLst>
+                                    <p:set>
+                                      <p:cBhvr>
+                                        <p:cTn id="6" dur="1" fill="hold">
+                                          <p:stCondLst>
+                                            <p:cond delay="0"/>
+                                          </p:stCondLst>
+                                        </p:cTn>
+                                        <p:tgtEl>
+                                          <p:spTgt spid="31"/>
+                                        </p:tgtEl>
+                                        <p:attrNameLst>
+                                          <p:attrName>style.visibility</p:attrName>
+                                        </p:attrNameLst>
+                                      </p:cBhvr>
+                                      <p:to>
+                                        <p:strVal val="visible"/>
+                                      </p:to>
+                                    </p:set>
+                                    <p:animEffect transition="in" filter="fade">
+                                      <p:cBhvr>
+                                        <p:cTn id="7" dur="500"/>
+                                        <p:tgtEl>
+                                          <p:spTgt spid="31"/>
+                                        </p:tgtEl>
+                                      </p:cBhvr>
+                                    </p:animEffect>
+                                  </p:childTnLst>
+                                </p:cTn>
+                              </p:par>
+                              <p:par>
+                                <p:cTn id="8" presetID="10" presetClass="entr" presetSubtype="0" fill="hold" nodeType="withEffect">
+                                  <p:stCondLst>
+                                    <p:cond delay="0"/>
+                                  </p:stCondLst>
+                                  <p:childTnLst>
+                                    <p:set>
+                                      <p:cBhvr>
+                                        <p:cTn id="9" dur="1" fill="hold">
+                                          <p:stCondLst>
+                                            <p:cond delay="0"/>
+                                          </p:stCondLst>
+                                        </p:cTn>
+                                        <p:tgtEl>
+                                          <p:spTgt spid="34"/>
+                                        </p:tgtEl>
+                                        <p:attrNameLst>
+                                          <p:attrName>style.visibility</p:attrName>
+                                        </p:attrNameLst>
+                                      </p:cBhvr>
+                                      <p:to>
+                                        <p:strVal val="visible"/>
+                                      </p:to>
+                                    </p:set>
+                                    <p:animEffect transition="in" filter="fade">
+                                      <p:cBhvr>
+                                        <p:cTn id="10" dur="500"/>
+                                        <p:tgtEl>
+                                          <p:spTgt spid="34"/>
+                                        </p:tgtEl>
+                                      </p:cBhvr>
+                                    </p:animEffect>
+                                  </p:childTnLst>
+                                </p:cTn>
+                              </p:par>
+                              <p:par>
+                                <p:cTn id="11" presetID="10" presetClass="entr" presetSubtype="0" fill="hold" nodeType="withEffect">
+                                  <p:stCondLst>
+                                    <p:cond delay="0"/>
+                                  </p:stCondLst>
+                                  <p:childTnLst>
+                                    <p:set>
+                                      <p:cBhvr>
+                                        <p:cTn id="12" dur="1" fill="hold">
+                                          <p:stCondLst>
+                                            <p:cond delay="0"/>
+                                          </p:stCondLst>
+                                        </p:cTn>
+                                        <p:tgtEl>
+                                          <p:spTgt spid="38"/>
+                                        </p:tgtEl>
+                                        <p:attrNameLst>
+                                          <p:attrName>style.visibility</p:attrName>
+                                        </p:attrNameLst>
+                                      </p:cBhvr>
+                                      <p:to>
+                                        <p:strVal val="visible"/>
+                                      </p:to>
+                                    </p:set>
+                                    <p:animEffect transition="in" filter="fade">
+                                      <p:cBhvr>
+                                        <p:cTn id="13" dur="500"/>
+                                        <p:tgtEl>
+                                          <p:spTgt spid="38"/>
+                                        </p:tgtEl>
+                                      </p:cBhvr>
+                                    </p:animEffect>
+                                  </p:childTnLst>
+                                </p:cTn>
+                              </p:par>
+                              <p:par>
+                                <p:cTn id="14" presetID="10" presetClass="entr" presetSubtype="0" fill="hold" nodeType="withEffect">
+                                  <p:stCondLst>
+                                    <p:cond delay="0"/>
+                                  </p:stCondLst>
+                                  <p:childTnLst>
+                                    <p:set>
+                                      <p:cBhvr>
+                                        <p:cTn id="15" dur="1" fill="hold">
+                                          <p:stCondLst>
+                                            <p:cond delay="0"/>
+                                          </p:stCondLst>
+                                        </p:cTn>
+                                        <p:tgtEl>
+                                          <p:spTgt spid="35"/>
+                                        </p:tgtEl>
+                                        <p:attrNameLst>
+                                          <p:attrName>style.visibility</p:attrName>
+                                        </p:attrNameLst>
+                                      </p:cBhvr>
+                                      <p:to>
+                                        <p:strVal val="visible"/>
+                                      </p:to>
+                                    </p:set>
+                                    <p:animEffect transition="in" filter="fade">
+                                      <p:cBhvr>
+                                        <p:cTn id="16" dur="500"/>
+                                        <p:tgtEl>
+                                          <p:spTgt spid="35"/>
+                                        </p:tgtEl>
+                                      </p:cBhvr>
+                                    </p:animEffect>
+                                  </p:childTnLst>
+                                </p:cTn>
+                              </p:par>
+                              <p:par>
+                                <p:cTn id="17" presetID="10" presetClass="entr" presetSubtype="0" fill="hold" grpId="0" nodeType="withEffect">
+                                  <p:stCondLst>
+                                    <p:cond delay="0"/>
+                                  </p:stCondLst>
+                                  <p:childTnLst>
+                                    <p:set>
+                                      <p:cBhvr>
+                                        <p:cTn id="18" dur="1" fill="hold">
+                                          <p:stCondLst>
+                                            <p:cond delay="0"/>
+                                          </p:stCondLst>
+                                        </p:cTn>
+                                        <p:tgtEl>
+                                          <p:spTgt spid="40"/>
+                                        </p:tgtEl>
+                                        <p:attrNameLst>
+                                          <p:attrName>style.visibility</p:attrName>
+                                        </p:attrNameLst>
+                                      </p:cBhvr>
+                                      <p:to>
+                                        <p:strVal val="visible"/>
+                                      </p:to>
+                                    </p:set>
+                                    <p:animEffect transition="in" filter="fade">
+                                      <p:cBhvr>
+                                        <p:cTn id="19" dur="500"/>
+                                        <p:tgtEl>
+                                          <p:spTgt spid="40"/>
+                                        </p:tgtEl>
+                                      </p:cBhvr>
+                                    </p:animEffect>
+                                  </p:childTnLst>
+                                </p:cTn>
+                              </p:par>
+                              <p:par>
+                                <p:cTn id="20" presetID="10" presetClass="entr" presetSubtype="0" fill="hold" grpId="0" nodeType="withEffect">
+                                  <p:stCondLst>
+                                    <p:cond delay="0"/>
+                                  </p:stCondLst>
+                                  <p:childTnLst>
+                                    <p:set>
+                                      <p:cBhvr>
+                                        <p:cTn id="21" dur="1" fill="hold">
+                                          <p:stCondLst>
+                                            <p:cond delay="0"/>
+                                          </p:stCondLst>
+                                        </p:cTn>
+                                        <p:tgtEl>
+                                          <p:spTgt spid="45"/>
+                                        </p:tgtEl>
+                                        <p:attrNameLst>
+                                          <p:attrName>style.visibility</p:attrName>
+                                        </p:attrNameLst>
+                                      </p:cBhvr>
+                                      <p:to>
+                                        <p:strVal val="visible"/>
+                                      </p:to>
+                                    </p:set>
+                                    <p:animEffect transition="in" filter="fade">
+                                      <p:cBhvr>
+                                        <p:cTn id="22" dur="500"/>
+                                        <p:tgtEl>
+                                          <p:spTgt spid="45"/>
+                                        </p:tgtEl>
+                                      </p:cBhvr>
+                                    </p:animEffect>
+                                  </p:childTnLst>
+                                </p:cTn>
+                              </p:par>
+                              <p:par>
+                                <p:cTn id="23" presetID="10" presetClass="entr" presetSubtype="0" fill="hold" nodeType="withEffect">
+                                  <p:stCondLst>
+                                    <p:cond delay="0"/>
+                                  </p:stCondLst>
+                                  <p:childTnLst>
+                                    <p:set>
+                                      <p:cBhvr>
+                                        <p:cTn id="24" dur="1" fill="hold">
+                                          <p:stCondLst>
+                                            <p:cond delay="0"/>
+                                          </p:stCondLst>
+                                        </p:cTn>
+                                        <p:tgtEl>
+                                          <p:spTgt spid="26"/>
+                                        </p:tgtEl>
+                                        <p:attrNameLst>
+                                          <p:attrName>style.visibility</p:attrName>
+                                        </p:attrNameLst>
+                                      </p:cBhvr>
+                                      <p:to>
+                                        <p:strVal val="visible"/>
+                                      </p:to>
+                                    </p:set>
+                                    <p:animEffect transition="in" filter="fade">
+                                      <p:cBhvr>
+                                        <p:cTn id="25" dur="500"/>
+                                        <p:tgtEl>
+                                          <p:spTgt spid="26"/>
+                                        </p:tgtEl>
+                                      </p:cBhvr>
+                                    </p:animEffect>
+                                  </p:childTnLst>
+                                </p:cTn>
+                              </p:par>
+                              <p:par>
+                                <p:cTn id="26" presetID="10" presetClass="entr" presetSubtype="0" fill="hold" grpId="0" nodeType="withEffect">
+                                  <p:stCondLst>
+                                    <p:cond delay="0"/>
+                                  </p:stCondLst>
+                                  <p:childTnLst>
+                                    <p:set>
+                                      <p:cBhvr>
+                                        <p:cTn id="27" dur="1" fill="hold">
+                                          <p:stCondLst>
+                                            <p:cond delay="0"/>
+                                          </p:stCondLst>
+                                        </p:cTn>
+                                        <p:tgtEl>
+                                          <p:spTgt spid="27"/>
+                                        </p:tgtEl>
+                                        <p:attrNameLst>
+                                          <p:attrName>style.visibility</p:attrName>
+                                        </p:attrNameLst>
+                                      </p:cBhvr>
+                                      <p:to>
+                                        <p:strVal val="visible"/>
+                                      </p:to>
+                                    </p:set>
+                                    <p:animEffect transition="in" filter="fade">
+                                      <p:cBhvr>
+                                        <p:cTn id="28" dur="500"/>
+                                        <p:tgtEl>
+                                          <p:spTgt spid="27"/>
+                                        </p:tgtEl>
+                                      </p:cBhvr>
+                                    </p:animEffect>
+                                  </p:childTnLst>
+                                </p:cTn>
+                              </p:par>
+                              <p:par>
+                                <p:cTn id="29" presetID="10" presetClass="entr" presetSubtype="0" fill="hold" nodeType="withEffect">
+                                  <p:stCondLst>
+                                    <p:cond delay="0"/>
+                                  </p:stCondLst>
+                                  <p:childTnLst>
+                                    <p:set>
+                                      <p:cBhvr>
+                                        <p:cTn id="30" dur="1" fill="hold">
+                                          <p:stCondLst>
+                                            <p:cond delay="0"/>
+                                          </p:stCondLst>
+                                        </p:cTn>
+                                        <p:tgtEl>
+                                          <p:spTgt spid="32"/>
+                                        </p:tgtEl>
+                                        <p:attrNameLst>
+                                          <p:attrName>style.visibility</p:attrName>
+                                        </p:attrNameLst>
+                                      </p:cBhvr>
+                                      <p:to>
+                                        <p:strVal val="visible"/>
+                                      </p:to>
+                                    </p:set>
+                                    <p:animEffect transition="in" filter="fade">
+                                      <p:cBhvr>
+                                        <p:cTn id="31" dur="500"/>
+                                        <p:tgtEl>
+                                          <p:spTgt spid="32"/>
+                                        </p:tgtEl>
+                                      </p:cBhvr>
+                                    </p:animEffect>
+                                  </p:childTnLst>
+                                </p:cTn>
+                              </p:par>
+                              <p:par>
+                                <p:cTn id="32" presetID="10" presetClass="entr" presetSubtype="0" fill="hold" grpId="0" nodeType="withEffect">
+                                  <p:stCondLst>
+                                    <p:cond delay="0"/>
+                                  </p:stCondLst>
+                                  <p:childTnLst>
+                                    <p:set>
+                                      <p:cBhvr>
+                                        <p:cTn id="33" dur="1" fill="hold">
+                                          <p:stCondLst>
+                                            <p:cond delay="0"/>
+                                          </p:stCondLst>
+                                        </p:cTn>
+                                        <p:tgtEl>
+                                          <p:spTgt spid="33"/>
+                                        </p:tgtEl>
+                                        <p:attrNameLst>
+                                          <p:attrName>style.visibility</p:attrName>
+                                        </p:attrNameLst>
+                                      </p:cBhvr>
+                                      <p:to>
+                                        <p:strVal val="visible"/>
+                                      </p:to>
+                                    </p:set>
+                                    <p:animEffect transition="in" filter="fade">
+                                      <p:cBhvr>
+                                        <p:cTn id="34" dur="500"/>
+                                        <p:tgtEl>
+                                          <p:spTgt spid="33"/>
+                                        </p:tgtEl>
+                                      </p:cBhvr>
+                                    </p:animEffect>
+                                  </p:childTnLst>
+                                </p:cTn>
+                              </p:par>
+                              <p:par>
+                                <p:cTn id="35" presetID="10" presetClass="entr" presetSubtype="0" fill="hold" nodeType="withEffect">
+                                  <p:stCondLst>
+                                    <p:cond delay="0"/>
+                                  </p:stCondLst>
+                                  <p:childTnLst>
+                                    <p:set>
+                                      <p:cBhvr>
+                                        <p:cTn id="36" dur="1" fill="hold">
+                                          <p:stCondLst>
+                                            <p:cond delay="0"/>
+                                          </p:stCondLst>
+                                        </p:cTn>
+                                        <p:tgtEl>
+                                          <p:spTgt spid="29"/>
+                                        </p:tgtEl>
+                                        <p:attrNameLst>
+                                          <p:attrName>style.visibility</p:attrName>
+                                        </p:attrNameLst>
+                                      </p:cBhvr>
+                                      <p:to>
+                                        <p:strVal val="visible"/>
+                                      </p:to>
+                                    </p:set>
+                                    <p:animEffect transition="in" filter="fade">
+                                      <p:cBhvr>
+                                        <p:cTn id="37" dur="500"/>
+                                        <p:tgtEl>
+                                          <p:spTgt spid="29"/>
+                                        </p:tgtEl>
+                                      </p:cBhvr>
+                                    </p:animEffect>
+                                  </p:childTnLst>
+                                </p:cTn>
+                              </p:par>
+                              <p:par>
+                                <p:cTn id="38" presetID="10" presetClass="entr" presetSubtype="0" fill="hold" grpId="0" nodeType="withEffect">
+                                  <p:stCondLst>
+                                    <p:cond delay="0"/>
+                                  </p:stCondLst>
+                                  <p:childTnLst>
+                                    <p:set>
+                                      <p:cBhvr>
+                                        <p:cTn id="39" dur="1" fill="hold">
+                                          <p:stCondLst>
+                                            <p:cond delay="0"/>
+                                          </p:stCondLst>
+                                        </p:cTn>
+                                        <p:tgtEl>
+                                          <p:spTgt spid="30"/>
+                                        </p:tgtEl>
+                                        <p:attrNameLst>
+                                          <p:attrName>style.visibility</p:attrName>
+                                        </p:attrNameLst>
+                                      </p:cBhvr>
+                                      <p:to>
+                                        <p:strVal val="visible"/>
+                                      </p:to>
+                                    </p:set>
+                                    <p:animEffect transition="in" filter="fade">
+                                      <p:cBhvr>
+                                        <p:cTn id="40" dur="500"/>
+                                        <p:tgtEl>
+                                          <p:spTgt spid="30"/>
+                                        </p:tgtEl>
+                                      </p:cBhvr>
+                                    </p:animEffect>
+                                  </p:childTnLst>
+                                </p:cTn>
+                              </p:par>
+                              <p:par>
+                                <p:cTn id="41" presetID="10" presetClass="entr" presetSubtype="0" fill="hold" grpId="0" nodeType="withEffect">
+                                  <p:stCondLst>
+                                    <p:cond delay="0"/>
+                                  </p:stCondLst>
+                                  <p:childTnLst>
+                                    <p:set>
+                                      <p:cBhvr>
+                                        <p:cTn id="42" dur="1" fill="hold">
+                                          <p:stCondLst>
+                                            <p:cond delay="0"/>
+                                          </p:stCondLst>
+                                        </p:cTn>
+                                        <p:tgtEl>
+                                          <p:spTgt spid="43"/>
+                                        </p:tgtEl>
+                                        <p:attrNameLst>
+                                          <p:attrName>style.visibility</p:attrName>
+                                        </p:attrNameLst>
+                                      </p:cBhvr>
+                                      <p:to>
+                                        <p:strVal val="visible"/>
+                                      </p:to>
+                                    </p:set>
+                                    <p:animEffect transition="in" filter="fade">
+                                      <p:cBhvr>
+                                        <p:cTn id="43" dur="500"/>
+                                        <p:tgtEl>
+                                          <p:spTgt spid="43"/>
+                                        </p:tgtEl>
+                                      </p:cBhvr>
+                                    </p:animEffect>
+                                  </p:childTnLst>
+                                </p:cTn>
+                              </p:par>
+                              <p:par>
+                                <p:cTn id="44" presetID="10" presetClass="entr" presetSubtype="0" fill="hold" nodeType="withEffect">
+                                  <p:stCondLst>
+                                    <p:cond delay="0"/>
+                                  </p:stCondLst>
+                                  <p:childTnLst>
+                                    <p:set>
+                                      <p:cBhvr>
+                                        <p:cTn id="45" dur="1" fill="hold">
+                                          <p:stCondLst>
+                                            <p:cond delay="0"/>
+                                          </p:stCondLst>
+                                        </p:cTn>
+                                        <p:tgtEl>
+                                          <p:spTgt spid="12"/>
+                                        </p:tgtEl>
+                                        <p:attrNameLst>
+                                          <p:attrName>style.visibility</p:attrName>
+                                        </p:attrNameLst>
+                                      </p:cBhvr>
+                                      <p:to>
+                                        <p:strVal val="visible"/>
+                                      </p:to>
+                                    </p:set>
+                                    <p:animEffect transition="in" filter="fade">
+                                      <p:cBhvr>
+                                        <p:cTn id="46" dur="500"/>
+                                        <p:tgtEl>
+                                          <p:spTgt spid="12"/>
+                                        </p:tgtEl>
+                                      </p:cBhvr>
+                                    </p:animEffect>
+                                  </p:childTnLst>
+                                </p:cTn>
+                              </p:par>
+                              <p:par>
+                                <p:cTn id="47" presetID="10" presetClass="entr" presetSubtype="0" fill="hold" nodeType="withEffect">
+                                  <p:stCondLst>
+                                    <p:cond delay="0"/>
+                                  </p:stCondLst>
+                                  <p:childTnLst>
+                                    <p:set>
+                                      <p:cBhvr>
+                                        <p:cTn id="48" dur="1" fill="hold">
+                                          <p:stCondLst>
+                                            <p:cond delay="0"/>
+                                          </p:stCondLst>
+                                        </p:cTn>
+                                        <p:tgtEl>
+                                          <p:spTgt spid="46"/>
+                                        </p:tgtEl>
+                                        <p:attrNameLst>
+                                          <p:attrName>style.visibility</p:attrName>
+                                        </p:attrNameLst>
+                                      </p:cBhvr>
+                                      <p:to>
+                                        <p:strVal val="visible"/>
+                                      </p:to>
+                                    </p:set>
+                                    <p:animEffect transition="in" filter="fade">
+                                      <p:cBhvr>
+                                        <p:cTn id="49" dur="500"/>
+                                        <p:tgtEl>
+                                          <p:spTgt spid="46"/>
+                                        </p:tgtEl>
+                                      </p:cBhvr>
+                                    </p:animEffect>
+                                  </p:childTnLst>
+                                </p:cTn>
+                              </p:par>
+                              <p:par>
+                                <p:cTn id="50" presetID="10" presetClass="entr" presetSubtype="0" fill="hold" nodeType="withEffect">
+                                  <p:stCondLst>
+                                    <p:cond delay="0"/>
+                                  </p:stCondLst>
+                                  <p:childTnLst>
+                                    <p:set>
+                                      <p:cBhvr>
+                                        <p:cTn id="51" dur="1" fill="hold">
+                                          <p:stCondLst>
+                                            <p:cond delay="0"/>
+                                          </p:stCondLst>
+                                        </p:cTn>
+                                        <p:tgtEl>
+                                          <p:spTgt spid="15"/>
+                                        </p:tgtEl>
+                                        <p:attrNameLst>
+                                          <p:attrName>style.visibility</p:attrName>
+                                        </p:attrNameLst>
+                                      </p:cBhvr>
+                                      <p:to>
+                                        <p:strVal val="visible"/>
+                                      </p:to>
+                                    </p:set>
+                                    <p:animEffect transition="in" filter="fade">
+                                      <p:cBhvr>
+                                        <p:cTn id="52" dur="500"/>
+                                        <p:tgtEl>
+                                          <p:spTgt spid="15"/>
+                                        </p:tgtEl>
+                                      </p:cBhvr>
+                                    </p:animEffect>
+                                  </p:childTnLst>
+                                </p:cTn>
+                              </p:par>
+                              <p:par>
+                                <p:cTn id="53" presetID="10" presetClass="entr" presetSubtype="0" fill="hold" grpId="0" nodeType="withEffect">
+                                  <p:stCondLst>
+                                    <p:cond delay="0"/>
+                                  </p:stCondLst>
+                                  <p:childTnLst>
+                                    <p:set>
+                                      <p:cBhvr>
+                                        <p:cTn id="54" dur="1" fill="hold">
+                                          <p:stCondLst>
+                                            <p:cond delay="0"/>
+                                          </p:stCondLst>
+                                        </p:cTn>
+                                        <p:tgtEl>
+                                          <p:spTgt spid="24"/>
+                                        </p:tgtEl>
+                                        <p:attrNameLst>
+                                          <p:attrName>style.visibility</p:attrName>
+                                        </p:attrNameLst>
+                                      </p:cBhvr>
+                                      <p:to>
+                                        <p:strVal val="visible"/>
+                                      </p:to>
+                                    </p:set>
+                                    <p:animEffect transition="in" filter="fade">
+                                      <p:cBhvr>
+                                        <p:cTn id="55" dur="500"/>
+                                        <p:tgtEl>
+                                          <p:spTgt spid="24"/>
+                                        </p:tgtEl>
+                                      </p:cBhvr>
+                                    </p:animEffect>
+                                  </p:childTnLst>
+                                </p:cTn>
+                              </p:par>
+                              <p:par>
+                                <p:cTn id="56" presetID="10" presetClass="entr" presetSubtype="0" fill="hold" nodeType="withEffect">
+                                  <p:stCondLst>
+                                    <p:cond delay="0"/>
+                                  </p:stCondLst>
+                                  <p:childTnLst>
+                                    <p:set>
+                                      <p:cBhvr>
+                                        <p:cTn id="57" dur="1" fill="hold">
+                                          <p:stCondLst>
+                                            <p:cond delay="0"/>
+                                          </p:stCondLst>
+                                        </p:cTn>
+                                        <p:tgtEl>
+                                          <p:spTgt spid="51"/>
+                                        </p:tgtEl>
+                                        <p:attrNameLst>
+                                          <p:attrName>style.visibility</p:attrName>
+                                        </p:attrNameLst>
+                                      </p:cBhvr>
+                                      <p:to>
+                                        <p:strVal val="visible"/>
+                                      </p:to>
+                                    </p:set>
+                                    <p:animEffect transition="in" filter="fade">
+                                      <p:cBhvr>
+                                        <p:cTn id="58" dur="500"/>
+                                        <p:tgtEl>
+                                          <p:spTgt spid="51"/>
+                                        </p:tgtEl>
+                                      </p:cBhvr>
+                                    </p:animEffect>
+                                  </p:childTnLst>
+                                </p:cTn>
+                              </p:par>
+                              <p:par>
+                                <p:cTn id="59" presetID="10" presetClass="entr" presetSubtype="0" fill="hold" grpId="0" nodeType="withEffect">
+                                  <p:stCondLst>
+                                    <p:cond delay="0"/>
+                                  </p:stCondLst>
+                                  <p:childTnLst>
+                                    <p:set>
+                                      <p:cBhvr>
+                                        <p:cTn id="60" dur="1" fill="hold">
+                                          <p:stCondLst>
+                                            <p:cond delay="0"/>
+                                          </p:stCondLst>
+                                        </p:cTn>
+                                        <p:tgtEl>
+                                          <p:spTgt spid="44"/>
+                                        </p:tgtEl>
+                                        <p:attrNameLst>
+                                          <p:attrName>style.visibility</p:attrName>
+                                        </p:attrNameLst>
+                                      </p:cBhvr>
+                                      <p:to>
+                                        <p:strVal val="visible"/>
+                                      </p:to>
+                                    </p:set>
+                                    <p:animEffect transition="in" filter="fade">
+                                      <p:cBhvr>
+                                        <p:cTn id="61" dur="500"/>
+                                        <p:tgtEl>
+                                          <p:spTgt spid="44"/>
+                                        </p:tgtEl>
+                                      </p:cBhvr>
+                                    </p:animEffect>
+                                  </p:childTnLst>
+                                </p:cTn>
+                              </p:par>
+                              <p:par>
+                                <p:cTn id="62" presetID="10" presetClass="entr" presetSubtype="0" fill="hold" nodeType="withEffect">
+                                  <p:stCondLst>
+                                    <p:cond delay="0"/>
+                                  </p:stCondLst>
+                                  <p:childTnLst>
+                                    <p:set>
+                                      <p:cBhvr>
+                                        <p:cTn id="63" dur="1" fill="hold">
+                                          <p:stCondLst>
+                                            <p:cond delay="0"/>
+                                          </p:stCondLst>
+                                        </p:cTn>
+                                        <p:tgtEl>
+                                          <p:spTgt spid="17"/>
+                                        </p:tgtEl>
+                                        <p:attrNameLst>
+                                          <p:attrName>style.visibility</p:attrName>
+                                        </p:attrNameLst>
+                                      </p:cBhvr>
+                                      <p:to>
+                                        <p:strVal val="visible"/>
+                                      </p:to>
+                                    </p:set>
+                                    <p:animEffect transition="in" filter="fade">
+                                      <p:cBhvr>
+                                        <p:cTn id="64" dur="500"/>
+                                        <p:tgtEl>
+                                          <p:spTgt spid="17"/>
+                                        </p:tgtEl>
+                                      </p:cBhvr>
+                                    </p:animEffect>
+                                  </p:childTnLst>
+                                </p:cTn>
+                              </p:par>
+                              <p:par>
+                                <p:cTn id="65" presetID="10" presetClass="entr" presetSubtype="0" fill="hold" grpId="0" nodeType="withEffect">
+                                  <p:stCondLst>
+                                    <p:cond delay="0"/>
+                                  </p:stCondLst>
+                                  <p:childTnLst>
+                                    <p:set>
+                                      <p:cBhvr>
+                                        <p:cTn id="66" dur="1" fill="hold">
+                                          <p:stCondLst>
+                                            <p:cond delay="0"/>
+                                          </p:stCondLst>
+                                        </p:cTn>
+                                        <p:tgtEl>
+                                          <p:spTgt spid="9"/>
+                                        </p:tgtEl>
+                                        <p:attrNameLst>
+                                          <p:attrName>style.visibility</p:attrName>
+                                        </p:attrNameLst>
+                                      </p:cBhvr>
+                                      <p:to>
+                                        <p:strVal val="visible"/>
+                                      </p:to>
+                                    </p:set>
+                                    <p:animEffect transition="in" filter="fade">
+                                      <p:cBhvr>
+                                        <p:cTn id="67" dur="500"/>
+                                        <p:tgtEl>
+                                          <p:spTgt spid="9"/>
+                                        </p:tgtEl>
+                                      </p:cBhvr>
+                                    </p:animEffect>
+                                  </p:childTnLst>
+                                </p:cTn>
+                              </p:par>
+                              <p:par>
+                                <p:cTn id="68" presetID="10" presetClass="entr" presetSubtype="0" fill="hold" grpId="0" nodeType="withEffect">
+                                  <p:stCondLst>
+                                    <p:cond delay="0"/>
+                                  </p:stCondLst>
+                                  <p:childTnLst>
+                                    <p:set>
+                                      <p:cBhvr>
+                                        <p:cTn id="69" dur="1" fill="hold">
+                                          <p:stCondLst>
+                                            <p:cond delay="0"/>
+                                          </p:stCondLst>
+                                        </p:cTn>
+                                        <p:tgtEl>
+                                          <p:spTgt spid="23"/>
+                                        </p:tgtEl>
+                                        <p:attrNameLst>
+                                          <p:attrName>style.visibility</p:attrName>
+                                        </p:attrNameLst>
+                                      </p:cBhvr>
+                                      <p:to>
+                                        <p:strVal val="visible"/>
+                                      </p:to>
+                                    </p:set>
+                                    <p:animEffect transition="in" filter="fade">
+                                      <p:cBhvr>
+                                        <p:cTn id="70" dur="500"/>
+                                        <p:tgtEl>
+                                          <p:spTgt spid="23"/>
+                                        </p:tgtEl>
+                                      </p:cBhvr>
+                                    </p:animEffect>
+                                  </p:childTnLst>
+                                </p:cTn>
+                              </p:par>
+                              <p:par>
+                                <p:cTn id="71" presetID="10" presetClass="entr" presetSubtype="0" fill="hold" grpId="0" nodeType="withEffect">
+                                  <p:stCondLst>
+                                    <p:cond delay="0"/>
+                                  </p:stCondLst>
+                                  <p:childTnLst>
+                                    <p:set>
+                                      <p:cBhvr>
+                                        <p:cTn id="72" dur="1" fill="hold">
+                                          <p:stCondLst>
+                                            <p:cond delay="0"/>
+                                          </p:stCondLst>
+                                        </p:cTn>
+                                        <p:tgtEl>
+                                          <p:spTgt spid="8"/>
+                                        </p:tgtEl>
+                                        <p:attrNameLst>
+                                          <p:attrName>style.visibility</p:attrName>
+                                        </p:attrNameLst>
+                                      </p:cBhvr>
+                                      <p:to>
+                                        <p:strVal val="visible"/>
+                                      </p:to>
+                                    </p:set>
+                                    <p:animEffect transition="in" filter="fade">
+                                      <p:cBhvr>
+                                        <p:cTn id="73" dur="500"/>
+                                        <p:tgtEl>
+                                          <p:spTgt spid="8"/>
+                                        </p:tgtEl>
+                                      </p:cBhvr>
+                                    </p:animEffect>
+                                  </p:childTnLst>
+                                </p:cTn>
+                              </p:par>
+                              <p:par>
+                                <p:cTn id="74" presetID="10" presetClass="entr" presetSubtype="0" fill="hold" grpId="0" nodeType="withEffect">
+                                  <p:stCondLst>
+                                    <p:cond delay="0"/>
+                                  </p:stCondLst>
+                                  <p:childTnLst>
+                                    <p:set>
+                                      <p:cBhvr>
+                                        <p:cTn id="75" dur="1" fill="hold">
+                                          <p:stCondLst>
+                                            <p:cond delay="0"/>
+                                          </p:stCondLst>
+                                        </p:cTn>
+                                        <p:tgtEl>
+                                          <p:spTgt spid="20"/>
+                                        </p:tgtEl>
+                                        <p:attrNameLst>
+                                          <p:attrName>style.visibility</p:attrName>
+                                        </p:attrNameLst>
+                                      </p:cBhvr>
+                                      <p:to>
+                                        <p:strVal val="visible"/>
+                                      </p:to>
+                                    </p:set>
+                                    <p:animEffect transition="in" filter="fade">
+                                      <p:cBhvr>
+                                        <p:cTn id="76" dur="500"/>
+                                        <p:tgtEl>
+                                          <p:spTgt spid="20"/>
+                                        </p:tgtEl>
+                                      </p:cBhvr>
+                                    </p:animEffect>
+                                  </p:childTnLst>
+                                </p:cTn>
+                              </p:par>
+                              <p:par>
+                                <p:cTn id="77" presetID="10" presetClass="entr" presetSubtype="0" fill="hold" grpId="0" nodeType="withEffect">
+                                  <p:stCondLst>
+                                    <p:cond delay="0"/>
+                                  </p:stCondLst>
+                                  <p:childTnLst>
+                                    <p:set>
+                                      <p:cBhvr>
+                                        <p:cTn id="78" dur="1" fill="hold">
+                                          <p:stCondLst>
+                                            <p:cond delay="0"/>
+                                          </p:stCondLst>
+                                        </p:cTn>
+                                        <p:tgtEl>
+                                          <p:spTgt spid="13"/>
+                                        </p:tgtEl>
+                                        <p:attrNameLst>
+                                          <p:attrName>style.visibility</p:attrName>
+                                        </p:attrNameLst>
+                                      </p:cBhvr>
+                                      <p:to>
+                                        <p:strVal val="visible"/>
+                                      </p:to>
+                                    </p:set>
+                                    <p:animEffect transition="in" filter="fade">
+                                      <p:cBhvr>
+                                        <p:cTn id="79" dur="500"/>
+                                        <p:tgtEl>
+                                          <p:spTgt spid="13"/>
+                                        </p:tgtEl>
+                                      </p:cBhvr>
+                                    </p:animEffect>
+                                  </p:childTnLst>
+                                </p:cTn>
+                              </p:par>
+                              <p:par>
+                                <p:cTn id="80" presetID="10" presetClass="entr" presetSubtype="0" fill="hold" nodeType="withEffect">
+                                  <p:stCondLst>
+                                    <p:cond delay="0"/>
+                                  </p:stCondLst>
+                                  <p:childTnLst>
+                                    <p:set>
+                                      <p:cBhvr>
+                                        <p:cTn id="81" dur="1" fill="hold">
+                                          <p:stCondLst>
+                                            <p:cond delay="0"/>
+                                          </p:stCondLst>
+                                        </p:cTn>
+                                        <p:tgtEl>
+                                          <p:spTgt spid="18"/>
+                                        </p:tgtEl>
+                                        <p:attrNameLst>
+                                          <p:attrName>style.visibility</p:attrName>
+                                        </p:attrNameLst>
+                                      </p:cBhvr>
+                                      <p:to>
+                                        <p:strVal val="visible"/>
+                                      </p:to>
+                                    </p:set>
+                                    <p:animEffect transition="in" filter="fade">
+                                      <p:cBhvr>
+                                        <p:cTn id="82" dur="500"/>
+                                        <p:tgtEl>
+                                          <p:spTgt spid="18"/>
+                                        </p:tgtEl>
+                                      </p:cBhvr>
+                                    </p:animEffect>
+                                  </p:childTnLst>
+                                </p:cTn>
+                              </p:par>
+                              <p:par>
+                                <p:cTn id="83" presetID="10" presetClass="entr" presetSubtype="0" fill="hold" nodeType="withEffect">
+                                  <p:stCondLst>
+                                    <p:cond delay="0"/>
+                                  </p:stCondLst>
+                                  <p:childTnLst>
+                                    <p:set>
+                                      <p:cBhvr>
+                                        <p:cTn id="84" dur="1" fill="hold">
+                                          <p:stCondLst>
+                                            <p:cond delay="0"/>
+                                          </p:stCondLst>
+                                        </p:cTn>
+                                        <p:tgtEl>
+                                          <p:spTgt spid="37"/>
+                                        </p:tgtEl>
+                                        <p:attrNameLst>
+                                          <p:attrName>style.visibility</p:attrName>
+                                        </p:attrNameLst>
+                                      </p:cBhvr>
+                                      <p:to>
+                                        <p:strVal val="visible"/>
+                                      </p:to>
+                                    </p:set>
+                                    <p:animEffect transition="in" filter="fade">
+                                      <p:cBhvr>
+                                        <p:cTn id="85" dur="500"/>
+                                        <p:tgtEl>
+                                          <p:spTgt spid="37"/>
+                                        </p:tgtEl>
+                                      </p:cBhvr>
+                                    </p:animEffect>
+                                  </p:childTnLst>
+                                </p:cTn>
+                              </p:par>
+                              <p:par>
+                                <p:cTn id="86" presetID="10" presetClass="entr" presetSubtype="0" fill="hold" nodeType="withEffect">
+                                  <p:stCondLst>
+                                    <p:cond delay="0"/>
+                                  </p:stCondLst>
+                                  <p:childTnLst>
+                                    <p:set>
+                                      <p:cBhvr>
+                                        <p:cTn id="87" dur="1" fill="hold">
+                                          <p:stCondLst>
+                                            <p:cond delay="0"/>
+                                          </p:stCondLst>
+                                        </p:cTn>
+                                        <p:tgtEl>
+                                          <p:spTgt spid="6"/>
+                                        </p:tgtEl>
+                                        <p:attrNameLst>
+                                          <p:attrName>style.visibility</p:attrName>
+                                        </p:attrNameLst>
+                                      </p:cBhvr>
+                                      <p:to>
+                                        <p:strVal val="visible"/>
+                                      </p:to>
+                                    </p:set>
+                                    <p:animEffect transition="in" filter="fade">
+                                      <p:cBhvr>
+                                        <p:cTn id="88" dur="500"/>
+                                        <p:tgtEl>
+                                          <p:spTgt spid="6"/>
+                                        </p:tgtEl>
+                                      </p:cBhvr>
+                                    </p:animEffect>
+                                  </p:childTnLst>
+                                </p:cTn>
+                              </p:par>
+                              <p:par>
+                                <p:cTn id="89" presetID="10" presetClass="entr" presetSubtype="0" fill="hold" grpId="0" nodeType="withEffect">
+                                  <p:stCondLst>
+                                    <p:cond delay="0"/>
+                                  </p:stCondLst>
+                                  <p:childTnLst>
+                                    <p:set>
+                                      <p:cBhvr>
+                                        <p:cTn id="90" dur="1" fill="hold">
+                                          <p:stCondLst>
+                                            <p:cond delay="0"/>
+                                          </p:stCondLst>
+                                        </p:cTn>
+                                        <p:tgtEl>
+                                          <p:spTgt spid="60"/>
+                                        </p:tgtEl>
+                                        <p:attrNameLst>
+                                          <p:attrName>style.visibility</p:attrName>
+                                        </p:attrNameLst>
+                                      </p:cBhvr>
+                                      <p:to>
+                                        <p:strVal val="visible"/>
+                                      </p:to>
+                                    </p:set>
+                                    <p:animEffect transition="in" filter="fade">
+                                      <p:cBhvr>
+                                        <p:cTn id="91" dur="500"/>
+                                        <p:tgtEl>
+                                          <p:spTgt spid="60"/>
+                                        </p:tgtEl>
+                                      </p:cBhvr>
+                                    </p:animEffect>
+                                  </p:childTnLst>
+                                </p:cTn>
+                              </p:par>
+                            </p:childTnLst>
+                          </p:cTn>
+                        </p:par>
+                      </p:childTnLst>
+                    </p:cTn>
+                  </p:par>
+                  <p:par>
+                    <p:cTn id="92" fill="hold">
+                      <p:stCondLst>
+                        <p:cond delay="indefinite"/>
+                      </p:stCondLst>
+                      <p:childTnLst>
+                        <p:par>
+                          <p:cTn id="93" fill="hold">
+                            <p:stCondLst>
+                              <p:cond delay="0"/>
+                            </p:stCondLst>
+                            <p:childTnLst>
+                              <p:par>
+                                <p:cTn id="94" presetID="10" presetClass="entr" presetSubtype="0" fill="hold" nodeType="clickEffect">
+                                  <p:stCondLst>
+                                    <p:cond delay="0"/>
+                                  </p:stCondLst>
+                                  <p:childTnLst>
+                                    <p:set>
+                                      <p:cBhvr>
+                                        <p:cTn id="95" dur="1" fill="hold">
+                                          <p:stCondLst>
+                                            <p:cond delay="0"/>
+                                          </p:stCondLst>
+                                        </p:cTn>
+                                        <p:tgtEl>
+                                          <p:spTgt spid="36"/>
+                                        </p:tgtEl>
+                                        <p:attrNameLst>
+                                          <p:attrName>style.visibility</p:attrName>
+                                        </p:attrNameLst>
+                                      </p:cBhvr>
+                                      <p:to>
+                                        <p:strVal val="visible"/>
+                                      </p:to>
+                                    </p:set>
+                                    <p:animEffect transition="in" filter="fade">
+                                      <p:cBhvr>
+                                        <p:cTn id="96" dur="500"/>
+                                        <p:tgtEl>
+                                          <p:spTgt spid="36"/>
+                                        </p:tgtEl>
+                                      </p:cBhvr>
+                                    </p:animEffect>
+                                  </p:childTnLst>
+                                </p:cTn>
+                              </p:par>
+                              <p:par>
+                                <p:cTn id="97" presetID="10" presetClass="entr" presetSubtype="0" fill="hold" grpId="0" nodeType="withEffect">
+                                  <p:stCondLst>
+                                    <p:cond delay="0"/>
+                                  </p:stCondLst>
+                                  <p:childTnLst>
+                                    <p:set>
+                                      <p:cBhvr>
+                                        <p:cTn id="98" dur="1" fill="hold">
+                                          <p:stCondLst>
+                                            <p:cond delay="0"/>
+                                          </p:stCondLst>
+                                        </p:cTn>
+                                        <p:tgtEl>
+                                          <p:spTgt spid="41"/>
+                                        </p:tgtEl>
+                                        <p:attrNameLst>
+                                          <p:attrName>style.visibility</p:attrName>
+                                        </p:attrNameLst>
+                                      </p:cBhvr>
+                                      <p:to>
+                                        <p:strVal val="visible"/>
+                                      </p:to>
+                                    </p:set>
+                                    <p:animEffect transition="in" filter="fade">
+                                      <p:cBhvr>
+                                        <p:cTn id="99" dur="500"/>
+                                        <p:tgtEl>
+                                          <p:spTgt spid="41"/>
+                                        </p:tgtEl>
+                                      </p:cBhvr>
+                                    </p:animEffect>
+                                  </p:childTnLst>
+                                </p:cTn>
+                              </p:par>
+                              <p:par>
+                                <p:cTn id="100" presetID="10" presetClass="entr" presetSubtype="0" fill="hold" nodeType="withEffect">
+                                  <p:stCondLst>
+                                    <p:cond delay="0"/>
+                                  </p:stCondLst>
+                                  <p:childTnLst>
+                                    <p:set>
+                                      <p:cBhvr>
+                                        <p:cTn id="101" dur="1" fill="hold">
+                                          <p:stCondLst>
+                                            <p:cond delay="0"/>
+                                          </p:stCondLst>
+                                        </p:cTn>
+                                        <p:tgtEl>
+                                          <p:spTgt spid="11"/>
+                                        </p:tgtEl>
+                                        <p:attrNameLst>
+                                          <p:attrName>style.visibility</p:attrName>
+                                        </p:attrNameLst>
+                                      </p:cBhvr>
+                                      <p:to>
+                                        <p:strVal val="visible"/>
+                                      </p:to>
+                                    </p:set>
+                                    <p:animEffect transition="in" filter="fade">
+                                      <p:cBhvr>
+                                        <p:cTn id="102" dur="500"/>
+                                        <p:tgtEl>
+                                          <p:spTgt spid="11"/>
+                                        </p:tgtEl>
+                                      </p:cBhvr>
+                                    </p:animEffect>
+                                  </p:childTnLst>
+                                </p:cTn>
+                              </p:par>
+                              <p:par>
+                                <p:cTn id="103" presetID="10" presetClass="entr" presetSubtype="0" fill="hold" nodeType="withEffect">
+                                  <p:stCondLst>
+                                    <p:cond delay="0"/>
+                                  </p:stCondLst>
+                                  <p:childTnLst>
+                                    <p:set>
+                                      <p:cBhvr>
+                                        <p:cTn id="104" dur="1" fill="hold">
+                                          <p:stCondLst>
+                                            <p:cond delay="0"/>
+                                          </p:stCondLst>
+                                        </p:cTn>
+                                        <p:tgtEl>
+                                          <p:spTgt spid="42"/>
+                                        </p:tgtEl>
+                                        <p:attrNameLst>
+                                          <p:attrName>style.visibility</p:attrName>
+                                        </p:attrNameLst>
+                                      </p:cBhvr>
+                                      <p:to>
+                                        <p:strVal val="visible"/>
+                                      </p:to>
+                                    </p:set>
+                                    <p:animEffect transition="in" filter="fade">
+                                      <p:cBhvr>
+                                        <p:cTn id="105" dur="500"/>
+                                        <p:tgtEl>
+                                          <p:spTgt spid="42"/>
+                                        </p:tgtEl>
+                                      </p:cBhvr>
+                                    </p:animEffect>
+                                  </p:childTnLst>
+                                </p:cTn>
+                              </p:par>
+                              <p:par>
+                                <p:cTn id="106" presetID="10" presetClass="entr" presetSubtype="0" fill="hold" nodeType="withEffect">
+                                  <p:stCondLst>
+                                    <p:cond delay="0"/>
+                                  </p:stCondLst>
+                                  <p:childTnLst>
+                                    <p:set>
+                                      <p:cBhvr>
+                                        <p:cTn id="107" dur="1" fill="hold">
+                                          <p:stCondLst>
+                                            <p:cond delay="0"/>
+                                          </p:stCondLst>
+                                        </p:cTn>
+                                        <p:tgtEl>
+                                          <p:spTgt spid="14"/>
+                                        </p:tgtEl>
+                                        <p:attrNameLst>
+                                          <p:attrName>style.visibility</p:attrName>
+                                        </p:attrNameLst>
+                                      </p:cBhvr>
+                                      <p:to>
+                                        <p:strVal val="visible"/>
+                                      </p:to>
+                                    </p:set>
+                                    <p:animEffect transition="in" filter="fade">
+                                      <p:cBhvr>
+                                        <p:cTn id="108" dur="500"/>
+                                        <p:tgtEl>
+                                          <p:spTgt spid="14"/>
+                                        </p:tgtEl>
+                                      </p:cBhvr>
+                                    </p:animEffect>
+                                  </p:childTnLst>
+                                </p:cTn>
+                              </p:par>
+                              <p:par>
+                                <p:cTn id="109" presetID="10" presetClass="entr" presetSubtype="0" fill="hold" grpId="0" nodeType="withEffect">
+                                  <p:stCondLst>
+                                    <p:cond delay="0"/>
+                                  </p:stCondLst>
+                                  <p:childTnLst>
+                                    <p:set>
+                                      <p:cBhvr>
+                                        <p:cTn id="110" dur="1" fill="hold">
+                                          <p:stCondLst>
+                                            <p:cond delay="0"/>
+                                          </p:stCondLst>
+                                        </p:cTn>
+                                        <p:tgtEl>
+                                          <p:spTgt spid="22"/>
+                                        </p:tgtEl>
+                                        <p:attrNameLst>
+                                          <p:attrName>style.visibility</p:attrName>
+                                        </p:attrNameLst>
+                                      </p:cBhvr>
+                                      <p:to>
+                                        <p:strVal val="visible"/>
+                                      </p:to>
+                                    </p:set>
+                                    <p:animEffect transition="in" filter="fade">
+                                      <p:cBhvr>
+                                        <p:cTn id="111" dur="500"/>
+                                        <p:tgtEl>
+                                          <p:spTgt spid="22"/>
+                                        </p:tgtEl>
+                                      </p:cBhvr>
+                                    </p:animEffect>
+                                  </p:childTnLst>
+                                </p:cTn>
+                              </p:par>
+                              <p:par>
+                                <p:cTn id="112" presetID="10" presetClass="entr" presetSubtype="0" fill="hold" grpId="0" nodeType="withEffect">
+                                  <p:stCondLst>
+                                    <p:cond delay="0"/>
+                                  </p:stCondLst>
+                                  <p:childTnLst>
+                                    <p:set>
+                                      <p:cBhvr>
+                                        <p:cTn id="113" dur="1" fill="hold">
+                                          <p:stCondLst>
+                                            <p:cond delay="0"/>
+                                          </p:stCondLst>
+                                        </p:cTn>
+                                        <p:tgtEl>
+                                          <p:spTgt spid="21"/>
+                                        </p:tgtEl>
+                                        <p:attrNameLst>
+                                          <p:attrName>style.visibility</p:attrName>
+                                        </p:attrNameLst>
+                                      </p:cBhvr>
+                                      <p:to>
+                                        <p:strVal val="visible"/>
+                                      </p:to>
+                                    </p:set>
+                                    <p:animEffect transition="in" filter="fade">
+                                      <p:cBhvr>
+                                        <p:cTn id="114" dur="500"/>
+                                        <p:tgtEl>
+                                          <p:spTgt spid="21"/>
+                                        </p:tgtEl>
+                                      </p:cBhvr>
+                                    </p:animEffect>
+                                  </p:childTnLst>
+                                </p:cTn>
+                              </p:par>
+                              <p:par>
+                                <p:cTn id="115" presetID="10" presetClass="entr" presetSubtype="0" fill="hold" grpId="0" nodeType="withEffect">
+                                  <p:stCondLst>
+                                    <p:cond delay="0"/>
+                                  </p:stCondLst>
+                                  <p:childTnLst>
+                                    <p:set>
+                                      <p:cBhvr>
+                                        <p:cTn id="116" dur="1" fill="hold">
+                                          <p:stCondLst>
+                                            <p:cond delay="0"/>
+                                          </p:stCondLst>
+                                        </p:cTn>
+                                        <p:tgtEl>
+                                          <p:spTgt spid="5"/>
+                                        </p:tgtEl>
+                                        <p:attrNameLst>
+                                          <p:attrName>style.visibility</p:attrName>
+                                        </p:attrNameLst>
+                                      </p:cBhvr>
+                                      <p:to>
+                                        <p:strVal val="visible"/>
+                                      </p:to>
+                                    </p:set>
+                                    <p:animEffect transition="in" filter="fade">
+                                      <p:cBhvr>
+                                        <p:cTn id="117" dur="500"/>
+                                        <p:tgtEl>
+                                          <p:spTgt spid="5"/>
+                                        </p:tgtEl>
+                                      </p:cBhvr>
+                                    </p:animEffect>
+                                  </p:childTnLst>
+                                </p:cTn>
+                              </p:par>
+                              <p:par>
+                                <p:cTn id="118" presetID="10" presetClass="entr" presetSubtype="0" fill="hold" nodeType="withEffect">
+                                  <p:stCondLst>
+                                    <p:cond delay="0"/>
+                                  </p:stCondLst>
+                                  <p:childTnLst>
+                                    <p:set>
+                                      <p:cBhvr>
+                                        <p:cTn id="119" dur="1" fill="hold">
+                                          <p:stCondLst>
+                                            <p:cond delay="0"/>
+                                          </p:stCondLst>
+                                        </p:cTn>
+                                        <p:tgtEl>
+                                          <p:spTgt spid="48"/>
+                                        </p:tgtEl>
+                                        <p:attrNameLst>
+                                          <p:attrName>style.visibility</p:attrName>
+                                        </p:attrNameLst>
+                                      </p:cBhvr>
+                                      <p:to>
+                                        <p:strVal val="visible"/>
+                                      </p:to>
+                                    </p:set>
+                                    <p:animEffect transition="in" filter="fade">
+                                      <p:cBhvr>
+                                        <p:cTn id="120" dur="500"/>
+                                        <p:tgtEl>
+                                          <p:spTgt spid="48"/>
+                                        </p:tgtEl>
+                                      </p:cBhvr>
+                                    </p:animEffect>
+                                  </p:childTnLst>
+                                </p:cTn>
+                              </p:par>
+                            </p:childTnLst>
+                          </p:cTn>
+                        </p:par>
+                      </p:childTnLst>
+                    </p:cTn>
+                  </p:par>
+                  <p:par>
+                    <p:cTn id="121" fill="hold">
+                      <p:stCondLst>
+                        <p:cond delay="indefinite"/>
+                      </p:stCondLst>
+                      <p:childTnLst>
+                        <p:par>
+                          <p:cTn id="122" fill="hold">
+                            <p:stCondLst>
+                              <p:cond delay="0"/>
+                            </p:stCondLst>
+                            <p:childTnLst>
+                              <p:par>
+                                <p:cTn id="123" presetID="10" presetClass="entr" presetSubtype="0" fill="hold" nodeType="clickEffect">
+                                  <p:stCondLst>
+                                    <p:cond delay="0"/>
+                                  </p:stCondLst>
+                                  <p:childTnLst>
+                                    <p:set>
+                                      <p:cBhvr>
+                                        <p:cTn id="124" dur="1" fill="hold">
+                                          <p:stCondLst>
+                                            <p:cond delay="0"/>
+                                          </p:stCondLst>
+                                        </p:cTn>
+                                        <p:tgtEl>
+                                          <p:spTgt spid="47"/>
+                                        </p:tgtEl>
+                                        <p:attrNameLst>
+                                          <p:attrName>style.visibility</p:attrName>
+                                        </p:attrNameLst>
+                                      </p:cBhvr>
+                                      <p:to>
+                                        <p:strVal val="visible"/>
+                                      </p:to>
+                                    </p:set>
+                                    <p:animEffect transition="in" filter="fade">
+                                      <p:cBhvr>
+                                        <p:cTn id="125" dur="500"/>
+                                        <p:tgtEl>
+                                          <p:spTgt spid="47"/>
+                                        </p:tgtEl>
+                                      </p:cBhvr>
+                                    </p:animEffect>
+                                  </p:childTnLst>
+                                </p:cTn>
+                              </p:par>
+                              <p:par>
+                                <p:cTn id="126" presetID="10" presetClass="entr" presetSubtype="0" fill="hold" nodeType="withEffect">
+                                  <p:stCondLst>
+                                    <p:cond delay="0"/>
+                                  </p:stCondLst>
+                                  <p:childTnLst>
+                                    <p:set>
+                                      <p:cBhvr>
+                                        <p:cTn id="127" dur="1" fill="hold">
+                                          <p:stCondLst>
+                                            <p:cond delay="0"/>
+                                          </p:stCondLst>
+                                        </p:cTn>
+                                        <p:tgtEl>
+                                          <p:spTgt spid="39"/>
+                                        </p:tgtEl>
+                                        <p:attrNameLst>
+                                          <p:attrName>style.visibility</p:attrName>
+                                        </p:attrNameLst>
+                                      </p:cBhvr>
+                                      <p:to>
+                                        <p:strVal val="visible"/>
+                                      </p:to>
+                                    </p:set>
+                                    <p:animEffect transition="in" filter="fade">
+                                      <p:cBhvr>
+                                        <p:cTn id="128" dur="500"/>
+                                        <p:tgtEl>
+                                          <p:spTgt spid="39"/>
+                                        </p:tgtEl>
+                                      </p:cBhvr>
+                                    </p:animEffect>
+                                  </p:childTnLst>
+                                </p:cTn>
+                              </p:par>
+                              <p:par>
+                                <p:cTn id="129" presetID="10" presetClass="entr" presetSubtype="0" fill="hold" grpId="0" nodeType="withEffect">
+                                  <p:stCondLst>
+                                    <p:cond delay="0"/>
+                                  </p:stCondLst>
+                                  <p:childTnLst>
+                                    <p:set>
+                                      <p:cBhvr>
+                                        <p:cTn id="130" dur="1" fill="hold">
+                                          <p:stCondLst>
+                                            <p:cond delay="0"/>
+                                          </p:stCondLst>
+                                        </p:cTn>
+                                        <p:tgtEl>
+                                          <p:spTgt spid="49"/>
+                                        </p:tgtEl>
+                                        <p:attrNameLst>
+                                          <p:attrName>style.visibility</p:attrName>
+                                        </p:attrNameLst>
+                                      </p:cBhvr>
+                                      <p:to>
+                                        <p:strVal val="visible"/>
+                                      </p:to>
+                                    </p:set>
+                                    <p:animEffect transition="in" filter="fade">
+                                      <p:cBhvr>
+                                        <p:cTn id="131" dur="500"/>
+                                        <p:tgtEl>
+                                          <p:spTgt spid="49"/>
+                                        </p:tgtEl>
+                                      </p:cBhvr>
+                                    </p:animEffect>
+                                  </p:childTnLst>
+                                </p:cTn>
+                              </p:par>
+                              <p:par>
+                                <p:cTn id="132" presetID="10" presetClass="entr" presetSubtype="0" fill="hold" grpId="0" nodeType="withEffect">
+                                  <p:stCondLst>
+                                    <p:cond delay="0"/>
+                                  </p:stCondLst>
+                                  <p:childTnLst>
+                                    <p:set>
+                                      <p:cBhvr>
+                                        <p:cTn id="133" dur="1" fill="hold">
+                                          <p:stCondLst>
+                                            <p:cond delay="0"/>
+                                          </p:stCondLst>
+                                        </p:cTn>
+                                        <p:tgtEl>
+                                          <p:spTgt spid="64"/>
+                                        </p:tgtEl>
+                                        <p:attrNameLst>
+                                          <p:attrName>style.visibility</p:attrName>
+                                        </p:attrNameLst>
+                                      </p:cBhvr>
+                                      <p:to>
+                                        <p:strVal val="visible"/>
+                                      </p:to>
+                                    </p:set>
+                                    <p:animEffect transition="in" filter="fade">
+                                      <p:cBhvr>
+                                        <p:cTn id="134" dur="500"/>
+                                        <p:tgtEl>
+                                          <p:spTgt spid="64"/>
+                                        </p:tgtEl>
+                                      </p:cBhvr>
+                                    </p:animEffect>
+                                  </p:childTnLst>
+                                </p:cTn>
+                              </p:par>
+                              <p:par>
+                                <p:cTn id="135" presetID="10" presetClass="entr" presetSubtype="0" fill="hold" nodeType="withEffect">
+                                  <p:stCondLst>
+                                    <p:cond delay="0"/>
+                                  </p:stCondLst>
+                                  <p:childTnLst>
+                                    <p:set>
+                                      <p:cBhvr>
+                                        <p:cTn id="136" dur="1" fill="hold">
+                                          <p:stCondLst>
+                                            <p:cond delay="0"/>
+                                          </p:stCondLst>
+                                        </p:cTn>
+                                        <p:tgtEl>
+                                          <p:spTgt spid="54"/>
+                                        </p:tgtEl>
+                                        <p:attrNameLst>
+                                          <p:attrName>style.visibility</p:attrName>
+                                        </p:attrNameLst>
+                                      </p:cBhvr>
+                                      <p:to>
+                                        <p:strVal val="visible"/>
+                                      </p:to>
+                                    </p:set>
+                                    <p:animEffect transition="in" filter="fade">
+                                      <p:cBhvr>
+                                        <p:cTn id="137" dur="500"/>
+                                        <p:tgtEl>
+                                          <p:spTgt spid="54"/>
+                                        </p:tgtEl>
+                                      </p:cBhvr>
+                                    </p:animEffect>
+                                  </p:childTnLst>
+                                </p:cTn>
+                              </p:par>
+                            </p:childTnLst>
+                          </p:cTn>
+                        </p:par>
+                      </p:childTnLst>
+                    </p:cTn>
+                  </p:par>
+                  <p:par>
+                    <p:cTn id="138" fill="hold">
+                      <p:stCondLst>
+                        <p:cond delay="indefinite"/>
+                      </p:stCondLst>
+                      <p:childTnLst>
+                        <p:par>
+                          <p:cTn id="139" fill="hold">
+                            <p:stCondLst>
+                              <p:cond delay="0"/>
+                            </p:stCondLst>
+                            <p:childTnLst>
+                              <p:par>
+                                <p:cTn id="140" presetID="10" presetClass="entr" presetSubtype="0" fill="hold" nodeType="clickEffect">
+                                  <p:stCondLst>
+                                    <p:cond delay="0"/>
+                                  </p:stCondLst>
+                                  <p:childTnLst>
+                                    <p:set>
+                                      <p:cBhvr>
+                                        <p:cTn id="141" dur="1" fill="hold">
+                                          <p:stCondLst>
+                                            <p:cond delay="0"/>
+                                          </p:stCondLst>
+                                        </p:cTn>
+                                        <p:tgtEl>
+                                          <p:spTgt spid="55"/>
+                                        </p:tgtEl>
+                                        <p:attrNameLst>
+                                          <p:attrName>style.visibility</p:attrName>
+                                        </p:attrNameLst>
+                                      </p:cBhvr>
+                                      <p:to>
+                                        <p:strVal val="visible"/>
+                                      </p:to>
+                                    </p:set>
+                                    <p:animEffect transition="in" filter="fade">
+                                      <p:cBhvr>
+                                        <p:cTn id="142" dur="500"/>
+                                        <p:tgtEl>
+                                          <p:spTgt spid="55"/>
+                                        </p:tgtEl>
+                                      </p:cBhvr>
+                                    </p:animEffect>
+                                  </p:childTnLst>
+                                </p:cTn>
+                              </p:par>
+                              <p:par>
+                                <p:cTn id="143" presetID="10" presetClass="entr" presetSubtype="0" fill="hold" nodeType="withEffect">
+                                  <p:stCondLst>
+                                    <p:cond delay="0"/>
+                                  </p:stCondLst>
+                                  <p:childTnLst>
+                                    <p:set>
+                                      <p:cBhvr>
+                                        <p:cTn id="144" dur="1" fill="hold">
+                                          <p:stCondLst>
+                                            <p:cond delay="0"/>
+                                          </p:stCondLst>
+                                        </p:cTn>
+                                        <p:tgtEl>
+                                          <p:spTgt spid="3"/>
+                                        </p:tgtEl>
+                                        <p:attrNameLst>
+                                          <p:attrName>style.visibility</p:attrName>
+                                        </p:attrNameLst>
+                                      </p:cBhvr>
+                                      <p:to>
+                                        <p:strVal val="visible"/>
+                                      </p:to>
+                                    </p:set>
+                                    <p:animEffect transition="in" filter="fade">
+                                      <p:cBhvr>
+                                        <p:cTn id="145" dur="500"/>
+                                        <p:tgtEl>
+                                          <p:spTgt spid="3"/>
+                                        </p:tgtEl>
+                                      </p:cBhvr>
+                                    </p:animEffect>
+                                  </p:childTnLst>
+                                </p:cTn>
+                              </p:par>
+                            </p:childTnLst>
+                          </p:cTn>
+                        </p:par>
+                      </p:childTnLst>
+                    </p:cTn>
+                  </p:par>
+                  <p:par>
+                    <p:cTn id="146" fill="hold">
+                      <p:stCondLst>
+                        <p:cond delay="indefinite"/>
+                      </p:stCondLst>
+                      <p:childTnLst>
+                        <p:par>
+                          <p:cTn id="147" fill="hold">
+                            <p:stCondLst>
+                              <p:cond delay="0"/>
+                            </p:stCondLst>
+                            <p:childTnLst>
+                              <p:par>
+                                <p:cTn id="148" presetID="10" presetClass="entr" presetSubtype="0" fill="hold" nodeType="clickEffect">
+                                  <p:stCondLst>
+                                    <p:cond delay="0"/>
+                                  </p:stCondLst>
+                                  <p:childTnLst>
+                                    <p:set>
+                                      <p:cBhvr>
+                                        <p:cTn id="149" dur="1" fill="hold">
+                                          <p:stCondLst>
+                                            <p:cond delay="0"/>
+                                          </p:stCondLst>
+                                        </p:cTn>
+                                        <p:tgtEl>
+                                          <p:spTgt spid="56"/>
+                                        </p:tgtEl>
+                                        <p:attrNameLst>
+                                          <p:attrName>style.visibility</p:attrName>
+                                        </p:attrNameLst>
+                                      </p:cBhvr>
+                                      <p:to>
+                                        <p:strVal val="visible"/>
+                                      </p:to>
+                                    </p:set>
+                                    <p:animEffect transition="in" filter="fade">
+                                      <p:cBhvr>
+                                        <p:cTn id="150" dur="500"/>
+                                        <p:tgtEl>
+                                          <p:spTgt spid="56"/>
+                                        </p:tgtEl>
+                                      </p:cBhvr>
+                                    </p:animEffect>
+                                  </p:childTnLst>
+                                </p:cTn>
+                              </p:par>
+                              <p:par>
+                                <p:cTn id="151" presetID="10" presetClass="exit" presetSubtype="0" fill="hold" nodeType="withEffect">
+                                  <p:stCondLst>
+                                    <p:cond delay="0"/>
+                                  </p:stCondLst>
+                                  <p:childTnLst>
+                                    <p:animEffect transition="out" filter="fade">
+                                      <p:cBhvr>
+                                        <p:cTn id="152" dur="500"/>
+                                        <p:tgtEl>
+                                          <p:spTgt spid="18"/>
+                                        </p:tgtEl>
+                                      </p:cBhvr>
+                                    </p:animEffect>
+                                    <p:set>
+                                      <p:cBhvr>
+                                        <p:cTn id="153" dur="1" fill="hold">
+                                          <p:stCondLst>
+                                            <p:cond delay="499"/>
+                                          </p:stCondLst>
+                                        </p:cTn>
+                                        <p:tgtEl>
+                                          <p:spTgt spid="18"/>
+                                        </p:tgtEl>
+                                        <p:attrNameLst>
+                                          <p:attrName>style.visibility</p:attrName>
+                                        </p:attrNameLst>
+                                      </p:cBhvr>
+                                      <p:to>
+                                        <p:strVal val="hidden"/>
+                                      </p:to>
+                                    </p:set>
+                                  </p:childTnLst>
+                                </p:cTn>
+                              </p:par>
+                              <p:par>
+                                <p:cTn id="154" presetID="10" presetClass="exit" presetSubtype="0" fill="hold" grpId="1" nodeType="withEffect">
+                                  <p:stCondLst>
+                                    <p:cond delay="0"/>
+                                  </p:stCondLst>
+                                  <p:childTnLst>
+                                    <p:animEffect transition="out" filter="fade">
+                                      <p:cBhvr>
+                                        <p:cTn id="155" dur="500"/>
+                                        <p:tgtEl>
+                                          <p:spTgt spid="43"/>
+                                        </p:tgtEl>
+                                      </p:cBhvr>
+                                    </p:animEffect>
+                                    <p:set>
+                                      <p:cBhvr>
+                                        <p:cTn id="156" dur="1" fill="hold">
+                                          <p:stCondLst>
+                                            <p:cond delay="499"/>
+                                          </p:stCondLst>
+                                        </p:cTn>
+                                        <p:tgtEl>
+                                          <p:spTgt spid="43"/>
+                                        </p:tgtEl>
+                                        <p:attrNameLst>
+                                          <p:attrName>style.visibility</p:attrName>
+                                        </p:attrNameLst>
+                                      </p:cBhvr>
+                                      <p:to>
+                                        <p:strVal val="hidden"/>
+                                      </p:to>
+                                    </p:set>
+                                  </p:childTnLst>
+                                </p:cTn>
+                              </p:par>
+                              <p:par>
+                                <p:cTn id="157" presetID="10" presetClass="exit" presetSubtype="0" fill="hold" nodeType="withEffect">
+                                  <p:stCondLst>
+                                    <p:cond delay="0"/>
+                                  </p:stCondLst>
+                                  <p:childTnLst>
+                                    <p:animEffect transition="out" filter="fade">
+                                      <p:cBhvr>
+                                        <p:cTn id="158" dur="500"/>
+                                        <p:tgtEl>
+                                          <p:spTgt spid="12"/>
+                                        </p:tgtEl>
+                                      </p:cBhvr>
+                                    </p:animEffect>
+                                    <p:set>
+                                      <p:cBhvr>
+                                        <p:cTn id="159" dur="1" fill="hold">
+                                          <p:stCondLst>
+                                            <p:cond delay="499"/>
+                                          </p:stCondLst>
+                                        </p:cTn>
+                                        <p:tgtEl>
+                                          <p:spTgt spid="12"/>
+                                        </p:tgtEl>
+                                        <p:attrNameLst>
+                                          <p:attrName>style.visibility</p:attrName>
+                                        </p:attrNameLst>
+                                      </p:cBhvr>
+                                      <p:to>
+                                        <p:strVal val="hidden"/>
+                                      </p:to>
+                                    </p:set>
+                                  </p:childTnLst>
+                                </p:cTn>
+                              </p:par>
+                              <p:par>
+                                <p:cTn id="160" presetID="10" presetClass="exit" presetSubtype="0" fill="hold" nodeType="withEffect">
+                                  <p:stCondLst>
+                                    <p:cond delay="0"/>
+                                  </p:stCondLst>
+                                  <p:childTnLst>
+                                    <p:animEffect transition="out" filter="fade">
+                                      <p:cBhvr>
+                                        <p:cTn id="161" dur="500"/>
+                                        <p:tgtEl>
+                                          <p:spTgt spid="46"/>
+                                        </p:tgtEl>
+                                      </p:cBhvr>
+                                    </p:animEffect>
+                                    <p:set>
+                                      <p:cBhvr>
+                                        <p:cTn id="162" dur="1" fill="hold">
+                                          <p:stCondLst>
+                                            <p:cond delay="499"/>
+                                          </p:stCondLst>
+                                        </p:cTn>
+                                        <p:tgtEl>
+                                          <p:spTgt spid="46"/>
+                                        </p:tgtEl>
+                                        <p:attrNameLst>
+                                          <p:attrName>style.visibility</p:attrName>
+                                        </p:attrNameLst>
+                                      </p:cBhvr>
+                                      <p:to>
+                                        <p:strVal val="hidden"/>
+                                      </p:to>
+                                    </p:set>
+                                  </p:childTnLst>
+                                </p:cTn>
+                              </p:par>
+                              <p:par>
+                                <p:cTn id="163" presetID="10" presetClass="exit" presetSubtype="0" fill="hold" nodeType="withEffect">
+                                  <p:stCondLst>
+                                    <p:cond delay="0"/>
+                                  </p:stCondLst>
+                                  <p:childTnLst>
+                                    <p:animEffect transition="out" filter="fade">
+                                      <p:cBhvr>
+                                        <p:cTn id="164" dur="500"/>
+                                        <p:tgtEl>
+                                          <p:spTgt spid="15"/>
+                                        </p:tgtEl>
+                                      </p:cBhvr>
+                                    </p:animEffect>
+                                    <p:set>
+                                      <p:cBhvr>
+                                        <p:cTn id="165" dur="1" fill="hold">
+                                          <p:stCondLst>
+                                            <p:cond delay="499"/>
+                                          </p:stCondLst>
+                                        </p:cTn>
+                                        <p:tgtEl>
+                                          <p:spTgt spid="15"/>
+                                        </p:tgtEl>
+                                        <p:attrNameLst>
+                                          <p:attrName>style.visibility</p:attrName>
+                                        </p:attrNameLst>
+                                      </p:cBhvr>
+                                      <p:to>
+                                        <p:strVal val="hidden"/>
+                                      </p:to>
+                                    </p:set>
+                                  </p:childTnLst>
+                                </p:cTn>
+                              </p:par>
+                              <p:par>
+                                <p:cTn id="166" presetID="10" presetClass="exit" presetSubtype="0" fill="hold" grpId="1" nodeType="withEffect">
+                                  <p:stCondLst>
+                                    <p:cond delay="0"/>
+                                  </p:stCondLst>
+                                  <p:childTnLst>
+                                    <p:animEffect transition="out" filter="fade">
+                                      <p:cBhvr>
+                                        <p:cTn id="167" dur="500"/>
+                                        <p:tgtEl>
+                                          <p:spTgt spid="24"/>
+                                        </p:tgtEl>
+                                      </p:cBhvr>
+                                    </p:animEffect>
+                                    <p:set>
+                                      <p:cBhvr>
+                                        <p:cTn id="168" dur="1" fill="hold">
+                                          <p:stCondLst>
+                                            <p:cond delay="499"/>
+                                          </p:stCondLst>
+                                        </p:cTn>
+                                        <p:tgtEl>
+                                          <p:spTgt spid="24"/>
+                                        </p:tgtEl>
+                                        <p:attrNameLst>
+                                          <p:attrName>style.visibility</p:attrName>
+                                        </p:attrNameLst>
+                                      </p:cBhvr>
+                                      <p:to>
+                                        <p:strVal val="hidden"/>
+                                      </p:to>
+                                    </p:set>
+                                  </p:childTnLst>
+                                </p:cTn>
+                              </p:par>
+                              <p:par>
+                                <p:cTn id="169" presetID="10" presetClass="exit" presetSubtype="0" fill="hold" nodeType="withEffect">
+                                  <p:stCondLst>
+                                    <p:cond delay="0"/>
+                                  </p:stCondLst>
+                                  <p:childTnLst>
+                                    <p:animEffect transition="out" filter="fade">
+                                      <p:cBhvr>
+                                        <p:cTn id="170" dur="500"/>
+                                        <p:tgtEl>
+                                          <p:spTgt spid="51"/>
+                                        </p:tgtEl>
+                                      </p:cBhvr>
+                                    </p:animEffect>
+                                    <p:set>
+                                      <p:cBhvr>
+                                        <p:cTn id="171" dur="1" fill="hold">
+                                          <p:stCondLst>
+                                            <p:cond delay="499"/>
+                                          </p:stCondLst>
+                                        </p:cTn>
+                                        <p:tgtEl>
+                                          <p:spTgt spid="51"/>
+                                        </p:tgtEl>
+                                        <p:attrNameLst>
+                                          <p:attrName>style.visibility</p:attrName>
+                                        </p:attrNameLst>
+                                      </p:cBhvr>
+                                      <p:to>
+                                        <p:strVal val="hidden"/>
+                                      </p:to>
+                                    </p:set>
+                                  </p:childTnLst>
+                                </p:cTn>
+                              </p:par>
+                              <p:par>
+                                <p:cTn id="172" presetID="10" presetClass="exit" presetSubtype="0" fill="hold" grpId="1" nodeType="withEffect">
+                                  <p:stCondLst>
+                                    <p:cond delay="0"/>
+                                  </p:stCondLst>
+                                  <p:childTnLst>
+                                    <p:animEffect transition="out" filter="fade">
+                                      <p:cBhvr>
+                                        <p:cTn id="173" dur="500"/>
+                                        <p:tgtEl>
+                                          <p:spTgt spid="23"/>
+                                        </p:tgtEl>
+                                      </p:cBhvr>
+                                    </p:animEffect>
+                                    <p:set>
+                                      <p:cBhvr>
+                                        <p:cTn id="174" dur="1" fill="hold">
+                                          <p:stCondLst>
+                                            <p:cond delay="499"/>
+                                          </p:stCondLst>
+                                        </p:cTn>
+                                        <p:tgtEl>
+                                          <p:spTgt spid="23"/>
+                                        </p:tgtEl>
+                                        <p:attrNameLst>
+                                          <p:attrName>style.visibility</p:attrName>
+                                        </p:attrNameLst>
+                                      </p:cBhvr>
+                                      <p:to>
+                                        <p:strVal val="hidden"/>
+                                      </p:to>
+                                    </p:set>
+                                  </p:childTnLst>
+                                </p:cTn>
+                              </p:par>
+                              <p:par>
+                                <p:cTn id="175" presetID="10" presetClass="exit" presetSubtype="0" fill="hold" grpId="1" nodeType="withEffect">
+                                  <p:stCondLst>
+                                    <p:cond delay="0"/>
+                                  </p:stCondLst>
+                                  <p:childTnLst>
+                                    <p:animEffect transition="out" filter="fade">
+                                      <p:cBhvr>
+                                        <p:cTn id="176" dur="500"/>
+                                        <p:tgtEl>
+                                          <p:spTgt spid="8"/>
+                                        </p:tgtEl>
+                                      </p:cBhvr>
+                                    </p:animEffect>
+                                    <p:set>
+                                      <p:cBhvr>
+                                        <p:cTn id="177" dur="1" fill="hold">
+                                          <p:stCondLst>
+                                            <p:cond delay="499"/>
+                                          </p:stCondLst>
+                                        </p:cTn>
+                                        <p:tgtEl>
+                                          <p:spTgt spid="8"/>
+                                        </p:tgtEl>
+                                        <p:attrNameLst>
+                                          <p:attrName>style.visibility</p:attrName>
+                                        </p:attrNameLst>
+                                      </p:cBhvr>
+                                      <p:to>
+                                        <p:strVal val="hidden"/>
+                                      </p:to>
+                                    </p:set>
+                                  </p:childTnLst>
+                                </p:cTn>
+                              </p:par>
+                              <p:par>
+                                <p:cTn id="178" presetID="10" presetClass="exit" presetSubtype="0" fill="hold" nodeType="withEffect">
+                                  <p:stCondLst>
+                                    <p:cond delay="0"/>
+                                  </p:stCondLst>
+                                  <p:childTnLst>
+                                    <p:animEffect transition="out" filter="fade">
+                                      <p:cBhvr>
+                                        <p:cTn id="179" dur="500"/>
+                                        <p:tgtEl>
+                                          <p:spTgt spid="18"/>
+                                        </p:tgtEl>
+                                      </p:cBhvr>
+                                    </p:animEffect>
+                                    <p:set>
+                                      <p:cBhvr>
+                                        <p:cTn id="180" dur="1" fill="hold">
+                                          <p:stCondLst>
+                                            <p:cond delay="499"/>
+                                          </p:stCondLst>
+                                        </p:cTn>
+                                        <p:tgtEl>
+                                          <p:spTgt spid="18"/>
+                                        </p:tgtEl>
+                                        <p:attrNameLst>
+                                          <p:attrName>style.visibility</p:attrName>
+                                        </p:attrNameLst>
+                                      </p:cBhvr>
+                                      <p:to>
+                                        <p:strVal val="hidden"/>
+                                      </p:to>
+                                    </p:set>
+                                  </p:childTnLst>
+                                </p:cTn>
+                              </p:par>
+                            </p:childTnLst>
+                          </p:cTn>
+                        </p:par>
+                      </p:childTnLst>
+                    </p:cTn>
+                  </p:par>
+                </p:childTnLst>
+              </p:cTn>
+              <p:prevCondLst>
+                <p:cond evt="onPrev" delay="0">
+                  <p:tgtEl>
+                    <p:sldTgt/>
+                  </p:tgtEl>
+                </p:cond>
+              </p:prevCondLst>
+              <p:nextCondLst>
+                <p:cond evt="onNext" delay="0">
+                  <p:tgtEl>
+                    <p:sldTgt/>
+                  </p:tgtEl>
+                </p:cond>
+              </p:nextCondLst>
+            </p:seq>
+          </p:childTnLst>
+        </p:cTn>
+      </p:par>
+    </p:tnLst>
+    <p:bldLst>
+      <p:bldP spid="44" grpId="0" animBg="1"/>
+      <p:bldP spid="5" grpId="0" animBg="1"/>
+      <p:bldP spid="8" grpId="0" animBg="1"/>
+      <p:bldP spid="8" grpId="1" animBg="1"/>
+      <p:bldP spid="9" grpId="0" animBg="1"/>
+      <p:bldP spid="13" grpId="0" animBg="1"/>
+      <p:bldP spid="20" grpId="0" animBg="1"/>
+      <p:bldP spid="21" grpId="0"/>
+      <p:bldP spid="22" grpId="0"/>
+      <p:bldP spid="23" grpId="0"/>
+      <p:bldP spid="23" grpId="1"/>
+      <p:bldP spid="24" grpId="0"/>
+      <p:bldP spid="24" grpId="1"/>
+      <p:bldP spid="27" grpId="0"/>
+      <p:bldP spid="30" grpId="0"/>
+      <p:bldP spid="33" grpId="0"/>
+      <p:bldP spid="64" grpId="0"/>
+      <p:bldP spid="40" grpId="0" animBg="1"/>
+      <p:bldP spid="41" grpId="0" animBg="1"/>
+      <p:bldP spid="43" grpId="0" animBg="1"/>
+      <p:bldP spid="43" grpId="1" animBg="1"/>
+      <p:bldP spid="45" grpId="0" animBg="1"/>
+      <p:bldP spid="49" grpId="0"/>
+      <p:bldP spid="60" grpId="0"/>
+    </p:bldLst>
+  </p:timing>
 </p:sld>
 </file>
 

--- a/Solution_Architecture/Zero-Downtime Architecture.pptx
+++ b/Solution_Architecture/Zero-Downtime Architecture.pptx
@@ -5,14 +5,17 @@
     <p:sldMasterId id="2147483648" r:id="rId1"/>
   </p:sldMasterIdLst>
   <p:notesMasterIdLst>
-    <p:notesMasterId r:id="rId7"/>
+    <p:notesMasterId r:id="rId10"/>
   </p:notesMasterIdLst>
   <p:sldIdLst>
     <p:sldId id="257" r:id="rId2"/>
     <p:sldId id="258" r:id="rId3"/>
     <p:sldId id="256" r:id="rId4"/>
     <p:sldId id="259" r:id="rId5"/>
-    <p:sldId id="260" r:id="rId6"/>
+    <p:sldId id="261" r:id="rId6"/>
+    <p:sldId id="260" r:id="rId7"/>
+    <p:sldId id="262" r:id="rId8"/>
+    <p:sldId id="265" r:id="rId9"/>
   </p:sldIdLst>
   <p:sldSz cx="12192000" cy="6858000"/>
   <p:notesSz cx="6858000" cy="9144000"/>
@@ -205,7 +208,7 @@
           <a:p>
             <a:fld id="{36144DBF-5774-4D97-8143-6BE069F9C3D7}" type="datetimeFigureOut">
               <a:rPr lang="en-US" smtClean="0"/>
-              <a:t>12/5/2017</a:t>
+              <a:t>12/14/2017</a:t>
             </a:fld>
             <a:endParaRPr lang="en-US"/>
           </a:p>
@@ -549,7 +552,7 @@
           <a:p>
             <a:fld id="{0017FF29-CBAF-42C0-B238-B4D85828B7B5}" type="slidenum">
               <a:rPr lang="en-US" smtClean="0"/>
-              <a:t>5</a:t>
+              <a:t>6</a:t>
             </a:fld>
             <a:endParaRPr lang="en-US"/>
           </a:p>
@@ -559,6 +562,102 @@
     <p:extLst>
       <p:ext uri="{BB962C8B-B14F-4D97-AF65-F5344CB8AC3E}">
         <p14:creationId xmlns:p14="http://schemas.microsoft.com/office/powerpoint/2010/main" val="568673289"/>
+      </p:ext>
+    </p:extLst>
+  </p:cSld>
+  <p:clrMapOvr>
+    <a:masterClrMapping/>
+  </p:clrMapOvr>
+</p:notes>
+</file>
+
+<file path=ppt/notesSlides/notesSlide2.xml><?xml version="1.0" encoding="utf-8"?>
+<p:notes xmlns:a="http://schemas.openxmlformats.org/drawingml/2006/main" xmlns:r="http://schemas.openxmlformats.org/officeDocument/2006/relationships" xmlns:p="http://schemas.openxmlformats.org/presentationml/2006/main">
+  <p:cSld>
+    <p:spTree>
+      <p:nvGrpSpPr>
+        <p:cNvPr id="1" name=""/>
+        <p:cNvGrpSpPr/>
+        <p:nvPr/>
+      </p:nvGrpSpPr>
+      <p:grpSpPr>
+        <a:xfrm>
+          <a:off x="0" y="0"/>
+          <a:ext cx="0" cy="0"/>
+          <a:chOff x="0" y="0"/>
+          <a:chExt cx="0" cy="0"/>
+        </a:xfrm>
+      </p:grpSpPr>
+      <p:sp>
+        <p:nvSpPr>
+          <p:cNvPr id="2" name="Slide Image Placeholder 1"/>
+          <p:cNvSpPr>
+            <a:spLocks noGrp="1" noRot="1" noChangeAspect="1"/>
+          </p:cNvSpPr>
+          <p:nvPr>
+            <p:ph type="sldImg"/>
+          </p:nvPr>
+        </p:nvSpPr>
+        <p:spPr/>
+      </p:sp>
+      <p:sp>
+        <p:nvSpPr>
+          <p:cNvPr id="3" name="Notes Placeholder 2"/>
+          <p:cNvSpPr>
+            <a:spLocks noGrp="1"/>
+          </p:cNvSpPr>
+          <p:nvPr>
+            <p:ph type="body" idx="1"/>
+          </p:nvPr>
+        </p:nvSpPr>
+        <p:spPr/>
+        <p:txBody>
+          <a:bodyPr/>
+          <a:lstStyle/>
+          <a:p>
+            <a:r>
+              <a:rPr lang="en-US" sz="1200" b="0" i="0" kern="1200" dirty="0">
+                <a:solidFill>
+                  <a:schemeClr val="tx1"/>
+                </a:solidFill>
+                <a:effectLst/>
+                <a:latin typeface="+mn-lt"/>
+                <a:ea typeface="+mn-ea"/>
+                <a:cs typeface="+mn-cs"/>
+              </a:rPr>
+              <a:t>At any time, only one of the environments is live, with the live environment serving all production traffic. For this example, Blue is currently live and Green is idle.</a:t>
+            </a:r>
+            <a:endParaRPr lang="en-US" dirty="0"/>
+          </a:p>
+        </p:txBody>
+      </p:sp>
+      <p:sp>
+        <p:nvSpPr>
+          <p:cNvPr id="4" name="Slide Number Placeholder 3"/>
+          <p:cNvSpPr>
+            <a:spLocks noGrp="1"/>
+          </p:cNvSpPr>
+          <p:nvPr>
+            <p:ph type="sldNum" sz="quarter" idx="10"/>
+          </p:nvPr>
+        </p:nvSpPr>
+        <p:spPr/>
+        <p:txBody>
+          <a:bodyPr/>
+          <a:lstStyle/>
+          <a:p>
+            <a:fld id="{0017FF29-CBAF-42C0-B238-B4D85828B7B5}" type="slidenum">
+              <a:rPr lang="en-US" smtClean="0"/>
+              <a:t>7</a:t>
+            </a:fld>
+            <a:endParaRPr lang="en-US"/>
+          </a:p>
+        </p:txBody>
+      </p:sp>
+    </p:spTree>
+    <p:extLst>
+      <p:ext uri="{BB962C8B-B14F-4D97-AF65-F5344CB8AC3E}">
+        <p14:creationId xmlns:p14="http://schemas.microsoft.com/office/powerpoint/2010/main" val="414333928"/>
       </p:ext>
     </p:extLst>
   </p:cSld>
@@ -715,7 +814,7 @@
           <a:p>
             <a:fld id="{CFEEE24D-0107-4D18-BF1D-EEFC70A71D96}" type="datetimeFigureOut">
               <a:rPr lang="en-US" smtClean="0"/>
-              <a:t>12/5/2017</a:t>
+              <a:t>12/14/2017</a:t>
             </a:fld>
             <a:endParaRPr lang="en-US"/>
           </a:p>
@@ -913,7 +1012,7 @@
           <a:p>
             <a:fld id="{CFEEE24D-0107-4D18-BF1D-EEFC70A71D96}" type="datetimeFigureOut">
               <a:rPr lang="en-US" smtClean="0"/>
-              <a:t>12/5/2017</a:t>
+              <a:t>12/14/2017</a:t>
             </a:fld>
             <a:endParaRPr lang="en-US"/>
           </a:p>
@@ -1121,7 +1220,7 @@
           <a:p>
             <a:fld id="{CFEEE24D-0107-4D18-BF1D-EEFC70A71D96}" type="datetimeFigureOut">
               <a:rPr lang="en-US" smtClean="0"/>
-              <a:t>12/5/2017</a:t>
+              <a:t>12/14/2017</a:t>
             </a:fld>
             <a:endParaRPr lang="en-US"/>
           </a:p>
@@ -1227,7 +1326,12 @@
             <p:ph type="title"/>
           </p:nvPr>
         </p:nvSpPr>
-        <p:spPr/>
+        <p:spPr>
+          <a:xfrm>
+            <a:off x="0" y="18256"/>
+            <a:ext cx="12192000" cy="840726"/>
+          </a:xfrm>
+        </p:spPr>
         <p:txBody>
           <a:bodyPr/>
           <a:lstStyle/>
@@ -1255,7 +1359,12 @@
             <p:ph idx="1"/>
           </p:nvPr>
         </p:nvSpPr>
-        <p:spPr/>
+        <p:spPr>
+          <a:xfrm>
+            <a:off x="314035" y="1200727"/>
+            <a:ext cx="11591637" cy="4976236"/>
+          </a:xfrm>
+        </p:spPr>
         <p:txBody>
           <a:bodyPr/>
           <a:lstStyle/>
@@ -1319,7 +1428,7 @@
           <a:p>
             <a:fld id="{CFEEE24D-0107-4D18-BF1D-EEFC70A71D96}" type="datetimeFigureOut">
               <a:rPr lang="en-US" smtClean="0"/>
-              <a:t>12/5/2017</a:t>
+              <a:t>12/14/2017</a:t>
             </a:fld>
             <a:endParaRPr lang="en-US"/>
           </a:p>
@@ -1594,7 +1703,7 @@
           <a:p>
             <a:fld id="{CFEEE24D-0107-4D18-BF1D-EEFC70A71D96}" type="datetimeFigureOut">
               <a:rPr lang="en-US" smtClean="0"/>
-              <a:t>12/5/2017</a:t>
+              <a:t>12/14/2017</a:t>
             </a:fld>
             <a:endParaRPr lang="en-US"/>
           </a:p>
@@ -1859,7 +1968,7 @@
           <a:p>
             <a:fld id="{CFEEE24D-0107-4D18-BF1D-EEFC70A71D96}" type="datetimeFigureOut">
               <a:rPr lang="en-US" smtClean="0"/>
-              <a:t>12/5/2017</a:t>
+              <a:t>12/14/2017</a:t>
             </a:fld>
             <a:endParaRPr lang="en-US"/>
           </a:p>
@@ -2271,7 +2380,7 @@
           <a:p>
             <a:fld id="{CFEEE24D-0107-4D18-BF1D-EEFC70A71D96}" type="datetimeFigureOut">
               <a:rPr lang="en-US" smtClean="0"/>
-              <a:t>12/5/2017</a:t>
+              <a:t>12/14/2017</a:t>
             </a:fld>
             <a:endParaRPr lang="en-US"/>
           </a:p>
@@ -2412,7 +2521,7 @@
           <a:p>
             <a:fld id="{CFEEE24D-0107-4D18-BF1D-EEFC70A71D96}" type="datetimeFigureOut">
               <a:rPr lang="en-US" smtClean="0"/>
-              <a:t>12/5/2017</a:t>
+              <a:t>12/14/2017</a:t>
             </a:fld>
             <a:endParaRPr lang="en-US"/>
           </a:p>
@@ -2525,7 +2634,7 @@
           <a:p>
             <a:fld id="{CFEEE24D-0107-4D18-BF1D-EEFC70A71D96}" type="datetimeFigureOut">
               <a:rPr lang="en-US" smtClean="0"/>
-              <a:t>12/5/2017</a:t>
+              <a:t>12/14/2017</a:t>
             </a:fld>
             <a:endParaRPr lang="en-US"/>
           </a:p>
@@ -2836,7 +2945,7 @@
           <a:p>
             <a:fld id="{CFEEE24D-0107-4D18-BF1D-EEFC70A71D96}" type="datetimeFigureOut">
               <a:rPr lang="en-US" smtClean="0"/>
-              <a:t>12/5/2017</a:t>
+              <a:t>12/14/2017</a:t>
             </a:fld>
             <a:endParaRPr lang="en-US"/>
           </a:p>
@@ -3124,7 +3233,7 @@
           <a:p>
             <a:fld id="{CFEEE24D-0107-4D18-BF1D-EEFC70A71D96}" type="datetimeFigureOut">
               <a:rPr lang="en-US" smtClean="0"/>
-              <a:t>12/5/2017</a:t>
+              <a:t>12/14/2017</a:t>
             </a:fld>
             <a:endParaRPr lang="en-US"/>
           </a:p>
@@ -3238,7 +3347,7 @@
         <p:spPr>
           <a:xfrm>
             <a:off x="0" y="18256"/>
-            <a:ext cx="12192000" cy="1173236"/>
+            <a:ext cx="12192000" cy="803780"/>
           </a:xfrm>
           <a:prstGeom prst="rect">
             <a:avLst/>
@@ -3280,8 +3389,8 @@
         </p:nvSpPr>
         <p:spPr>
           <a:xfrm>
-            <a:off x="314035" y="1459345"/>
-            <a:ext cx="11591637" cy="4717618"/>
+            <a:off x="314035" y="1006764"/>
+            <a:ext cx="11591637" cy="5170199"/>
           </a:xfrm>
           <a:prstGeom prst="rect">
             <a:avLst/>
@@ -3370,7 +3479,7 @@
           <a:p>
             <a:fld id="{CFEEE24D-0107-4D18-BF1D-EEFC70A71D96}" type="datetimeFigureOut">
               <a:rPr lang="en-US" smtClean="0"/>
-              <a:t>12/5/2017</a:t>
+              <a:t>12/14/2017</a:t>
             </a:fld>
             <a:endParaRPr lang="en-US"/>
           </a:p>
@@ -3857,7 +3966,7 @@
 </file>
 
 <file path=ppt/slides/slide2.xml><?xml version="1.0" encoding="utf-8"?>
-<p:sld xmlns:a="http://schemas.openxmlformats.org/drawingml/2006/main" xmlns:r="http://schemas.openxmlformats.org/officeDocument/2006/relationships" xmlns:p="http://schemas.openxmlformats.org/presentationml/2006/main">
+<p:sld xmlns:a="http://schemas.openxmlformats.org/drawingml/2006/main" xmlns:r="http://schemas.openxmlformats.org/officeDocument/2006/relationships" xmlns:p="http://schemas.openxmlformats.org/presentationml/2006/main" show="0">
   <p:cSld>
     <p:spTree>
       <p:nvGrpSpPr>
@@ -3969,7 +4078,7 @@
 </file>
 
 <file path=ppt/slides/slide3.xml><?xml version="1.0" encoding="utf-8"?>
-<p:sld xmlns:a="http://schemas.openxmlformats.org/drawingml/2006/main" xmlns:r="http://schemas.openxmlformats.org/officeDocument/2006/relationships" xmlns:p="http://schemas.openxmlformats.org/presentationml/2006/main">
+<p:sld xmlns:a="http://schemas.openxmlformats.org/drawingml/2006/main" xmlns:r="http://schemas.openxmlformats.org/officeDocument/2006/relationships" xmlns:p="http://schemas.openxmlformats.org/presentationml/2006/main" show="0">
   <p:cSld>
     <p:spTree>
       <p:nvGrpSpPr>
@@ -4058,7 +4167,7 @@
 </file>
 
 <file path=ppt/slides/slide4.xml><?xml version="1.0" encoding="utf-8"?>
-<p:sld xmlns:a="http://schemas.openxmlformats.org/drawingml/2006/main" xmlns:r="http://schemas.openxmlformats.org/officeDocument/2006/relationships" xmlns:p="http://schemas.openxmlformats.org/presentationml/2006/main">
+<p:sld xmlns:a="http://schemas.openxmlformats.org/drawingml/2006/main" xmlns:r="http://schemas.openxmlformats.org/officeDocument/2006/relationships" xmlns:p="http://schemas.openxmlformats.org/presentationml/2006/main" show="0">
   <p:cSld>
     <p:spTree>
       <p:nvGrpSpPr>
@@ -4118,14 +4227,14 @@
             <p:ph idx="1"/>
             <p:extLst>
               <p:ext uri="{D42A27DB-BD31-4B8C-83A1-F6EECF244321}">
-                <p14:modId xmlns:p14="http://schemas.microsoft.com/office/powerpoint/2010/main" val="1375628625"/>
+                <p14:modId xmlns:p14="http://schemas.microsoft.com/office/powerpoint/2010/main" val="2114610294"/>
               </p:ext>
             </p:extLst>
           </p:nvPr>
         </p:nvGraphicFramePr>
         <p:xfrm>
-          <a:off x="237972" y="2005267"/>
-          <a:ext cx="5943599" cy="2166497"/>
+          <a:off x="237972" y="2005266"/>
+          <a:ext cx="10267469" cy="3653848"/>
         </p:xfrm>
         <a:graphic>
           <a:graphicData uri="http://schemas.openxmlformats.org/drawingml/2006/table">
@@ -4134,21 +4243,21 @@
                 <a:tableStyleId>{5C22544A-7EE6-4342-B048-85BDC9FD1C3A}</a:tableStyleId>
               </a:tblPr>
               <a:tblGrid>
-                <a:gridCol w="997763">
+                <a:gridCol w="1723619">
                   <a:extLst>
                     <a:ext uri="{9D8B030D-6E8A-4147-A177-3AD203B41FA5}">
                       <a16:colId xmlns:a16="http://schemas.microsoft.com/office/drawing/2014/main" val="997221762"/>
                     </a:ext>
                   </a:extLst>
                 </a:gridCol>
-                <a:gridCol w="626288">
+                <a:gridCol w="1081902">
                   <a:extLst>
                     <a:ext uri="{9D8B030D-6E8A-4147-A177-3AD203B41FA5}">
                       <a16:colId xmlns:a16="http://schemas.microsoft.com/office/drawing/2014/main" val="49232896"/>
                     </a:ext>
                   </a:extLst>
                 </a:gridCol>
-                <a:gridCol w="4319548">
+                <a:gridCol w="7461948">
                   <a:extLst>
                     <a:ext uri="{9D8B030D-6E8A-4147-A177-3AD203B41FA5}">
                       <a16:colId xmlns:a16="http://schemas.microsoft.com/office/drawing/2014/main" val="1199627524"/>
@@ -4156,7 +4265,7 @@
                   </a:extLst>
                 </a:gridCol>
               </a:tblGrid>
-              <a:tr h="305312">
+              <a:tr h="528138">
                 <a:tc>
                   <a:txBody>
                     <a:bodyPr/>
@@ -4164,7 +4273,7 @@
                     <a:p>
                       <a:pPr algn="l" fontAlgn="b"/>
                       <a:r>
-                        <a:rPr lang="en-US" sz="1800" u="none" strike="noStrike">
+                        <a:rPr lang="en-US" sz="2400" u="none" strike="noStrike">
                           <a:solidFill>
                             <a:schemeClr val="tx1"/>
                           </a:solidFill>
@@ -4172,7 +4281,7 @@
                         </a:rPr>
                         <a:t>Part - 1</a:t>
                       </a:r>
-                      <a:endParaRPr lang="en-US" sz="1800" b="0" i="0" u="none" strike="noStrike">
+                      <a:endParaRPr lang="en-US" sz="2400" b="0" i="0" u="none" strike="noStrike">
                         <a:solidFill>
                           <a:schemeClr val="tx1"/>
                         </a:solidFill>
@@ -4190,7 +4299,7 @@
                     <a:p>
                       <a:pPr algn="l" fontAlgn="b"/>
                       <a:r>
-                        <a:rPr lang="en-US" sz="1800" u="none" strike="noStrike" dirty="0">
+                        <a:rPr lang="en-US" sz="2400" u="none" strike="noStrike" dirty="0">
                           <a:solidFill>
                             <a:schemeClr val="tx1"/>
                           </a:solidFill>
@@ -4198,7 +4307,7 @@
                         </a:rPr>
                         <a:t>Deploy a multi-tier architecture in 1-region (East US). </a:t>
                       </a:r>
-                      <a:endParaRPr lang="en-US" sz="1800" b="0" i="0" u="none" strike="noStrike" dirty="0">
+                      <a:endParaRPr lang="en-US" sz="2400" b="0" i="0" u="none" strike="noStrike" dirty="0">
                         <a:solidFill>
                           <a:schemeClr val="tx1"/>
                         </a:solidFill>
@@ -4225,7 +4334,7 @@
                   </a:ext>
                 </a:extLst>
               </a:tr>
-              <a:tr h="182880">
+              <a:tr h="312571">
                 <a:tc rowSpan="4">
                   <a:txBody>
                     <a:bodyPr/>
@@ -4233,12 +4342,12 @@
                     <a:p>
                       <a:pPr algn="ctr" fontAlgn="ctr"/>
                       <a:r>
-                        <a:rPr lang="en-US" sz="1100" u="none" strike="noStrike">
+                        <a:rPr lang="en-US" sz="1800" u="none" strike="noStrike">
                           <a:effectLst/>
                         </a:rPr>
                         <a:t>Foundational</a:t>
                       </a:r>
-                      <a:endParaRPr lang="en-US" sz="1100" b="0" i="0" u="none" strike="noStrike">
+                      <a:endParaRPr lang="en-US" sz="1800" b="0" i="0" u="none" strike="noStrike">
                         <a:solidFill>
                           <a:srgbClr val="000000"/>
                         </a:solidFill>
@@ -4256,12 +4365,12 @@
                     <a:p>
                       <a:pPr algn="ctr" fontAlgn="b"/>
                       <a:r>
-                        <a:rPr lang="en-US" sz="1100" u="none" strike="noStrike">
+                        <a:rPr lang="en-US" sz="1800" u="none" strike="noStrike">
                           <a:effectLst/>
                         </a:rPr>
                         <a:t>1</a:t>
                       </a:r>
-                      <a:endParaRPr lang="en-US" sz="1100" b="0" i="0" u="none" strike="noStrike">
+                      <a:endParaRPr lang="en-US" sz="1800" b="0" i="0" u="none" strike="noStrike">
                         <a:solidFill>
                           <a:srgbClr val="000000"/>
                         </a:solidFill>
@@ -4279,12 +4388,12 @@
                     <a:p>
                       <a:pPr algn="l" fontAlgn="b"/>
                       <a:r>
-                        <a:rPr lang="en-US" sz="1100" u="none" strike="noStrike" dirty="0">
+                        <a:rPr lang="en-US" sz="1800" u="none" strike="noStrike" dirty="0">
                           <a:effectLst/>
                         </a:rPr>
                         <a:t>App Gateway and/or Traffic Manager</a:t>
                       </a:r>
-                      <a:endParaRPr lang="en-US" sz="1100" b="0" i="0" u="none" strike="noStrike" dirty="0">
+                      <a:endParaRPr lang="en-US" sz="1800" b="0" i="0" u="none" strike="noStrike" dirty="0">
                         <a:solidFill>
                           <a:srgbClr val="000000"/>
                         </a:solidFill>
@@ -4301,7 +4410,7 @@
                   </a:ext>
                 </a:extLst>
               </a:tr>
-              <a:tr h="182880">
+              <a:tr h="312571">
                 <a:tc vMerge="1">
                   <a:txBody>
                     <a:bodyPr/>
@@ -4319,12 +4428,12 @@
                     <a:p>
                       <a:pPr algn="ctr" fontAlgn="b"/>
                       <a:r>
-                        <a:rPr lang="en-US" sz="1100" u="none" strike="noStrike">
+                        <a:rPr lang="en-US" sz="1800" u="none" strike="noStrike">
                           <a:effectLst/>
                         </a:rPr>
                         <a:t>2</a:t>
                       </a:r>
-                      <a:endParaRPr lang="en-US" sz="1100" b="0" i="0" u="none" strike="noStrike">
+                      <a:endParaRPr lang="en-US" sz="1800" b="0" i="0" u="none" strike="noStrike">
                         <a:solidFill>
                           <a:srgbClr val="000000"/>
                         </a:solidFill>
@@ -4342,12 +4451,12 @@
                     <a:p>
                       <a:pPr algn="l" fontAlgn="b"/>
                       <a:r>
-                        <a:rPr lang="en-US" sz="1100" u="none" strike="noStrike">
+                        <a:rPr lang="en-US" sz="1800" u="none" strike="noStrike">
                           <a:effectLst/>
                         </a:rPr>
                         <a:t>Front-end App Service</a:t>
                       </a:r>
-                      <a:endParaRPr lang="en-US" sz="1100" b="0" i="0" u="none" strike="noStrike">
+                      <a:endParaRPr lang="en-US" sz="1800" b="0" i="0" u="none" strike="noStrike">
                         <a:solidFill>
                           <a:srgbClr val="000000"/>
                         </a:solidFill>
@@ -4364,7 +4473,7 @@
                   </a:ext>
                 </a:extLst>
               </a:tr>
-              <a:tr h="182880">
+              <a:tr h="312571">
                 <a:tc vMerge="1">
                   <a:txBody>
                     <a:bodyPr/>
@@ -4382,12 +4491,12 @@
                     <a:p>
                       <a:pPr algn="ctr" fontAlgn="b"/>
                       <a:r>
-                        <a:rPr lang="en-US" sz="1100" u="none" strike="noStrike">
+                        <a:rPr lang="en-US" sz="1800" u="none" strike="noStrike">
                           <a:effectLst/>
                         </a:rPr>
                         <a:t>3</a:t>
                       </a:r>
-                      <a:endParaRPr lang="en-US" sz="1100" b="0" i="0" u="none" strike="noStrike">
+                      <a:endParaRPr lang="en-US" sz="1800" b="0" i="0" u="none" strike="noStrike">
                         <a:solidFill>
                           <a:srgbClr val="000000"/>
                         </a:solidFill>
@@ -4405,12 +4514,12 @@
                     <a:p>
                       <a:pPr algn="l" fontAlgn="b"/>
                       <a:r>
-                        <a:rPr lang="en-US" sz="1100" u="none" strike="noStrike">
+                        <a:rPr lang="en-US" sz="1800" u="none" strike="noStrike">
                           <a:effectLst/>
                         </a:rPr>
                         <a:t>Middle-tier Azure Function (as a proxy to business logic)</a:t>
                       </a:r>
-                      <a:endParaRPr lang="en-US" sz="1100" b="0" i="0" u="none" strike="noStrike">
+                      <a:endParaRPr lang="en-US" sz="1800" b="0" i="0" u="none" strike="noStrike">
                         <a:solidFill>
                           <a:srgbClr val="000000"/>
                         </a:solidFill>
@@ -4427,7 +4536,7 @@
                   </a:ext>
                 </a:extLst>
               </a:tr>
-              <a:tr h="182880">
+              <a:tr h="312571">
                 <a:tc vMerge="1">
                   <a:txBody>
                     <a:bodyPr/>
@@ -4445,12 +4554,12 @@
                     <a:p>
                       <a:pPr algn="ctr" fontAlgn="b"/>
                       <a:r>
-                        <a:rPr lang="en-US" sz="1100" u="none" strike="noStrike">
+                        <a:rPr lang="en-US" sz="1800" u="none" strike="noStrike">
                           <a:effectLst/>
                         </a:rPr>
                         <a:t>4</a:t>
                       </a:r>
-                      <a:endParaRPr lang="en-US" sz="1100" b="0" i="0" u="none" strike="noStrike">
+                      <a:endParaRPr lang="en-US" sz="1800" b="0" i="0" u="none" strike="noStrike">
                         <a:solidFill>
                           <a:srgbClr val="000000"/>
                         </a:solidFill>
@@ -4468,12 +4577,12 @@
                     <a:p>
                       <a:pPr algn="l" fontAlgn="b"/>
                       <a:r>
-                        <a:rPr lang="en-US" sz="1100" u="none" strike="noStrike">
+                        <a:rPr lang="en-US" sz="1800" u="none" strike="noStrike">
                           <a:effectLst/>
                         </a:rPr>
                         <a:t>Cosmos DB</a:t>
                       </a:r>
-                      <a:endParaRPr lang="en-US" sz="1100" b="0" i="0" u="none" strike="noStrike">
+                      <a:endParaRPr lang="en-US" sz="1800" b="0" i="0" u="none" strike="noStrike">
                         <a:solidFill>
                           <a:srgbClr val="000000"/>
                         </a:solidFill>
@@ -4490,7 +4599,7 @@
                   </a:ext>
                 </a:extLst>
               </a:tr>
-              <a:tr h="200025">
+              <a:tr h="312571">
                 <a:tc>
                   <a:txBody>
                     <a:bodyPr/>
@@ -4498,12 +4607,12 @@
                     <a:p>
                       <a:pPr algn="l" fontAlgn="b"/>
                       <a:r>
-                        <a:rPr lang="en-US" sz="1100" u="none" strike="noStrike">
+                        <a:rPr lang="en-US" sz="1800" u="none" strike="noStrike">
                           <a:effectLst/>
                         </a:rPr>
                         <a:t> </a:t>
                       </a:r>
-                      <a:endParaRPr lang="en-US" sz="1100" b="0" i="0" u="none" strike="noStrike">
+                      <a:endParaRPr lang="en-US" sz="1800" b="0" i="0" u="none" strike="noStrike">
                         <a:solidFill>
                           <a:srgbClr val="000000"/>
                         </a:solidFill>
@@ -4521,12 +4630,12 @@
                     <a:p>
                       <a:pPr algn="ctr" fontAlgn="b"/>
                       <a:r>
-                        <a:rPr lang="en-US" sz="1100" u="none" strike="noStrike">
+                        <a:rPr lang="en-US" sz="1800" u="none" strike="noStrike">
                           <a:effectLst/>
                         </a:rPr>
                         <a:t> </a:t>
                       </a:r>
-                      <a:endParaRPr lang="en-US" sz="1100" b="0" i="0" u="none" strike="noStrike">
+                      <a:endParaRPr lang="en-US" sz="1800" b="0" i="0" u="none" strike="noStrike">
                         <a:solidFill>
                           <a:srgbClr val="000000"/>
                         </a:solidFill>
@@ -4544,12 +4653,12 @@
                     <a:p>
                       <a:pPr algn="ctr" fontAlgn="b"/>
                       <a:r>
-                        <a:rPr lang="en-US" sz="1100" u="none" strike="noStrike">
+                        <a:rPr lang="en-US" sz="1800" u="none" strike="noStrike">
                           <a:effectLst/>
                         </a:rPr>
                         <a:t> </a:t>
                       </a:r>
-                      <a:endParaRPr lang="en-US" sz="1100" b="0" i="0" u="none" strike="noStrike">
+                      <a:endParaRPr lang="en-US" sz="1800" b="0" i="0" u="none" strike="noStrike">
                         <a:solidFill>
                           <a:srgbClr val="000000"/>
                         </a:solidFill>
@@ -4566,7 +4675,7 @@
                   </a:ext>
                 </a:extLst>
               </a:tr>
-              <a:tr h="190500">
+              <a:tr h="312571">
                 <a:tc>
                   <a:txBody>
                     <a:bodyPr/>
@@ -4574,12 +4683,12 @@
                     <a:p>
                       <a:pPr algn="l" fontAlgn="b"/>
                       <a:r>
-                        <a:rPr lang="en-US" sz="1100" u="none" strike="noStrike">
+                        <a:rPr lang="en-US" sz="1800" u="none" strike="noStrike">
                           <a:effectLst/>
                         </a:rPr>
                         <a:t>Part-2</a:t>
                       </a:r>
-                      <a:endParaRPr lang="en-US" sz="1100" b="0" i="0" u="none" strike="noStrike">
+                      <a:endParaRPr lang="en-US" sz="1800" b="0" i="0" u="none" strike="noStrike">
                         <a:solidFill>
                           <a:srgbClr val="000000"/>
                         </a:solidFill>
@@ -4597,12 +4706,12 @@
                     <a:p>
                       <a:pPr algn="ctr" fontAlgn="b"/>
                       <a:r>
-                        <a:rPr lang="en-US" sz="1100" u="none" strike="noStrike">
+                        <a:rPr lang="en-US" sz="1800" u="none" strike="noStrike">
                           <a:effectLst/>
                         </a:rPr>
                         <a:t>1</a:t>
                       </a:r>
-                      <a:endParaRPr lang="en-US" sz="1100" b="0" i="0" u="none" strike="noStrike">
+                      <a:endParaRPr lang="en-US" sz="1800" b="0" i="0" u="none" strike="noStrike">
                         <a:solidFill>
                           <a:srgbClr val="000000"/>
                         </a:solidFill>
@@ -4620,18 +4729,18 @@
                     <a:p>
                       <a:pPr algn="l" fontAlgn="b"/>
                       <a:r>
-                        <a:rPr lang="en-US" sz="1100" u="none" strike="noStrike" dirty="0">
+                        <a:rPr lang="en-US" sz="1800" u="none" strike="noStrike" dirty="0">
                           <a:effectLst/>
                         </a:rPr>
                         <a:t>Introduce a version change to Middle-tier and </a:t>
                       </a:r>
                       <a:r>
-                        <a:rPr lang="en-US" sz="1100" u="none" strike="noStrike" dirty="0" err="1">
+                        <a:rPr lang="en-US" sz="1800" u="none" strike="noStrike" dirty="0" err="1">
                           <a:effectLst/>
                         </a:rPr>
                         <a:t>CosmosDB</a:t>
                       </a:r>
-                      <a:endParaRPr lang="en-US" sz="1100" b="0" i="0" u="none" strike="noStrike" dirty="0">
+                      <a:endParaRPr lang="en-US" sz="1800" b="0" i="0" u="none" strike="noStrike" dirty="0">
                         <a:solidFill>
                           <a:srgbClr val="000000"/>
                         </a:solidFill>
@@ -4648,7 +4757,7 @@
                   </a:ext>
                 </a:extLst>
               </a:tr>
-              <a:tr h="182880">
+              <a:tr h="312571">
                 <a:tc>
                   <a:txBody>
                     <a:bodyPr/>
@@ -4656,12 +4765,12 @@
                     <a:p>
                       <a:pPr algn="l" fontAlgn="b"/>
                       <a:r>
-                        <a:rPr lang="en-US" sz="1100" u="none" strike="noStrike">
+                        <a:rPr lang="en-US" sz="1800" u="none" strike="noStrike">
                           <a:effectLst/>
                         </a:rPr>
                         <a:t> </a:t>
                       </a:r>
-                      <a:endParaRPr lang="en-US" sz="1100" b="0" i="0" u="none" strike="noStrike">
+                      <a:endParaRPr lang="en-US" sz="1800" b="0" i="0" u="none" strike="noStrike">
                         <a:solidFill>
                           <a:srgbClr val="000000"/>
                         </a:solidFill>
@@ -4679,12 +4788,12 @@
                     <a:p>
                       <a:pPr algn="ctr" fontAlgn="b"/>
                       <a:r>
-                        <a:rPr lang="en-US" sz="1100" u="none" strike="noStrike">
+                        <a:rPr lang="en-US" sz="1800" u="none" strike="noStrike">
                           <a:effectLst/>
                         </a:rPr>
                         <a:t>2</a:t>
                       </a:r>
-                      <a:endParaRPr lang="en-US" sz="1100" b="0" i="0" u="none" strike="noStrike">
+                      <a:endParaRPr lang="en-US" sz="1800" b="0" i="0" u="none" strike="noStrike">
                         <a:solidFill>
                           <a:srgbClr val="000000"/>
                         </a:solidFill>
@@ -4702,12 +4811,12 @@
                     <a:p>
                       <a:pPr algn="l" fontAlgn="b"/>
                       <a:r>
-                        <a:rPr lang="en-US" sz="1100" u="none" strike="noStrike">
+                        <a:rPr lang="en-US" sz="1800" u="none" strike="noStrike">
                           <a:effectLst/>
                         </a:rPr>
                         <a:t>Deploy &amp; Monitor Zero downtime</a:t>
                       </a:r>
-                      <a:endParaRPr lang="en-US" sz="1100" b="0" i="0" u="none" strike="noStrike">
+                      <a:endParaRPr lang="en-US" sz="1800" b="0" i="0" u="none" strike="noStrike">
                         <a:solidFill>
                           <a:srgbClr val="000000"/>
                         </a:solidFill>
@@ -4724,7 +4833,7 @@
                   </a:ext>
                 </a:extLst>
               </a:tr>
-              <a:tr h="182880">
+              <a:tr h="312571">
                 <a:tc>
                   <a:txBody>
                     <a:bodyPr/>
@@ -4732,12 +4841,12 @@
                     <a:p>
                       <a:pPr algn="l" fontAlgn="b"/>
                       <a:r>
-                        <a:rPr lang="en-US" sz="1100" u="none" strike="noStrike">
+                        <a:rPr lang="en-US" sz="1800" u="none" strike="noStrike">
                           <a:effectLst/>
                         </a:rPr>
                         <a:t> </a:t>
                       </a:r>
-                      <a:endParaRPr lang="en-US" sz="1100" b="0" i="0" u="none" strike="noStrike">
+                      <a:endParaRPr lang="en-US" sz="1800" b="0" i="0" u="none" strike="noStrike">
                         <a:solidFill>
                           <a:srgbClr val="000000"/>
                         </a:solidFill>
@@ -4755,12 +4864,12 @@
                     <a:p>
                       <a:pPr algn="ctr" fontAlgn="b"/>
                       <a:r>
-                        <a:rPr lang="en-US" sz="1100" u="none" strike="noStrike">
+                        <a:rPr lang="en-US" sz="1800" u="none" strike="noStrike">
                           <a:effectLst/>
                         </a:rPr>
                         <a:t> </a:t>
                       </a:r>
-                      <a:endParaRPr lang="en-US" sz="1100" b="0" i="0" u="none" strike="noStrike">
+                      <a:endParaRPr lang="en-US" sz="1800" b="0" i="0" u="none" strike="noStrike">
                         <a:solidFill>
                           <a:srgbClr val="000000"/>
                         </a:solidFill>
@@ -4778,12 +4887,12 @@
                     <a:p>
                       <a:pPr algn="ctr" fontAlgn="b"/>
                       <a:r>
-                        <a:rPr lang="en-US" sz="1100" u="none" strike="noStrike">
+                        <a:rPr lang="en-US" sz="1800" u="none" strike="noStrike">
                           <a:effectLst/>
                         </a:rPr>
                         <a:t> </a:t>
                       </a:r>
-                      <a:endParaRPr lang="en-US" sz="1100" b="0" i="0" u="none" strike="noStrike">
+                      <a:endParaRPr lang="en-US" sz="1800" b="0" i="0" u="none" strike="noStrike">
                         <a:solidFill>
                           <a:srgbClr val="000000"/>
                         </a:solidFill>
@@ -4800,7 +4909,7 @@
                   </a:ext>
                 </a:extLst>
               </a:tr>
-              <a:tr h="182880">
+              <a:tr h="312571">
                 <a:tc>
                   <a:txBody>
                     <a:bodyPr/>
@@ -4808,12 +4917,12 @@
                     <a:p>
                       <a:pPr algn="l" fontAlgn="b"/>
                       <a:r>
-                        <a:rPr lang="en-US" sz="1100" u="none" strike="noStrike">
+                        <a:rPr lang="en-US" sz="1800" u="none" strike="noStrike">
                           <a:effectLst/>
                         </a:rPr>
                         <a:t>Part-3</a:t>
                       </a:r>
-                      <a:endParaRPr lang="en-US" sz="1100" b="0" i="0" u="none" strike="noStrike">
+                      <a:endParaRPr lang="en-US" sz="1800" b="0" i="0" u="none" strike="noStrike">
                         <a:solidFill>
                           <a:srgbClr val="000000"/>
                         </a:solidFill>
@@ -4831,12 +4940,12 @@
                     <a:p>
                       <a:pPr algn="ctr" fontAlgn="b"/>
                       <a:r>
-                        <a:rPr lang="en-US" sz="1100" u="none" strike="noStrike">
+                        <a:rPr lang="en-US" sz="1800" u="none" strike="noStrike">
                           <a:effectLst/>
                         </a:rPr>
                         <a:t>1</a:t>
                       </a:r>
-                      <a:endParaRPr lang="en-US" sz="1100" b="0" i="0" u="none" strike="noStrike">
+                      <a:endParaRPr lang="en-US" sz="1800" b="0" i="0" u="none" strike="noStrike">
                         <a:solidFill>
                           <a:srgbClr val="000000"/>
                         </a:solidFill>
@@ -4854,12 +4963,12 @@
                     <a:p>
                       <a:pPr algn="l" fontAlgn="b"/>
                       <a:r>
-                        <a:rPr lang="en-US" sz="1100" u="none" strike="noStrike">
+                        <a:rPr lang="en-US" sz="1800" u="none" strike="noStrike">
                           <a:effectLst/>
                         </a:rPr>
                         <a:t>Introduce a version change to Front-end</a:t>
                       </a:r>
-                      <a:endParaRPr lang="en-US" sz="1100" b="0" i="0" u="none" strike="noStrike">
+                      <a:endParaRPr lang="en-US" sz="1800" b="0" i="0" u="none" strike="noStrike">
                         <a:solidFill>
                           <a:srgbClr val="000000"/>
                         </a:solidFill>
@@ -4876,7 +4985,7 @@
                   </a:ext>
                 </a:extLst>
               </a:tr>
-              <a:tr h="190500">
+              <a:tr h="312571">
                 <a:tc>
                   <a:txBody>
                     <a:bodyPr/>
@@ -4884,12 +4993,12 @@
                     <a:p>
                       <a:pPr algn="l" fontAlgn="b"/>
                       <a:r>
-                        <a:rPr lang="en-US" sz="1100" u="none" strike="noStrike">
+                        <a:rPr lang="en-US" sz="1800" u="none" strike="noStrike">
                           <a:effectLst/>
                         </a:rPr>
                         <a:t> </a:t>
                       </a:r>
-                      <a:endParaRPr lang="en-US" sz="1100" b="0" i="0" u="none" strike="noStrike">
+                      <a:endParaRPr lang="en-US" sz="1800" b="0" i="0" u="none" strike="noStrike">
                         <a:solidFill>
                           <a:srgbClr val="000000"/>
                         </a:solidFill>
@@ -4907,12 +5016,12 @@
                     <a:p>
                       <a:pPr algn="ctr" fontAlgn="b"/>
                       <a:r>
-                        <a:rPr lang="en-US" sz="1100" u="none" strike="noStrike">
+                        <a:rPr lang="en-US" sz="1800" u="none" strike="noStrike">
                           <a:effectLst/>
                         </a:rPr>
                         <a:t>2</a:t>
                       </a:r>
-                      <a:endParaRPr lang="en-US" sz="1100" b="0" i="0" u="none" strike="noStrike">
+                      <a:endParaRPr lang="en-US" sz="1800" b="0" i="0" u="none" strike="noStrike">
                         <a:solidFill>
                           <a:srgbClr val="000000"/>
                         </a:solidFill>
@@ -4930,12 +5039,12 @@
                     <a:p>
                       <a:pPr algn="l" fontAlgn="b"/>
                       <a:r>
-                        <a:rPr lang="en-US" sz="1100" u="none" strike="noStrike" dirty="0">
+                        <a:rPr lang="en-US" sz="1800" u="none" strike="noStrike" dirty="0">
                           <a:effectLst/>
                         </a:rPr>
                         <a:t>Deploy &amp; Monitor Zero downtime</a:t>
                       </a:r>
-                      <a:endParaRPr lang="en-US" sz="1100" b="0" i="0" u="none" strike="noStrike" dirty="0">
+                      <a:endParaRPr lang="en-US" sz="1800" b="0" i="0" u="none" strike="noStrike" dirty="0">
                         <a:solidFill>
                           <a:srgbClr val="000000"/>
                         </a:solidFill>
@@ -5023,6 +5132,111 @@
 
 <file path=ppt/slides/slide5.xml><?xml version="1.0" encoding="utf-8"?>
 <p:sld xmlns:a="http://schemas.openxmlformats.org/drawingml/2006/main" xmlns:r="http://schemas.openxmlformats.org/officeDocument/2006/relationships" xmlns:p="http://schemas.openxmlformats.org/presentationml/2006/main">
+  <p:cSld>
+    <p:spTree>
+      <p:nvGrpSpPr>
+        <p:cNvPr id="1" name=""/>
+        <p:cNvGrpSpPr/>
+        <p:nvPr/>
+      </p:nvGrpSpPr>
+      <p:grpSpPr>
+        <a:xfrm>
+          <a:off x="0" y="0"/>
+          <a:ext cx="0" cy="0"/>
+          <a:chOff x="0" y="0"/>
+          <a:chExt cx="0" cy="0"/>
+        </a:xfrm>
+      </p:grpSpPr>
+      <p:sp>
+        <p:nvSpPr>
+          <p:cNvPr id="2" name="Title 1">
+            <a:extLst>
+              <a:ext uri="{FF2B5EF4-FFF2-40B4-BE49-F238E27FC236}">
+                <a16:creationId xmlns:a16="http://schemas.microsoft.com/office/drawing/2014/main" id="{D558622C-663B-443B-B258-6D00E1488027}"/>
+              </a:ext>
+            </a:extLst>
+          </p:cNvPr>
+          <p:cNvSpPr>
+            <a:spLocks noGrp="1"/>
+          </p:cNvSpPr>
+          <p:nvPr>
+            <p:ph type="title"/>
+          </p:nvPr>
+        </p:nvSpPr>
+        <p:spPr/>
+        <p:txBody>
+          <a:bodyPr/>
+          <a:lstStyle/>
+          <a:p>
+            <a:r>
+              <a:rPr lang="en-US" dirty="0"/>
+              <a:t>R &amp; R</a:t>
+            </a:r>
+          </a:p>
+        </p:txBody>
+      </p:sp>
+      <p:pic>
+        <p:nvPicPr>
+          <p:cNvPr id="1026" name="Picture 2" descr="http://hostingadvice.digitalbrandsinc.netdna-cdn.com/wp-content/uploads/2017/05/compairson.jpg">
+            <a:extLst>
+              <a:ext uri="{FF2B5EF4-FFF2-40B4-BE49-F238E27FC236}">
+                <a16:creationId xmlns:a16="http://schemas.microsoft.com/office/drawing/2014/main" id="{95F85637-59E6-4485-AD80-889B96468027}"/>
+              </a:ext>
+            </a:extLst>
+          </p:cNvPr>
+          <p:cNvPicPr>
+            <a:picLocks noChangeAspect="1" noChangeArrowheads="1"/>
+          </p:cNvPicPr>
+          <p:nvPr/>
+        </p:nvPicPr>
+        <p:blipFill>
+          <a:blip r:embed="rId2">
+            <a:extLst>
+              <a:ext uri="{28A0092B-C50C-407E-A947-70E740481C1C}">
+                <a14:useLocalDpi xmlns:a14="http://schemas.microsoft.com/office/drawing/2010/main" val="0"/>
+              </a:ext>
+            </a:extLst>
+          </a:blip>
+          <a:srcRect/>
+          <a:stretch>
+            <a:fillRect/>
+          </a:stretch>
+        </p:blipFill>
+        <p:spPr bwMode="auto">
+          <a:xfrm>
+            <a:off x="988810" y="1626920"/>
+            <a:ext cx="9739481" cy="4784765"/>
+          </a:xfrm>
+          <a:prstGeom prst="rect">
+            <a:avLst/>
+          </a:prstGeom>
+          <a:noFill/>
+          <a:extLst>
+            <a:ext uri="{909E8E84-426E-40DD-AFC4-6F175D3DCCD1}">
+              <a14:hiddenFill xmlns:a14="http://schemas.microsoft.com/office/drawing/2010/main">
+                <a:solidFill>
+                  <a:srgbClr val="FFFFFF"/>
+                </a:solidFill>
+              </a14:hiddenFill>
+            </a:ext>
+          </a:extLst>
+        </p:spPr>
+      </p:pic>
+    </p:spTree>
+    <p:extLst>
+      <p:ext uri="{BB962C8B-B14F-4D97-AF65-F5344CB8AC3E}">
+        <p14:creationId xmlns:p14="http://schemas.microsoft.com/office/powerpoint/2010/main" val="1006056931"/>
+      </p:ext>
+    </p:extLst>
+  </p:cSld>
+  <p:clrMapOvr>
+    <a:masterClrMapping/>
+  </p:clrMapOvr>
+</p:sld>
+</file>
+
+<file path=ppt/slides/slide6.xml><?xml version="1.0" encoding="utf-8"?>
+<p:sld xmlns:a="http://schemas.openxmlformats.org/drawingml/2006/main" xmlns:r="http://schemas.openxmlformats.org/officeDocument/2006/relationships" xmlns:p="http://schemas.openxmlformats.org/presentationml/2006/main" show="0">
   <p:cSld>
     <p:spTree>
       <p:nvGrpSpPr>
@@ -6713,9 +6927,10 @@
           <a:lstStyle/>
           <a:p>
             <a:r>
-              <a:rPr lang="en-US" sz="1100" dirty="0"/>
-              <a:t>RG-NETWORKING</a:t>
+              <a:rPr lang="en-US" sz="1100"/>
+              <a:t>RG-OPERATIONS</a:t>
             </a:r>
+            <a:endParaRPr lang="en-US" sz="1100" dirty="0"/>
           </a:p>
         </p:txBody>
       </p:sp>
@@ -10376,6 +10591,6442 @@
       <p:bldP spid="45" grpId="0" animBg="1"/>
       <p:bldP spid="49" grpId="0"/>
       <p:bldP spid="60" grpId="0"/>
+    </p:bldLst>
+  </p:timing>
+</p:sld>
+</file>
+
+<file path=ppt/slides/slide7.xml><?xml version="1.0" encoding="utf-8"?>
+<p:sld xmlns:a="http://schemas.openxmlformats.org/drawingml/2006/main" xmlns:r="http://schemas.openxmlformats.org/officeDocument/2006/relationships" xmlns:p="http://schemas.openxmlformats.org/presentationml/2006/main">
+  <p:cSld>
+    <p:spTree>
+      <p:nvGrpSpPr>
+        <p:cNvPr id="1" name=""/>
+        <p:cNvGrpSpPr/>
+        <p:nvPr/>
+      </p:nvGrpSpPr>
+      <p:grpSpPr>
+        <a:xfrm>
+          <a:off x="0" y="0"/>
+          <a:ext cx="0" cy="0"/>
+          <a:chOff x="0" y="0"/>
+          <a:chExt cx="0" cy="0"/>
+        </a:xfrm>
+      </p:grpSpPr>
+      <p:sp>
+        <p:nvSpPr>
+          <p:cNvPr id="44" name="Rectangle 43">
+            <a:extLst>
+              <a:ext uri="{FF2B5EF4-FFF2-40B4-BE49-F238E27FC236}">
+                <a16:creationId xmlns:a16="http://schemas.microsoft.com/office/drawing/2014/main" id="{78AE7551-26A0-4656-9996-F6319F7EF1FC}"/>
+              </a:ext>
+            </a:extLst>
+          </p:cNvPr>
+          <p:cNvSpPr/>
+          <p:nvPr/>
+        </p:nvSpPr>
+        <p:spPr>
+          <a:xfrm>
+            <a:off x="765844" y="5611934"/>
+            <a:ext cx="5259062" cy="261610"/>
+          </a:xfrm>
+          <a:prstGeom prst="rect">
+            <a:avLst/>
+          </a:prstGeom>
+          <a:solidFill>
+            <a:schemeClr val="bg1">
+              <a:lumMod val="85000"/>
+              <a:alpha val="80000"/>
+            </a:schemeClr>
+          </a:solidFill>
+        </p:spPr>
+        <p:txBody>
+          <a:bodyPr wrap="square">
+            <a:spAutoFit/>
+          </a:bodyPr>
+          <a:lstStyle/>
+          <a:p>
+            <a:r>
+              <a:rPr lang="en-US" sz="1100" dirty="0"/>
+              <a:t>RG-BACKEND</a:t>
+            </a:r>
+          </a:p>
+        </p:txBody>
+      </p:sp>
+      <p:sp>
+        <p:nvSpPr>
+          <p:cNvPr id="4" name="Rectangle 3">
+            <a:extLst>
+              <a:ext uri="{FF2B5EF4-FFF2-40B4-BE49-F238E27FC236}">
+                <a16:creationId xmlns:a16="http://schemas.microsoft.com/office/drawing/2014/main" id="{A02F3C1E-23A1-4238-B8E3-B55B9145357D}"/>
+              </a:ext>
+            </a:extLst>
+          </p:cNvPr>
+          <p:cNvSpPr/>
+          <p:nvPr/>
+        </p:nvSpPr>
+        <p:spPr>
+          <a:xfrm>
+            <a:off x="467633" y="930623"/>
+            <a:ext cx="8023222" cy="5791200"/>
+          </a:xfrm>
+          <a:prstGeom prst="rect">
+            <a:avLst/>
+          </a:prstGeom>
+          <a:noFill/>
+          <a:ln>
+            <a:prstDash val="dash"/>
+          </a:ln>
+        </p:spPr>
+        <p:style>
+          <a:lnRef idx="2">
+            <a:schemeClr val="accent1">
+              <a:shade val="50000"/>
+            </a:schemeClr>
+          </a:lnRef>
+          <a:fillRef idx="1">
+            <a:schemeClr val="accent1"/>
+          </a:fillRef>
+          <a:effectRef idx="0">
+            <a:schemeClr val="accent1"/>
+          </a:effectRef>
+          <a:fontRef idx="minor">
+            <a:schemeClr val="lt1"/>
+          </a:fontRef>
+        </p:style>
+        <p:txBody>
+          <a:bodyPr rtlCol="0" anchor="ctr"/>
+          <a:lstStyle/>
+          <a:p>
+            <a:pPr algn="ctr"/>
+            <a:endParaRPr lang="en-US" sz="2160"/>
+          </a:p>
+        </p:txBody>
+      </p:sp>
+      <p:sp>
+        <p:nvSpPr>
+          <p:cNvPr id="5" name="Rectangle 4">
+            <a:extLst>
+              <a:ext uri="{FF2B5EF4-FFF2-40B4-BE49-F238E27FC236}">
+                <a16:creationId xmlns:a16="http://schemas.microsoft.com/office/drawing/2014/main" id="{25233AA7-E13C-442A-9103-8357C13A8697}"/>
+              </a:ext>
+            </a:extLst>
+          </p:cNvPr>
+          <p:cNvSpPr/>
+          <p:nvPr/>
+        </p:nvSpPr>
+        <p:spPr>
+          <a:xfrm>
+            <a:off x="765846" y="3158521"/>
+            <a:ext cx="2431628" cy="1988722"/>
+          </a:xfrm>
+          <a:prstGeom prst="rect">
+            <a:avLst/>
+          </a:prstGeom>
+          <a:solidFill>
+            <a:schemeClr val="accent6">
+              <a:lumMod val="20000"/>
+              <a:lumOff val="80000"/>
+            </a:schemeClr>
+          </a:solidFill>
+          <a:ln>
+            <a:noFill/>
+            <a:prstDash val="sysDot"/>
+          </a:ln>
+        </p:spPr>
+        <p:style>
+          <a:lnRef idx="2">
+            <a:schemeClr val="accent1">
+              <a:shade val="50000"/>
+            </a:schemeClr>
+          </a:lnRef>
+          <a:fillRef idx="1">
+            <a:schemeClr val="accent1"/>
+          </a:fillRef>
+          <a:effectRef idx="0">
+            <a:schemeClr val="accent1"/>
+          </a:effectRef>
+          <a:fontRef idx="minor">
+            <a:schemeClr val="lt1"/>
+          </a:fontRef>
+        </p:style>
+        <p:txBody>
+          <a:bodyPr rtlCol="0" anchor="t"/>
+          <a:lstStyle/>
+          <a:p>
+            <a:endParaRPr lang="en-US" dirty="0">
+              <a:solidFill>
+                <a:schemeClr val="tx1"/>
+              </a:solidFill>
+            </a:endParaRPr>
+          </a:p>
+        </p:txBody>
+      </p:sp>
+      <p:pic>
+        <p:nvPicPr>
+          <p:cNvPr id="7" name="Picture 6">
+            <a:extLst>
+              <a:ext uri="{FF2B5EF4-FFF2-40B4-BE49-F238E27FC236}">
+                <a16:creationId xmlns:a16="http://schemas.microsoft.com/office/drawing/2014/main" id="{48B91C0E-ACD2-4110-9167-29E8D86000C1}"/>
+              </a:ext>
+            </a:extLst>
+          </p:cNvPr>
+          <p:cNvPicPr>
+            <a:picLocks noChangeAspect="1"/>
+          </p:cNvPicPr>
+          <p:nvPr/>
+        </p:nvPicPr>
+        <p:blipFill>
+          <a:blip r:embed="rId3">
+            <a:extLst>
+              <a:ext uri="{28A0092B-C50C-407E-A947-70E740481C1C}">
+                <a14:useLocalDpi xmlns:a14="http://schemas.microsoft.com/office/drawing/2010/main" val="0"/>
+              </a:ext>
+            </a:extLst>
+          </a:blip>
+          <a:stretch>
+            <a:fillRect/>
+          </a:stretch>
+        </p:blipFill>
+        <p:spPr>
+          <a:xfrm>
+            <a:off x="7885359" y="442232"/>
+            <a:ext cx="608150" cy="608150"/>
+          </a:xfrm>
+          <a:prstGeom prst="rect">
+            <a:avLst/>
+          </a:prstGeom>
+        </p:spPr>
+      </p:pic>
+      <p:sp>
+        <p:nvSpPr>
+          <p:cNvPr id="8" name="Rectangle 7">
+            <a:extLst>
+              <a:ext uri="{FF2B5EF4-FFF2-40B4-BE49-F238E27FC236}">
+                <a16:creationId xmlns:a16="http://schemas.microsoft.com/office/drawing/2014/main" id="{C97B4330-34C8-40F9-8879-B4B2CED16A03}"/>
+              </a:ext>
+            </a:extLst>
+          </p:cNvPr>
+          <p:cNvSpPr/>
+          <p:nvPr/>
+        </p:nvSpPr>
+        <p:spPr>
+          <a:xfrm>
+            <a:off x="3566771" y="3158521"/>
+            <a:ext cx="2431628" cy="1988722"/>
+          </a:xfrm>
+          <a:prstGeom prst="rect">
+            <a:avLst/>
+          </a:prstGeom>
+          <a:solidFill>
+            <a:schemeClr val="accent1">
+              <a:lumMod val="20000"/>
+              <a:lumOff val="80000"/>
+            </a:schemeClr>
+          </a:solidFill>
+          <a:ln>
+            <a:noFill/>
+            <a:prstDash val="sysDot"/>
+          </a:ln>
+        </p:spPr>
+        <p:style>
+          <a:lnRef idx="2">
+            <a:schemeClr val="accent1">
+              <a:shade val="50000"/>
+            </a:schemeClr>
+          </a:lnRef>
+          <a:fillRef idx="1">
+            <a:schemeClr val="accent1"/>
+          </a:fillRef>
+          <a:effectRef idx="0">
+            <a:schemeClr val="accent1"/>
+          </a:effectRef>
+          <a:fontRef idx="minor">
+            <a:schemeClr val="lt1"/>
+          </a:fontRef>
+        </p:style>
+        <p:txBody>
+          <a:bodyPr rtlCol="0" anchor="t"/>
+          <a:lstStyle/>
+          <a:p>
+            <a:endParaRPr lang="en-US" dirty="0">
+              <a:solidFill>
+                <a:schemeClr val="tx1"/>
+              </a:solidFill>
+            </a:endParaRPr>
+          </a:p>
+        </p:txBody>
+      </p:sp>
+      <p:sp>
+        <p:nvSpPr>
+          <p:cNvPr id="9" name="Rectangle 8">
+            <a:extLst>
+              <a:ext uri="{FF2B5EF4-FFF2-40B4-BE49-F238E27FC236}">
+                <a16:creationId xmlns:a16="http://schemas.microsoft.com/office/drawing/2014/main" id="{785B11ED-A4C5-4309-B5E8-2FF05FA135E5}"/>
+              </a:ext>
+            </a:extLst>
+          </p:cNvPr>
+          <p:cNvSpPr/>
+          <p:nvPr/>
+        </p:nvSpPr>
+        <p:spPr>
+          <a:xfrm>
+            <a:off x="765845" y="5866906"/>
+            <a:ext cx="5245808" cy="659335"/>
+          </a:xfrm>
+          <a:prstGeom prst="rect">
+            <a:avLst/>
+          </a:prstGeom>
+          <a:solidFill>
+            <a:schemeClr val="bg1">
+              <a:lumMod val="95000"/>
+            </a:schemeClr>
+          </a:solidFill>
+          <a:ln>
+            <a:noFill/>
+            <a:prstDash val="sysDot"/>
+          </a:ln>
+        </p:spPr>
+        <p:style>
+          <a:lnRef idx="2">
+            <a:schemeClr val="accent1">
+              <a:shade val="50000"/>
+            </a:schemeClr>
+          </a:lnRef>
+          <a:fillRef idx="1">
+            <a:schemeClr val="accent1"/>
+          </a:fillRef>
+          <a:effectRef idx="0">
+            <a:schemeClr val="accent1"/>
+          </a:effectRef>
+          <a:fontRef idx="minor">
+            <a:schemeClr val="lt1"/>
+          </a:fontRef>
+        </p:style>
+        <p:txBody>
+          <a:bodyPr rtlCol="0" anchor="t"/>
+          <a:lstStyle/>
+          <a:p>
+            <a:endParaRPr lang="en-US" sz="1400" dirty="0">
+              <a:solidFill>
+                <a:schemeClr val="tx1"/>
+              </a:solidFill>
+            </a:endParaRPr>
+          </a:p>
+        </p:txBody>
+      </p:sp>
+      <p:pic>
+        <p:nvPicPr>
+          <p:cNvPr id="11" name="Picture 10" descr="A close up of a logo&#10;&#10;Description generated with high confidence">
+            <a:extLst>
+              <a:ext uri="{FF2B5EF4-FFF2-40B4-BE49-F238E27FC236}">
+                <a16:creationId xmlns:a16="http://schemas.microsoft.com/office/drawing/2014/main" id="{1EC02D43-497D-41ED-AB2C-A897F2503058}"/>
+              </a:ext>
+            </a:extLst>
+          </p:cNvPr>
+          <p:cNvPicPr>
+            <a:picLocks noChangeAspect="1"/>
+          </p:cNvPicPr>
+          <p:nvPr/>
+        </p:nvPicPr>
+        <p:blipFill>
+          <a:blip r:embed="rId4">
+            <a:extLst>
+              <a:ext uri="{28A0092B-C50C-407E-A947-70E740481C1C}">
+                <a14:useLocalDpi xmlns:a14="http://schemas.microsoft.com/office/drawing/2010/main" val="0"/>
+              </a:ext>
+            </a:extLst>
+          </a:blip>
+          <a:stretch>
+            <a:fillRect/>
+          </a:stretch>
+        </p:blipFill>
+        <p:spPr>
+          <a:xfrm>
+            <a:off x="1602423" y="3160406"/>
+            <a:ext cx="780290" cy="780290"/>
+          </a:xfrm>
+          <a:prstGeom prst="rect">
+            <a:avLst/>
+          </a:prstGeom>
+        </p:spPr>
+      </p:pic>
+      <p:pic>
+        <p:nvPicPr>
+          <p:cNvPr id="12" name="Picture 11" descr="A close up of a logo&#10;&#10;Description generated with high confidence">
+            <a:extLst>
+              <a:ext uri="{FF2B5EF4-FFF2-40B4-BE49-F238E27FC236}">
+                <a16:creationId xmlns:a16="http://schemas.microsoft.com/office/drawing/2014/main" id="{633687CE-65D8-4CBE-AA9A-1802BFA1FB41}"/>
+              </a:ext>
+            </a:extLst>
+          </p:cNvPr>
+          <p:cNvPicPr>
+            <a:picLocks noChangeAspect="1"/>
+          </p:cNvPicPr>
+          <p:nvPr/>
+        </p:nvPicPr>
+        <p:blipFill>
+          <a:blip r:embed="rId4">
+            <a:extLst>
+              <a:ext uri="{28A0092B-C50C-407E-A947-70E740481C1C}">
+                <a14:useLocalDpi xmlns:a14="http://schemas.microsoft.com/office/drawing/2010/main" val="0"/>
+              </a:ext>
+            </a:extLst>
+          </a:blip>
+          <a:stretch>
+            <a:fillRect/>
+          </a:stretch>
+        </p:blipFill>
+        <p:spPr>
+          <a:xfrm>
+            <a:off x="4394784" y="3160406"/>
+            <a:ext cx="780290" cy="780290"/>
+          </a:xfrm>
+          <a:prstGeom prst="rect">
+            <a:avLst/>
+          </a:prstGeom>
+        </p:spPr>
+      </p:pic>
+      <p:pic>
+        <p:nvPicPr>
+          <p:cNvPr id="14" name="Picture 13">
+            <a:extLst>
+              <a:ext uri="{FF2B5EF4-FFF2-40B4-BE49-F238E27FC236}">
+                <a16:creationId xmlns:a16="http://schemas.microsoft.com/office/drawing/2014/main" id="{E22E6C37-08E6-4585-B715-8DA2325D2347}"/>
+              </a:ext>
+            </a:extLst>
+          </p:cNvPr>
+          <p:cNvPicPr>
+            <a:picLocks noChangeAspect="1"/>
+          </p:cNvPicPr>
+          <p:nvPr/>
+        </p:nvPicPr>
+        <p:blipFill>
+          <a:blip r:embed="rId5">
+            <a:extLst>
+              <a:ext uri="{28A0092B-C50C-407E-A947-70E740481C1C}">
+                <a14:useLocalDpi xmlns:a14="http://schemas.microsoft.com/office/drawing/2010/main" val="0"/>
+              </a:ext>
+            </a:extLst>
+          </a:blip>
+          <a:stretch>
+            <a:fillRect/>
+          </a:stretch>
+        </p:blipFill>
+        <p:spPr>
+          <a:xfrm>
+            <a:off x="1598080" y="4274428"/>
+            <a:ext cx="780290" cy="780290"/>
+          </a:xfrm>
+          <a:prstGeom prst="rect">
+            <a:avLst/>
+          </a:prstGeom>
+        </p:spPr>
+      </p:pic>
+      <p:pic>
+        <p:nvPicPr>
+          <p:cNvPr id="15" name="Picture 14">
+            <a:extLst>
+              <a:ext uri="{FF2B5EF4-FFF2-40B4-BE49-F238E27FC236}">
+                <a16:creationId xmlns:a16="http://schemas.microsoft.com/office/drawing/2014/main" id="{D711552A-FFAA-488B-BCE5-C6099F92C4E6}"/>
+              </a:ext>
+            </a:extLst>
+          </p:cNvPr>
+          <p:cNvPicPr>
+            <a:picLocks noChangeAspect="1"/>
+          </p:cNvPicPr>
+          <p:nvPr/>
+        </p:nvPicPr>
+        <p:blipFill>
+          <a:blip r:embed="rId5">
+            <a:extLst>
+              <a:ext uri="{28A0092B-C50C-407E-A947-70E740481C1C}">
+                <a14:useLocalDpi xmlns:a14="http://schemas.microsoft.com/office/drawing/2010/main" val="0"/>
+              </a:ext>
+            </a:extLst>
+          </a:blip>
+          <a:stretch>
+            <a:fillRect/>
+          </a:stretch>
+        </p:blipFill>
+        <p:spPr>
+          <a:xfrm>
+            <a:off x="4394784" y="4244771"/>
+            <a:ext cx="780290" cy="780290"/>
+          </a:xfrm>
+          <a:prstGeom prst="rect">
+            <a:avLst/>
+          </a:prstGeom>
+        </p:spPr>
+      </p:pic>
+      <p:pic>
+        <p:nvPicPr>
+          <p:cNvPr id="17" name="Picture 16">
+            <a:extLst>
+              <a:ext uri="{FF2B5EF4-FFF2-40B4-BE49-F238E27FC236}">
+                <a16:creationId xmlns:a16="http://schemas.microsoft.com/office/drawing/2014/main" id="{283090A8-C636-49A9-8A89-A217AE2F870C}"/>
+              </a:ext>
+            </a:extLst>
+          </p:cNvPr>
+          <p:cNvPicPr>
+            <a:picLocks noChangeAspect="1"/>
+          </p:cNvPicPr>
+          <p:nvPr/>
+        </p:nvPicPr>
+        <p:blipFill>
+          <a:blip r:embed="rId6">
+            <a:extLst>
+              <a:ext uri="{28A0092B-C50C-407E-A947-70E740481C1C}">
+                <a14:useLocalDpi xmlns:a14="http://schemas.microsoft.com/office/drawing/2010/main" val="0"/>
+              </a:ext>
+            </a:extLst>
+          </a:blip>
+          <a:stretch>
+            <a:fillRect/>
+          </a:stretch>
+        </p:blipFill>
+        <p:spPr>
+          <a:xfrm>
+            <a:off x="2747412" y="5890788"/>
+            <a:ext cx="1282674" cy="673404"/>
+          </a:xfrm>
+          <a:prstGeom prst="rect">
+            <a:avLst/>
+          </a:prstGeom>
+        </p:spPr>
+      </p:pic>
+      <p:sp>
+        <p:nvSpPr>
+          <p:cNvPr id="13" name="Rectangle 12">
+            <a:extLst>
+              <a:ext uri="{FF2B5EF4-FFF2-40B4-BE49-F238E27FC236}">
+                <a16:creationId xmlns:a16="http://schemas.microsoft.com/office/drawing/2014/main" id="{4B00D2DD-76A1-4C48-B29F-52A7F7BAC1AB}"/>
+              </a:ext>
+            </a:extLst>
+          </p:cNvPr>
+          <p:cNvSpPr/>
+          <p:nvPr/>
+        </p:nvSpPr>
+        <p:spPr>
+          <a:xfrm>
+            <a:off x="765845" y="1123239"/>
+            <a:ext cx="5245808" cy="1114387"/>
+          </a:xfrm>
+          <a:prstGeom prst="rect">
+            <a:avLst/>
+          </a:prstGeom>
+          <a:solidFill>
+            <a:schemeClr val="bg1">
+              <a:lumMod val="95000"/>
+            </a:schemeClr>
+          </a:solidFill>
+          <a:ln>
+            <a:noFill/>
+            <a:prstDash val="sysDot"/>
+          </a:ln>
+        </p:spPr>
+        <p:style>
+          <a:lnRef idx="2">
+            <a:schemeClr val="accent1">
+              <a:shade val="50000"/>
+            </a:schemeClr>
+          </a:lnRef>
+          <a:fillRef idx="1">
+            <a:schemeClr val="accent1"/>
+          </a:fillRef>
+          <a:effectRef idx="0">
+            <a:schemeClr val="accent1"/>
+          </a:effectRef>
+          <a:fontRef idx="minor">
+            <a:schemeClr val="lt1"/>
+          </a:fontRef>
+        </p:style>
+        <p:txBody>
+          <a:bodyPr rtlCol="0" anchor="t"/>
+          <a:lstStyle/>
+          <a:p>
+            <a:endParaRPr lang="en-US" sz="1400" dirty="0">
+              <a:solidFill>
+                <a:schemeClr val="tx1"/>
+              </a:solidFill>
+            </a:endParaRPr>
+          </a:p>
+        </p:txBody>
+      </p:sp>
+      <p:cxnSp>
+        <p:nvCxnSpPr>
+          <p:cNvPr id="3" name="Straight Arrow Connector 2">
+            <a:extLst>
+              <a:ext uri="{FF2B5EF4-FFF2-40B4-BE49-F238E27FC236}">
+                <a16:creationId xmlns:a16="http://schemas.microsoft.com/office/drawing/2014/main" id="{44641634-A9A1-4421-A9EF-F9FDB2A221C5}"/>
+              </a:ext>
+            </a:extLst>
+          </p:cNvPr>
+          <p:cNvCxnSpPr>
+            <a:cxnSpLocks/>
+            <a:endCxn id="11" idx="0"/>
+          </p:cNvCxnSpPr>
+          <p:nvPr/>
+        </p:nvCxnSpPr>
+        <p:spPr>
+          <a:xfrm flipH="1">
+            <a:off x="1992568" y="2038146"/>
+            <a:ext cx="1396181" cy="1122260"/>
+          </a:xfrm>
+          <a:prstGeom prst="straightConnector1">
+            <a:avLst/>
+          </a:prstGeom>
+          <a:ln w="28575">
+            <a:solidFill>
+              <a:schemeClr val="tx1"/>
+            </a:solidFill>
+            <a:tailEnd type="triangle"/>
+          </a:ln>
+        </p:spPr>
+        <p:style>
+          <a:lnRef idx="1">
+            <a:schemeClr val="accent1"/>
+          </a:lnRef>
+          <a:fillRef idx="0">
+            <a:schemeClr val="accent1"/>
+          </a:fillRef>
+          <a:effectRef idx="0">
+            <a:schemeClr val="accent1"/>
+          </a:effectRef>
+          <a:fontRef idx="minor">
+            <a:schemeClr val="tx1"/>
+          </a:fontRef>
+        </p:style>
+      </p:cxnSp>
+      <p:cxnSp>
+        <p:nvCxnSpPr>
+          <p:cNvPr id="18" name="Straight Arrow Connector 17">
+            <a:extLst>
+              <a:ext uri="{FF2B5EF4-FFF2-40B4-BE49-F238E27FC236}">
+                <a16:creationId xmlns:a16="http://schemas.microsoft.com/office/drawing/2014/main" id="{6FDD3F8D-D867-4553-AA7A-4FBC4F269791}"/>
+              </a:ext>
+            </a:extLst>
+          </p:cNvPr>
+          <p:cNvCxnSpPr>
+            <a:cxnSpLocks/>
+            <a:endCxn id="12" idx="0"/>
+          </p:cNvCxnSpPr>
+          <p:nvPr/>
+        </p:nvCxnSpPr>
+        <p:spPr>
+          <a:xfrm>
+            <a:off x="3388749" y="2038146"/>
+            <a:ext cx="1396180" cy="1122260"/>
+          </a:xfrm>
+          <a:prstGeom prst="straightConnector1">
+            <a:avLst/>
+          </a:prstGeom>
+          <a:ln w="28575">
+            <a:solidFill>
+              <a:schemeClr val="tx1"/>
+            </a:solidFill>
+            <a:tailEnd type="triangle"/>
+          </a:ln>
+        </p:spPr>
+        <p:style>
+          <a:lnRef idx="1">
+            <a:schemeClr val="accent1"/>
+          </a:lnRef>
+          <a:fillRef idx="0">
+            <a:schemeClr val="accent1"/>
+          </a:fillRef>
+          <a:effectRef idx="0">
+            <a:schemeClr val="accent1"/>
+          </a:effectRef>
+          <a:fontRef idx="minor">
+            <a:schemeClr val="tx1"/>
+          </a:fontRef>
+        </p:style>
+      </p:cxnSp>
+      <p:sp>
+        <p:nvSpPr>
+          <p:cNvPr id="20" name="Rectangle 19">
+            <a:extLst>
+              <a:ext uri="{FF2B5EF4-FFF2-40B4-BE49-F238E27FC236}">
+                <a16:creationId xmlns:a16="http://schemas.microsoft.com/office/drawing/2014/main" id="{6E94084E-3E1B-4A27-8D25-0878AEEE0B34}"/>
+              </a:ext>
+            </a:extLst>
+          </p:cNvPr>
+          <p:cNvSpPr/>
+          <p:nvPr/>
+        </p:nvSpPr>
+        <p:spPr>
+          <a:xfrm>
+            <a:off x="6185892" y="1122436"/>
+            <a:ext cx="2176525" cy="5435435"/>
+          </a:xfrm>
+          <a:prstGeom prst="rect">
+            <a:avLst/>
+          </a:prstGeom>
+          <a:solidFill>
+            <a:schemeClr val="bg1">
+              <a:lumMod val="95000"/>
+            </a:schemeClr>
+          </a:solidFill>
+          <a:ln>
+            <a:noFill/>
+            <a:prstDash val="sysDot"/>
+          </a:ln>
+        </p:spPr>
+        <p:style>
+          <a:lnRef idx="2">
+            <a:schemeClr val="accent1">
+              <a:shade val="50000"/>
+            </a:schemeClr>
+          </a:lnRef>
+          <a:fillRef idx="1">
+            <a:schemeClr val="accent1"/>
+          </a:fillRef>
+          <a:effectRef idx="0">
+            <a:schemeClr val="accent1"/>
+          </a:effectRef>
+          <a:fontRef idx="minor">
+            <a:schemeClr val="lt1"/>
+          </a:fontRef>
+        </p:style>
+        <p:txBody>
+          <a:bodyPr rtlCol="0" anchor="t"/>
+          <a:lstStyle/>
+          <a:p>
+            <a:endParaRPr lang="en-US" sz="1400" dirty="0">
+              <a:solidFill>
+                <a:schemeClr val="tx1"/>
+              </a:solidFill>
+            </a:endParaRPr>
+          </a:p>
+        </p:txBody>
+      </p:sp>
+      <p:sp>
+        <p:nvSpPr>
+          <p:cNvPr id="21" name="TextBox 20">
+            <a:extLst>
+              <a:ext uri="{FF2B5EF4-FFF2-40B4-BE49-F238E27FC236}">
+                <a16:creationId xmlns:a16="http://schemas.microsoft.com/office/drawing/2014/main" id="{C8BB2704-0171-48B7-9534-40E9EFACAB72}"/>
+              </a:ext>
+            </a:extLst>
+          </p:cNvPr>
+          <p:cNvSpPr txBox="1"/>
+          <p:nvPr/>
+        </p:nvSpPr>
+        <p:spPr>
+          <a:xfrm>
+            <a:off x="2419990" y="3357445"/>
+            <a:ext cx="402674" cy="369332"/>
+          </a:xfrm>
+          <a:prstGeom prst="rect">
+            <a:avLst/>
+          </a:prstGeom>
+          <a:noFill/>
+        </p:spPr>
+        <p:txBody>
+          <a:bodyPr wrap="none" rtlCol="0">
+            <a:spAutoFit/>
+          </a:bodyPr>
+          <a:lstStyle/>
+          <a:p>
+            <a:r>
+              <a:rPr lang="en-US" dirty="0"/>
+              <a:t>FE</a:t>
+            </a:r>
+          </a:p>
+        </p:txBody>
+      </p:sp>
+      <p:sp>
+        <p:nvSpPr>
+          <p:cNvPr id="22" name="TextBox 21">
+            <a:extLst>
+              <a:ext uri="{FF2B5EF4-FFF2-40B4-BE49-F238E27FC236}">
+                <a16:creationId xmlns:a16="http://schemas.microsoft.com/office/drawing/2014/main" id="{A9D16197-6A6E-4759-83FC-E3AFFB60B6E0}"/>
+              </a:ext>
+            </a:extLst>
+          </p:cNvPr>
+          <p:cNvSpPr txBox="1"/>
+          <p:nvPr/>
+        </p:nvSpPr>
+        <p:spPr>
+          <a:xfrm>
+            <a:off x="2373103" y="4232516"/>
+            <a:ext cx="635110" cy="646331"/>
+          </a:xfrm>
+          <a:prstGeom prst="rect">
+            <a:avLst/>
+          </a:prstGeom>
+          <a:noFill/>
+        </p:spPr>
+        <p:txBody>
+          <a:bodyPr wrap="none" rtlCol="0">
+            <a:spAutoFit/>
+          </a:bodyPr>
+          <a:lstStyle/>
+          <a:p>
+            <a:r>
+              <a:rPr lang="en-US" dirty="0"/>
+              <a:t>MID </a:t>
+            </a:r>
+          </a:p>
+          <a:p>
+            <a:r>
+              <a:rPr lang="en-US" dirty="0"/>
+              <a:t>TIER</a:t>
+            </a:r>
+          </a:p>
+        </p:txBody>
+      </p:sp>
+      <p:sp>
+        <p:nvSpPr>
+          <p:cNvPr id="23" name="TextBox 22">
+            <a:extLst>
+              <a:ext uri="{FF2B5EF4-FFF2-40B4-BE49-F238E27FC236}">
+                <a16:creationId xmlns:a16="http://schemas.microsoft.com/office/drawing/2014/main" id="{CA2451D0-BC6A-4BB8-8C89-03C188AE9CD4}"/>
+              </a:ext>
+            </a:extLst>
+          </p:cNvPr>
+          <p:cNvSpPr txBox="1"/>
+          <p:nvPr/>
+        </p:nvSpPr>
+        <p:spPr>
+          <a:xfrm>
+            <a:off x="5211034" y="3294563"/>
+            <a:ext cx="402674" cy="369332"/>
+          </a:xfrm>
+          <a:prstGeom prst="rect">
+            <a:avLst/>
+          </a:prstGeom>
+          <a:noFill/>
+        </p:spPr>
+        <p:txBody>
+          <a:bodyPr wrap="none" rtlCol="0">
+            <a:spAutoFit/>
+          </a:bodyPr>
+          <a:lstStyle/>
+          <a:p>
+            <a:r>
+              <a:rPr lang="en-US" dirty="0"/>
+              <a:t>FE</a:t>
+            </a:r>
+          </a:p>
+        </p:txBody>
+      </p:sp>
+      <p:sp>
+        <p:nvSpPr>
+          <p:cNvPr id="24" name="TextBox 23">
+            <a:extLst>
+              <a:ext uri="{FF2B5EF4-FFF2-40B4-BE49-F238E27FC236}">
+                <a16:creationId xmlns:a16="http://schemas.microsoft.com/office/drawing/2014/main" id="{BA044653-CA52-40C2-9172-F2424C63D754}"/>
+              </a:ext>
+            </a:extLst>
+          </p:cNvPr>
+          <p:cNvSpPr txBox="1"/>
+          <p:nvPr/>
+        </p:nvSpPr>
+        <p:spPr>
+          <a:xfrm>
+            <a:off x="5164147" y="4169634"/>
+            <a:ext cx="635110" cy="646331"/>
+          </a:xfrm>
+          <a:prstGeom prst="rect">
+            <a:avLst/>
+          </a:prstGeom>
+          <a:noFill/>
+        </p:spPr>
+        <p:txBody>
+          <a:bodyPr wrap="none" rtlCol="0">
+            <a:spAutoFit/>
+          </a:bodyPr>
+          <a:lstStyle/>
+          <a:p>
+            <a:r>
+              <a:rPr lang="en-US" dirty="0"/>
+              <a:t>MID </a:t>
+            </a:r>
+          </a:p>
+          <a:p>
+            <a:r>
+              <a:rPr lang="en-US" dirty="0"/>
+              <a:t>TIER</a:t>
+            </a:r>
+          </a:p>
+        </p:txBody>
+      </p:sp>
+      <p:pic>
+        <p:nvPicPr>
+          <p:cNvPr id="26" name="Picture 25">
+            <a:extLst>
+              <a:ext uri="{FF2B5EF4-FFF2-40B4-BE49-F238E27FC236}">
+                <a16:creationId xmlns:a16="http://schemas.microsoft.com/office/drawing/2014/main" id="{6BA921DC-DB91-4A66-BACE-44A5D007D5D8}"/>
+              </a:ext>
+            </a:extLst>
+          </p:cNvPr>
+          <p:cNvPicPr>
+            <a:picLocks noChangeAspect="1"/>
+          </p:cNvPicPr>
+          <p:nvPr/>
+        </p:nvPicPr>
+        <p:blipFill>
+          <a:blip r:embed="rId7">
+            <a:extLst>
+              <a:ext uri="{28A0092B-C50C-407E-A947-70E740481C1C}">
+                <a14:useLocalDpi xmlns:a14="http://schemas.microsoft.com/office/drawing/2010/main" val="0"/>
+              </a:ext>
+            </a:extLst>
+          </a:blip>
+          <a:stretch>
+            <a:fillRect/>
+          </a:stretch>
+        </p:blipFill>
+        <p:spPr>
+          <a:xfrm>
+            <a:off x="6973339" y="1961701"/>
+            <a:ext cx="669689" cy="669688"/>
+          </a:xfrm>
+          <a:prstGeom prst="rect">
+            <a:avLst/>
+          </a:prstGeom>
+        </p:spPr>
+      </p:pic>
+      <p:sp>
+        <p:nvSpPr>
+          <p:cNvPr id="27" name="TextBox 26">
+            <a:extLst>
+              <a:ext uri="{FF2B5EF4-FFF2-40B4-BE49-F238E27FC236}">
+                <a16:creationId xmlns:a16="http://schemas.microsoft.com/office/drawing/2014/main" id="{B944EC12-6905-4667-9AB9-61BB101511C6}"/>
+              </a:ext>
+            </a:extLst>
+          </p:cNvPr>
+          <p:cNvSpPr txBox="1"/>
+          <p:nvPr/>
+        </p:nvSpPr>
+        <p:spPr>
+          <a:xfrm>
+            <a:off x="6635384" y="2685559"/>
+            <a:ext cx="1361598" cy="646331"/>
+          </a:xfrm>
+          <a:prstGeom prst="rect">
+            <a:avLst/>
+          </a:prstGeom>
+          <a:noFill/>
+        </p:spPr>
+        <p:txBody>
+          <a:bodyPr wrap="square" rtlCol="0">
+            <a:spAutoFit/>
+          </a:bodyPr>
+          <a:lstStyle/>
+          <a:p>
+            <a:pPr algn="ctr"/>
+            <a:r>
+              <a:rPr lang="en-US" dirty="0"/>
+              <a:t>OMS / Log Search</a:t>
+            </a:r>
+          </a:p>
+        </p:txBody>
+      </p:sp>
+      <p:pic>
+        <p:nvPicPr>
+          <p:cNvPr id="29" name="Picture 28">
+            <a:extLst>
+              <a:ext uri="{FF2B5EF4-FFF2-40B4-BE49-F238E27FC236}">
+                <a16:creationId xmlns:a16="http://schemas.microsoft.com/office/drawing/2014/main" id="{D5067D6D-C24D-463F-99F4-E9535FEEE39F}"/>
+              </a:ext>
+            </a:extLst>
+          </p:cNvPr>
+          <p:cNvPicPr>
+            <a:picLocks noChangeAspect="1"/>
+          </p:cNvPicPr>
+          <p:nvPr/>
+        </p:nvPicPr>
+        <p:blipFill>
+          <a:blip r:embed="rId8">
+            <a:extLst>
+              <a:ext uri="{28A0092B-C50C-407E-A947-70E740481C1C}">
+                <a14:useLocalDpi xmlns:a14="http://schemas.microsoft.com/office/drawing/2010/main" val="0"/>
+              </a:ext>
+            </a:extLst>
+          </a:blip>
+          <a:stretch>
+            <a:fillRect/>
+          </a:stretch>
+        </p:blipFill>
+        <p:spPr>
+          <a:xfrm>
+            <a:off x="6998440" y="4930695"/>
+            <a:ext cx="686444" cy="686444"/>
+          </a:xfrm>
+          <a:prstGeom prst="rect">
+            <a:avLst/>
+          </a:prstGeom>
+        </p:spPr>
+      </p:pic>
+      <p:sp>
+        <p:nvSpPr>
+          <p:cNvPr id="30" name="TextBox 29">
+            <a:extLst>
+              <a:ext uri="{FF2B5EF4-FFF2-40B4-BE49-F238E27FC236}">
+                <a16:creationId xmlns:a16="http://schemas.microsoft.com/office/drawing/2014/main" id="{18A1346D-C816-4FEE-9299-57BFF407F4B8}"/>
+              </a:ext>
+            </a:extLst>
+          </p:cNvPr>
+          <p:cNvSpPr txBox="1"/>
+          <p:nvPr/>
+        </p:nvSpPr>
+        <p:spPr>
+          <a:xfrm>
+            <a:off x="6820418" y="5575217"/>
+            <a:ext cx="991530" cy="584775"/>
+          </a:xfrm>
+          <a:prstGeom prst="rect">
+            <a:avLst/>
+          </a:prstGeom>
+          <a:noFill/>
+        </p:spPr>
+        <p:txBody>
+          <a:bodyPr wrap="square" rtlCol="0">
+            <a:spAutoFit/>
+          </a:bodyPr>
+          <a:lstStyle/>
+          <a:p>
+            <a:pPr algn="ctr"/>
+            <a:r>
+              <a:rPr lang="en-US" sz="1600" dirty="0">
+                <a:latin typeface="Open Sans" panose="020B0606030504020204" pitchFamily="34" charset="0"/>
+                <a:ea typeface="Open Sans" panose="020B0606030504020204" pitchFamily="34" charset="0"/>
+                <a:cs typeface="Open Sans" panose="020B0606030504020204" pitchFamily="34" charset="0"/>
+              </a:rPr>
+              <a:t>Azure Monitor</a:t>
+            </a:r>
+            <a:endParaRPr lang="en-US" sz="1200" dirty="0">
+              <a:latin typeface="Open Sans" panose="020B0606030504020204" pitchFamily="34" charset="0"/>
+              <a:ea typeface="Open Sans" panose="020B0606030504020204" pitchFamily="34" charset="0"/>
+              <a:cs typeface="Open Sans" panose="020B0606030504020204" pitchFamily="34" charset="0"/>
+            </a:endParaRPr>
+          </a:p>
+        </p:txBody>
+      </p:sp>
+      <p:pic>
+        <p:nvPicPr>
+          <p:cNvPr id="32" name="Picture 31">
+            <a:extLst>
+              <a:ext uri="{FF2B5EF4-FFF2-40B4-BE49-F238E27FC236}">
+                <a16:creationId xmlns:a16="http://schemas.microsoft.com/office/drawing/2014/main" id="{8FD1EF84-2D8F-459D-9434-8EF5980B421A}"/>
+              </a:ext>
+            </a:extLst>
+          </p:cNvPr>
+          <p:cNvPicPr>
+            <a:picLocks noChangeAspect="1"/>
+          </p:cNvPicPr>
+          <p:nvPr/>
+        </p:nvPicPr>
+        <p:blipFill>
+          <a:blip r:embed="rId9">
+            <a:extLst>
+              <a:ext uri="{28A0092B-C50C-407E-A947-70E740481C1C}">
+                <a14:useLocalDpi xmlns:a14="http://schemas.microsoft.com/office/drawing/2010/main" val="0"/>
+              </a:ext>
+            </a:extLst>
+          </a:blip>
+          <a:stretch>
+            <a:fillRect/>
+          </a:stretch>
+        </p:blipFill>
+        <p:spPr>
+          <a:xfrm>
+            <a:off x="6989704" y="3371743"/>
+            <a:ext cx="653324" cy="653325"/>
+          </a:xfrm>
+          <a:prstGeom prst="rect">
+            <a:avLst/>
+          </a:prstGeom>
+        </p:spPr>
+      </p:pic>
+      <p:sp>
+        <p:nvSpPr>
+          <p:cNvPr id="33" name="TextBox 32">
+            <a:extLst>
+              <a:ext uri="{FF2B5EF4-FFF2-40B4-BE49-F238E27FC236}">
+                <a16:creationId xmlns:a16="http://schemas.microsoft.com/office/drawing/2014/main" id="{984BC89A-EF9C-4255-A9E3-1B1030EBC1B5}"/>
+              </a:ext>
+            </a:extLst>
+          </p:cNvPr>
+          <p:cNvSpPr txBox="1"/>
+          <p:nvPr/>
+        </p:nvSpPr>
+        <p:spPr>
+          <a:xfrm>
+            <a:off x="6791186" y="4021758"/>
+            <a:ext cx="991529" cy="646331"/>
+          </a:xfrm>
+          <a:prstGeom prst="rect">
+            <a:avLst/>
+          </a:prstGeom>
+          <a:noFill/>
+        </p:spPr>
+        <p:txBody>
+          <a:bodyPr wrap="square" rtlCol="0">
+            <a:spAutoFit/>
+          </a:bodyPr>
+          <a:lstStyle/>
+          <a:p>
+            <a:pPr algn="ctr"/>
+            <a:r>
+              <a:rPr lang="en-US" dirty="0"/>
+              <a:t>App Insights</a:t>
+            </a:r>
+          </a:p>
+        </p:txBody>
+      </p:sp>
+      <p:pic>
+        <p:nvPicPr>
+          <p:cNvPr id="34" name="Picture 33">
+            <a:extLst>
+              <a:ext uri="{FF2B5EF4-FFF2-40B4-BE49-F238E27FC236}">
+                <a16:creationId xmlns:a16="http://schemas.microsoft.com/office/drawing/2014/main" id="{0B9ACF4B-85AE-4325-9FD4-BF1AE31AA101}"/>
+              </a:ext>
+            </a:extLst>
+          </p:cNvPr>
+          <p:cNvPicPr>
+            <a:picLocks noChangeAspect="1"/>
+          </p:cNvPicPr>
+          <p:nvPr/>
+        </p:nvPicPr>
+        <p:blipFill>
+          <a:blip r:embed="rId10">
+            <a:extLst>
+              <a:ext uri="{28A0092B-C50C-407E-A947-70E740481C1C}">
+                <a14:useLocalDpi xmlns:a14="http://schemas.microsoft.com/office/drawing/2010/main" val="0"/>
+              </a:ext>
+            </a:extLst>
+          </a:blip>
+          <a:stretch>
+            <a:fillRect/>
+          </a:stretch>
+        </p:blipFill>
+        <p:spPr>
+          <a:xfrm>
+            <a:off x="5873138" y="73723"/>
+            <a:ext cx="608150" cy="608150"/>
+          </a:xfrm>
+          <a:prstGeom prst="rect">
+            <a:avLst/>
+          </a:prstGeom>
+        </p:spPr>
+      </p:pic>
+      <p:pic>
+        <p:nvPicPr>
+          <p:cNvPr id="35" name="Picture 34" descr="multiple user icons different colors - vector Clip Art">
+            <a:extLst>
+              <a:ext uri="{FF2B5EF4-FFF2-40B4-BE49-F238E27FC236}">
+                <a16:creationId xmlns:a16="http://schemas.microsoft.com/office/drawing/2014/main" id="{B1D40254-BC7A-43F5-890F-EC4BDA1DA09D}"/>
+              </a:ext>
+            </a:extLst>
+          </p:cNvPr>
+          <p:cNvPicPr>
+            <a:picLocks noChangeAspect="1"/>
+          </p:cNvPicPr>
+          <p:nvPr/>
+        </p:nvPicPr>
+        <p:blipFill>
+          <a:blip r:embed="rId11">
+            <a:extLst>
+              <a:ext uri="{28A0092B-C50C-407E-A947-70E740481C1C}">
+                <a14:useLocalDpi xmlns:a14="http://schemas.microsoft.com/office/drawing/2010/main" val="0"/>
+              </a:ext>
+            </a:extLst>
+          </a:blip>
+          <a:stretch>
+            <a:fillRect/>
+          </a:stretch>
+        </p:blipFill>
+        <p:spPr>
+          <a:xfrm>
+            <a:off x="3149351" y="117735"/>
+            <a:ext cx="478795" cy="514705"/>
+          </a:xfrm>
+          <a:prstGeom prst="rect">
+            <a:avLst/>
+          </a:prstGeom>
+        </p:spPr>
+      </p:pic>
+      <p:cxnSp>
+        <p:nvCxnSpPr>
+          <p:cNvPr id="37" name="Straight Arrow Connector 36">
+            <a:extLst>
+              <a:ext uri="{FF2B5EF4-FFF2-40B4-BE49-F238E27FC236}">
+                <a16:creationId xmlns:a16="http://schemas.microsoft.com/office/drawing/2014/main" id="{47013818-6971-4F74-939D-ED77889F1BFD}"/>
+              </a:ext>
+            </a:extLst>
+          </p:cNvPr>
+          <p:cNvCxnSpPr>
+            <a:stCxn id="35" idx="2"/>
+            <a:endCxn id="13" idx="0"/>
+          </p:cNvCxnSpPr>
+          <p:nvPr/>
+        </p:nvCxnSpPr>
+        <p:spPr>
+          <a:xfrm>
+            <a:off x="3388749" y="632440"/>
+            <a:ext cx="0" cy="490799"/>
+          </a:xfrm>
+          <a:prstGeom prst="straightConnector1">
+            <a:avLst/>
+          </a:prstGeom>
+          <a:ln>
+            <a:tailEnd type="triangle"/>
+          </a:ln>
+        </p:spPr>
+        <p:style>
+          <a:lnRef idx="1">
+            <a:schemeClr val="accent1"/>
+          </a:lnRef>
+          <a:fillRef idx="0">
+            <a:schemeClr val="accent1"/>
+          </a:fillRef>
+          <a:effectRef idx="0">
+            <a:schemeClr val="accent1"/>
+          </a:effectRef>
+          <a:fontRef idx="minor">
+            <a:schemeClr val="tx1"/>
+          </a:fontRef>
+        </p:style>
+      </p:cxnSp>
+      <p:cxnSp>
+        <p:nvCxnSpPr>
+          <p:cNvPr id="38" name="Straight Arrow Connector 37">
+            <a:extLst>
+              <a:ext uri="{FF2B5EF4-FFF2-40B4-BE49-F238E27FC236}">
+                <a16:creationId xmlns:a16="http://schemas.microsoft.com/office/drawing/2014/main" id="{F731D298-FB4E-4BCF-9D41-1355354BE853}"/>
+              </a:ext>
+            </a:extLst>
+          </p:cNvPr>
+          <p:cNvCxnSpPr>
+            <a:cxnSpLocks/>
+            <a:stCxn id="35" idx="1"/>
+            <a:endCxn id="34" idx="3"/>
+          </p:cNvCxnSpPr>
+          <p:nvPr/>
+        </p:nvCxnSpPr>
+        <p:spPr>
+          <a:xfrm>
+            <a:off x="3149351" y="375088"/>
+            <a:ext cx="3331937" cy="2710"/>
+          </a:xfrm>
+          <a:prstGeom prst="straightConnector1">
+            <a:avLst/>
+          </a:prstGeom>
+          <a:ln>
+            <a:tailEnd type="triangle"/>
+          </a:ln>
+        </p:spPr>
+        <p:style>
+          <a:lnRef idx="1">
+            <a:schemeClr val="accent1"/>
+          </a:lnRef>
+          <a:fillRef idx="0">
+            <a:schemeClr val="accent1"/>
+          </a:fillRef>
+          <a:effectRef idx="0">
+            <a:schemeClr val="accent1"/>
+          </a:effectRef>
+          <a:fontRef idx="minor">
+            <a:schemeClr val="tx1"/>
+          </a:fontRef>
+        </p:style>
+      </p:cxnSp>
+      <p:cxnSp>
+        <p:nvCxnSpPr>
+          <p:cNvPr id="42" name="Straight Arrow Connector 41">
+            <a:extLst>
+              <a:ext uri="{FF2B5EF4-FFF2-40B4-BE49-F238E27FC236}">
+                <a16:creationId xmlns:a16="http://schemas.microsoft.com/office/drawing/2014/main" id="{8B06D9F2-34CE-442B-B45F-D52930B78270}"/>
+              </a:ext>
+            </a:extLst>
+          </p:cNvPr>
+          <p:cNvCxnSpPr>
+            <a:cxnSpLocks/>
+            <a:stCxn id="11" idx="2"/>
+            <a:endCxn id="14" idx="0"/>
+          </p:cNvCxnSpPr>
+          <p:nvPr/>
+        </p:nvCxnSpPr>
+        <p:spPr>
+          <a:xfrm flipH="1">
+            <a:off x="1988225" y="3940696"/>
+            <a:ext cx="4343" cy="333732"/>
+          </a:xfrm>
+          <a:prstGeom prst="straightConnector1">
+            <a:avLst/>
+          </a:prstGeom>
+          <a:ln w="28575">
+            <a:solidFill>
+              <a:schemeClr val="tx1"/>
+            </a:solidFill>
+            <a:tailEnd type="triangle"/>
+          </a:ln>
+        </p:spPr>
+        <p:style>
+          <a:lnRef idx="1">
+            <a:schemeClr val="accent1"/>
+          </a:lnRef>
+          <a:fillRef idx="0">
+            <a:schemeClr val="accent1"/>
+          </a:fillRef>
+          <a:effectRef idx="0">
+            <a:schemeClr val="accent1"/>
+          </a:effectRef>
+          <a:fontRef idx="minor">
+            <a:schemeClr val="tx1"/>
+          </a:fontRef>
+        </p:style>
+      </p:cxnSp>
+      <p:cxnSp>
+        <p:nvCxnSpPr>
+          <p:cNvPr id="46" name="Straight Arrow Connector 45">
+            <a:extLst>
+              <a:ext uri="{FF2B5EF4-FFF2-40B4-BE49-F238E27FC236}">
+                <a16:creationId xmlns:a16="http://schemas.microsoft.com/office/drawing/2014/main" id="{38462AF2-1921-4642-88B1-93F3DCD14233}"/>
+              </a:ext>
+            </a:extLst>
+          </p:cNvPr>
+          <p:cNvCxnSpPr>
+            <a:cxnSpLocks/>
+            <a:endCxn id="15" idx="0"/>
+          </p:cNvCxnSpPr>
+          <p:nvPr/>
+        </p:nvCxnSpPr>
+        <p:spPr>
+          <a:xfrm>
+            <a:off x="4779778" y="3946967"/>
+            <a:ext cx="5151" cy="297804"/>
+          </a:xfrm>
+          <a:prstGeom prst="straightConnector1">
+            <a:avLst/>
+          </a:prstGeom>
+          <a:ln w="28575">
+            <a:solidFill>
+              <a:schemeClr val="tx1"/>
+            </a:solidFill>
+            <a:tailEnd type="triangle"/>
+          </a:ln>
+        </p:spPr>
+        <p:style>
+          <a:lnRef idx="1">
+            <a:schemeClr val="accent1"/>
+          </a:lnRef>
+          <a:fillRef idx="0">
+            <a:schemeClr val="accent1"/>
+          </a:fillRef>
+          <a:effectRef idx="0">
+            <a:schemeClr val="accent1"/>
+          </a:effectRef>
+          <a:fontRef idx="minor">
+            <a:schemeClr val="tx1"/>
+          </a:fontRef>
+        </p:style>
+      </p:cxnSp>
+      <p:cxnSp>
+        <p:nvCxnSpPr>
+          <p:cNvPr id="48" name="Straight Arrow Connector 47">
+            <a:extLst>
+              <a:ext uri="{FF2B5EF4-FFF2-40B4-BE49-F238E27FC236}">
+                <a16:creationId xmlns:a16="http://schemas.microsoft.com/office/drawing/2014/main" id="{1956C536-186D-48E2-8AAC-71D23C53D188}"/>
+              </a:ext>
+            </a:extLst>
+          </p:cNvPr>
+          <p:cNvCxnSpPr>
+            <a:cxnSpLocks/>
+            <a:stCxn id="14" idx="2"/>
+            <a:endCxn id="17" idx="0"/>
+          </p:cNvCxnSpPr>
+          <p:nvPr/>
+        </p:nvCxnSpPr>
+        <p:spPr>
+          <a:xfrm>
+            <a:off x="1988225" y="5054718"/>
+            <a:ext cx="1400524" cy="836070"/>
+          </a:xfrm>
+          <a:prstGeom prst="straightConnector1">
+            <a:avLst/>
+          </a:prstGeom>
+          <a:ln w="28575">
+            <a:solidFill>
+              <a:schemeClr val="tx1"/>
+            </a:solidFill>
+            <a:tailEnd type="triangle"/>
+          </a:ln>
+        </p:spPr>
+        <p:style>
+          <a:lnRef idx="1">
+            <a:schemeClr val="accent1"/>
+          </a:lnRef>
+          <a:fillRef idx="0">
+            <a:schemeClr val="accent1"/>
+          </a:fillRef>
+          <a:effectRef idx="0">
+            <a:schemeClr val="accent1"/>
+          </a:effectRef>
+          <a:fontRef idx="minor">
+            <a:schemeClr val="tx1"/>
+          </a:fontRef>
+        </p:style>
+      </p:cxnSp>
+      <p:cxnSp>
+        <p:nvCxnSpPr>
+          <p:cNvPr id="51" name="Straight Arrow Connector 50">
+            <a:extLst>
+              <a:ext uri="{FF2B5EF4-FFF2-40B4-BE49-F238E27FC236}">
+                <a16:creationId xmlns:a16="http://schemas.microsoft.com/office/drawing/2014/main" id="{F3740B8D-E510-437D-9F35-7A07ACFB5FC8}"/>
+              </a:ext>
+            </a:extLst>
+          </p:cNvPr>
+          <p:cNvCxnSpPr>
+            <a:cxnSpLocks/>
+            <a:stCxn id="8" idx="2"/>
+            <a:endCxn id="17" idx="0"/>
+          </p:cNvCxnSpPr>
+          <p:nvPr/>
+        </p:nvCxnSpPr>
+        <p:spPr>
+          <a:xfrm flipH="1">
+            <a:off x="3388749" y="5147243"/>
+            <a:ext cx="1393836" cy="743545"/>
+          </a:xfrm>
+          <a:prstGeom prst="straightConnector1">
+            <a:avLst/>
+          </a:prstGeom>
+          <a:ln w="28575">
+            <a:solidFill>
+              <a:schemeClr val="tx1"/>
+            </a:solidFill>
+            <a:tailEnd type="triangle"/>
+          </a:ln>
+        </p:spPr>
+        <p:style>
+          <a:lnRef idx="1">
+            <a:schemeClr val="accent1"/>
+          </a:lnRef>
+          <a:fillRef idx="0">
+            <a:schemeClr val="accent1"/>
+          </a:fillRef>
+          <a:effectRef idx="0">
+            <a:schemeClr val="accent1"/>
+          </a:effectRef>
+          <a:fontRef idx="minor">
+            <a:schemeClr val="tx1"/>
+          </a:fontRef>
+        </p:style>
+      </p:cxnSp>
+      <p:cxnSp>
+        <p:nvCxnSpPr>
+          <p:cNvPr id="54" name="Straight Arrow Connector 53">
+            <a:extLst>
+              <a:ext uri="{FF2B5EF4-FFF2-40B4-BE49-F238E27FC236}">
+                <a16:creationId xmlns:a16="http://schemas.microsoft.com/office/drawing/2014/main" id="{E16A0888-0245-4290-AABC-150BAF63527E}"/>
+              </a:ext>
+            </a:extLst>
+          </p:cNvPr>
+          <p:cNvCxnSpPr>
+            <a:cxnSpLocks/>
+            <a:endCxn id="11" idx="1"/>
+          </p:cNvCxnSpPr>
+          <p:nvPr/>
+        </p:nvCxnSpPr>
+        <p:spPr>
+          <a:xfrm flipV="1">
+            <a:off x="253900" y="3550551"/>
+            <a:ext cx="1348523" cy="870"/>
+          </a:xfrm>
+          <a:prstGeom prst="straightConnector1">
+            <a:avLst/>
+          </a:prstGeom>
+          <a:ln w="28575">
+            <a:solidFill>
+              <a:schemeClr val="tx1"/>
+            </a:solidFill>
+            <a:tailEnd type="triangle"/>
+          </a:ln>
+        </p:spPr>
+        <p:style>
+          <a:lnRef idx="1">
+            <a:schemeClr val="accent1"/>
+          </a:lnRef>
+          <a:fillRef idx="0">
+            <a:schemeClr val="accent1"/>
+          </a:fillRef>
+          <a:effectRef idx="0">
+            <a:schemeClr val="accent1"/>
+          </a:effectRef>
+          <a:fontRef idx="minor">
+            <a:schemeClr val="tx1"/>
+          </a:fontRef>
+        </p:style>
+      </p:cxnSp>
+      <p:sp>
+        <p:nvSpPr>
+          <p:cNvPr id="64" name="TextBox 63">
+            <a:extLst>
+              <a:ext uri="{FF2B5EF4-FFF2-40B4-BE49-F238E27FC236}">
+                <a16:creationId xmlns:a16="http://schemas.microsoft.com/office/drawing/2014/main" id="{F9BB4968-A9A8-44D8-9EB0-199B2224DB85}"/>
+              </a:ext>
+            </a:extLst>
+          </p:cNvPr>
+          <p:cNvSpPr txBox="1"/>
+          <p:nvPr/>
+        </p:nvSpPr>
+        <p:spPr>
+          <a:xfrm>
+            <a:off x="-79118" y="3919580"/>
+            <a:ext cx="908518" cy="369332"/>
+          </a:xfrm>
+          <a:prstGeom prst="rect">
+            <a:avLst/>
+          </a:prstGeom>
+          <a:noFill/>
+        </p:spPr>
+        <p:txBody>
+          <a:bodyPr wrap="none" rtlCol="0">
+            <a:spAutoFit/>
+          </a:bodyPr>
+          <a:lstStyle/>
+          <a:p>
+            <a:r>
+              <a:rPr lang="en-US" dirty="0"/>
+              <a:t>DevOps</a:t>
+            </a:r>
+          </a:p>
+        </p:txBody>
+      </p:sp>
+      <p:pic>
+        <p:nvPicPr>
+          <p:cNvPr id="39" name="Picture 38">
+            <a:extLst>
+              <a:ext uri="{FF2B5EF4-FFF2-40B4-BE49-F238E27FC236}">
+                <a16:creationId xmlns:a16="http://schemas.microsoft.com/office/drawing/2014/main" id="{8B6AE27E-7401-4516-8589-76B653B76C4A}"/>
+              </a:ext>
+            </a:extLst>
+          </p:cNvPr>
+          <p:cNvPicPr>
+            <a:picLocks noChangeAspect="1"/>
+          </p:cNvPicPr>
+          <p:nvPr/>
+        </p:nvPicPr>
+        <p:blipFill>
+          <a:blip r:embed="rId12">
+            <a:extLst>
+              <a:ext uri="{28A0092B-C50C-407E-A947-70E740481C1C}">
+                <a14:useLocalDpi xmlns:a14="http://schemas.microsoft.com/office/drawing/2010/main" val="0"/>
+              </a:ext>
+            </a:extLst>
+          </a:blip>
+          <a:stretch>
+            <a:fillRect/>
+          </a:stretch>
+        </p:blipFill>
+        <p:spPr>
+          <a:xfrm>
+            <a:off x="61357" y="3261886"/>
+            <a:ext cx="464686" cy="579070"/>
+          </a:xfrm>
+          <a:prstGeom prst="rect">
+            <a:avLst/>
+          </a:prstGeom>
+        </p:spPr>
+      </p:pic>
+      <p:sp>
+        <p:nvSpPr>
+          <p:cNvPr id="40" name="Rectangle 39">
+            <a:extLst>
+              <a:ext uri="{FF2B5EF4-FFF2-40B4-BE49-F238E27FC236}">
+                <a16:creationId xmlns:a16="http://schemas.microsoft.com/office/drawing/2014/main" id="{64FFCF27-B03F-4994-8771-3A395A2F1698}"/>
+              </a:ext>
+            </a:extLst>
+          </p:cNvPr>
+          <p:cNvSpPr/>
+          <p:nvPr/>
+        </p:nvSpPr>
+        <p:spPr>
+          <a:xfrm>
+            <a:off x="765845" y="1116968"/>
+            <a:ext cx="5245808" cy="261610"/>
+          </a:xfrm>
+          <a:prstGeom prst="rect">
+            <a:avLst/>
+          </a:prstGeom>
+          <a:solidFill>
+            <a:schemeClr val="bg1">
+              <a:lumMod val="85000"/>
+              <a:alpha val="80000"/>
+            </a:schemeClr>
+          </a:solidFill>
+        </p:spPr>
+        <p:txBody>
+          <a:bodyPr wrap="square">
+            <a:spAutoFit/>
+          </a:bodyPr>
+          <a:lstStyle/>
+          <a:p>
+            <a:r>
+              <a:rPr lang="en-US" sz="1100" dirty="0"/>
+              <a:t>RG-NETWORKING</a:t>
+            </a:r>
+          </a:p>
+        </p:txBody>
+      </p:sp>
+      <p:sp>
+        <p:nvSpPr>
+          <p:cNvPr id="41" name="Rectangle 40">
+            <a:extLst>
+              <a:ext uri="{FF2B5EF4-FFF2-40B4-BE49-F238E27FC236}">
+                <a16:creationId xmlns:a16="http://schemas.microsoft.com/office/drawing/2014/main" id="{7112A0FC-2237-4695-9349-20BD809E48B0}"/>
+              </a:ext>
+            </a:extLst>
+          </p:cNvPr>
+          <p:cNvSpPr/>
+          <p:nvPr/>
+        </p:nvSpPr>
+        <p:spPr>
+          <a:xfrm>
+            <a:off x="765844" y="2911836"/>
+            <a:ext cx="2453447" cy="269738"/>
+          </a:xfrm>
+          <a:prstGeom prst="rect">
+            <a:avLst/>
+          </a:prstGeom>
+          <a:solidFill>
+            <a:schemeClr val="bg1">
+              <a:lumMod val="85000"/>
+              <a:alpha val="80000"/>
+            </a:schemeClr>
+          </a:solidFill>
+        </p:spPr>
+        <p:txBody>
+          <a:bodyPr wrap="square">
+            <a:spAutoFit/>
+          </a:bodyPr>
+          <a:lstStyle/>
+          <a:p>
+            <a:r>
+              <a:rPr lang="en-US" sz="1100" dirty="0"/>
+              <a:t>RG-V2</a:t>
+            </a:r>
+          </a:p>
+        </p:txBody>
+      </p:sp>
+      <p:sp>
+        <p:nvSpPr>
+          <p:cNvPr id="43" name="Rectangle 42">
+            <a:extLst>
+              <a:ext uri="{FF2B5EF4-FFF2-40B4-BE49-F238E27FC236}">
+                <a16:creationId xmlns:a16="http://schemas.microsoft.com/office/drawing/2014/main" id="{CED5222F-12F8-4C07-8DE6-A8C81039FE5F}"/>
+              </a:ext>
+            </a:extLst>
+          </p:cNvPr>
+          <p:cNvSpPr/>
+          <p:nvPr/>
+        </p:nvSpPr>
+        <p:spPr>
+          <a:xfrm>
+            <a:off x="3566772" y="2911068"/>
+            <a:ext cx="2439338" cy="268900"/>
+          </a:xfrm>
+          <a:prstGeom prst="rect">
+            <a:avLst/>
+          </a:prstGeom>
+          <a:solidFill>
+            <a:schemeClr val="bg1">
+              <a:lumMod val="85000"/>
+              <a:alpha val="80000"/>
+            </a:schemeClr>
+          </a:solidFill>
+        </p:spPr>
+        <p:txBody>
+          <a:bodyPr wrap="square">
+            <a:spAutoFit/>
+          </a:bodyPr>
+          <a:lstStyle/>
+          <a:p>
+            <a:r>
+              <a:rPr lang="en-US" sz="1100" dirty="0"/>
+              <a:t>RG-V1</a:t>
+            </a:r>
+          </a:p>
+        </p:txBody>
+      </p:sp>
+      <p:sp>
+        <p:nvSpPr>
+          <p:cNvPr id="45" name="Rectangle 44">
+            <a:extLst>
+              <a:ext uri="{FF2B5EF4-FFF2-40B4-BE49-F238E27FC236}">
+                <a16:creationId xmlns:a16="http://schemas.microsoft.com/office/drawing/2014/main" id="{7E8E3C9B-9A6E-4D2A-B8FB-82056CBF51CF}"/>
+              </a:ext>
+            </a:extLst>
+          </p:cNvPr>
+          <p:cNvSpPr/>
+          <p:nvPr/>
+        </p:nvSpPr>
+        <p:spPr>
+          <a:xfrm>
+            <a:off x="6192518" y="1127051"/>
+            <a:ext cx="2163271" cy="261610"/>
+          </a:xfrm>
+          <a:prstGeom prst="rect">
+            <a:avLst/>
+          </a:prstGeom>
+          <a:solidFill>
+            <a:schemeClr val="bg1">
+              <a:lumMod val="85000"/>
+              <a:alpha val="80000"/>
+            </a:schemeClr>
+          </a:solidFill>
+        </p:spPr>
+        <p:txBody>
+          <a:bodyPr wrap="square">
+            <a:spAutoFit/>
+          </a:bodyPr>
+          <a:lstStyle/>
+          <a:p>
+            <a:r>
+              <a:rPr lang="en-US" sz="1100"/>
+              <a:t>RG-OPERATIONS</a:t>
+            </a:r>
+            <a:endParaRPr lang="en-US" sz="1100" dirty="0"/>
+          </a:p>
+        </p:txBody>
+      </p:sp>
+      <p:sp>
+        <p:nvSpPr>
+          <p:cNvPr id="49" name="TextBox 48">
+            <a:extLst>
+              <a:ext uri="{FF2B5EF4-FFF2-40B4-BE49-F238E27FC236}">
+                <a16:creationId xmlns:a16="http://schemas.microsoft.com/office/drawing/2014/main" id="{4AEF6160-6996-4CCA-9FB6-BAE87555F1DB}"/>
+              </a:ext>
+            </a:extLst>
+          </p:cNvPr>
+          <p:cNvSpPr txBox="1"/>
+          <p:nvPr/>
+        </p:nvSpPr>
+        <p:spPr>
+          <a:xfrm>
+            <a:off x="540295" y="3307118"/>
+            <a:ext cx="636841" cy="276999"/>
+          </a:xfrm>
+          <a:prstGeom prst="rect">
+            <a:avLst/>
+          </a:prstGeom>
+          <a:noFill/>
+        </p:spPr>
+        <p:txBody>
+          <a:bodyPr wrap="none" rtlCol="0">
+            <a:spAutoFit/>
+          </a:bodyPr>
+          <a:lstStyle/>
+          <a:p>
+            <a:r>
+              <a:rPr lang="en-US" sz="1200" dirty="0"/>
+              <a:t>verifies</a:t>
+            </a:r>
+          </a:p>
+        </p:txBody>
+      </p:sp>
+      <p:sp>
+        <p:nvSpPr>
+          <p:cNvPr id="50" name="Rectangle 49">
+            <a:extLst>
+              <a:ext uri="{FF2B5EF4-FFF2-40B4-BE49-F238E27FC236}">
+                <a16:creationId xmlns:a16="http://schemas.microsoft.com/office/drawing/2014/main" id="{EC236BEA-4FF7-4BC6-BE5F-B68EF3B94371}"/>
+              </a:ext>
+            </a:extLst>
+          </p:cNvPr>
+          <p:cNvSpPr/>
+          <p:nvPr/>
+        </p:nvSpPr>
+        <p:spPr>
+          <a:xfrm>
+            <a:off x="9092618" y="0"/>
+            <a:ext cx="3099381" cy="6858000"/>
+          </a:xfrm>
+          <a:prstGeom prst="rect">
+            <a:avLst/>
+          </a:prstGeom>
+          <a:solidFill>
+            <a:schemeClr val="bg1">
+              <a:lumMod val="75000"/>
+            </a:schemeClr>
+          </a:solidFill>
+          <a:ln>
+            <a:noFill/>
+          </a:ln>
+        </p:spPr>
+        <p:style>
+          <a:lnRef idx="2">
+            <a:schemeClr val="accent1">
+              <a:shade val="50000"/>
+            </a:schemeClr>
+          </a:lnRef>
+          <a:fillRef idx="1">
+            <a:schemeClr val="accent1"/>
+          </a:fillRef>
+          <a:effectRef idx="0">
+            <a:schemeClr val="accent1"/>
+          </a:effectRef>
+          <a:fontRef idx="minor">
+            <a:schemeClr val="lt1"/>
+          </a:fontRef>
+        </p:style>
+        <p:txBody>
+          <a:bodyPr rot="0" spcFirstLastPara="0" vertOverflow="overflow" horzOverflow="overflow" vert="horz" wrap="square" lIns="109728" tIns="54864" rIns="109728" bIns="54864" numCol="1" spcCol="0" rtlCol="0" fromWordArt="0" anchor="ctr" anchorCtr="0" forceAA="0" compatLnSpc="1">
+            <a:prstTxWarp prst="textNoShape">
+              <a:avLst/>
+            </a:prstTxWarp>
+            <a:noAutofit/>
+          </a:bodyPr>
+          <a:lstStyle/>
+          <a:p>
+            <a:pPr algn="ctr"/>
+            <a:endParaRPr lang="en-US" sz="2160" dirty="0"/>
+          </a:p>
+        </p:txBody>
+      </p:sp>
+      <p:graphicFrame>
+        <p:nvGraphicFramePr>
+          <p:cNvPr id="52" name="Table 51">
+            <a:extLst>
+              <a:ext uri="{FF2B5EF4-FFF2-40B4-BE49-F238E27FC236}">
+                <a16:creationId xmlns:a16="http://schemas.microsoft.com/office/drawing/2014/main" id="{BC48272C-EE20-4238-836A-01EC9DFE39F4}"/>
+              </a:ext>
+            </a:extLst>
+          </p:cNvPr>
+          <p:cNvGraphicFramePr>
+            <a:graphicFrameLocks noGrp="1"/>
+          </p:cNvGraphicFramePr>
+          <p:nvPr>
+            <p:extLst/>
+          </p:nvPr>
+        </p:nvGraphicFramePr>
+        <p:xfrm>
+          <a:off x="9334943" y="1508144"/>
+          <a:ext cx="2480266" cy="746786"/>
+        </p:xfrm>
+        <a:graphic>
+          <a:graphicData uri="http://schemas.openxmlformats.org/drawingml/2006/table">
+            <a:tbl>
+              <a:tblPr firstRow="1">
+                <a:tableStyleId>{5C22544A-7EE6-4342-B048-85BDC9FD1C3A}</a:tableStyleId>
+              </a:tblPr>
+              <a:tblGrid>
+                <a:gridCol w="438106">
+                  <a:extLst>
+                    <a:ext uri="{9D8B030D-6E8A-4147-A177-3AD203B41FA5}">
+                      <a16:colId xmlns:a16="http://schemas.microsoft.com/office/drawing/2014/main" val="2690540099"/>
+                    </a:ext>
+                  </a:extLst>
+                </a:gridCol>
+                <a:gridCol w="2042160">
+                  <a:extLst>
+                    <a:ext uri="{9D8B030D-6E8A-4147-A177-3AD203B41FA5}">
+                      <a16:colId xmlns:a16="http://schemas.microsoft.com/office/drawing/2014/main" val="1884880132"/>
+                    </a:ext>
+                  </a:extLst>
+                </a:gridCol>
+              </a:tblGrid>
+              <a:tr h="303382">
+                <a:tc>
+                  <a:txBody>
+                    <a:bodyPr/>
+                    <a:lstStyle/>
+                    <a:p>
+                      <a:r>
+                        <a:rPr lang="en-US" sz="800" dirty="0"/>
+                        <a:t>STEP</a:t>
+                      </a:r>
+                    </a:p>
+                  </a:txBody>
+                  <a:tcPr marL="109728" marR="109728" marT="54864" marB="54864">
+                    <a:lnL w="12700" cmpd="sng">
+                      <a:noFill/>
+                    </a:lnL>
+                    <a:lnR w="12700" cmpd="sng">
+                      <a:noFill/>
+                    </a:lnR>
+                    <a:lnT w="12700" cmpd="sng">
+                      <a:noFill/>
+                    </a:lnT>
+                    <a:lnB w="38100" cmpd="sng">
+                      <a:noFill/>
+                    </a:lnB>
+                    <a:lnTlToBr w="12700" cmpd="sng">
+                      <a:noFill/>
+                      <a:prstDash val="solid"/>
+                    </a:lnTlToBr>
+                    <a:lnBlToTr w="12700" cmpd="sng">
+                      <a:noFill/>
+                      <a:prstDash val="solid"/>
+                    </a:lnBlToTr>
+                  </a:tcPr>
+                </a:tc>
+                <a:tc>
+                  <a:txBody>
+                    <a:bodyPr/>
+                    <a:lstStyle/>
+                    <a:p>
+                      <a:r>
+                        <a:rPr lang="en-US" sz="800" b="1" kern="1200" dirty="0">
+                          <a:solidFill>
+                            <a:schemeClr val="lt1"/>
+                          </a:solidFill>
+                          <a:latin typeface="+mn-lt"/>
+                          <a:ea typeface="+mn-ea"/>
+                          <a:cs typeface="+mn-cs"/>
+                        </a:rPr>
+                        <a:t>EVENT</a:t>
+                      </a:r>
+                    </a:p>
+                  </a:txBody>
+                  <a:tcPr marL="109728" marR="109728" marT="54864" marB="54864">
+                    <a:lnL w="12700" cmpd="sng">
+                      <a:noFill/>
+                    </a:lnL>
+                    <a:lnR w="12700" cmpd="sng">
+                      <a:noFill/>
+                    </a:lnR>
+                    <a:lnT w="12700" cmpd="sng">
+                      <a:noFill/>
+                    </a:lnT>
+                    <a:lnB w="38100" cmpd="sng">
+                      <a:noFill/>
+                    </a:lnB>
+                    <a:lnTlToBr w="12700" cmpd="sng">
+                      <a:noFill/>
+                      <a:prstDash val="solid"/>
+                    </a:lnTlToBr>
+                    <a:lnBlToTr w="12700" cmpd="sng">
+                      <a:noFill/>
+                      <a:prstDash val="solid"/>
+                    </a:lnBlToTr>
+                  </a:tcPr>
+                </a:tc>
+                <a:extLst>
+                  <a:ext uri="{0D108BD9-81ED-4DB2-BD59-A6C34878D82A}">
+                    <a16:rowId xmlns:a16="http://schemas.microsoft.com/office/drawing/2014/main" val="1426359565"/>
+                  </a:ext>
+                </a:extLst>
+              </a:tr>
+              <a:tr h="443404">
+                <a:tc>
+                  <a:txBody>
+                    <a:bodyPr/>
+                    <a:lstStyle/>
+                    <a:p>
+                      <a:r>
+                        <a:rPr lang="en-US" sz="1600" dirty="0"/>
+                        <a:t>0</a:t>
+                      </a:r>
+                    </a:p>
+                  </a:txBody>
+                  <a:tcPr marL="109728" marR="109728" marT="54864" marB="54864" anchor="ctr">
+                    <a:lnL w="12700" cmpd="sng">
+                      <a:noFill/>
+                    </a:lnL>
+                    <a:lnR w="12700" cap="flat" cmpd="sng" algn="ctr">
+                      <a:solidFill>
+                        <a:schemeClr val="tx1"/>
+                      </a:solidFill>
+                      <a:prstDash val="sysDot"/>
+                      <a:round/>
+                      <a:headEnd type="none" w="med" len="med"/>
+                      <a:tailEnd type="none" w="med" len="med"/>
+                    </a:lnR>
+                    <a:lnT w="38100" cmpd="sng">
+                      <a:noFill/>
+                    </a:lnT>
+                    <a:lnB w="12700" cap="flat" cmpd="sng" algn="ctr">
+                      <a:solidFill>
+                        <a:schemeClr val="tx1"/>
+                      </a:solidFill>
+                      <a:prstDash val="sysDot"/>
+                      <a:round/>
+                      <a:headEnd type="none" w="med" len="med"/>
+                      <a:tailEnd type="none" w="med" len="med"/>
+                    </a:lnB>
+                    <a:lnTlToBr w="12700" cmpd="sng">
+                      <a:noFill/>
+                      <a:prstDash val="solid"/>
+                    </a:lnTlToBr>
+                    <a:lnBlToTr w="12700" cmpd="sng">
+                      <a:noFill/>
+                      <a:prstDash val="solid"/>
+                    </a:lnBlToTr>
+                    <a:solidFill>
+                      <a:schemeClr val="bg1"/>
+                    </a:solidFill>
+                  </a:tcPr>
+                </a:tc>
+                <a:tc>
+                  <a:txBody>
+                    <a:bodyPr/>
+                    <a:lstStyle/>
+                    <a:p>
+                      <a:pPr marL="0" marR="0" lvl="0" indent="0" algn="l" defTabSz="685800" rtl="0" eaLnBrk="1" fontAlgn="auto" latinLnBrk="0" hangingPunct="1">
+                        <a:lnSpc>
+                          <a:spcPct val="100000"/>
+                        </a:lnSpc>
+                        <a:spcBef>
+                          <a:spcPts val="0"/>
+                        </a:spcBef>
+                        <a:spcAft>
+                          <a:spcPts val="0"/>
+                        </a:spcAft>
+                        <a:buClrTx/>
+                        <a:buSzTx/>
+                        <a:buFontTx/>
+                        <a:buNone/>
+                        <a:tabLst/>
+                        <a:defRPr/>
+                      </a:pPr>
+                      <a:r>
+                        <a:rPr lang="en-US" sz="1000" dirty="0">
+                          <a:latin typeface="Open Sans" panose="020B0606030504020204" pitchFamily="34" charset="0"/>
+                          <a:ea typeface="Open Sans" panose="020B0606030504020204" pitchFamily="34" charset="0"/>
+                          <a:cs typeface="Open Sans" panose="020B0606030504020204" pitchFamily="34" charset="0"/>
+                        </a:rPr>
+                        <a:t>Blank Azure Subscription</a:t>
+                      </a:r>
+                      <a:endParaRPr lang="en-US" sz="200" dirty="0">
+                        <a:latin typeface="Open Sans" panose="020B0606030504020204" pitchFamily="34" charset="0"/>
+                        <a:ea typeface="Open Sans" panose="020B0606030504020204" pitchFamily="34" charset="0"/>
+                        <a:cs typeface="Open Sans" panose="020B0606030504020204" pitchFamily="34" charset="0"/>
+                      </a:endParaRPr>
+                    </a:p>
+                  </a:txBody>
+                  <a:tcPr marL="109728" marR="109728" marT="54864" marB="54864">
+                    <a:lnL w="12700" cap="flat" cmpd="sng" algn="ctr">
+                      <a:solidFill>
+                        <a:schemeClr val="tx1"/>
+                      </a:solidFill>
+                      <a:prstDash val="sysDot"/>
+                      <a:round/>
+                      <a:headEnd type="none" w="med" len="med"/>
+                      <a:tailEnd type="none" w="med" len="med"/>
+                    </a:lnL>
+                    <a:lnR w="12700" cmpd="sng">
+                      <a:noFill/>
+                    </a:lnR>
+                    <a:lnT w="38100" cmpd="sng">
+                      <a:noFill/>
+                    </a:lnT>
+                    <a:lnB w="12700" cap="flat" cmpd="sng" algn="ctr">
+                      <a:solidFill>
+                        <a:schemeClr val="tx1"/>
+                      </a:solidFill>
+                      <a:prstDash val="sysDot"/>
+                      <a:round/>
+                      <a:headEnd type="none" w="med" len="med"/>
+                      <a:tailEnd type="none" w="med" len="med"/>
+                    </a:lnB>
+                    <a:lnTlToBr w="12700" cmpd="sng">
+                      <a:noFill/>
+                      <a:prstDash val="solid"/>
+                    </a:lnTlToBr>
+                    <a:lnBlToTr w="12700" cmpd="sng">
+                      <a:noFill/>
+                      <a:prstDash val="solid"/>
+                    </a:lnBlToTr>
+                    <a:solidFill>
+                      <a:schemeClr val="bg1"/>
+                    </a:solidFill>
+                  </a:tcPr>
+                </a:tc>
+                <a:extLst>
+                  <a:ext uri="{0D108BD9-81ED-4DB2-BD59-A6C34878D82A}">
+                    <a16:rowId xmlns:a16="http://schemas.microsoft.com/office/drawing/2014/main" val="417872996"/>
+                  </a:ext>
+                </a:extLst>
+              </a:tr>
+            </a:tbl>
+          </a:graphicData>
+        </a:graphic>
+      </p:graphicFrame>
+      <p:sp>
+        <p:nvSpPr>
+          <p:cNvPr id="53" name="TextBox 52">
+            <a:extLst>
+              <a:ext uri="{FF2B5EF4-FFF2-40B4-BE49-F238E27FC236}">
+                <a16:creationId xmlns:a16="http://schemas.microsoft.com/office/drawing/2014/main" id="{76568F4A-94B2-45B4-811F-5277F0981E16}"/>
+              </a:ext>
+            </a:extLst>
+          </p:cNvPr>
+          <p:cNvSpPr txBox="1"/>
+          <p:nvPr/>
+        </p:nvSpPr>
+        <p:spPr>
+          <a:xfrm>
+            <a:off x="9092618" y="17500"/>
+            <a:ext cx="3099380" cy="1089529"/>
+          </a:xfrm>
+          <a:prstGeom prst="rect">
+            <a:avLst/>
+          </a:prstGeom>
+          <a:solidFill>
+            <a:schemeClr val="tx1"/>
+          </a:solidFill>
+        </p:spPr>
+        <p:txBody>
+          <a:bodyPr wrap="square" rtlCol="0">
+            <a:spAutoFit/>
+          </a:bodyPr>
+          <a:lstStyle/>
+          <a:p>
+            <a:r>
+              <a:rPr lang="en-US" sz="2160" dirty="0">
+                <a:solidFill>
+                  <a:schemeClr val="bg1"/>
+                </a:solidFill>
+              </a:rPr>
+              <a:t>DEMO </a:t>
+            </a:r>
+          </a:p>
+          <a:p>
+            <a:r>
+              <a:rPr lang="en-US" sz="2160" dirty="0">
+                <a:solidFill>
+                  <a:schemeClr val="bg1"/>
+                </a:solidFill>
+              </a:rPr>
+              <a:t>SEQUENCE</a:t>
+            </a:r>
+          </a:p>
+          <a:p>
+            <a:endParaRPr lang="en-US" sz="2160" dirty="0">
+              <a:solidFill>
+                <a:schemeClr val="bg1"/>
+              </a:solidFill>
+            </a:endParaRPr>
+          </a:p>
+        </p:txBody>
+      </p:sp>
+      <p:graphicFrame>
+        <p:nvGraphicFramePr>
+          <p:cNvPr id="31" name="Table 30">
+            <a:extLst>
+              <a:ext uri="{FF2B5EF4-FFF2-40B4-BE49-F238E27FC236}">
+                <a16:creationId xmlns:a16="http://schemas.microsoft.com/office/drawing/2014/main" id="{E850B8E3-1759-463C-B8FE-A27074C8A1B5}"/>
+              </a:ext>
+            </a:extLst>
+          </p:cNvPr>
+          <p:cNvGraphicFramePr>
+            <a:graphicFrameLocks noGrp="1"/>
+          </p:cNvGraphicFramePr>
+          <p:nvPr>
+            <p:extLst/>
+          </p:nvPr>
+        </p:nvGraphicFramePr>
+        <p:xfrm>
+          <a:off x="9334943" y="2237626"/>
+          <a:ext cx="2480266" cy="734568"/>
+        </p:xfrm>
+        <a:graphic>
+          <a:graphicData uri="http://schemas.openxmlformats.org/drawingml/2006/table">
+            <a:tbl>
+              <a:tblPr firstRow="1">
+                <a:tableStyleId>{5940675A-B579-460E-94D1-54222C63F5DA}</a:tableStyleId>
+              </a:tblPr>
+              <a:tblGrid>
+                <a:gridCol w="438106">
+                  <a:extLst>
+                    <a:ext uri="{9D8B030D-6E8A-4147-A177-3AD203B41FA5}">
+                      <a16:colId xmlns:a16="http://schemas.microsoft.com/office/drawing/2014/main" val="3091912266"/>
+                    </a:ext>
+                  </a:extLst>
+                </a:gridCol>
+                <a:gridCol w="2042160">
+                  <a:extLst>
+                    <a:ext uri="{9D8B030D-6E8A-4147-A177-3AD203B41FA5}">
+                      <a16:colId xmlns:a16="http://schemas.microsoft.com/office/drawing/2014/main" val="616119238"/>
+                    </a:ext>
+                  </a:extLst>
+                </a:gridCol>
+              </a:tblGrid>
+              <a:tr h="700112">
+                <a:tc>
+                  <a:txBody>
+                    <a:bodyPr/>
+                    <a:lstStyle/>
+                    <a:p>
+                      <a:pPr marL="0" marR="0" lvl="0" indent="0" algn="l" defTabSz="685773" rtl="0" eaLnBrk="1" fontAlgn="auto" latinLnBrk="0" hangingPunct="1">
+                        <a:lnSpc>
+                          <a:spcPct val="100000"/>
+                        </a:lnSpc>
+                        <a:spcBef>
+                          <a:spcPts val="0"/>
+                        </a:spcBef>
+                        <a:spcAft>
+                          <a:spcPts val="0"/>
+                        </a:spcAft>
+                        <a:buClrTx/>
+                        <a:buSzTx/>
+                        <a:buFontTx/>
+                        <a:buNone/>
+                        <a:tabLst/>
+                        <a:defRPr/>
+                      </a:pPr>
+                      <a:r>
+                        <a:rPr lang="en-US" sz="1600" kern="1200" dirty="0"/>
+                        <a:t>1</a:t>
+                      </a:r>
+                      <a:endParaRPr lang="en-US" sz="1600" kern="1200" dirty="0">
+                        <a:solidFill>
+                          <a:schemeClr val="dk1"/>
+                        </a:solidFill>
+                        <a:latin typeface="+mn-lt"/>
+                        <a:ea typeface="+mn-ea"/>
+                        <a:cs typeface="+mn-cs"/>
+                      </a:endParaRPr>
+                    </a:p>
+                  </a:txBody>
+                  <a:tcPr marL="109728" marR="109728" marT="54864" marB="54864" anchor="ctr">
+                    <a:solidFill>
+                      <a:schemeClr val="bg1"/>
+                    </a:solidFill>
+                  </a:tcPr>
+                </a:tc>
+                <a:tc>
+                  <a:txBody>
+                    <a:bodyPr/>
+                    <a:lstStyle/>
+                    <a:p>
+                      <a:pPr marL="0" marR="0" lvl="0" indent="0" algn="l" defTabSz="685800" rtl="0" eaLnBrk="1" fontAlgn="auto" latinLnBrk="0" hangingPunct="1">
+                        <a:lnSpc>
+                          <a:spcPct val="100000"/>
+                        </a:lnSpc>
+                        <a:spcBef>
+                          <a:spcPts val="0"/>
+                        </a:spcBef>
+                        <a:spcAft>
+                          <a:spcPts val="0"/>
+                        </a:spcAft>
+                        <a:buClrTx/>
+                        <a:buSzTx/>
+                        <a:buFontTx/>
+                        <a:buNone/>
+                        <a:tabLst/>
+                        <a:defRPr/>
+                      </a:pPr>
+                      <a:r>
+                        <a:rPr lang="en-US" sz="1100" b="1" kern="1200" dirty="0"/>
+                        <a:t>Site admin </a:t>
+                      </a:r>
+                    </a:p>
+                    <a:p>
+                      <a:pPr marL="171450" marR="0" lvl="0" indent="-171450" algn="l" defTabSz="685800" rtl="0" eaLnBrk="1" fontAlgn="auto" latinLnBrk="0" hangingPunct="1">
+                        <a:lnSpc>
+                          <a:spcPct val="100000"/>
+                        </a:lnSpc>
+                        <a:spcBef>
+                          <a:spcPts val="0"/>
+                        </a:spcBef>
+                        <a:spcAft>
+                          <a:spcPts val="0"/>
+                        </a:spcAft>
+                        <a:buClrTx/>
+                        <a:buSzTx/>
+                        <a:buFont typeface="Arial" panose="020B0604020202020204" pitchFamily="34" charset="0"/>
+                        <a:buChar char="•"/>
+                        <a:tabLst/>
+                        <a:defRPr/>
+                      </a:pPr>
+                      <a:r>
+                        <a:rPr lang="en-US" sz="1000" kern="1200" dirty="0"/>
+                        <a:t>DEPLOYS entire stack containing V1</a:t>
+                      </a:r>
+                    </a:p>
+                    <a:p>
+                      <a:pPr marL="171450" marR="0" lvl="0" indent="-171450" algn="l" defTabSz="685800" rtl="0" eaLnBrk="1" fontAlgn="auto" latinLnBrk="0" hangingPunct="1">
+                        <a:lnSpc>
+                          <a:spcPct val="100000"/>
+                        </a:lnSpc>
+                        <a:spcBef>
+                          <a:spcPts val="0"/>
+                        </a:spcBef>
+                        <a:spcAft>
+                          <a:spcPts val="0"/>
+                        </a:spcAft>
+                        <a:buClrTx/>
+                        <a:buSzTx/>
+                        <a:buFont typeface="Arial" panose="020B0604020202020204" pitchFamily="34" charset="0"/>
+                        <a:buChar char="•"/>
+                        <a:tabLst/>
+                        <a:defRPr/>
+                      </a:pPr>
+                      <a:r>
+                        <a:rPr lang="en-US" sz="1000" kern="1200" dirty="0"/>
+                        <a:t>Monitors traffic</a:t>
+                      </a:r>
+                      <a:endParaRPr lang="en-US" sz="1000" b="0" kern="1200" dirty="0">
+                        <a:solidFill>
+                          <a:schemeClr val="tx1"/>
+                        </a:solidFill>
+                        <a:latin typeface="Open Sans" panose="020B0606030504020204" pitchFamily="34" charset="0"/>
+                        <a:ea typeface="Open Sans" panose="020B0606030504020204" pitchFamily="34" charset="0"/>
+                        <a:cs typeface="Open Sans" panose="020B0606030504020204" pitchFamily="34" charset="0"/>
+                      </a:endParaRPr>
+                    </a:p>
+                  </a:txBody>
+                  <a:tcPr marL="109728" marR="109728" marT="54864" marB="54864">
+                    <a:solidFill>
+                      <a:schemeClr val="bg1"/>
+                    </a:solidFill>
+                  </a:tcPr>
+                </a:tc>
+                <a:extLst>
+                  <a:ext uri="{0D108BD9-81ED-4DB2-BD59-A6C34878D82A}">
+                    <a16:rowId xmlns:a16="http://schemas.microsoft.com/office/drawing/2014/main" val="1837033778"/>
+                  </a:ext>
+                </a:extLst>
+              </a:tr>
+            </a:tbl>
+          </a:graphicData>
+        </a:graphic>
+      </p:graphicFrame>
+      <p:graphicFrame>
+        <p:nvGraphicFramePr>
+          <p:cNvPr id="36" name="Table 35">
+            <a:extLst>
+              <a:ext uri="{FF2B5EF4-FFF2-40B4-BE49-F238E27FC236}">
+                <a16:creationId xmlns:a16="http://schemas.microsoft.com/office/drawing/2014/main" id="{B50B56F4-792D-4098-9C4D-ECC29249F111}"/>
+              </a:ext>
+            </a:extLst>
+          </p:cNvPr>
+          <p:cNvGraphicFramePr>
+            <a:graphicFrameLocks noGrp="1"/>
+          </p:cNvGraphicFramePr>
+          <p:nvPr>
+            <p:extLst/>
+          </p:nvPr>
+        </p:nvGraphicFramePr>
+        <p:xfrm>
+          <a:off x="9334943" y="2953327"/>
+          <a:ext cx="2480266" cy="734568"/>
+        </p:xfrm>
+        <a:graphic>
+          <a:graphicData uri="http://schemas.openxmlformats.org/drawingml/2006/table">
+            <a:tbl>
+              <a:tblPr firstRow="1">
+                <a:tableStyleId>{5940675A-B579-460E-94D1-54222C63F5DA}</a:tableStyleId>
+              </a:tblPr>
+              <a:tblGrid>
+                <a:gridCol w="438106">
+                  <a:extLst>
+                    <a:ext uri="{9D8B030D-6E8A-4147-A177-3AD203B41FA5}">
+                      <a16:colId xmlns:a16="http://schemas.microsoft.com/office/drawing/2014/main" val="2359723394"/>
+                    </a:ext>
+                  </a:extLst>
+                </a:gridCol>
+                <a:gridCol w="2042160">
+                  <a:extLst>
+                    <a:ext uri="{9D8B030D-6E8A-4147-A177-3AD203B41FA5}">
+                      <a16:colId xmlns:a16="http://schemas.microsoft.com/office/drawing/2014/main" val="3047012286"/>
+                    </a:ext>
+                  </a:extLst>
+                </a:gridCol>
+              </a:tblGrid>
+              <a:tr h="700112">
+                <a:tc>
+                  <a:txBody>
+                    <a:bodyPr/>
+                    <a:lstStyle/>
+                    <a:p>
+                      <a:pPr marL="0" marR="0" lvl="0" indent="0" algn="l" defTabSz="685773" rtl="0" eaLnBrk="1" fontAlgn="auto" latinLnBrk="0" hangingPunct="1">
+                        <a:lnSpc>
+                          <a:spcPct val="100000"/>
+                        </a:lnSpc>
+                        <a:spcBef>
+                          <a:spcPts val="0"/>
+                        </a:spcBef>
+                        <a:spcAft>
+                          <a:spcPts val="0"/>
+                        </a:spcAft>
+                        <a:buClrTx/>
+                        <a:buSzTx/>
+                        <a:buFontTx/>
+                        <a:buNone/>
+                        <a:tabLst/>
+                        <a:defRPr/>
+                      </a:pPr>
+                      <a:r>
+                        <a:rPr lang="en-US" sz="1600" kern="1200" dirty="0"/>
+                        <a:t>2</a:t>
+                      </a:r>
+                      <a:endParaRPr lang="en-US" sz="1600" kern="1200" dirty="0">
+                        <a:solidFill>
+                          <a:schemeClr val="dk1"/>
+                        </a:solidFill>
+                        <a:latin typeface="+mn-lt"/>
+                        <a:ea typeface="+mn-ea"/>
+                        <a:cs typeface="+mn-cs"/>
+                      </a:endParaRPr>
+                    </a:p>
+                  </a:txBody>
+                  <a:tcPr marL="109728" marR="109728" marT="54864" marB="54864" anchor="ctr">
+                    <a:solidFill>
+                      <a:schemeClr val="bg1"/>
+                    </a:solidFill>
+                  </a:tcPr>
+                </a:tc>
+                <a:tc>
+                  <a:txBody>
+                    <a:bodyPr/>
+                    <a:lstStyle/>
+                    <a:p>
+                      <a:pPr marL="0" marR="0" lvl="0" indent="0" algn="l" defTabSz="685800" rtl="0" eaLnBrk="1" fontAlgn="auto" latinLnBrk="0" hangingPunct="1">
+                        <a:lnSpc>
+                          <a:spcPct val="100000"/>
+                        </a:lnSpc>
+                        <a:spcBef>
+                          <a:spcPts val="0"/>
+                        </a:spcBef>
+                        <a:spcAft>
+                          <a:spcPts val="0"/>
+                        </a:spcAft>
+                        <a:buClrTx/>
+                        <a:buSzTx/>
+                        <a:buFontTx/>
+                        <a:buNone/>
+                        <a:tabLst/>
+                        <a:defRPr/>
+                      </a:pPr>
+                      <a:r>
+                        <a:rPr lang="en-US" sz="1100" b="1" kern="1200" dirty="0">
+                          <a:solidFill>
+                            <a:schemeClr val="tx1"/>
+                          </a:solidFill>
+                          <a:latin typeface="+mn-lt"/>
+                          <a:ea typeface="+mn-ea"/>
+                          <a:cs typeface="+mn-cs"/>
+                        </a:rPr>
+                        <a:t>Site Admin </a:t>
+                      </a:r>
+                    </a:p>
+                    <a:p>
+                      <a:pPr marL="171450" marR="0" lvl="0" indent="-171450" algn="l" defTabSz="685800" rtl="0" eaLnBrk="1" fontAlgn="auto" latinLnBrk="0" hangingPunct="1">
+                        <a:lnSpc>
+                          <a:spcPct val="100000"/>
+                        </a:lnSpc>
+                        <a:spcBef>
+                          <a:spcPts val="0"/>
+                        </a:spcBef>
+                        <a:spcAft>
+                          <a:spcPts val="0"/>
+                        </a:spcAft>
+                        <a:buClrTx/>
+                        <a:buSzTx/>
+                        <a:buFont typeface="Arial" panose="020B0604020202020204" pitchFamily="34" charset="0"/>
+                        <a:buChar char="•"/>
+                        <a:tabLst/>
+                        <a:defRPr/>
+                      </a:pPr>
+                      <a:r>
+                        <a:rPr lang="en-US" sz="1000" kern="1200" dirty="0"/>
+                        <a:t>DEPLOYS v2 stack. No production traffic to v2</a:t>
+                      </a:r>
+                    </a:p>
+                    <a:p>
+                      <a:pPr marL="171450" marR="0" lvl="0" indent="-171450" algn="l" defTabSz="685800" rtl="0" eaLnBrk="1" fontAlgn="auto" latinLnBrk="0" hangingPunct="1">
+                        <a:lnSpc>
+                          <a:spcPct val="100000"/>
+                        </a:lnSpc>
+                        <a:spcBef>
+                          <a:spcPts val="0"/>
+                        </a:spcBef>
+                        <a:spcAft>
+                          <a:spcPts val="0"/>
+                        </a:spcAft>
+                        <a:buClrTx/>
+                        <a:buSzTx/>
+                        <a:buFont typeface="Arial" panose="020B0604020202020204" pitchFamily="34" charset="0"/>
+                        <a:buChar char="•"/>
+                        <a:tabLst/>
+                        <a:defRPr/>
+                      </a:pPr>
+                      <a:r>
+                        <a:rPr lang="en-US" sz="1000" kern="1200" dirty="0"/>
+                        <a:t>Monitors traffic. </a:t>
+                      </a:r>
+                      <a:endParaRPr lang="en-US" sz="1000" b="0" kern="1200" dirty="0">
+                        <a:solidFill>
+                          <a:schemeClr val="tx1"/>
+                        </a:solidFill>
+                        <a:latin typeface="Open Sans" panose="020B0606030504020204" pitchFamily="34" charset="0"/>
+                        <a:ea typeface="Open Sans" panose="020B0606030504020204" pitchFamily="34" charset="0"/>
+                        <a:cs typeface="Open Sans" panose="020B0606030504020204" pitchFamily="34" charset="0"/>
+                      </a:endParaRPr>
+                    </a:p>
+                  </a:txBody>
+                  <a:tcPr marL="109728" marR="109728" marT="54864" marB="54864">
+                    <a:solidFill>
+                      <a:schemeClr val="bg1"/>
+                    </a:solidFill>
+                  </a:tcPr>
+                </a:tc>
+                <a:extLst>
+                  <a:ext uri="{0D108BD9-81ED-4DB2-BD59-A6C34878D82A}">
+                    <a16:rowId xmlns:a16="http://schemas.microsoft.com/office/drawing/2014/main" val="4226925215"/>
+                  </a:ext>
+                </a:extLst>
+              </a:tr>
+            </a:tbl>
+          </a:graphicData>
+        </a:graphic>
+      </p:graphicFrame>
+      <p:graphicFrame>
+        <p:nvGraphicFramePr>
+          <p:cNvPr id="47" name="Table 46">
+            <a:extLst>
+              <a:ext uri="{FF2B5EF4-FFF2-40B4-BE49-F238E27FC236}">
+                <a16:creationId xmlns:a16="http://schemas.microsoft.com/office/drawing/2014/main" id="{71551B3D-5348-497A-BE88-C8049AF97DCE}"/>
+              </a:ext>
+            </a:extLst>
+          </p:cNvPr>
+          <p:cNvGraphicFramePr>
+            <a:graphicFrameLocks noGrp="1"/>
+          </p:cNvGraphicFramePr>
+          <p:nvPr>
+            <p:extLst/>
+          </p:nvPr>
+        </p:nvGraphicFramePr>
+        <p:xfrm>
+          <a:off x="9334943" y="3664770"/>
+          <a:ext cx="2480266" cy="638981"/>
+        </p:xfrm>
+        <a:graphic>
+          <a:graphicData uri="http://schemas.openxmlformats.org/drawingml/2006/table">
+            <a:tbl>
+              <a:tblPr firstRow="1">
+                <a:tableStyleId>{5940675A-B579-460E-94D1-54222C63F5DA}</a:tableStyleId>
+              </a:tblPr>
+              <a:tblGrid>
+                <a:gridCol w="438106">
+                  <a:extLst>
+                    <a:ext uri="{9D8B030D-6E8A-4147-A177-3AD203B41FA5}">
+                      <a16:colId xmlns:a16="http://schemas.microsoft.com/office/drawing/2014/main" val="2119658498"/>
+                    </a:ext>
+                  </a:extLst>
+                </a:gridCol>
+                <a:gridCol w="2042160">
+                  <a:extLst>
+                    <a:ext uri="{9D8B030D-6E8A-4147-A177-3AD203B41FA5}">
+                      <a16:colId xmlns:a16="http://schemas.microsoft.com/office/drawing/2014/main" val="3416850144"/>
+                    </a:ext>
+                  </a:extLst>
+                </a:gridCol>
+              </a:tblGrid>
+              <a:tr h="638981">
+                <a:tc>
+                  <a:txBody>
+                    <a:bodyPr/>
+                    <a:lstStyle/>
+                    <a:p>
+                      <a:pPr marL="0" marR="0" lvl="0" indent="0" algn="l" defTabSz="685773" rtl="0" eaLnBrk="1" fontAlgn="auto" latinLnBrk="0" hangingPunct="1">
+                        <a:lnSpc>
+                          <a:spcPct val="100000"/>
+                        </a:lnSpc>
+                        <a:spcBef>
+                          <a:spcPts val="0"/>
+                        </a:spcBef>
+                        <a:spcAft>
+                          <a:spcPts val="0"/>
+                        </a:spcAft>
+                        <a:buClrTx/>
+                        <a:buSzTx/>
+                        <a:buFontTx/>
+                        <a:buNone/>
+                        <a:tabLst/>
+                        <a:defRPr/>
+                      </a:pPr>
+                      <a:r>
+                        <a:rPr lang="en-US" sz="1600" kern="1200" dirty="0"/>
+                        <a:t>3</a:t>
+                      </a:r>
+                      <a:endParaRPr lang="en-US" sz="1600" kern="1200" dirty="0">
+                        <a:solidFill>
+                          <a:schemeClr val="dk1"/>
+                        </a:solidFill>
+                        <a:latin typeface="+mn-lt"/>
+                        <a:ea typeface="+mn-ea"/>
+                        <a:cs typeface="+mn-cs"/>
+                      </a:endParaRPr>
+                    </a:p>
+                  </a:txBody>
+                  <a:tcPr marL="109728" marR="109728" marT="54864" marB="54864" anchor="ctr">
+                    <a:solidFill>
+                      <a:schemeClr val="bg1"/>
+                    </a:solidFill>
+                  </a:tcPr>
+                </a:tc>
+                <a:tc>
+                  <a:txBody>
+                    <a:bodyPr/>
+                    <a:lstStyle/>
+                    <a:p>
+                      <a:pPr marL="0" marR="0" lvl="0" indent="0" algn="l" defTabSz="685800" rtl="0" eaLnBrk="1" fontAlgn="auto" latinLnBrk="0" hangingPunct="1">
+                        <a:lnSpc>
+                          <a:spcPct val="100000"/>
+                        </a:lnSpc>
+                        <a:spcBef>
+                          <a:spcPts val="0"/>
+                        </a:spcBef>
+                        <a:spcAft>
+                          <a:spcPts val="0"/>
+                        </a:spcAft>
+                        <a:buClrTx/>
+                        <a:buSzTx/>
+                        <a:buFontTx/>
+                        <a:buNone/>
+                        <a:tabLst/>
+                        <a:defRPr/>
+                      </a:pPr>
+                      <a:r>
+                        <a:rPr lang="en-US" sz="1100" b="1" kern="1200" dirty="0">
+                          <a:solidFill>
+                            <a:schemeClr val="tx1"/>
+                          </a:solidFill>
+                          <a:latin typeface="+mn-lt"/>
+                          <a:ea typeface="+mn-ea"/>
+                          <a:cs typeface="+mn-cs"/>
+                        </a:rPr>
+                        <a:t>DevOps team </a:t>
+                      </a:r>
+                    </a:p>
+                    <a:p>
+                      <a:pPr marL="171450" marR="0" lvl="0" indent="-171450" algn="l" defTabSz="685800" rtl="0" eaLnBrk="1" fontAlgn="auto" latinLnBrk="0" hangingPunct="1">
+                        <a:lnSpc>
+                          <a:spcPct val="100000"/>
+                        </a:lnSpc>
+                        <a:spcBef>
+                          <a:spcPts val="0"/>
+                        </a:spcBef>
+                        <a:spcAft>
+                          <a:spcPts val="0"/>
+                        </a:spcAft>
+                        <a:buClrTx/>
+                        <a:buSzTx/>
+                        <a:buFont typeface="Arial" panose="020B0604020202020204" pitchFamily="34" charset="0"/>
+                        <a:buChar char="•"/>
+                        <a:tabLst/>
+                        <a:defRPr/>
+                      </a:pPr>
+                      <a:r>
+                        <a:rPr lang="en-US" sz="1000" kern="1200" dirty="0"/>
+                        <a:t>VERIFIES V2 is working fine</a:t>
+                      </a:r>
+                    </a:p>
+                    <a:p>
+                      <a:pPr marL="171450" marR="0" lvl="0" indent="-171450" algn="l" defTabSz="685800" rtl="0" eaLnBrk="1" fontAlgn="auto" latinLnBrk="0" hangingPunct="1">
+                        <a:lnSpc>
+                          <a:spcPct val="100000"/>
+                        </a:lnSpc>
+                        <a:spcBef>
+                          <a:spcPts val="0"/>
+                        </a:spcBef>
+                        <a:spcAft>
+                          <a:spcPts val="0"/>
+                        </a:spcAft>
+                        <a:buClrTx/>
+                        <a:buSzTx/>
+                        <a:buFont typeface="Arial" panose="020B0604020202020204" pitchFamily="34" charset="0"/>
+                        <a:buChar char="•"/>
+                        <a:tabLst/>
+                        <a:defRPr/>
+                      </a:pPr>
+                      <a:r>
+                        <a:rPr lang="en-US" sz="1000" kern="1200" dirty="0"/>
+                        <a:t>Monitors traffic</a:t>
+                      </a:r>
+                      <a:endParaRPr lang="en-US" sz="1000" b="0" kern="1200" dirty="0">
+                        <a:solidFill>
+                          <a:srgbClr val="C00000"/>
+                        </a:solidFill>
+                        <a:latin typeface="Open Sans" panose="020B0606030504020204" pitchFamily="34" charset="0"/>
+                        <a:ea typeface="Open Sans" panose="020B0606030504020204" pitchFamily="34" charset="0"/>
+                        <a:cs typeface="Open Sans" panose="020B0606030504020204" pitchFamily="34" charset="0"/>
+                      </a:endParaRPr>
+                    </a:p>
+                  </a:txBody>
+                  <a:tcPr marL="109728" marR="109728" marT="54864" marB="54864">
+                    <a:solidFill>
+                      <a:schemeClr val="bg1"/>
+                    </a:solidFill>
+                  </a:tcPr>
+                </a:tc>
+                <a:extLst>
+                  <a:ext uri="{0D108BD9-81ED-4DB2-BD59-A6C34878D82A}">
+                    <a16:rowId xmlns:a16="http://schemas.microsoft.com/office/drawing/2014/main" val="3516674379"/>
+                  </a:ext>
+                </a:extLst>
+              </a:tr>
+            </a:tbl>
+          </a:graphicData>
+        </a:graphic>
+      </p:graphicFrame>
+      <p:graphicFrame>
+        <p:nvGraphicFramePr>
+          <p:cNvPr id="55" name="Table 54">
+            <a:extLst>
+              <a:ext uri="{FF2B5EF4-FFF2-40B4-BE49-F238E27FC236}">
+                <a16:creationId xmlns:a16="http://schemas.microsoft.com/office/drawing/2014/main" id="{E849D8A3-A8D8-44BA-8AD9-2FF207C2369D}"/>
+              </a:ext>
+            </a:extLst>
+          </p:cNvPr>
+          <p:cNvGraphicFramePr>
+            <a:graphicFrameLocks noGrp="1"/>
+          </p:cNvGraphicFramePr>
+          <p:nvPr>
+            <p:extLst/>
+          </p:nvPr>
+        </p:nvGraphicFramePr>
+        <p:xfrm>
+          <a:off x="9334943" y="4313726"/>
+          <a:ext cx="2480266" cy="734568"/>
+        </p:xfrm>
+        <a:graphic>
+          <a:graphicData uri="http://schemas.openxmlformats.org/drawingml/2006/table">
+            <a:tbl>
+              <a:tblPr firstRow="1">
+                <a:tableStyleId>{5940675A-B579-460E-94D1-54222C63F5DA}</a:tableStyleId>
+              </a:tblPr>
+              <a:tblGrid>
+                <a:gridCol w="438106">
+                  <a:extLst>
+                    <a:ext uri="{9D8B030D-6E8A-4147-A177-3AD203B41FA5}">
+                      <a16:colId xmlns:a16="http://schemas.microsoft.com/office/drawing/2014/main" val="3978291844"/>
+                    </a:ext>
+                  </a:extLst>
+                </a:gridCol>
+                <a:gridCol w="2042160">
+                  <a:extLst>
+                    <a:ext uri="{9D8B030D-6E8A-4147-A177-3AD203B41FA5}">
+                      <a16:colId xmlns:a16="http://schemas.microsoft.com/office/drawing/2014/main" val="1189919095"/>
+                    </a:ext>
+                  </a:extLst>
+                </a:gridCol>
+              </a:tblGrid>
+              <a:tr h="443404">
+                <a:tc>
+                  <a:txBody>
+                    <a:bodyPr/>
+                    <a:lstStyle/>
+                    <a:p>
+                      <a:pPr marL="0" marR="0" lvl="0" indent="0" algn="l" defTabSz="685773" rtl="0" eaLnBrk="1" fontAlgn="auto" latinLnBrk="0" hangingPunct="1">
+                        <a:lnSpc>
+                          <a:spcPct val="100000"/>
+                        </a:lnSpc>
+                        <a:spcBef>
+                          <a:spcPts val="0"/>
+                        </a:spcBef>
+                        <a:spcAft>
+                          <a:spcPts val="0"/>
+                        </a:spcAft>
+                        <a:buClrTx/>
+                        <a:buSzTx/>
+                        <a:buFontTx/>
+                        <a:buNone/>
+                        <a:tabLst/>
+                        <a:defRPr/>
+                      </a:pPr>
+                      <a:r>
+                        <a:rPr lang="en-US" sz="1600" kern="1200" dirty="0"/>
+                        <a:t>4</a:t>
+                      </a:r>
+                      <a:endParaRPr lang="en-US" sz="1600" kern="1200" dirty="0">
+                        <a:solidFill>
+                          <a:schemeClr val="dk1"/>
+                        </a:solidFill>
+                        <a:latin typeface="+mn-lt"/>
+                        <a:ea typeface="+mn-ea"/>
+                        <a:cs typeface="+mn-cs"/>
+                      </a:endParaRPr>
+                    </a:p>
+                  </a:txBody>
+                  <a:tcPr marL="109728" marR="109728" marT="54864" marB="54864">
+                    <a:solidFill>
+                      <a:schemeClr val="bg1"/>
+                    </a:solidFill>
+                  </a:tcPr>
+                </a:tc>
+                <a:tc>
+                  <a:txBody>
+                    <a:bodyPr/>
+                    <a:lstStyle/>
+                    <a:p>
+                      <a:pPr marL="0" marR="0" lvl="0" indent="0" algn="l" defTabSz="685800" rtl="0" eaLnBrk="1" fontAlgn="auto" latinLnBrk="0" hangingPunct="1">
+                        <a:lnSpc>
+                          <a:spcPct val="100000"/>
+                        </a:lnSpc>
+                        <a:spcBef>
+                          <a:spcPts val="0"/>
+                        </a:spcBef>
+                        <a:spcAft>
+                          <a:spcPts val="0"/>
+                        </a:spcAft>
+                        <a:buClrTx/>
+                        <a:buSzTx/>
+                        <a:buFontTx/>
+                        <a:buNone/>
+                        <a:tabLst/>
+                        <a:defRPr/>
+                      </a:pPr>
+                      <a:r>
+                        <a:rPr lang="en-US" sz="1100" b="1" kern="1200" dirty="0">
+                          <a:solidFill>
+                            <a:schemeClr val="tx1"/>
+                          </a:solidFill>
+                          <a:latin typeface="+mn-lt"/>
+                          <a:ea typeface="+mn-ea"/>
+                          <a:cs typeface="+mn-cs"/>
+                        </a:rPr>
+                        <a:t>Site admin and DevOps</a:t>
+                      </a:r>
+                    </a:p>
+                    <a:p>
+                      <a:pPr marL="171450" marR="0" lvl="0" indent="-171450" algn="l" defTabSz="685800" rtl="0" eaLnBrk="1" fontAlgn="auto" latinLnBrk="0" hangingPunct="1">
+                        <a:lnSpc>
+                          <a:spcPct val="100000"/>
+                        </a:lnSpc>
+                        <a:spcBef>
+                          <a:spcPts val="0"/>
+                        </a:spcBef>
+                        <a:spcAft>
+                          <a:spcPts val="0"/>
+                        </a:spcAft>
+                        <a:buClrTx/>
+                        <a:buSzTx/>
+                        <a:buFont typeface="Arial" panose="020B0604020202020204" pitchFamily="34" charset="0"/>
+                        <a:buChar char="•"/>
+                        <a:tabLst/>
+                        <a:defRPr/>
+                      </a:pPr>
+                      <a:r>
+                        <a:rPr lang="en-US" sz="1000" kern="1200" dirty="0">
+                          <a:solidFill>
+                            <a:srgbClr val="C00000"/>
+                          </a:solidFill>
+                          <a:latin typeface="Open Sans" panose="020B0606030504020204" pitchFamily="34" charset="0"/>
+                          <a:ea typeface="Open Sans" panose="020B0606030504020204" pitchFamily="34" charset="0"/>
+                          <a:cs typeface="Open Sans" panose="020B0606030504020204" pitchFamily="34" charset="0"/>
+                        </a:rPr>
+                        <a:t>Puts v2 in rotation. Some live traffic to v2</a:t>
+                      </a:r>
+                    </a:p>
+                    <a:p>
+                      <a:pPr marL="171450" marR="0" lvl="0" indent="-171450" algn="l" defTabSz="685800" rtl="0" eaLnBrk="1" fontAlgn="auto" latinLnBrk="0" hangingPunct="1">
+                        <a:lnSpc>
+                          <a:spcPct val="100000"/>
+                        </a:lnSpc>
+                        <a:spcBef>
+                          <a:spcPts val="0"/>
+                        </a:spcBef>
+                        <a:spcAft>
+                          <a:spcPts val="0"/>
+                        </a:spcAft>
+                        <a:buClrTx/>
+                        <a:buSzTx/>
+                        <a:buFont typeface="Arial" panose="020B0604020202020204" pitchFamily="34" charset="0"/>
+                        <a:buChar char="•"/>
+                        <a:tabLst/>
+                        <a:defRPr/>
+                      </a:pPr>
+                      <a:r>
+                        <a:rPr lang="en-US" sz="1000" kern="1200" dirty="0"/>
+                        <a:t>Monitors traffic</a:t>
+                      </a:r>
+                      <a:endParaRPr lang="en-US" sz="1000" kern="1200" dirty="0">
+                        <a:solidFill>
+                          <a:srgbClr val="C00000"/>
+                        </a:solidFill>
+                        <a:latin typeface="Open Sans" panose="020B0606030504020204" pitchFamily="34" charset="0"/>
+                        <a:ea typeface="Open Sans" panose="020B0606030504020204" pitchFamily="34" charset="0"/>
+                        <a:cs typeface="Open Sans" panose="020B0606030504020204" pitchFamily="34" charset="0"/>
+                      </a:endParaRPr>
+                    </a:p>
+                  </a:txBody>
+                  <a:tcPr marL="109728" marR="109728" marT="54864" marB="54864">
+                    <a:solidFill>
+                      <a:schemeClr val="bg1"/>
+                    </a:solidFill>
+                  </a:tcPr>
+                </a:tc>
+                <a:extLst>
+                  <a:ext uri="{0D108BD9-81ED-4DB2-BD59-A6C34878D82A}">
+                    <a16:rowId xmlns:a16="http://schemas.microsoft.com/office/drawing/2014/main" val="2720193619"/>
+                  </a:ext>
+                </a:extLst>
+              </a:tr>
+            </a:tbl>
+          </a:graphicData>
+        </a:graphic>
+      </p:graphicFrame>
+      <p:graphicFrame>
+        <p:nvGraphicFramePr>
+          <p:cNvPr id="56" name="Table 55">
+            <a:extLst>
+              <a:ext uri="{FF2B5EF4-FFF2-40B4-BE49-F238E27FC236}">
+                <a16:creationId xmlns:a16="http://schemas.microsoft.com/office/drawing/2014/main" id="{7FA4E3C6-89B8-4924-A6AD-5D6C74833220}"/>
+              </a:ext>
+            </a:extLst>
+          </p:cNvPr>
+          <p:cNvGraphicFramePr>
+            <a:graphicFrameLocks noGrp="1"/>
+          </p:cNvGraphicFramePr>
+          <p:nvPr>
+            <p:extLst/>
+          </p:nvPr>
+        </p:nvGraphicFramePr>
+        <p:xfrm>
+          <a:off x="9334943" y="5061580"/>
+          <a:ext cx="2480266" cy="443404"/>
+        </p:xfrm>
+        <a:graphic>
+          <a:graphicData uri="http://schemas.openxmlformats.org/drawingml/2006/table">
+            <a:tbl>
+              <a:tblPr firstRow="1">
+                <a:tableStyleId>{5940675A-B579-460E-94D1-54222C63F5DA}</a:tableStyleId>
+              </a:tblPr>
+              <a:tblGrid>
+                <a:gridCol w="438106">
+                  <a:extLst>
+                    <a:ext uri="{9D8B030D-6E8A-4147-A177-3AD203B41FA5}">
+                      <a16:colId xmlns:a16="http://schemas.microsoft.com/office/drawing/2014/main" val="2781208114"/>
+                    </a:ext>
+                  </a:extLst>
+                </a:gridCol>
+                <a:gridCol w="2042160">
+                  <a:extLst>
+                    <a:ext uri="{9D8B030D-6E8A-4147-A177-3AD203B41FA5}">
+                      <a16:colId xmlns:a16="http://schemas.microsoft.com/office/drawing/2014/main" val="3937285327"/>
+                    </a:ext>
+                  </a:extLst>
+                </a:gridCol>
+              </a:tblGrid>
+              <a:tr h="443404">
+                <a:tc>
+                  <a:txBody>
+                    <a:bodyPr/>
+                    <a:lstStyle/>
+                    <a:p>
+                      <a:pPr marL="0" marR="0" lvl="0" indent="0" algn="l" defTabSz="685773" rtl="0" eaLnBrk="1" fontAlgn="auto" latinLnBrk="0" hangingPunct="1">
+                        <a:lnSpc>
+                          <a:spcPct val="100000"/>
+                        </a:lnSpc>
+                        <a:spcBef>
+                          <a:spcPts val="0"/>
+                        </a:spcBef>
+                        <a:spcAft>
+                          <a:spcPts val="0"/>
+                        </a:spcAft>
+                        <a:buClrTx/>
+                        <a:buSzTx/>
+                        <a:buFontTx/>
+                        <a:buNone/>
+                        <a:tabLst/>
+                        <a:defRPr/>
+                      </a:pPr>
+                      <a:r>
+                        <a:rPr lang="en-US" sz="1600" kern="1200" dirty="0">
+                          <a:solidFill>
+                            <a:schemeClr val="dk1"/>
+                          </a:solidFill>
+                          <a:latin typeface="+mn-lt"/>
+                          <a:ea typeface="+mn-ea"/>
+                          <a:cs typeface="+mn-cs"/>
+                        </a:rPr>
+                        <a:t>5</a:t>
+                      </a:r>
+                    </a:p>
+                  </a:txBody>
+                  <a:tcPr marL="109728" marR="109728" marT="54864" marB="54864">
+                    <a:solidFill>
+                      <a:schemeClr val="bg1"/>
+                    </a:solidFill>
+                  </a:tcPr>
+                </a:tc>
+                <a:tc>
+                  <a:txBody>
+                    <a:bodyPr/>
+                    <a:lstStyle/>
+                    <a:p>
+                      <a:pPr marL="0" marR="0" lvl="0" indent="0" algn="l" defTabSz="685800" rtl="0" eaLnBrk="1" fontAlgn="auto" latinLnBrk="0" hangingPunct="1">
+                        <a:lnSpc>
+                          <a:spcPct val="100000"/>
+                        </a:lnSpc>
+                        <a:spcBef>
+                          <a:spcPts val="0"/>
+                        </a:spcBef>
+                        <a:spcAft>
+                          <a:spcPts val="0"/>
+                        </a:spcAft>
+                        <a:buClrTx/>
+                        <a:buSzTx/>
+                        <a:buFontTx/>
+                        <a:buNone/>
+                        <a:tabLst/>
+                        <a:defRPr/>
+                      </a:pPr>
+                      <a:r>
+                        <a:rPr lang="en-US" sz="1100" b="1" kern="1200" dirty="0">
+                          <a:solidFill>
+                            <a:schemeClr val="tx1"/>
+                          </a:solidFill>
+                          <a:latin typeface="+mn-lt"/>
+                          <a:ea typeface="+mn-ea"/>
+                          <a:cs typeface="+mn-cs"/>
+                        </a:rPr>
+                        <a:t>Site admin and DevOps</a:t>
+                      </a:r>
+                    </a:p>
+                    <a:p>
+                      <a:pPr marL="171450" marR="0" lvl="0" indent="-171450" algn="l" defTabSz="685800" rtl="0" eaLnBrk="1" fontAlgn="auto" latinLnBrk="0" hangingPunct="1">
+                        <a:lnSpc>
+                          <a:spcPct val="100000"/>
+                        </a:lnSpc>
+                        <a:spcBef>
+                          <a:spcPts val="0"/>
+                        </a:spcBef>
+                        <a:spcAft>
+                          <a:spcPts val="0"/>
+                        </a:spcAft>
+                        <a:buClrTx/>
+                        <a:buSzTx/>
+                        <a:buFont typeface="Arial" panose="020B0604020202020204" pitchFamily="34" charset="0"/>
+                        <a:buChar char="•"/>
+                        <a:tabLst/>
+                        <a:defRPr/>
+                      </a:pPr>
+                      <a:r>
+                        <a:rPr lang="en-US" sz="1000" kern="1200" dirty="0">
+                          <a:solidFill>
+                            <a:srgbClr val="C00000"/>
+                          </a:solidFill>
+                          <a:latin typeface="Open Sans" panose="020B0606030504020204" pitchFamily="34" charset="0"/>
+                          <a:ea typeface="Open Sans" panose="020B0606030504020204" pitchFamily="34" charset="0"/>
+                          <a:cs typeface="Open Sans" panose="020B0606030504020204" pitchFamily="34" charset="0"/>
+                        </a:rPr>
+                        <a:t>Deprecates v1</a:t>
+                      </a:r>
+                    </a:p>
+                  </a:txBody>
+                  <a:tcPr marL="109728" marR="109728" marT="54864" marB="54864">
+                    <a:solidFill>
+                      <a:schemeClr val="bg1"/>
+                    </a:solidFill>
+                  </a:tcPr>
+                </a:tc>
+                <a:extLst>
+                  <a:ext uri="{0D108BD9-81ED-4DB2-BD59-A6C34878D82A}">
+                    <a16:rowId xmlns:a16="http://schemas.microsoft.com/office/drawing/2014/main" val="2383691914"/>
+                  </a:ext>
+                </a:extLst>
+              </a:tr>
+            </a:tbl>
+          </a:graphicData>
+        </a:graphic>
+      </p:graphicFrame>
+      <p:grpSp>
+        <p:nvGrpSpPr>
+          <p:cNvPr id="57" name="Group 56">
+            <a:extLst>
+              <a:ext uri="{FF2B5EF4-FFF2-40B4-BE49-F238E27FC236}">
+                <a16:creationId xmlns:a16="http://schemas.microsoft.com/office/drawing/2014/main" id="{8088AF96-CC84-432C-B86B-CD8DDCD9F9ED}"/>
+              </a:ext>
+            </a:extLst>
+          </p:cNvPr>
+          <p:cNvGrpSpPr/>
+          <p:nvPr/>
+        </p:nvGrpSpPr>
+        <p:grpSpPr>
+          <a:xfrm>
+            <a:off x="10671964" y="-10744"/>
+            <a:ext cx="1661489" cy="997895"/>
+            <a:chOff x="7884812" y="0"/>
+            <a:chExt cx="1384574" cy="831579"/>
+          </a:xfrm>
+        </p:grpSpPr>
+        <p:sp>
+          <p:nvSpPr>
+            <p:cNvPr id="58" name="Right Triangle 57">
+              <a:extLst>
+                <a:ext uri="{FF2B5EF4-FFF2-40B4-BE49-F238E27FC236}">
+                  <a16:creationId xmlns:a16="http://schemas.microsoft.com/office/drawing/2014/main" id="{85C8ED50-6DED-48D4-9FF1-144D38D8CDBC}"/>
+                </a:ext>
+              </a:extLst>
+            </p:cNvPr>
+            <p:cNvSpPr/>
+            <p:nvPr/>
+          </p:nvSpPr>
+          <p:spPr>
+            <a:xfrm rot="10800000">
+              <a:off x="7884812" y="0"/>
+              <a:ext cx="1266807" cy="831579"/>
+            </a:xfrm>
+            <a:prstGeom prst="rtTriangle">
+              <a:avLst/>
+            </a:prstGeom>
+          </p:spPr>
+          <p:style>
+            <a:lnRef idx="2">
+              <a:schemeClr val="accent4">
+                <a:shade val="50000"/>
+              </a:schemeClr>
+            </a:lnRef>
+            <a:fillRef idx="1">
+              <a:schemeClr val="accent4"/>
+            </a:fillRef>
+            <a:effectRef idx="0">
+              <a:schemeClr val="accent4"/>
+            </a:effectRef>
+            <a:fontRef idx="minor">
+              <a:schemeClr val="lt1"/>
+            </a:fontRef>
+          </p:style>
+          <p:txBody>
+            <a:bodyPr rtlCol="0" anchor="ctr"/>
+            <a:lstStyle/>
+            <a:p>
+              <a:pPr algn="ctr"/>
+              <a:endParaRPr lang="en-US" sz="2160" dirty="0"/>
+            </a:p>
+          </p:txBody>
+        </p:sp>
+        <p:sp>
+          <p:nvSpPr>
+            <p:cNvPr id="59" name="TextBox 58">
+              <a:extLst>
+                <a:ext uri="{FF2B5EF4-FFF2-40B4-BE49-F238E27FC236}">
+                  <a16:creationId xmlns:a16="http://schemas.microsoft.com/office/drawing/2014/main" id="{4DA30E0F-415A-40CB-931C-2E2A399FB86F}"/>
+                </a:ext>
+              </a:extLst>
+            </p:cNvPr>
+            <p:cNvSpPr txBox="1"/>
+            <p:nvPr/>
+          </p:nvSpPr>
+          <p:spPr>
+            <a:xfrm rot="2049301">
+              <a:off x="8148726" y="180997"/>
+              <a:ext cx="1120660" cy="353943"/>
+            </a:xfrm>
+            <a:prstGeom prst="rect">
+              <a:avLst/>
+            </a:prstGeom>
+            <a:noFill/>
+          </p:spPr>
+          <p:txBody>
+            <a:bodyPr wrap="none" rtlCol="0">
+              <a:spAutoFit/>
+            </a:bodyPr>
+            <a:lstStyle/>
+            <a:p>
+              <a:r>
+                <a:rPr lang="en-US" sz="2160" dirty="0">
+                  <a:latin typeface="Open Sans" panose="020B0606030504020204" pitchFamily="34" charset="0"/>
+                  <a:ea typeface="Open Sans" panose="020B0606030504020204" pitchFamily="34" charset="0"/>
+                  <a:cs typeface="Open Sans" panose="020B0606030504020204" pitchFamily="34" charset="0"/>
+                </a:rPr>
+                <a:t>Proposed</a:t>
+              </a:r>
+            </a:p>
+          </p:txBody>
+        </p:sp>
+      </p:grpSp>
+      <p:pic>
+        <p:nvPicPr>
+          <p:cNvPr id="6" name="Picture 5" descr="A close up of a sign&#10;&#10;Description generated with very high confidence">
+            <a:extLst>
+              <a:ext uri="{FF2B5EF4-FFF2-40B4-BE49-F238E27FC236}">
+                <a16:creationId xmlns:a16="http://schemas.microsoft.com/office/drawing/2014/main" id="{F1F6E81A-3AB7-4B08-B81E-5D188D9D3B08}"/>
+              </a:ext>
+            </a:extLst>
+          </p:cNvPr>
+          <p:cNvPicPr>
+            <a:picLocks noChangeAspect="1"/>
+          </p:cNvPicPr>
+          <p:nvPr/>
+        </p:nvPicPr>
+        <p:blipFill>
+          <a:blip r:embed="rId13">
+            <a:extLst>
+              <a:ext uri="{28A0092B-C50C-407E-A947-70E740481C1C}">
+                <a14:useLocalDpi xmlns:a14="http://schemas.microsoft.com/office/drawing/2010/main" val="0"/>
+              </a:ext>
+            </a:extLst>
+          </a:blip>
+          <a:stretch>
+            <a:fillRect/>
+          </a:stretch>
+        </p:blipFill>
+        <p:spPr>
+          <a:xfrm>
+            <a:off x="4436536" y="69220"/>
+            <a:ext cx="608150" cy="608150"/>
+          </a:xfrm>
+          <a:prstGeom prst="rect">
+            <a:avLst/>
+          </a:prstGeom>
+        </p:spPr>
+      </p:pic>
+      <p:sp>
+        <p:nvSpPr>
+          <p:cNvPr id="60" name="TextBox 59">
+            <a:extLst>
+              <a:ext uri="{FF2B5EF4-FFF2-40B4-BE49-F238E27FC236}">
+                <a16:creationId xmlns:a16="http://schemas.microsoft.com/office/drawing/2014/main" id="{F9CD6543-4C16-44F1-81C2-D8FA3491D18E}"/>
+              </a:ext>
+            </a:extLst>
+          </p:cNvPr>
+          <p:cNvSpPr txBox="1"/>
+          <p:nvPr/>
+        </p:nvSpPr>
+        <p:spPr>
+          <a:xfrm>
+            <a:off x="3790058" y="1481013"/>
+            <a:ext cx="2305942" cy="523220"/>
+          </a:xfrm>
+          <a:prstGeom prst="rect">
+            <a:avLst/>
+          </a:prstGeom>
+          <a:noFill/>
+        </p:spPr>
+        <p:txBody>
+          <a:bodyPr wrap="square" rtlCol="0">
+            <a:spAutoFit/>
+          </a:bodyPr>
+          <a:lstStyle/>
+          <a:p>
+            <a:r>
+              <a:rPr lang="en-US" sz="1400" dirty="0"/>
+              <a:t>Application Gateway</a:t>
+            </a:r>
+          </a:p>
+          <a:p>
+            <a:r>
+              <a:rPr lang="en-US" sz="1400" dirty="0"/>
+              <a:t>(use as a regional controller)</a:t>
+            </a:r>
+          </a:p>
+        </p:txBody>
+      </p:sp>
+      <p:pic>
+        <p:nvPicPr>
+          <p:cNvPr id="10" name="Picture 9" descr="A sign on a pole&#10;&#10;Description generated with very high confidence">
+            <a:extLst>
+              <a:ext uri="{FF2B5EF4-FFF2-40B4-BE49-F238E27FC236}">
+                <a16:creationId xmlns:a16="http://schemas.microsoft.com/office/drawing/2014/main" id="{7BDA5344-A673-4210-B4B4-B436CFC4DA31}"/>
+              </a:ext>
+            </a:extLst>
+          </p:cNvPr>
+          <p:cNvPicPr>
+            <a:picLocks noChangeAspect="1"/>
+          </p:cNvPicPr>
+          <p:nvPr/>
+        </p:nvPicPr>
+        <p:blipFill>
+          <a:blip r:embed="rId14">
+            <a:extLst>
+              <a:ext uri="{28A0092B-C50C-407E-A947-70E740481C1C}">
+                <a14:useLocalDpi xmlns:a14="http://schemas.microsoft.com/office/drawing/2010/main" val="0"/>
+              </a:ext>
+            </a:extLst>
+          </a:blip>
+          <a:stretch>
+            <a:fillRect/>
+          </a:stretch>
+        </p:blipFill>
+        <p:spPr>
+          <a:xfrm>
+            <a:off x="3007114" y="1263844"/>
+            <a:ext cx="780290" cy="780290"/>
+          </a:xfrm>
+          <a:prstGeom prst="rect">
+            <a:avLst/>
+          </a:prstGeom>
+        </p:spPr>
+      </p:pic>
+      <p:sp>
+        <p:nvSpPr>
+          <p:cNvPr id="61" name="TextBox 60">
+            <a:extLst>
+              <a:ext uri="{FF2B5EF4-FFF2-40B4-BE49-F238E27FC236}">
+                <a16:creationId xmlns:a16="http://schemas.microsoft.com/office/drawing/2014/main" id="{3CE90B13-E2D1-4278-8380-D32AB9557EA3}"/>
+              </a:ext>
+            </a:extLst>
+          </p:cNvPr>
+          <p:cNvSpPr txBox="1"/>
+          <p:nvPr/>
+        </p:nvSpPr>
+        <p:spPr>
+          <a:xfrm>
+            <a:off x="4085667" y="640795"/>
+            <a:ext cx="1652504" cy="369332"/>
+          </a:xfrm>
+          <a:prstGeom prst="rect">
+            <a:avLst/>
+          </a:prstGeom>
+          <a:noFill/>
+        </p:spPr>
+        <p:txBody>
+          <a:bodyPr wrap="none" rtlCol="0">
+            <a:spAutoFit/>
+          </a:bodyPr>
+          <a:lstStyle/>
+          <a:p>
+            <a:r>
+              <a:rPr lang="en-US" dirty="0"/>
+              <a:t>Traffic Manager</a:t>
+            </a:r>
+          </a:p>
+        </p:txBody>
+      </p:sp>
+      <p:sp>
+        <p:nvSpPr>
+          <p:cNvPr id="62" name="Title 1">
+            <a:extLst>
+              <a:ext uri="{FF2B5EF4-FFF2-40B4-BE49-F238E27FC236}">
+                <a16:creationId xmlns:a16="http://schemas.microsoft.com/office/drawing/2014/main" id="{22FF1DDE-8442-46BC-BA1D-91408F67DA41}"/>
+              </a:ext>
+            </a:extLst>
+          </p:cNvPr>
+          <p:cNvSpPr>
+            <a:spLocks noGrp="1"/>
+          </p:cNvSpPr>
+          <p:nvPr>
+            <p:ph type="title"/>
+          </p:nvPr>
+        </p:nvSpPr>
+        <p:spPr>
+          <a:xfrm>
+            <a:off x="0" y="18256"/>
+            <a:ext cx="3304397" cy="911491"/>
+          </a:xfrm>
+          <a:noFill/>
+        </p:spPr>
+        <p:txBody>
+          <a:bodyPr>
+            <a:noAutofit/>
+          </a:bodyPr>
+          <a:lstStyle/>
+          <a:p>
+            <a:r>
+              <a:rPr lang="en-US" sz="3600" dirty="0"/>
+              <a:t>Single Region Zero Downtime</a:t>
+            </a:r>
+          </a:p>
+        </p:txBody>
+      </p:sp>
+    </p:spTree>
+    <p:extLst>
+      <p:ext uri="{BB962C8B-B14F-4D97-AF65-F5344CB8AC3E}">
+        <p14:creationId xmlns:p14="http://schemas.microsoft.com/office/powerpoint/2010/main" val="926459623"/>
+      </p:ext>
+    </p:extLst>
+  </p:cSld>
+  <p:clrMapOvr>
+    <a:masterClrMapping/>
+  </p:clrMapOvr>
+  <p:timing>
+    <p:tnLst>
+      <p:par>
+        <p:cTn id="1" dur="indefinite" restart="never" nodeType="tmRoot">
+          <p:childTnLst>
+            <p:seq concurrent="1" nextAc="seek">
+              <p:cTn id="2" dur="indefinite" nodeType="mainSeq">
+                <p:childTnLst>
+                  <p:par>
+                    <p:cTn id="3" fill="hold">
+                      <p:stCondLst>
+                        <p:cond delay="indefinite"/>
+                      </p:stCondLst>
+                      <p:childTnLst>
+                        <p:par>
+                          <p:cTn id="4" fill="hold">
+                            <p:stCondLst>
+                              <p:cond delay="0"/>
+                            </p:stCondLst>
+                            <p:childTnLst>
+                              <p:par>
+                                <p:cTn id="5" presetID="10" presetClass="entr" presetSubtype="0" fill="hold" nodeType="clickEffect">
+                                  <p:stCondLst>
+                                    <p:cond delay="0"/>
+                                  </p:stCondLst>
+                                  <p:childTnLst>
+                                    <p:set>
+                                      <p:cBhvr>
+                                        <p:cTn id="6" dur="1" fill="hold">
+                                          <p:stCondLst>
+                                            <p:cond delay="0"/>
+                                          </p:stCondLst>
+                                        </p:cTn>
+                                        <p:tgtEl>
+                                          <p:spTgt spid="31"/>
+                                        </p:tgtEl>
+                                        <p:attrNameLst>
+                                          <p:attrName>style.visibility</p:attrName>
+                                        </p:attrNameLst>
+                                      </p:cBhvr>
+                                      <p:to>
+                                        <p:strVal val="visible"/>
+                                      </p:to>
+                                    </p:set>
+                                    <p:animEffect transition="in" filter="fade">
+                                      <p:cBhvr>
+                                        <p:cTn id="7" dur="500"/>
+                                        <p:tgtEl>
+                                          <p:spTgt spid="31"/>
+                                        </p:tgtEl>
+                                      </p:cBhvr>
+                                    </p:animEffect>
+                                  </p:childTnLst>
+                                </p:cTn>
+                              </p:par>
+                              <p:par>
+                                <p:cTn id="8" presetID="10" presetClass="entr" presetSubtype="0" fill="hold" nodeType="withEffect">
+                                  <p:stCondLst>
+                                    <p:cond delay="0"/>
+                                  </p:stCondLst>
+                                  <p:childTnLst>
+                                    <p:set>
+                                      <p:cBhvr>
+                                        <p:cTn id="9" dur="1" fill="hold">
+                                          <p:stCondLst>
+                                            <p:cond delay="0"/>
+                                          </p:stCondLst>
+                                        </p:cTn>
+                                        <p:tgtEl>
+                                          <p:spTgt spid="34"/>
+                                        </p:tgtEl>
+                                        <p:attrNameLst>
+                                          <p:attrName>style.visibility</p:attrName>
+                                        </p:attrNameLst>
+                                      </p:cBhvr>
+                                      <p:to>
+                                        <p:strVal val="visible"/>
+                                      </p:to>
+                                    </p:set>
+                                    <p:animEffect transition="in" filter="fade">
+                                      <p:cBhvr>
+                                        <p:cTn id="10" dur="500"/>
+                                        <p:tgtEl>
+                                          <p:spTgt spid="34"/>
+                                        </p:tgtEl>
+                                      </p:cBhvr>
+                                    </p:animEffect>
+                                  </p:childTnLst>
+                                </p:cTn>
+                              </p:par>
+                              <p:par>
+                                <p:cTn id="11" presetID="10" presetClass="entr" presetSubtype="0" fill="hold" nodeType="withEffect">
+                                  <p:stCondLst>
+                                    <p:cond delay="0"/>
+                                  </p:stCondLst>
+                                  <p:childTnLst>
+                                    <p:set>
+                                      <p:cBhvr>
+                                        <p:cTn id="12" dur="1" fill="hold">
+                                          <p:stCondLst>
+                                            <p:cond delay="0"/>
+                                          </p:stCondLst>
+                                        </p:cTn>
+                                        <p:tgtEl>
+                                          <p:spTgt spid="38"/>
+                                        </p:tgtEl>
+                                        <p:attrNameLst>
+                                          <p:attrName>style.visibility</p:attrName>
+                                        </p:attrNameLst>
+                                      </p:cBhvr>
+                                      <p:to>
+                                        <p:strVal val="visible"/>
+                                      </p:to>
+                                    </p:set>
+                                    <p:animEffect transition="in" filter="fade">
+                                      <p:cBhvr>
+                                        <p:cTn id="13" dur="500"/>
+                                        <p:tgtEl>
+                                          <p:spTgt spid="38"/>
+                                        </p:tgtEl>
+                                      </p:cBhvr>
+                                    </p:animEffect>
+                                  </p:childTnLst>
+                                </p:cTn>
+                              </p:par>
+                              <p:par>
+                                <p:cTn id="14" presetID="10" presetClass="entr" presetSubtype="0" fill="hold" nodeType="withEffect">
+                                  <p:stCondLst>
+                                    <p:cond delay="0"/>
+                                  </p:stCondLst>
+                                  <p:childTnLst>
+                                    <p:set>
+                                      <p:cBhvr>
+                                        <p:cTn id="15" dur="1" fill="hold">
+                                          <p:stCondLst>
+                                            <p:cond delay="0"/>
+                                          </p:stCondLst>
+                                        </p:cTn>
+                                        <p:tgtEl>
+                                          <p:spTgt spid="35"/>
+                                        </p:tgtEl>
+                                        <p:attrNameLst>
+                                          <p:attrName>style.visibility</p:attrName>
+                                        </p:attrNameLst>
+                                      </p:cBhvr>
+                                      <p:to>
+                                        <p:strVal val="visible"/>
+                                      </p:to>
+                                    </p:set>
+                                    <p:animEffect transition="in" filter="fade">
+                                      <p:cBhvr>
+                                        <p:cTn id="16" dur="500"/>
+                                        <p:tgtEl>
+                                          <p:spTgt spid="35"/>
+                                        </p:tgtEl>
+                                      </p:cBhvr>
+                                    </p:animEffect>
+                                  </p:childTnLst>
+                                </p:cTn>
+                              </p:par>
+                              <p:par>
+                                <p:cTn id="17" presetID="10" presetClass="entr" presetSubtype="0" fill="hold" grpId="0" nodeType="withEffect">
+                                  <p:stCondLst>
+                                    <p:cond delay="0"/>
+                                  </p:stCondLst>
+                                  <p:childTnLst>
+                                    <p:set>
+                                      <p:cBhvr>
+                                        <p:cTn id="18" dur="1" fill="hold">
+                                          <p:stCondLst>
+                                            <p:cond delay="0"/>
+                                          </p:stCondLst>
+                                        </p:cTn>
+                                        <p:tgtEl>
+                                          <p:spTgt spid="40"/>
+                                        </p:tgtEl>
+                                        <p:attrNameLst>
+                                          <p:attrName>style.visibility</p:attrName>
+                                        </p:attrNameLst>
+                                      </p:cBhvr>
+                                      <p:to>
+                                        <p:strVal val="visible"/>
+                                      </p:to>
+                                    </p:set>
+                                    <p:animEffect transition="in" filter="fade">
+                                      <p:cBhvr>
+                                        <p:cTn id="19" dur="500"/>
+                                        <p:tgtEl>
+                                          <p:spTgt spid="40"/>
+                                        </p:tgtEl>
+                                      </p:cBhvr>
+                                    </p:animEffect>
+                                  </p:childTnLst>
+                                </p:cTn>
+                              </p:par>
+                              <p:par>
+                                <p:cTn id="20" presetID="10" presetClass="entr" presetSubtype="0" fill="hold" grpId="0" nodeType="withEffect">
+                                  <p:stCondLst>
+                                    <p:cond delay="0"/>
+                                  </p:stCondLst>
+                                  <p:childTnLst>
+                                    <p:set>
+                                      <p:cBhvr>
+                                        <p:cTn id="21" dur="1" fill="hold">
+                                          <p:stCondLst>
+                                            <p:cond delay="0"/>
+                                          </p:stCondLst>
+                                        </p:cTn>
+                                        <p:tgtEl>
+                                          <p:spTgt spid="45"/>
+                                        </p:tgtEl>
+                                        <p:attrNameLst>
+                                          <p:attrName>style.visibility</p:attrName>
+                                        </p:attrNameLst>
+                                      </p:cBhvr>
+                                      <p:to>
+                                        <p:strVal val="visible"/>
+                                      </p:to>
+                                    </p:set>
+                                    <p:animEffect transition="in" filter="fade">
+                                      <p:cBhvr>
+                                        <p:cTn id="22" dur="500"/>
+                                        <p:tgtEl>
+                                          <p:spTgt spid="45"/>
+                                        </p:tgtEl>
+                                      </p:cBhvr>
+                                    </p:animEffect>
+                                  </p:childTnLst>
+                                </p:cTn>
+                              </p:par>
+                              <p:par>
+                                <p:cTn id="23" presetID="10" presetClass="entr" presetSubtype="0" fill="hold" nodeType="withEffect">
+                                  <p:stCondLst>
+                                    <p:cond delay="0"/>
+                                  </p:stCondLst>
+                                  <p:childTnLst>
+                                    <p:set>
+                                      <p:cBhvr>
+                                        <p:cTn id="24" dur="1" fill="hold">
+                                          <p:stCondLst>
+                                            <p:cond delay="0"/>
+                                          </p:stCondLst>
+                                        </p:cTn>
+                                        <p:tgtEl>
+                                          <p:spTgt spid="26"/>
+                                        </p:tgtEl>
+                                        <p:attrNameLst>
+                                          <p:attrName>style.visibility</p:attrName>
+                                        </p:attrNameLst>
+                                      </p:cBhvr>
+                                      <p:to>
+                                        <p:strVal val="visible"/>
+                                      </p:to>
+                                    </p:set>
+                                    <p:animEffect transition="in" filter="fade">
+                                      <p:cBhvr>
+                                        <p:cTn id="25" dur="500"/>
+                                        <p:tgtEl>
+                                          <p:spTgt spid="26"/>
+                                        </p:tgtEl>
+                                      </p:cBhvr>
+                                    </p:animEffect>
+                                  </p:childTnLst>
+                                </p:cTn>
+                              </p:par>
+                              <p:par>
+                                <p:cTn id="26" presetID="10" presetClass="entr" presetSubtype="0" fill="hold" grpId="0" nodeType="withEffect">
+                                  <p:stCondLst>
+                                    <p:cond delay="0"/>
+                                  </p:stCondLst>
+                                  <p:childTnLst>
+                                    <p:set>
+                                      <p:cBhvr>
+                                        <p:cTn id="27" dur="1" fill="hold">
+                                          <p:stCondLst>
+                                            <p:cond delay="0"/>
+                                          </p:stCondLst>
+                                        </p:cTn>
+                                        <p:tgtEl>
+                                          <p:spTgt spid="27"/>
+                                        </p:tgtEl>
+                                        <p:attrNameLst>
+                                          <p:attrName>style.visibility</p:attrName>
+                                        </p:attrNameLst>
+                                      </p:cBhvr>
+                                      <p:to>
+                                        <p:strVal val="visible"/>
+                                      </p:to>
+                                    </p:set>
+                                    <p:animEffect transition="in" filter="fade">
+                                      <p:cBhvr>
+                                        <p:cTn id="28" dur="500"/>
+                                        <p:tgtEl>
+                                          <p:spTgt spid="27"/>
+                                        </p:tgtEl>
+                                      </p:cBhvr>
+                                    </p:animEffect>
+                                  </p:childTnLst>
+                                </p:cTn>
+                              </p:par>
+                              <p:par>
+                                <p:cTn id="29" presetID="10" presetClass="entr" presetSubtype="0" fill="hold" nodeType="withEffect">
+                                  <p:stCondLst>
+                                    <p:cond delay="0"/>
+                                  </p:stCondLst>
+                                  <p:childTnLst>
+                                    <p:set>
+                                      <p:cBhvr>
+                                        <p:cTn id="30" dur="1" fill="hold">
+                                          <p:stCondLst>
+                                            <p:cond delay="0"/>
+                                          </p:stCondLst>
+                                        </p:cTn>
+                                        <p:tgtEl>
+                                          <p:spTgt spid="32"/>
+                                        </p:tgtEl>
+                                        <p:attrNameLst>
+                                          <p:attrName>style.visibility</p:attrName>
+                                        </p:attrNameLst>
+                                      </p:cBhvr>
+                                      <p:to>
+                                        <p:strVal val="visible"/>
+                                      </p:to>
+                                    </p:set>
+                                    <p:animEffect transition="in" filter="fade">
+                                      <p:cBhvr>
+                                        <p:cTn id="31" dur="500"/>
+                                        <p:tgtEl>
+                                          <p:spTgt spid="32"/>
+                                        </p:tgtEl>
+                                      </p:cBhvr>
+                                    </p:animEffect>
+                                  </p:childTnLst>
+                                </p:cTn>
+                              </p:par>
+                              <p:par>
+                                <p:cTn id="32" presetID="10" presetClass="entr" presetSubtype="0" fill="hold" grpId="0" nodeType="withEffect">
+                                  <p:stCondLst>
+                                    <p:cond delay="0"/>
+                                  </p:stCondLst>
+                                  <p:childTnLst>
+                                    <p:set>
+                                      <p:cBhvr>
+                                        <p:cTn id="33" dur="1" fill="hold">
+                                          <p:stCondLst>
+                                            <p:cond delay="0"/>
+                                          </p:stCondLst>
+                                        </p:cTn>
+                                        <p:tgtEl>
+                                          <p:spTgt spid="33"/>
+                                        </p:tgtEl>
+                                        <p:attrNameLst>
+                                          <p:attrName>style.visibility</p:attrName>
+                                        </p:attrNameLst>
+                                      </p:cBhvr>
+                                      <p:to>
+                                        <p:strVal val="visible"/>
+                                      </p:to>
+                                    </p:set>
+                                    <p:animEffect transition="in" filter="fade">
+                                      <p:cBhvr>
+                                        <p:cTn id="34" dur="500"/>
+                                        <p:tgtEl>
+                                          <p:spTgt spid="33"/>
+                                        </p:tgtEl>
+                                      </p:cBhvr>
+                                    </p:animEffect>
+                                  </p:childTnLst>
+                                </p:cTn>
+                              </p:par>
+                              <p:par>
+                                <p:cTn id="35" presetID="10" presetClass="entr" presetSubtype="0" fill="hold" nodeType="withEffect">
+                                  <p:stCondLst>
+                                    <p:cond delay="0"/>
+                                  </p:stCondLst>
+                                  <p:childTnLst>
+                                    <p:set>
+                                      <p:cBhvr>
+                                        <p:cTn id="36" dur="1" fill="hold">
+                                          <p:stCondLst>
+                                            <p:cond delay="0"/>
+                                          </p:stCondLst>
+                                        </p:cTn>
+                                        <p:tgtEl>
+                                          <p:spTgt spid="29"/>
+                                        </p:tgtEl>
+                                        <p:attrNameLst>
+                                          <p:attrName>style.visibility</p:attrName>
+                                        </p:attrNameLst>
+                                      </p:cBhvr>
+                                      <p:to>
+                                        <p:strVal val="visible"/>
+                                      </p:to>
+                                    </p:set>
+                                    <p:animEffect transition="in" filter="fade">
+                                      <p:cBhvr>
+                                        <p:cTn id="37" dur="500"/>
+                                        <p:tgtEl>
+                                          <p:spTgt spid="29"/>
+                                        </p:tgtEl>
+                                      </p:cBhvr>
+                                    </p:animEffect>
+                                  </p:childTnLst>
+                                </p:cTn>
+                              </p:par>
+                              <p:par>
+                                <p:cTn id="38" presetID="10" presetClass="entr" presetSubtype="0" fill="hold" grpId="0" nodeType="withEffect">
+                                  <p:stCondLst>
+                                    <p:cond delay="0"/>
+                                  </p:stCondLst>
+                                  <p:childTnLst>
+                                    <p:set>
+                                      <p:cBhvr>
+                                        <p:cTn id="39" dur="1" fill="hold">
+                                          <p:stCondLst>
+                                            <p:cond delay="0"/>
+                                          </p:stCondLst>
+                                        </p:cTn>
+                                        <p:tgtEl>
+                                          <p:spTgt spid="30"/>
+                                        </p:tgtEl>
+                                        <p:attrNameLst>
+                                          <p:attrName>style.visibility</p:attrName>
+                                        </p:attrNameLst>
+                                      </p:cBhvr>
+                                      <p:to>
+                                        <p:strVal val="visible"/>
+                                      </p:to>
+                                    </p:set>
+                                    <p:animEffect transition="in" filter="fade">
+                                      <p:cBhvr>
+                                        <p:cTn id="40" dur="500"/>
+                                        <p:tgtEl>
+                                          <p:spTgt spid="30"/>
+                                        </p:tgtEl>
+                                      </p:cBhvr>
+                                    </p:animEffect>
+                                  </p:childTnLst>
+                                </p:cTn>
+                              </p:par>
+                              <p:par>
+                                <p:cTn id="41" presetID="10" presetClass="entr" presetSubtype="0" fill="hold" grpId="0" nodeType="withEffect">
+                                  <p:stCondLst>
+                                    <p:cond delay="0"/>
+                                  </p:stCondLst>
+                                  <p:childTnLst>
+                                    <p:set>
+                                      <p:cBhvr>
+                                        <p:cTn id="42" dur="1" fill="hold">
+                                          <p:stCondLst>
+                                            <p:cond delay="0"/>
+                                          </p:stCondLst>
+                                        </p:cTn>
+                                        <p:tgtEl>
+                                          <p:spTgt spid="43"/>
+                                        </p:tgtEl>
+                                        <p:attrNameLst>
+                                          <p:attrName>style.visibility</p:attrName>
+                                        </p:attrNameLst>
+                                      </p:cBhvr>
+                                      <p:to>
+                                        <p:strVal val="visible"/>
+                                      </p:to>
+                                    </p:set>
+                                    <p:animEffect transition="in" filter="fade">
+                                      <p:cBhvr>
+                                        <p:cTn id="43" dur="500"/>
+                                        <p:tgtEl>
+                                          <p:spTgt spid="43"/>
+                                        </p:tgtEl>
+                                      </p:cBhvr>
+                                    </p:animEffect>
+                                  </p:childTnLst>
+                                </p:cTn>
+                              </p:par>
+                              <p:par>
+                                <p:cTn id="44" presetID="10" presetClass="entr" presetSubtype="0" fill="hold" nodeType="withEffect">
+                                  <p:stCondLst>
+                                    <p:cond delay="0"/>
+                                  </p:stCondLst>
+                                  <p:childTnLst>
+                                    <p:set>
+                                      <p:cBhvr>
+                                        <p:cTn id="45" dur="1" fill="hold">
+                                          <p:stCondLst>
+                                            <p:cond delay="0"/>
+                                          </p:stCondLst>
+                                        </p:cTn>
+                                        <p:tgtEl>
+                                          <p:spTgt spid="12"/>
+                                        </p:tgtEl>
+                                        <p:attrNameLst>
+                                          <p:attrName>style.visibility</p:attrName>
+                                        </p:attrNameLst>
+                                      </p:cBhvr>
+                                      <p:to>
+                                        <p:strVal val="visible"/>
+                                      </p:to>
+                                    </p:set>
+                                    <p:animEffect transition="in" filter="fade">
+                                      <p:cBhvr>
+                                        <p:cTn id="46" dur="500"/>
+                                        <p:tgtEl>
+                                          <p:spTgt spid="12"/>
+                                        </p:tgtEl>
+                                      </p:cBhvr>
+                                    </p:animEffect>
+                                  </p:childTnLst>
+                                </p:cTn>
+                              </p:par>
+                              <p:par>
+                                <p:cTn id="47" presetID="10" presetClass="entr" presetSubtype="0" fill="hold" nodeType="withEffect">
+                                  <p:stCondLst>
+                                    <p:cond delay="0"/>
+                                  </p:stCondLst>
+                                  <p:childTnLst>
+                                    <p:set>
+                                      <p:cBhvr>
+                                        <p:cTn id="48" dur="1" fill="hold">
+                                          <p:stCondLst>
+                                            <p:cond delay="0"/>
+                                          </p:stCondLst>
+                                        </p:cTn>
+                                        <p:tgtEl>
+                                          <p:spTgt spid="46"/>
+                                        </p:tgtEl>
+                                        <p:attrNameLst>
+                                          <p:attrName>style.visibility</p:attrName>
+                                        </p:attrNameLst>
+                                      </p:cBhvr>
+                                      <p:to>
+                                        <p:strVal val="visible"/>
+                                      </p:to>
+                                    </p:set>
+                                    <p:animEffect transition="in" filter="fade">
+                                      <p:cBhvr>
+                                        <p:cTn id="49" dur="500"/>
+                                        <p:tgtEl>
+                                          <p:spTgt spid="46"/>
+                                        </p:tgtEl>
+                                      </p:cBhvr>
+                                    </p:animEffect>
+                                  </p:childTnLst>
+                                </p:cTn>
+                              </p:par>
+                              <p:par>
+                                <p:cTn id="50" presetID="10" presetClass="entr" presetSubtype="0" fill="hold" nodeType="withEffect">
+                                  <p:stCondLst>
+                                    <p:cond delay="0"/>
+                                  </p:stCondLst>
+                                  <p:childTnLst>
+                                    <p:set>
+                                      <p:cBhvr>
+                                        <p:cTn id="51" dur="1" fill="hold">
+                                          <p:stCondLst>
+                                            <p:cond delay="0"/>
+                                          </p:stCondLst>
+                                        </p:cTn>
+                                        <p:tgtEl>
+                                          <p:spTgt spid="15"/>
+                                        </p:tgtEl>
+                                        <p:attrNameLst>
+                                          <p:attrName>style.visibility</p:attrName>
+                                        </p:attrNameLst>
+                                      </p:cBhvr>
+                                      <p:to>
+                                        <p:strVal val="visible"/>
+                                      </p:to>
+                                    </p:set>
+                                    <p:animEffect transition="in" filter="fade">
+                                      <p:cBhvr>
+                                        <p:cTn id="52" dur="500"/>
+                                        <p:tgtEl>
+                                          <p:spTgt spid="15"/>
+                                        </p:tgtEl>
+                                      </p:cBhvr>
+                                    </p:animEffect>
+                                  </p:childTnLst>
+                                </p:cTn>
+                              </p:par>
+                              <p:par>
+                                <p:cTn id="53" presetID="10" presetClass="entr" presetSubtype="0" fill="hold" grpId="0" nodeType="withEffect">
+                                  <p:stCondLst>
+                                    <p:cond delay="0"/>
+                                  </p:stCondLst>
+                                  <p:childTnLst>
+                                    <p:set>
+                                      <p:cBhvr>
+                                        <p:cTn id="54" dur="1" fill="hold">
+                                          <p:stCondLst>
+                                            <p:cond delay="0"/>
+                                          </p:stCondLst>
+                                        </p:cTn>
+                                        <p:tgtEl>
+                                          <p:spTgt spid="24"/>
+                                        </p:tgtEl>
+                                        <p:attrNameLst>
+                                          <p:attrName>style.visibility</p:attrName>
+                                        </p:attrNameLst>
+                                      </p:cBhvr>
+                                      <p:to>
+                                        <p:strVal val="visible"/>
+                                      </p:to>
+                                    </p:set>
+                                    <p:animEffect transition="in" filter="fade">
+                                      <p:cBhvr>
+                                        <p:cTn id="55" dur="500"/>
+                                        <p:tgtEl>
+                                          <p:spTgt spid="24"/>
+                                        </p:tgtEl>
+                                      </p:cBhvr>
+                                    </p:animEffect>
+                                  </p:childTnLst>
+                                </p:cTn>
+                              </p:par>
+                              <p:par>
+                                <p:cTn id="56" presetID="10" presetClass="entr" presetSubtype="0" fill="hold" nodeType="withEffect">
+                                  <p:stCondLst>
+                                    <p:cond delay="0"/>
+                                  </p:stCondLst>
+                                  <p:childTnLst>
+                                    <p:set>
+                                      <p:cBhvr>
+                                        <p:cTn id="57" dur="1" fill="hold">
+                                          <p:stCondLst>
+                                            <p:cond delay="0"/>
+                                          </p:stCondLst>
+                                        </p:cTn>
+                                        <p:tgtEl>
+                                          <p:spTgt spid="51"/>
+                                        </p:tgtEl>
+                                        <p:attrNameLst>
+                                          <p:attrName>style.visibility</p:attrName>
+                                        </p:attrNameLst>
+                                      </p:cBhvr>
+                                      <p:to>
+                                        <p:strVal val="visible"/>
+                                      </p:to>
+                                    </p:set>
+                                    <p:animEffect transition="in" filter="fade">
+                                      <p:cBhvr>
+                                        <p:cTn id="58" dur="500"/>
+                                        <p:tgtEl>
+                                          <p:spTgt spid="51"/>
+                                        </p:tgtEl>
+                                      </p:cBhvr>
+                                    </p:animEffect>
+                                  </p:childTnLst>
+                                </p:cTn>
+                              </p:par>
+                              <p:par>
+                                <p:cTn id="59" presetID="10" presetClass="entr" presetSubtype="0" fill="hold" grpId="0" nodeType="withEffect">
+                                  <p:stCondLst>
+                                    <p:cond delay="0"/>
+                                  </p:stCondLst>
+                                  <p:childTnLst>
+                                    <p:set>
+                                      <p:cBhvr>
+                                        <p:cTn id="60" dur="1" fill="hold">
+                                          <p:stCondLst>
+                                            <p:cond delay="0"/>
+                                          </p:stCondLst>
+                                        </p:cTn>
+                                        <p:tgtEl>
+                                          <p:spTgt spid="44"/>
+                                        </p:tgtEl>
+                                        <p:attrNameLst>
+                                          <p:attrName>style.visibility</p:attrName>
+                                        </p:attrNameLst>
+                                      </p:cBhvr>
+                                      <p:to>
+                                        <p:strVal val="visible"/>
+                                      </p:to>
+                                    </p:set>
+                                    <p:animEffect transition="in" filter="fade">
+                                      <p:cBhvr>
+                                        <p:cTn id="61" dur="500"/>
+                                        <p:tgtEl>
+                                          <p:spTgt spid="44"/>
+                                        </p:tgtEl>
+                                      </p:cBhvr>
+                                    </p:animEffect>
+                                  </p:childTnLst>
+                                </p:cTn>
+                              </p:par>
+                              <p:par>
+                                <p:cTn id="62" presetID="10" presetClass="entr" presetSubtype="0" fill="hold" nodeType="withEffect">
+                                  <p:stCondLst>
+                                    <p:cond delay="0"/>
+                                  </p:stCondLst>
+                                  <p:childTnLst>
+                                    <p:set>
+                                      <p:cBhvr>
+                                        <p:cTn id="63" dur="1" fill="hold">
+                                          <p:stCondLst>
+                                            <p:cond delay="0"/>
+                                          </p:stCondLst>
+                                        </p:cTn>
+                                        <p:tgtEl>
+                                          <p:spTgt spid="17"/>
+                                        </p:tgtEl>
+                                        <p:attrNameLst>
+                                          <p:attrName>style.visibility</p:attrName>
+                                        </p:attrNameLst>
+                                      </p:cBhvr>
+                                      <p:to>
+                                        <p:strVal val="visible"/>
+                                      </p:to>
+                                    </p:set>
+                                    <p:animEffect transition="in" filter="fade">
+                                      <p:cBhvr>
+                                        <p:cTn id="64" dur="500"/>
+                                        <p:tgtEl>
+                                          <p:spTgt spid="17"/>
+                                        </p:tgtEl>
+                                      </p:cBhvr>
+                                    </p:animEffect>
+                                  </p:childTnLst>
+                                </p:cTn>
+                              </p:par>
+                              <p:par>
+                                <p:cTn id="65" presetID="10" presetClass="entr" presetSubtype="0" fill="hold" grpId="0" nodeType="withEffect">
+                                  <p:stCondLst>
+                                    <p:cond delay="0"/>
+                                  </p:stCondLst>
+                                  <p:childTnLst>
+                                    <p:set>
+                                      <p:cBhvr>
+                                        <p:cTn id="66" dur="1" fill="hold">
+                                          <p:stCondLst>
+                                            <p:cond delay="0"/>
+                                          </p:stCondLst>
+                                        </p:cTn>
+                                        <p:tgtEl>
+                                          <p:spTgt spid="9"/>
+                                        </p:tgtEl>
+                                        <p:attrNameLst>
+                                          <p:attrName>style.visibility</p:attrName>
+                                        </p:attrNameLst>
+                                      </p:cBhvr>
+                                      <p:to>
+                                        <p:strVal val="visible"/>
+                                      </p:to>
+                                    </p:set>
+                                    <p:animEffect transition="in" filter="fade">
+                                      <p:cBhvr>
+                                        <p:cTn id="67" dur="500"/>
+                                        <p:tgtEl>
+                                          <p:spTgt spid="9"/>
+                                        </p:tgtEl>
+                                      </p:cBhvr>
+                                    </p:animEffect>
+                                  </p:childTnLst>
+                                </p:cTn>
+                              </p:par>
+                              <p:par>
+                                <p:cTn id="68" presetID="10" presetClass="entr" presetSubtype="0" fill="hold" grpId="0" nodeType="withEffect">
+                                  <p:stCondLst>
+                                    <p:cond delay="0"/>
+                                  </p:stCondLst>
+                                  <p:childTnLst>
+                                    <p:set>
+                                      <p:cBhvr>
+                                        <p:cTn id="69" dur="1" fill="hold">
+                                          <p:stCondLst>
+                                            <p:cond delay="0"/>
+                                          </p:stCondLst>
+                                        </p:cTn>
+                                        <p:tgtEl>
+                                          <p:spTgt spid="23"/>
+                                        </p:tgtEl>
+                                        <p:attrNameLst>
+                                          <p:attrName>style.visibility</p:attrName>
+                                        </p:attrNameLst>
+                                      </p:cBhvr>
+                                      <p:to>
+                                        <p:strVal val="visible"/>
+                                      </p:to>
+                                    </p:set>
+                                    <p:animEffect transition="in" filter="fade">
+                                      <p:cBhvr>
+                                        <p:cTn id="70" dur="500"/>
+                                        <p:tgtEl>
+                                          <p:spTgt spid="23"/>
+                                        </p:tgtEl>
+                                      </p:cBhvr>
+                                    </p:animEffect>
+                                  </p:childTnLst>
+                                </p:cTn>
+                              </p:par>
+                              <p:par>
+                                <p:cTn id="71" presetID="10" presetClass="entr" presetSubtype="0" fill="hold" grpId="0" nodeType="withEffect">
+                                  <p:stCondLst>
+                                    <p:cond delay="0"/>
+                                  </p:stCondLst>
+                                  <p:childTnLst>
+                                    <p:set>
+                                      <p:cBhvr>
+                                        <p:cTn id="72" dur="1" fill="hold">
+                                          <p:stCondLst>
+                                            <p:cond delay="0"/>
+                                          </p:stCondLst>
+                                        </p:cTn>
+                                        <p:tgtEl>
+                                          <p:spTgt spid="8"/>
+                                        </p:tgtEl>
+                                        <p:attrNameLst>
+                                          <p:attrName>style.visibility</p:attrName>
+                                        </p:attrNameLst>
+                                      </p:cBhvr>
+                                      <p:to>
+                                        <p:strVal val="visible"/>
+                                      </p:to>
+                                    </p:set>
+                                    <p:animEffect transition="in" filter="fade">
+                                      <p:cBhvr>
+                                        <p:cTn id="73" dur="500"/>
+                                        <p:tgtEl>
+                                          <p:spTgt spid="8"/>
+                                        </p:tgtEl>
+                                      </p:cBhvr>
+                                    </p:animEffect>
+                                  </p:childTnLst>
+                                </p:cTn>
+                              </p:par>
+                              <p:par>
+                                <p:cTn id="74" presetID="10" presetClass="entr" presetSubtype="0" fill="hold" grpId="0" nodeType="withEffect">
+                                  <p:stCondLst>
+                                    <p:cond delay="0"/>
+                                  </p:stCondLst>
+                                  <p:childTnLst>
+                                    <p:set>
+                                      <p:cBhvr>
+                                        <p:cTn id="75" dur="1" fill="hold">
+                                          <p:stCondLst>
+                                            <p:cond delay="0"/>
+                                          </p:stCondLst>
+                                        </p:cTn>
+                                        <p:tgtEl>
+                                          <p:spTgt spid="20"/>
+                                        </p:tgtEl>
+                                        <p:attrNameLst>
+                                          <p:attrName>style.visibility</p:attrName>
+                                        </p:attrNameLst>
+                                      </p:cBhvr>
+                                      <p:to>
+                                        <p:strVal val="visible"/>
+                                      </p:to>
+                                    </p:set>
+                                    <p:animEffect transition="in" filter="fade">
+                                      <p:cBhvr>
+                                        <p:cTn id="76" dur="500"/>
+                                        <p:tgtEl>
+                                          <p:spTgt spid="20"/>
+                                        </p:tgtEl>
+                                      </p:cBhvr>
+                                    </p:animEffect>
+                                  </p:childTnLst>
+                                </p:cTn>
+                              </p:par>
+                              <p:par>
+                                <p:cTn id="77" presetID="10" presetClass="entr" presetSubtype="0" fill="hold" grpId="0" nodeType="withEffect">
+                                  <p:stCondLst>
+                                    <p:cond delay="0"/>
+                                  </p:stCondLst>
+                                  <p:childTnLst>
+                                    <p:set>
+                                      <p:cBhvr>
+                                        <p:cTn id="78" dur="1" fill="hold">
+                                          <p:stCondLst>
+                                            <p:cond delay="0"/>
+                                          </p:stCondLst>
+                                        </p:cTn>
+                                        <p:tgtEl>
+                                          <p:spTgt spid="13"/>
+                                        </p:tgtEl>
+                                        <p:attrNameLst>
+                                          <p:attrName>style.visibility</p:attrName>
+                                        </p:attrNameLst>
+                                      </p:cBhvr>
+                                      <p:to>
+                                        <p:strVal val="visible"/>
+                                      </p:to>
+                                    </p:set>
+                                    <p:animEffect transition="in" filter="fade">
+                                      <p:cBhvr>
+                                        <p:cTn id="79" dur="500"/>
+                                        <p:tgtEl>
+                                          <p:spTgt spid="13"/>
+                                        </p:tgtEl>
+                                      </p:cBhvr>
+                                    </p:animEffect>
+                                  </p:childTnLst>
+                                </p:cTn>
+                              </p:par>
+                              <p:par>
+                                <p:cTn id="80" presetID="10" presetClass="entr" presetSubtype="0" fill="hold" nodeType="withEffect">
+                                  <p:stCondLst>
+                                    <p:cond delay="0"/>
+                                  </p:stCondLst>
+                                  <p:childTnLst>
+                                    <p:set>
+                                      <p:cBhvr>
+                                        <p:cTn id="81" dur="1" fill="hold">
+                                          <p:stCondLst>
+                                            <p:cond delay="0"/>
+                                          </p:stCondLst>
+                                        </p:cTn>
+                                        <p:tgtEl>
+                                          <p:spTgt spid="18"/>
+                                        </p:tgtEl>
+                                        <p:attrNameLst>
+                                          <p:attrName>style.visibility</p:attrName>
+                                        </p:attrNameLst>
+                                      </p:cBhvr>
+                                      <p:to>
+                                        <p:strVal val="visible"/>
+                                      </p:to>
+                                    </p:set>
+                                    <p:animEffect transition="in" filter="fade">
+                                      <p:cBhvr>
+                                        <p:cTn id="82" dur="500"/>
+                                        <p:tgtEl>
+                                          <p:spTgt spid="18"/>
+                                        </p:tgtEl>
+                                      </p:cBhvr>
+                                    </p:animEffect>
+                                  </p:childTnLst>
+                                </p:cTn>
+                              </p:par>
+                              <p:par>
+                                <p:cTn id="83" presetID="10" presetClass="entr" presetSubtype="0" fill="hold" nodeType="withEffect">
+                                  <p:stCondLst>
+                                    <p:cond delay="0"/>
+                                  </p:stCondLst>
+                                  <p:childTnLst>
+                                    <p:set>
+                                      <p:cBhvr>
+                                        <p:cTn id="84" dur="1" fill="hold">
+                                          <p:stCondLst>
+                                            <p:cond delay="0"/>
+                                          </p:stCondLst>
+                                        </p:cTn>
+                                        <p:tgtEl>
+                                          <p:spTgt spid="37"/>
+                                        </p:tgtEl>
+                                        <p:attrNameLst>
+                                          <p:attrName>style.visibility</p:attrName>
+                                        </p:attrNameLst>
+                                      </p:cBhvr>
+                                      <p:to>
+                                        <p:strVal val="visible"/>
+                                      </p:to>
+                                    </p:set>
+                                    <p:animEffect transition="in" filter="fade">
+                                      <p:cBhvr>
+                                        <p:cTn id="85" dur="500"/>
+                                        <p:tgtEl>
+                                          <p:spTgt spid="37"/>
+                                        </p:tgtEl>
+                                      </p:cBhvr>
+                                    </p:animEffect>
+                                  </p:childTnLst>
+                                </p:cTn>
+                              </p:par>
+                              <p:par>
+                                <p:cTn id="86" presetID="10" presetClass="entr" presetSubtype="0" fill="hold" nodeType="withEffect">
+                                  <p:stCondLst>
+                                    <p:cond delay="0"/>
+                                  </p:stCondLst>
+                                  <p:childTnLst>
+                                    <p:set>
+                                      <p:cBhvr>
+                                        <p:cTn id="87" dur="1" fill="hold">
+                                          <p:stCondLst>
+                                            <p:cond delay="0"/>
+                                          </p:stCondLst>
+                                        </p:cTn>
+                                        <p:tgtEl>
+                                          <p:spTgt spid="6"/>
+                                        </p:tgtEl>
+                                        <p:attrNameLst>
+                                          <p:attrName>style.visibility</p:attrName>
+                                        </p:attrNameLst>
+                                      </p:cBhvr>
+                                      <p:to>
+                                        <p:strVal val="visible"/>
+                                      </p:to>
+                                    </p:set>
+                                    <p:animEffect transition="in" filter="fade">
+                                      <p:cBhvr>
+                                        <p:cTn id="88" dur="500"/>
+                                        <p:tgtEl>
+                                          <p:spTgt spid="6"/>
+                                        </p:tgtEl>
+                                      </p:cBhvr>
+                                    </p:animEffect>
+                                  </p:childTnLst>
+                                </p:cTn>
+                              </p:par>
+                              <p:par>
+                                <p:cTn id="89" presetID="10" presetClass="entr" presetSubtype="0" fill="hold" grpId="0" nodeType="withEffect">
+                                  <p:stCondLst>
+                                    <p:cond delay="0"/>
+                                  </p:stCondLst>
+                                  <p:childTnLst>
+                                    <p:set>
+                                      <p:cBhvr>
+                                        <p:cTn id="90" dur="1" fill="hold">
+                                          <p:stCondLst>
+                                            <p:cond delay="0"/>
+                                          </p:stCondLst>
+                                        </p:cTn>
+                                        <p:tgtEl>
+                                          <p:spTgt spid="60"/>
+                                        </p:tgtEl>
+                                        <p:attrNameLst>
+                                          <p:attrName>style.visibility</p:attrName>
+                                        </p:attrNameLst>
+                                      </p:cBhvr>
+                                      <p:to>
+                                        <p:strVal val="visible"/>
+                                      </p:to>
+                                    </p:set>
+                                    <p:animEffect transition="in" filter="fade">
+                                      <p:cBhvr>
+                                        <p:cTn id="91" dur="500"/>
+                                        <p:tgtEl>
+                                          <p:spTgt spid="60"/>
+                                        </p:tgtEl>
+                                      </p:cBhvr>
+                                    </p:animEffect>
+                                  </p:childTnLst>
+                                </p:cTn>
+                              </p:par>
+                              <p:par>
+                                <p:cTn id="92" presetID="10" presetClass="entr" presetSubtype="0" fill="hold" nodeType="withEffect">
+                                  <p:stCondLst>
+                                    <p:cond delay="0"/>
+                                  </p:stCondLst>
+                                  <p:childTnLst>
+                                    <p:set>
+                                      <p:cBhvr>
+                                        <p:cTn id="93" dur="1" fill="hold">
+                                          <p:stCondLst>
+                                            <p:cond delay="0"/>
+                                          </p:stCondLst>
+                                        </p:cTn>
+                                        <p:tgtEl>
+                                          <p:spTgt spid="10"/>
+                                        </p:tgtEl>
+                                        <p:attrNameLst>
+                                          <p:attrName>style.visibility</p:attrName>
+                                        </p:attrNameLst>
+                                      </p:cBhvr>
+                                      <p:to>
+                                        <p:strVal val="visible"/>
+                                      </p:to>
+                                    </p:set>
+                                    <p:animEffect transition="in" filter="fade">
+                                      <p:cBhvr>
+                                        <p:cTn id="94" dur="500"/>
+                                        <p:tgtEl>
+                                          <p:spTgt spid="10"/>
+                                        </p:tgtEl>
+                                      </p:cBhvr>
+                                    </p:animEffect>
+                                  </p:childTnLst>
+                                </p:cTn>
+                              </p:par>
+                              <p:par>
+                                <p:cTn id="95" presetID="10" presetClass="entr" presetSubtype="0" fill="hold" grpId="0" nodeType="withEffect">
+                                  <p:stCondLst>
+                                    <p:cond delay="0"/>
+                                  </p:stCondLst>
+                                  <p:childTnLst>
+                                    <p:set>
+                                      <p:cBhvr>
+                                        <p:cTn id="96" dur="1" fill="hold">
+                                          <p:stCondLst>
+                                            <p:cond delay="0"/>
+                                          </p:stCondLst>
+                                        </p:cTn>
+                                        <p:tgtEl>
+                                          <p:spTgt spid="61"/>
+                                        </p:tgtEl>
+                                        <p:attrNameLst>
+                                          <p:attrName>style.visibility</p:attrName>
+                                        </p:attrNameLst>
+                                      </p:cBhvr>
+                                      <p:to>
+                                        <p:strVal val="visible"/>
+                                      </p:to>
+                                    </p:set>
+                                    <p:animEffect transition="in" filter="fade">
+                                      <p:cBhvr>
+                                        <p:cTn id="97" dur="500"/>
+                                        <p:tgtEl>
+                                          <p:spTgt spid="61"/>
+                                        </p:tgtEl>
+                                      </p:cBhvr>
+                                    </p:animEffect>
+                                  </p:childTnLst>
+                                </p:cTn>
+                              </p:par>
+                            </p:childTnLst>
+                          </p:cTn>
+                        </p:par>
+                      </p:childTnLst>
+                    </p:cTn>
+                  </p:par>
+                  <p:par>
+                    <p:cTn id="98" fill="hold">
+                      <p:stCondLst>
+                        <p:cond delay="indefinite"/>
+                      </p:stCondLst>
+                      <p:childTnLst>
+                        <p:par>
+                          <p:cTn id="99" fill="hold">
+                            <p:stCondLst>
+                              <p:cond delay="0"/>
+                            </p:stCondLst>
+                            <p:childTnLst>
+                              <p:par>
+                                <p:cTn id="100" presetID="10" presetClass="entr" presetSubtype="0" fill="hold" nodeType="clickEffect">
+                                  <p:stCondLst>
+                                    <p:cond delay="0"/>
+                                  </p:stCondLst>
+                                  <p:childTnLst>
+                                    <p:set>
+                                      <p:cBhvr>
+                                        <p:cTn id="101" dur="1" fill="hold">
+                                          <p:stCondLst>
+                                            <p:cond delay="0"/>
+                                          </p:stCondLst>
+                                        </p:cTn>
+                                        <p:tgtEl>
+                                          <p:spTgt spid="36"/>
+                                        </p:tgtEl>
+                                        <p:attrNameLst>
+                                          <p:attrName>style.visibility</p:attrName>
+                                        </p:attrNameLst>
+                                      </p:cBhvr>
+                                      <p:to>
+                                        <p:strVal val="visible"/>
+                                      </p:to>
+                                    </p:set>
+                                    <p:animEffect transition="in" filter="fade">
+                                      <p:cBhvr>
+                                        <p:cTn id="102" dur="500"/>
+                                        <p:tgtEl>
+                                          <p:spTgt spid="36"/>
+                                        </p:tgtEl>
+                                      </p:cBhvr>
+                                    </p:animEffect>
+                                  </p:childTnLst>
+                                </p:cTn>
+                              </p:par>
+                              <p:par>
+                                <p:cTn id="103" presetID="10" presetClass="entr" presetSubtype="0" fill="hold" grpId="0" nodeType="withEffect">
+                                  <p:stCondLst>
+                                    <p:cond delay="0"/>
+                                  </p:stCondLst>
+                                  <p:childTnLst>
+                                    <p:set>
+                                      <p:cBhvr>
+                                        <p:cTn id="104" dur="1" fill="hold">
+                                          <p:stCondLst>
+                                            <p:cond delay="0"/>
+                                          </p:stCondLst>
+                                        </p:cTn>
+                                        <p:tgtEl>
+                                          <p:spTgt spid="41"/>
+                                        </p:tgtEl>
+                                        <p:attrNameLst>
+                                          <p:attrName>style.visibility</p:attrName>
+                                        </p:attrNameLst>
+                                      </p:cBhvr>
+                                      <p:to>
+                                        <p:strVal val="visible"/>
+                                      </p:to>
+                                    </p:set>
+                                    <p:animEffect transition="in" filter="fade">
+                                      <p:cBhvr>
+                                        <p:cTn id="105" dur="500"/>
+                                        <p:tgtEl>
+                                          <p:spTgt spid="41"/>
+                                        </p:tgtEl>
+                                      </p:cBhvr>
+                                    </p:animEffect>
+                                  </p:childTnLst>
+                                </p:cTn>
+                              </p:par>
+                              <p:par>
+                                <p:cTn id="106" presetID="10" presetClass="entr" presetSubtype="0" fill="hold" nodeType="withEffect">
+                                  <p:stCondLst>
+                                    <p:cond delay="0"/>
+                                  </p:stCondLst>
+                                  <p:childTnLst>
+                                    <p:set>
+                                      <p:cBhvr>
+                                        <p:cTn id="107" dur="1" fill="hold">
+                                          <p:stCondLst>
+                                            <p:cond delay="0"/>
+                                          </p:stCondLst>
+                                        </p:cTn>
+                                        <p:tgtEl>
+                                          <p:spTgt spid="11"/>
+                                        </p:tgtEl>
+                                        <p:attrNameLst>
+                                          <p:attrName>style.visibility</p:attrName>
+                                        </p:attrNameLst>
+                                      </p:cBhvr>
+                                      <p:to>
+                                        <p:strVal val="visible"/>
+                                      </p:to>
+                                    </p:set>
+                                    <p:animEffect transition="in" filter="fade">
+                                      <p:cBhvr>
+                                        <p:cTn id="108" dur="500"/>
+                                        <p:tgtEl>
+                                          <p:spTgt spid="11"/>
+                                        </p:tgtEl>
+                                      </p:cBhvr>
+                                    </p:animEffect>
+                                  </p:childTnLst>
+                                </p:cTn>
+                              </p:par>
+                              <p:par>
+                                <p:cTn id="109" presetID="10" presetClass="entr" presetSubtype="0" fill="hold" nodeType="withEffect">
+                                  <p:stCondLst>
+                                    <p:cond delay="0"/>
+                                  </p:stCondLst>
+                                  <p:childTnLst>
+                                    <p:set>
+                                      <p:cBhvr>
+                                        <p:cTn id="110" dur="1" fill="hold">
+                                          <p:stCondLst>
+                                            <p:cond delay="0"/>
+                                          </p:stCondLst>
+                                        </p:cTn>
+                                        <p:tgtEl>
+                                          <p:spTgt spid="42"/>
+                                        </p:tgtEl>
+                                        <p:attrNameLst>
+                                          <p:attrName>style.visibility</p:attrName>
+                                        </p:attrNameLst>
+                                      </p:cBhvr>
+                                      <p:to>
+                                        <p:strVal val="visible"/>
+                                      </p:to>
+                                    </p:set>
+                                    <p:animEffect transition="in" filter="fade">
+                                      <p:cBhvr>
+                                        <p:cTn id="111" dur="500"/>
+                                        <p:tgtEl>
+                                          <p:spTgt spid="42"/>
+                                        </p:tgtEl>
+                                      </p:cBhvr>
+                                    </p:animEffect>
+                                  </p:childTnLst>
+                                </p:cTn>
+                              </p:par>
+                              <p:par>
+                                <p:cTn id="112" presetID="10" presetClass="entr" presetSubtype="0" fill="hold" nodeType="withEffect">
+                                  <p:stCondLst>
+                                    <p:cond delay="0"/>
+                                  </p:stCondLst>
+                                  <p:childTnLst>
+                                    <p:set>
+                                      <p:cBhvr>
+                                        <p:cTn id="113" dur="1" fill="hold">
+                                          <p:stCondLst>
+                                            <p:cond delay="0"/>
+                                          </p:stCondLst>
+                                        </p:cTn>
+                                        <p:tgtEl>
+                                          <p:spTgt spid="14"/>
+                                        </p:tgtEl>
+                                        <p:attrNameLst>
+                                          <p:attrName>style.visibility</p:attrName>
+                                        </p:attrNameLst>
+                                      </p:cBhvr>
+                                      <p:to>
+                                        <p:strVal val="visible"/>
+                                      </p:to>
+                                    </p:set>
+                                    <p:animEffect transition="in" filter="fade">
+                                      <p:cBhvr>
+                                        <p:cTn id="114" dur="500"/>
+                                        <p:tgtEl>
+                                          <p:spTgt spid="14"/>
+                                        </p:tgtEl>
+                                      </p:cBhvr>
+                                    </p:animEffect>
+                                  </p:childTnLst>
+                                </p:cTn>
+                              </p:par>
+                              <p:par>
+                                <p:cTn id="115" presetID="10" presetClass="entr" presetSubtype="0" fill="hold" grpId="0" nodeType="withEffect">
+                                  <p:stCondLst>
+                                    <p:cond delay="0"/>
+                                  </p:stCondLst>
+                                  <p:childTnLst>
+                                    <p:set>
+                                      <p:cBhvr>
+                                        <p:cTn id="116" dur="1" fill="hold">
+                                          <p:stCondLst>
+                                            <p:cond delay="0"/>
+                                          </p:stCondLst>
+                                        </p:cTn>
+                                        <p:tgtEl>
+                                          <p:spTgt spid="22"/>
+                                        </p:tgtEl>
+                                        <p:attrNameLst>
+                                          <p:attrName>style.visibility</p:attrName>
+                                        </p:attrNameLst>
+                                      </p:cBhvr>
+                                      <p:to>
+                                        <p:strVal val="visible"/>
+                                      </p:to>
+                                    </p:set>
+                                    <p:animEffect transition="in" filter="fade">
+                                      <p:cBhvr>
+                                        <p:cTn id="117" dur="500"/>
+                                        <p:tgtEl>
+                                          <p:spTgt spid="22"/>
+                                        </p:tgtEl>
+                                      </p:cBhvr>
+                                    </p:animEffect>
+                                  </p:childTnLst>
+                                </p:cTn>
+                              </p:par>
+                              <p:par>
+                                <p:cTn id="118" presetID="10" presetClass="entr" presetSubtype="0" fill="hold" grpId="0" nodeType="withEffect">
+                                  <p:stCondLst>
+                                    <p:cond delay="0"/>
+                                  </p:stCondLst>
+                                  <p:childTnLst>
+                                    <p:set>
+                                      <p:cBhvr>
+                                        <p:cTn id="119" dur="1" fill="hold">
+                                          <p:stCondLst>
+                                            <p:cond delay="0"/>
+                                          </p:stCondLst>
+                                        </p:cTn>
+                                        <p:tgtEl>
+                                          <p:spTgt spid="21"/>
+                                        </p:tgtEl>
+                                        <p:attrNameLst>
+                                          <p:attrName>style.visibility</p:attrName>
+                                        </p:attrNameLst>
+                                      </p:cBhvr>
+                                      <p:to>
+                                        <p:strVal val="visible"/>
+                                      </p:to>
+                                    </p:set>
+                                    <p:animEffect transition="in" filter="fade">
+                                      <p:cBhvr>
+                                        <p:cTn id="120" dur="500"/>
+                                        <p:tgtEl>
+                                          <p:spTgt spid="21"/>
+                                        </p:tgtEl>
+                                      </p:cBhvr>
+                                    </p:animEffect>
+                                  </p:childTnLst>
+                                </p:cTn>
+                              </p:par>
+                              <p:par>
+                                <p:cTn id="121" presetID="10" presetClass="entr" presetSubtype="0" fill="hold" grpId="0" nodeType="withEffect">
+                                  <p:stCondLst>
+                                    <p:cond delay="0"/>
+                                  </p:stCondLst>
+                                  <p:childTnLst>
+                                    <p:set>
+                                      <p:cBhvr>
+                                        <p:cTn id="122" dur="1" fill="hold">
+                                          <p:stCondLst>
+                                            <p:cond delay="0"/>
+                                          </p:stCondLst>
+                                        </p:cTn>
+                                        <p:tgtEl>
+                                          <p:spTgt spid="5"/>
+                                        </p:tgtEl>
+                                        <p:attrNameLst>
+                                          <p:attrName>style.visibility</p:attrName>
+                                        </p:attrNameLst>
+                                      </p:cBhvr>
+                                      <p:to>
+                                        <p:strVal val="visible"/>
+                                      </p:to>
+                                    </p:set>
+                                    <p:animEffect transition="in" filter="fade">
+                                      <p:cBhvr>
+                                        <p:cTn id="123" dur="500"/>
+                                        <p:tgtEl>
+                                          <p:spTgt spid="5"/>
+                                        </p:tgtEl>
+                                      </p:cBhvr>
+                                    </p:animEffect>
+                                  </p:childTnLst>
+                                </p:cTn>
+                              </p:par>
+                              <p:par>
+                                <p:cTn id="124" presetID="10" presetClass="entr" presetSubtype="0" fill="hold" nodeType="withEffect">
+                                  <p:stCondLst>
+                                    <p:cond delay="0"/>
+                                  </p:stCondLst>
+                                  <p:childTnLst>
+                                    <p:set>
+                                      <p:cBhvr>
+                                        <p:cTn id="125" dur="1" fill="hold">
+                                          <p:stCondLst>
+                                            <p:cond delay="0"/>
+                                          </p:stCondLst>
+                                        </p:cTn>
+                                        <p:tgtEl>
+                                          <p:spTgt spid="48"/>
+                                        </p:tgtEl>
+                                        <p:attrNameLst>
+                                          <p:attrName>style.visibility</p:attrName>
+                                        </p:attrNameLst>
+                                      </p:cBhvr>
+                                      <p:to>
+                                        <p:strVal val="visible"/>
+                                      </p:to>
+                                    </p:set>
+                                    <p:animEffect transition="in" filter="fade">
+                                      <p:cBhvr>
+                                        <p:cTn id="126" dur="500"/>
+                                        <p:tgtEl>
+                                          <p:spTgt spid="48"/>
+                                        </p:tgtEl>
+                                      </p:cBhvr>
+                                    </p:animEffect>
+                                  </p:childTnLst>
+                                </p:cTn>
+                              </p:par>
+                            </p:childTnLst>
+                          </p:cTn>
+                        </p:par>
+                      </p:childTnLst>
+                    </p:cTn>
+                  </p:par>
+                  <p:par>
+                    <p:cTn id="127" fill="hold">
+                      <p:stCondLst>
+                        <p:cond delay="indefinite"/>
+                      </p:stCondLst>
+                      <p:childTnLst>
+                        <p:par>
+                          <p:cTn id="128" fill="hold">
+                            <p:stCondLst>
+                              <p:cond delay="0"/>
+                            </p:stCondLst>
+                            <p:childTnLst>
+                              <p:par>
+                                <p:cTn id="129" presetID="10" presetClass="entr" presetSubtype="0" fill="hold" nodeType="clickEffect">
+                                  <p:stCondLst>
+                                    <p:cond delay="0"/>
+                                  </p:stCondLst>
+                                  <p:childTnLst>
+                                    <p:set>
+                                      <p:cBhvr>
+                                        <p:cTn id="130" dur="1" fill="hold">
+                                          <p:stCondLst>
+                                            <p:cond delay="0"/>
+                                          </p:stCondLst>
+                                        </p:cTn>
+                                        <p:tgtEl>
+                                          <p:spTgt spid="47"/>
+                                        </p:tgtEl>
+                                        <p:attrNameLst>
+                                          <p:attrName>style.visibility</p:attrName>
+                                        </p:attrNameLst>
+                                      </p:cBhvr>
+                                      <p:to>
+                                        <p:strVal val="visible"/>
+                                      </p:to>
+                                    </p:set>
+                                    <p:animEffect transition="in" filter="fade">
+                                      <p:cBhvr>
+                                        <p:cTn id="131" dur="500"/>
+                                        <p:tgtEl>
+                                          <p:spTgt spid="47"/>
+                                        </p:tgtEl>
+                                      </p:cBhvr>
+                                    </p:animEffect>
+                                  </p:childTnLst>
+                                </p:cTn>
+                              </p:par>
+                              <p:par>
+                                <p:cTn id="132" presetID="10" presetClass="entr" presetSubtype="0" fill="hold" nodeType="withEffect">
+                                  <p:stCondLst>
+                                    <p:cond delay="0"/>
+                                  </p:stCondLst>
+                                  <p:childTnLst>
+                                    <p:set>
+                                      <p:cBhvr>
+                                        <p:cTn id="133" dur="1" fill="hold">
+                                          <p:stCondLst>
+                                            <p:cond delay="0"/>
+                                          </p:stCondLst>
+                                        </p:cTn>
+                                        <p:tgtEl>
+                                          <p:spTgt spid="39"/>
+                                        </p:tgtEl>
+                                        <p:attrNameLst>
+                                          <p:attrName>style.visibility</p:attrName>
+                                        </p:attrNameLst>
+                                      </p:cBhvr>
+                                      <p:to>
+                                        <p:strVal val="visible"/>
+                                      </p:to>
+                                    </p:set>
+                                    <p:animEffect transition="in" filter="fade">
+                                      <p:cBhvr>
+                                        <p:cTn id="134" dur="500"/>
+                                        <p:tgtEl>
+                                          <p:spTgt spid="39"/>
+                                        </p:tgtEl>
+                                      </p:cBhvr>
+                                    </p:animEffect>
+                                  </p:childTnLst>
+                                </p:cTn>
+                              </p:par>
+                              <p:par>
+                                <p:cTn id="135" presetID="10" presetClass="entr" presetSubtype="0" fill="hold" grpId="0" nodeType="withEffect">
+                                  <p:stCondLst>
+                                    <p:cond delay="0"/>
+                                  </p:stCondLst>
+                                  <p:childTnLst>
+                                    <p:set>
+                                      <p:cBhvr>
+                                        <p:cTn id="136" dur="1" fill="hold">
+                                          <p:stCondLst>
+                                            <p:cond delay="0"/>
+                                          </p:stCondLst>
+                                        </p:cTn>
+                                        <p:tgtEl>
+                                          <p:spTgt spid="49"/>
+                                        </p:tgtEl>
+                                        <p:attrNameLst>
+                                          <p:attrName>style.visibility</p:attrName>
+                                        </p:attrNameLst>
+                                      </p:cBhvr>
+                                      <p:to>
+                                        <p:strVal val="visible"/>
+                                      </p:to>
+                                    </p:set>
+                                    <p:animEffect transition="in" filter="fade">
+                                      <p:cBhvr>
+                                        <p:cTn id="137" dur="500"/>
+                                        <p:tgtEl>
+                                          <p:spTgt spid="49"/>
+                                        </p:tgtEl>
+                                      </p:cBhvr>
+                                    </p:animEffect>
+                                  </p:childTnLst>
+                                </p:cTn>
+                              </p:par>
+                              <p:par>
+                                <p:cTn id="138" presetID="10" presetClass="entr" presetSubtype="0" fill="hold" grpId="0" nodeType="withEffect">
+                                  <p:stCondLst>
+                                    <p:cond delay="0"/>
+                                  </p:stCondLst>
+                                  <p:childTnLst>
+                                    <p:set>
+                                      <p:cBhvr>
+                                        <p:cTn id="139" dur="1" fill="hold">
+                                          <p:stCondLst>
+                                            <p:cond delay="0"/>
+                                          </p:stCondLst>
+                                        </p:cTn>
+                                        <p:tgtEl>
+                                          <p:spTgt spid="64"/>
+                                        </p:tgtEl>
+                                        <p:attrNameLst>
+                                          <p:attrName>style.visibility</p:attrName>
+                                        </p:attrNameLst>
+                                      </p:cBhvr>
+                                      <p:to>
+                                        <p:strVal val="visible"/>
+                                      </p:to>
+                                    </p:set>
+                                    <p:animEffect transition="in" filter="fade">
+                                      <p:cBhvr>
+                                        <p:cTn id="140" dur="500"/>
+                                        <p:tgtEl>
+                                          <p:spTgt spid="64"/>
+                                        </p:tgtEl>
+                                      </p:cBhvr>
+                                    </p:animEffect>
+                                  </p:childTnLst>
+                                </p:cTn>
+                              </p:par>
+                              <p:par>
+                                <p:cTn id="141" presetID="10" presetClass="entr" presetSubtype="0" fill="hold" nodeType="withEffect">
+                                  <p:stCondLst>
+                                    <p:cond delay="0"/>
+                                  </p:stCondLst>
+                                  <p:childTnLst>
+                                    <p:set>
+                                      <p:cBhvr>
+                                        <p:cTn id="142" dur="1" fill="hold">
+                                          <p:stCondLst>
+                                            <p:cond delay="0"/>
+                                          </p:stCondLst>
+                                        </p:cTn>
+                                        <p:tgtEl>
+                                          <p:spTgt spid="54"/>
+                                        </p:tgtEl>
+                                        <p:attrNameLst>
+                                          <p:attrName>style.visibility</p:attrName>
+                                        </p:attrNameLst>
+                                      </p:cBhvr>
+                                      <p:to>
+                                        <p:strVal val="visible"/>
+                                      </p:to>
+                                    </p:set>
+                                    <p:animEffect transition="in" filter="fade">
+                                      <p:cBhvr>
+                                        <p:cTn id="143" dur="500"/>
+                                        <p:tgtEl>
+                                          <p:spTgt spid="54"/>
+                                        </p:tgtEl>
+                                      </p:cBhvr>
+                                    </p:animEffect>
+                                  </p:childTnLst>
+                                </p:cTn>
+                              </p:par>
+                            </p:childTnLst>
+                          </p:cTn>
+                        </p:par>
+                      </p:childTnLst>
+                    </p:cTn>
+                  </p:par>
+                  <p:par>
+                    <p:cTn id="144" fill="hold">
+                      <p:stCondLst>
+                        <p:cond delay="indefinite"/>
+                      </p:stCondLst>
+                      <p:childTnLst>
+                        <p:par>
+                          <p:cTn id="145" fill="hold">
+                            <p:stCondLst>
+                              <p:cond delay="0"/>
+                            </p:stCondLst>
+                            <p:childTnLst>
+                              <p:par>
+                                <p:cTn id="146" presetID="10" presetClass="entr" presetSubtype="0" fill="hold" nodeType="clickEffect">
+                                  <p:stCondLst>
+                                    <p:cond delay="0"/>
+                                  </p:stCondLst>
+                                  <p:childTnLst>
+                                    <p:set>
+                                      <p:cBhvr>
+                                        <p:cTn id="147" dur="1" fill="hold">
+                                          <p:stCondLst>
+                                            <p:cond delay="0"/>
+                                          </p:stCondLst>
+                                        </p:cTn>
+                                        <p:tgtEl>
+                                          <p:spTgt spid="55"/>
+                                        </p:tgtEl>
+                                        <p:attrNameLst>
+                                          <p:attrName>style.visibility</p:attrName>
+                                        </p:attrNameLst>
+                                      </p:cBhvr>
+                                      <p:to>
+                                        <p:strVal val="visible"/>
+                                      </p:to>
+                                    </p:set>
+                                    <p:animEffect transition="in" filter="fade">
+                                      <p:cBhvr>
+                                        <p:cTn id="148" dur="500"/>
+                                        <p:tgtEl>
+                                          <p:spTgt spid="55"/>
+                                        </p:tgtEl>
+                                      </p:cBhvr>
+                                    </p:animEffect>
+                                  </p:childTnLst>
+                                </p:cTn>
+                              </p:par>
+                              <p:par>
+                                <p:cTn id="149" presetID="10" presetClass="entr" presetSubtype="0" fill="hold" nodeType="withEffect">
+                                  <p:stCondLst>
+                                    <p:cond delay="0"/>
+                                  </p:stCondLst>
+                                  <p:childTnLst>
+                                    <p:set>
+                                      <p:cBhvr>
+                                        <p:cTn id="150" dur="1" fill="hold">
+                                          <p:stCondLst>
+                                            <p:cond delay="0"/>
+                                          </p:stCondLst>
+                                        </p:cTn>
+                                        <p:tgtEl>
+                                          <p:spTgt spid="3"/>
+                                        </p:tgtEl>
+                                        <p:attrNameLst>
+                                          <p:attrName>style.visibility</p:attrName>
+                                        </p:attrNameLst>
+                                      </p:cBhvr>
+                                      <p:to>
+                                        <p:strVal val="visible"/>
+                                      </p:to>
+                                    </p:set>
+                                    <p:animEffect transition="in" filter="fade">
+                                      <p:cBhvr>
+                                        <p:cTn id="151" dur="500"/>
+                                        <p:tgtEl>
+                                          <p:spTgt spid="3"/>
+                                        </p:tgtEl>
+                                      </p:cBhvr>
+                                    </p:animEffect>
+                                  </p:childTnLst>
+                                </p:cTn>
+                              </p:par>
+                            </p:childTnLst>
+                          </p:cTn>
+                        </p:par>
+                      </p:childTnLst>
+                    </p:cTn>
+                  </p:par>
+                  <p:par>
+                    <p:cTn id="152" fill="hold">
+                      <p:stCondLst>
+                        <p:cond delay="indefinite"/>
+                      </p:stCondLst>
+                      <p:childTnLst>
+                        <p:par>
+                          <p:cTn id="153" fill="hold">
+                            <p:stCondLst>
+                              <p:cond delay="0"/>
+                            </p:stCondLst>
+                            <p:childTnLst>
+                              <p:par>
+                                <p:cTn id="154" presetID="10" presetClass="entr" presetSubtype="0" fill="hold" nodeType="clickEffect">
+                                  <p:stCondLst>
+                                    <p:cond delay="0"/>
+                                  </p:stCondLst>
+                                  <p:childTnLst>
+                                    <p:set>
+                                      <p:cBhvr>
+                                        <p:cTn id="155" dur="1" fill="hold">
+                                          <p:stCondLst>
+                                            <p:cond delay="0"/>
+                                          </p:stCondLst>
+                                        </p:cTn>
+                                        <p:tgtEl>
+                                          <p:spTgt spid="56"/>
+                                        </p:tgtEl>
+                                        <p:attrNameLst>
+                                          <p:attrName>style.visibility</p:attrName>
+                                        </p:attrNameLst>
+                                      </p:cBhvr>
+                                      <p:to>
+                                        <p:strVal val="visible"/>
+                                      </p:to>
+                                    </p:set>
+                                    <p:animEffect transition="in" filter="fade">
+                                      <p:cBhvr>
+                                        <p:cTn id="156" dur="500"/>
+                                        <p:tgtEl>
+                                          <p:spTgt spid="56"/>
+                                        </p:tgtEl>
+                                      </p:cBhvr>
+                                    </p:animEffect>
+                                  </p:childTnLst>
+                                </p:cTn>
+                              </p:par>
+                              <p:par>
+                                <p:cTn id="157" presetID="10" presetClass="exit" presetSubtype="0" fill="hold" nodeType="withEffect">
+                                  <p:stCondLst>
+                                    <p:cond delay="0"/>
+                                  </p:stCondLst>
+                                  <p:childTnLst>
+                                    <p:animEffect transition="out" filter="fade">
+                                      <p:cBhvr>
+                                        <p:cTn id="158" dur="500"/>
+                                        <p:tgtEl>
+                                          <p:spTgt spid="18"/>
+                                        </p:tgtEl>
+                                      </p:cBhvr>
+                                    </p:animEffect>
+                                    <p:set>
+                                      <p:cBhvr>
+                                        <p:cTn id="159" dur="1" fill="hold">
+                                          <p:stCondLst>
+                                            <p:cond delay="499"/>
+                                          </p:stCondLst>
+                                        </p:cTn>
+                                        <p:tgtEl>
+                                          <p:spTgt spid="18"/>
+                                        </p:tgtEl>
+                                        <p:attrNameLst>
+                                          <p:attrName>style.visibility</p:attrName>
+                                        </p:attrNameLst>
+                                      </p:cBhvr>
+                                      <p:to>
+                                        <p:strVal val="hidden"/>
+                                      </p:to>
+                                    </p:set>
+                                  </p:childTnLst>
+                                </p:cTn>
+                              </p:par>
+                              <p:par>
+                                <p:cTn id="160" presetID="10" presetClass="exit" presetSubtype="0" fill="hold" grpId="1" nodeType="withEffect">
+                                  <p:stCondLst>
+                                    <p:cond delay="0"/>
+                                  </p:stCondLst>
+                                  <p:childTnLst>
+                                    <p:animEffect transition="out" filter="fade">
+                                      <p:cBhvr>
+                                        <p:cTn id="161" dur="500"/>
+                                        <p:tgtEl>
+                                          <p:spTgt spid="43"/>
+                                        </p:tgtEl>
+                                      </p:cBhvr>
+                                    </p:animEffect>
+                                    <p:set>
+                                      <p:cBhvr>
+                                        <p:cTn id="162" dur="1" fill="hold">
+                                          <p:stCondLst>
+                                            <p:cond delay="499"/>
+                                          </p:stCondLst>
+                                        </p:cTn>
+                                        <p:tgtEl>
+                                          <p:spTgt spid="43"/>
+                                        </p:tgtEl>
+                                        <p:attrNameLst>
+                                          <p:attrName>style.visibility</p:attrName>
+                                        </p:attrNameLst>
+                                      </p:cBhvr>
+                                      <p:to>
+                                        <p:strVal val="hidden"/>
+                                      </p:to>
+                                    </p:set>
+                                  </p:childTnLst>
+                                </p:cTn>
+                              </p:par>
+                              <p:par>
+                                <p:cTn id="163" presetID="10" presetClass="exit" presetSubtype="0" fill="hold" nodeType="withEffect">
+                                  <p:stCondLst>
+                                    <p:cond delay="0"/>
+                                  </p:stCondLst>
+                                  <p:childTnLst>
+                                    <p:animEffect transition="out" filter="fade">
+                                      <p:cBhvr>
+                                        <p:cTn id="164" dur="500"/>
+                                        <p:tgtEl>
+                                          <p:spTgt spid="12"/>
+                                        </p:tgtEl>
+                                      </p:cBhvr>
+                                    </p:animEffect>
+                                    <p:set>
+                                      <p:cBhvr>
+                                        <p:cTn id="165" dur="1" fill="hold">
+                                          <p:stCondLst>
+                                            <p:cond delay="499"/>
+                                          </p:stCondLst>
+                                        </p:cTn>
+                                        <p:tgtEl>
+                                          <p:spTgt spid="12"/>
+                                        </p:tgtEl>
+                                        <p:attrNameLst>
+                                          <p:attrName>style.visibility</p:attrName>
+                                        </p:attrNameLst>
+                                      </p:cBhvr>
+                                      <p:to>
+                                        <p:strVal val="hidden"/>
+                                      </p:to>
+                                    </p:set>
+                                  </p:childTnLst>
+                                </p:cTn>
+                              </p:par>
+                              <p:par>
+                                <p:cTn id="166" presetID="10" presetClass="exit" presetSubtype="0" fill="hold" nodeType="withEffect">
+                                  <p:stCondLst>
+                                    <p:cond delay="0"/>
+                                  </p:stCondLst>
+                                  <p:childTnLst>
+                                    <p:animEffect transition="out" filter="fade">
+                                      <p:cBhvr>
+                                        <p:cTn id="167" dur="500"/>
+                                        <p:tgtEl>
+                                          <p:spTgt spid="46"/>
+                                        </p:tgtEl>
+                                      </p:cBhvr>
+                                    </p:animEffect>
+                                    <p:set>
+                                      <p:cBhvr>
+                                        <p:cTn id="168" dur="1" fill="hold">
+                                          <p:stCondLst>
+                                            <p:cond delay="499"/>
+                                          </p:stCondLst>
+                                        </p:cTn>
+                                        <p:tgtEl>
+                                          <p:spTgt spid="46"/>
+                                        </p:tgtEl>
+                                        <p:attrNameLst>
+                                          <p:attrName>style.visibility</p:attrName>
+                                        </p:attrNameLst>
+                                      </p:cBhvr>
+                                      <p:to>
+                                        <p:strVal val="hidden"/>
+                                      </p:to>
+                                    </p:set>
+                                  </p:childTnLst>
+                                </p:cTn>
+                              </p:par>
+                              <p:par>
+                                <p:cTn id="169" presetID="10" presetClass="exit" presetSubtype="0" fill="hold" nodeType="withEffect">
+                                  <p:stCondLst>
+                                    <p:cond delay="0"/>
+                                  </p:stCondLst>
+                                  <p:childTnLst>
+                                    <p:animEffect transition="out" filter="fade">
+                                      <p:cBhvr>
+                                        <p:cTn id="170" dur="500"/>
+                                        <p:tgtEl>
+                                          <p:spTgt spid="15"/>
+                                        </p:tgtEl>
+                                      </p:cBhvr>
+                                    </p:animEffect>
+                                    <p:set>
+                                      <p:cBhvr>
+                                        <p:cTn id="171" dur="1" fill="hold">
+                                          <p:stCondLst>
+                                            <p:cond delay="499"/>
+                                          </p:stCondLst>
+                                        </p:cTn>
+                                        <p:tgtEl>
+                                          <p:spTgt spid="15"/>
+                                        </p:tgtEl>
+                                        <p:attrNameLst>
+                                          <p:attrName>style.visibility</p:attrName>
+                                        </p:attrNameLst>
+                                      </p:cBhvr>
+                                      <p:to>
+                                        <p:strVal val="hidden"/>
+                                      </p:to>
+                                    </p:set>
+                                  </p:childTnLst>
+                                </p:cTn>
+                              </p:par>
+                              <p:par>
+                                <p:cTn id="172" presetID="10" presetClass="exit" presetSubtype="0" fill="hold" grpId="1" nodeType="withEffect">
+                                  <p:stCondLst>
+                                    <p:cond delay="0"/>
+                                  </p:stCondLst>
+                                  <p:childTnLst>
+                                    <p:animEffect transition="out" filter="fade">
+                                      <p:cBhvr>
+                                        <p:cTn id="173" dur="500"/>
+                                        <p:tgtEl>
+                                          <p:spTgt spid="24"/>
+                                        </p:tgtEl>
+                                      </p:cBhvr>
+                                    </p:animEffect>
+                                    <p:set>
+                                      <p:cBhvr>
+                                        <p:cTn id="174" dur="1" fill="hold">
+                                          <p:stCondLst>
+                                            <p:cond delay="499"/>
+                                          </p:stCondLst>
+                                        </p:cTn>
+                                        <p:tgtEl>
+                                          <p:spTgt spid="24"/>
+                                        </p:tgtEl>
+                                        <p:attrNameLst>
+                                          <p:attrName>style.visibility</p:attrName>
+                                        </p:attrNameLst>
+                                      </p:cBhvr>
+                                      <p:to>
+                                        <p:strVal val="hidden"/>
+                                      </p:to>
+                                    </p:set>
+                                  </p:childTnLst>
+                                </p:cTn>
+                              </p:par>
+                              <p:par>
+                                <p:cTn id="175" presetID="10" presetClass="exit" presetSubtype="0" fill="hold" nodeType="withEffect">
+                                  <p:stCondLst>
+                                    <p:cond delay="0"/>
+                                  </p:stCondLst>
+                                  <p:childTnLst>
+                                    <p:animEffect transition="out" filter="fade">
+                                      <p:cBhvr>
+                                        <p:cTn id="176" dur="500"/>
+                                        <p:tgtEl>
+                                          <p:spTgt spid="51"/>
+                                        </p:tgtEl>
+                                      </p:cBhvr>
+                                    </p:animEffect>
+                                    <p:set>
+                                      <p:cBhvr>
+                                        <p:cTn id="177" dur="1" fill="hold">
+                                          <p:stCondLst>
+                                            <p:cond delay="499"/>
+                                          </p:stCondLst>
+                                        </p:cTn>
+                                        <p:tgtEl>
+                                          <p:spTgt spid="51"/>
+                                        </p:tgtEl>
+                                        <p:attrNameLst>
+                                          <p:attrName>style.visibility</p:attrName>
+                                        </p:attrNameLst>
+                                      </p:cBhvr>
+                                      <p:to>
+                                        <p:strVal val="hidden"/>
+                                      </p:to>
+                                    </p:set>
+                                  </p:childTnLst>
+                                </p:cTn>
+                              </p:par>
+                              <p:par>
+                                <p:cTn id="178" presetID="10" presetClass="exit" presetSubtype="0" fill="hold" grpId="1" nodeType="withEffect">
+                                  <p:stCondLst>
+                                    <p:cond delay="0"/>
+                                  </p:stCondLst>
+                                  <p:childTnLst>
+                                    <p:animEffect transition="out" filter="fade">
+                                      <p:cBhvr>
+                                        <p:cTn id="179" dur="500"/>
+                                        <p:tgtEl>
+                                          <p:spTgt spid="23"/>
+                                        </p:tgtEl>
+                                      </p:cBhvr>
+                                    </p:animEffect>
+                                    <p:set>
+                                      <p:cBhvr>
+                                        <p:cTn id="180" dur="1" fill="hold">
+                                          <p:stCondLst>
+                                            <p:cond delay="499"/>
+                                          </p:stCondLst>
+                                        </p:cTn>
+                                        <p:tgtEl>
+                                          <p:spTgt spid="23"/>
+                                        </p:tgtEl>
+                                        <p:attrNameLst>
+                                          <p:attrName>style.visibility</p:attrName>
+                                        </p:attrNameLst>
+                                      </p:cBhvr>
+                                      <p:to>
+                                        <p:strVal val="hidden"/>
+                                      </p:to>
+                                    </p:set>
+                                  </p:childTnLst>
+                                </p:cTn>
+                              </p:par>
+                              <p:par>
+                                <p:cTn id="181" presetID="10" presetClass="exit" presetSubtype="0" fill="hold" grpId="1" nodeType="withEffect">
+                                  <p:stCondLst>
+                                    <p:cond delay="0"/>
+                                  </p:stCondLst>
+                                  <p:childTnLst>
+                                    <p:animEffect transition="out" filter="fade">
+                                      <p:cBhvr>
+                                        <p:cTn id="182" dur="500"/>
+                                        <p:tgtEl>
+                                          <p:spTgt spid="8"/>
+                                        </p:tgtEl>
+                                      </p:cBhvr>
+                                    </p:animEffect>
+                                    <p:set>
+                                      <p:cBhvr>
+                                        <p:cTn id="183" dur="1" fill="hold">
+                                          <p:stCondLst>
+                                            <p:cond delay="499"/>
+                                          </p:stCondLst>
+                                        </p:cTn>
+                                        <p:tgtEl>
+                                          <p:spTgt spid="8"/>
+                                        </p:tgtEl>
+                                        <p:attrNameLst>
+                                          <p:attrName>style.visibility</p:attrName>
+                                        </p:attrNameLst>
+                                      </p:cBhvr>
+                                      <p:to>
+                                        <p:strVal val="hidden"/>
+                                      </p:to>
+                                    </p:set>
+                                  </p:childTnLst>
+                                </p:cTn>
+                              </p:par>
+                              <p:par>
+                                <p:cTn id="184" presetID="10" presetClass="exit" presetSubtype="0" fill="hold" nodeType="withEffect">
+                                  <p:stCondLst>
+                                    <p:cond delay="0"/>
+                                  </p:stCondLst>
+                                  <p:childTnLst>
+                                    <p:animEffect transition="out" filter="fade">
+                                      <p:cBhvr>
+                                        <p:cTn id="185" dur="500"/>
+                                        <p:tgtEl>
+                                          <p:spTgt spid="18"/>
+                                        </p:tgtEl>
+                                      </p:cBhvr>
+                                    </p:animEffect>
+                                    <p:set>
+                                      <p:cBhvr>
+                                        <p:cTn id="186" dur="1" fill="hold">
+                                          <p:stCondLst>
+                                            <p:cond delay="499"/>
+                                          </p:stCondLst>
+                                        </p:cTn>
+                                        <p:tgtEl>
+                                          <p:spTgt spid="18"/>
+                                        </p:tgtEl>
+                                        <p:attrNameLst>
+                                          <p:attrName>style.visibility</p:attrName>
+                                        </p:attrNameLst>
+                                      </p:cBhvr>
+                                      <p:to>
+                                        <p:strVal val="hidden"/>
+                                      </p:to>
+                                    </p:set>
+                                  </p:childTnLst>
+                                </p:cTn>
+                              </p:par>
+                            </p:childTnLst>
+                          </p:cTn>
+                        </p:par>
+                      </p:childTnLst>
+                    </p:cTn>
+                  </p:par>
+                </p:childTnLst>
+              </p:cTn>
+              <p:prevCondLst>
+                <p:cond evt="onPrev" delay="0">
+                  <p:tgtEl>
+                    <p:sldTgt/>
+                  </p:tgtEl>
+                </p:cond>
+              </p:prevCondLst>
+              <p:nextCondLst>
+                <p:cond evt="onNext" delay="0">
+                  <p:tgtEl>
+                    <p:sldTgt/>
+                  </p:tgtEl>
+                </p:cond>
+              </p:nextCondLst>
+            </p:seq>
+          </p:childTnLst>
+        </p:cTn>
+      </p:par>
+    </p:tnLst>
+    <p:bldLst>
+      <p:bldP spid="44" grpId="0" animBg="1"/>
+      <p:bldP spid="5" grpId="0" animBg="1"/>
+      <p:bldP spid="8" grpId="0" animBg="1"/>
+      <p:bldP spid="8" grpId="1" animBg="1"/>
+      <p:bldP spid="9" grpId="0" animBg="1"/>
+      <p:bldP spid="13" grpId="0" animBg="1"/>
+      <p:bldP spid="20" grpId="0" animBg="1"/>
+      <p:bldP spid="21" grpId="0"/>
+      <p:bldP spid="22" grpId="0"/>
+      <p:bldP spid="23" grpId="0"/>
+      <p:bldP spid="23" grpId="1"/>
+      <p:bldP spid="24" grpId="0"/>
+      <p:bldP spid="24" grpId="1"/>
+      <p:bldP spid="27" grpId="0"/>
+      <p:bldP spid="30" grpId="0"/>
+      <p:bldP spid="33" grpId="0"/>
+      <p:bldP spid="64" grpId="0"/>
+      <p:bldP spid="40" grpId="0" animBg="1"/>
+      <p:bldP spid="41" grpId="0" animBg="1"/>
+      <p:bldP spid="43" grpId="0" animBg="1"/>
+      <p:bldP spid="43" grpId="1" animBg="1"/>
+      <p:bldP spid="45" grpId="0" animBg="1"/>
+      <p:bldP spid="49" grpId="0"/>
+      <p:bldP spid="60" grpId="0"/>
+      <p:bldP spid="61" grpId="0"/>
+    </p:bldLst>
+  </p:timing>
+</p:sld>
+</file>
+
+<file path=ppt/slides/slide8.xml><?xml version="1.0" encoding="utf-8"?>
+<p:sld xmlns:a="http://schemas.openxmlformats.org/drawingml/2006/main" xmlns:r="http://schemas.openxmlformats.org/officeDocument/2006/relationships" xmlns:p="http://schemas.openxmlformats.org/presentationml/2006/main">
+  <p:cSld>
+    <p:spTree>
+      <p:nvGrpSpPr>
+        <p:cNvPr id="1" name=""/>
+        <p:cNvGrpSpPr/>
+        <p:nvPr/>
+      </p:nvGrpSpPr>
+      <p:grpSpPr>
+        <a:xfrm>
+          <a:off x="0" y="0"/>
+          <a:ext cx="0" cy="0"/>
+          <a:chOff x="0" y="0"/>
+          <a:chExt cx="0" cy="0"/>
+        </a:xfrm>
+      </p:grpSpPr>
+      <p:sp>
+        <p:nvSpPr>
+          <p:cNvPr id="2" name="Title 1">
+            <a:extLst>
+              <a:ext uri="{FF2B5EF4-FFF2-40B4-BE49-F238E27FC236}">
+                <a16:creationId xmlns:a16="http://schemas.microsoft.com/office/drawing/2014/main" id="{321CEBB6-1288-42B2-8BD4-3FE632909891}"/>
+              </a:ext>
+            </a:extLst>
+          </p:cNvPr>
+          <p:cNvSpPr>
+            <a:spLocks noGrp="1"/>
+          </p:cNvSpPr>
+          <p:nvPr>
+            <p:ph type="title"/>
+          </p:nvPr>
+        </p:nvSpPr>
+        <p:spPr>
+          <a:xfrm>
+            <a:off x="0" y="18256"/>
+            <a:ext cx="12192000" cy="745098"/>
+          </a:xfrm>
+          <a:noFill/>
+        </p:spPr>
+        <p:txBody>
+          <a:bodyPr/>
+          <a:lstStyle/>
+          <a:p>
+            <a:r>
+              <a:rPr lang="en-US" dirty="0"/>
+              <a:t>Multi Region Deployment</a:t>
+            </a:r>
+          </a:p>
+        </p:txBody>
+      </p:sp>
+      <p:pic>
+        <p:nvPicPr>
+          <p:cNvPr id="39" name="Picture 38">
+            <a:extLst>
+              <a:ext uri="{FF2B5EF4-FFF2-40B4-BE49-F238E27FC236}">
+                <a16:creationId xmlns:a16="http://schemas.microsoft.com/office/drawing/2014/main" id="{35FA77F2-85ED-43F2-8CDC-7D64F3BD16DF}"/>
+              </a:ext>
+            </a:extLst>
+          </p:cNvPr>
+          <p:cNvPicPr>
+            <a:picLocks noChangeAspect="1"/>
+          </p:cNvPicPr>
+          <p:nvPr/>
+        </p:nvPicPr>
+        <p:blipFill>
+          <a:blip r:embed="rId2"/>
+          <a:stretch>
+            <a:fillRect/>
+          </a:stretch>
+        </p:blipFill>
+        <p:spPr>
+          <a:xfrm>
+            <a:off x="495652" y="2448560"/>
+            <a:ext cx="5360919" cy="3872227"/>
+          </a:xfrm>
+          <a:prstGeom prst="rect">
+            <a:avLst/>
+          </a:prstGeom>
+        </p:spPr>
+      </p:pic>
+      <p:pic>
+        <p:nvPicPr>
+          <p:cNvPr id="40" name="Picture 39">
+            <a:extLst>
+              <a:ext uri="{FF2B5EF4-FFF2-40B4-BE49-F238E27FC236}">
+                <a16:creationId xmlns:a16="http://schemas.microsoft.com/office/drawing/2014/main" id="{63969AE7-1CEE-44CC-B1B1-AFD916B7B7E8}"/>
+              </a:ext>
+            </a:extLst>
+          </p:cNvPr>
+          <p:cNvPicPr>
+            <a:picLocks noChangeAspect="1"/>
+          </p:cNvPicPr>
+          <p:nvPr/>
+        </p:nvPicPr>
+        <p:blipFill>
+          <a:blip r:embed="rId2"/>
+          <a:stretch>
+            <a:fillRect/>
+          </a:stretch>
+        </p:blipFill>
+        <p:spPr>
+          <a:xfrm>
+            <a:off x="6335431" y="2448560"/>
+            <a:ext cx="5360919" cy="3872227"/>
+          </a:xfrm>
+          <a:prstGeom prst="rect">
+            <a:avLst/>
+          </a:prstGeom>
+        </p:spPr>
+      </p:pic>
+      <p:pic>
+        <p:nvPicPr>
+          <p:cNvPr id="41" name="Picture 40">
+            <a:extLst>
+              <a:ext uri="{FF2B5EF4-FFF2-40B4-BE49-F238E27FC236}">
+                <a16:creationId xmlns:a16="http://schemas.microsoft.com/office/drawing/2014/main" id="{5E334984-EB10-4325-80B9-9F711C2190AE}"/>
+              </a:ext>
+            </a:extLst>
+          </p:cNvPr>
+          <p:cNvPicPr>
+            <a:picLocks noChangeAspect="1"/>
+          </p:cNvPicPr>
+          <p:nvPr/>
+        </p:nvPicPr>
+        <p:blipFill>
+          <a:blip r:embed="rId3">
+            <a:extLst>
+              <a:ext uri="{28A0092B-C50C-407E-A947-70E740481C1C}">
+                <a14:useLocalDpi xmlns:a14="http://schemas.microsoft.com/office/drawing/2010/main" val="0"/>
+              </a:ext>
+            </a:extLst>
+          </a:blip>
+          <a:stretch>
+            <a:fillRect/>
+          </a:stretch>
+        </p:blipFill>
+        <p:spPr>
+          <a:xfrm>
+            <a:off x="7051698" y="890127"/>
+            <a:ext cx="608150" cy="608150"/>
+          </a:xfrm>
+          <a:prstGeom prst="rect">
+            <a:avLst/>
+          </a:prstGeom>
+        </p:spPr>
+      </p:pic>
+      <p:pic>
+        <p:nvPicPr>
+          <p:cNvPr id="42" name="Picture 41" descr="multiple user icons different colors - vector Clip Art">
+            <a:extLst>
+              <a:ext uri="{FF2B5EF4-FFF2-40B4-BE49-F238E27FC236}">
+                <a16:creationId xmlns:a16="http://schemas.microsoft.com/office/drawing/2014/main" id="{4C2D34E2-96B9-43D6-815B-55E1AAB3C3BC}"/>
+              </a:ext>
+            </a:extLst>
+          </p:cNvPr>
+          <p:cNvPicPr>
+            <a:picLocks noChangeAspect="1"/>
+          </p:cNvPicPr>
+          <p:nvPr/>
+        </p:nvPicPr>
+        <p:blipFill>
+          <a:blip r:embed="rId4">
+            <a:extLst>
+              <a:ext uri="{28A0092B-C50C-407E-A947-70E740481C1C}">
+                <a14:useLocalDpi xmlns:a14="http://schemas.microsoft.com/office/drawing/2010/main" val="0"/>
+              </a:ext>
+            </a:extLst>
+          </a:blip>
+          <a:stretch>
+            <a:fillRect/>
+          </a:stretch>
+        </p:blipFill>
+        <p:spPr>
+          <a:xfrm>
+            <a:off x="4327911" y="934139"/>
+            <a:ext cx="478795" cy="514705"/>
+          </a:xfrm>
+          <a:prstGeom prst="rect">
+            <a:avLst/>
+          </a:prstGeom>
+        </p:spPr>
+      </p:pic>
+      <p:cxnSp>
+        <p:nvCxnSpPr>
+          <p:cNvPr id="43" name="Straight Arrow Connector 42">
+            <a:extLst>
+              <a:ext uri="{FF2B5EF4-FFF2-40B4-BE49-F238E27FC236}">
+                <a16:creationId xmlns:a16="http://schemas.microsoft.com/office/drawing/2014/main" id="{4C221281-7FB3-4941-86C9-1C8E09F50743}"/>
+              </a:ext>
+            </a:extLst>
+          </p:cNvPr>
+          <p:cNvCxnSpPr>
+            <a:cxnSpLocks/>
+            <a:stCxn id="45" idx="2"/>
+          </p:cNvCxnSpPr>
+          <p:nvPr/>
+        </p:nvCxnSpPr>
+        <p:spPr>
+          <a:xfrm flipH="1">
+            <a:off x="2438400" y="1493774"/>
+            <a:ext cx="3480771" cy="1173236"/>
+          </a:xfrm>
+          <a:prstGeom prst="straightConnector1">
+            <a:avLst/>
+          </a:prstGeom>
+          <a:ln>
+            <a:tailEnd type="triangle"/>
+          </a:ln>
+        </p:spPr>
+        <p:style>
+          <a:lnRef idx="1">
+            <a:schemeClr val="accent1"/>
+          </a:lnRef>
+          <a:fillRef idx="0">
+            <a:schemeClr val="accent1"/>
+          </a:fillRef>
+          <a:effectRef idx="0">
+            <a:schemeClr val="accent1"/>
+          </a:effectRef>
+          <a:fontRef idx="minor">
+            <a:schemeClr val="tx1"/>
+          </a:fontRef>
+        </p:style>
+      </p:cxnSp>
+      <p:cxnSp>
+        <p:nvCxnSpPr>
+          <p:cNvPr id="44" name="Straight Arrow Connector 43">
+            <a:extLst>
+              <a:ext uri="{FF2B5EF4-FFF2-40B4-BE49-F238E27FC236}">
+                <a16:creationId xmlns:a16="http://schemas.microsoft.com/office/drawing/2014/main" id="{CFF00544-2683-48A9-84AF-1EB3489458E4}"/>
+              </a:ext>
+            </a:extLst>
+          </p:cNvPr>
+          <p:cNvCxnSpPr>
+            <a:cxnSpLocks/>
+            <a:stCxn id="42" idx="3"/>
+            <a:endCxn id="41" idx="3"/>
+          </p:cNvCxnSpPr>
+          <p:nvPr/>
+        </p:nvCxnSpPr>
+        <p:spPr>
+          <a:xfrm>
+            <a:off x="4806706" y="1191492"/>
+            <a:ext cx="2853142" cy="2710"/>
+          </a:xfrm>
+          <a:prstGeom prst="straightConnector1">
+            <a:avLst/>
+          </a:prstGeom>
+          <a:ln>
+            <a:tailEnd type="triangle"/>
+          </a:ln>
+        </p:spPr>
+        <p:style>
+          <a:lnRef idx="1">
+            <a:schemeClr val="accent1"/>
+          </a:lnRef>
+          <a:fillRef idx="0">
+            <a:schemeClr val="accent1"/>
+          </a:fillRef>
+          <a:effectRef idx="0">
+            <a:schemeClr val="accent1"/>
+          </a:effectRef>
+          <a:fontRef idx="minor">
+            <a:schemeClr val="tx1"/>
+          </a:fontRef>
+        </p:style>
+      </p:cxnSp>
+      <p:pic>
+        <p:nvPicPr>
+          <p:cNvPr id="45" name="Picture 44" descr="A close up of a sign&#10;&#10;Description generated with very high confidence">
+            <a:extLst>
+              <a:ext uri="{FF2B5EF4-FFF2-40B4-BE49-F238E27FC236}">
+                <a16:creationId xmlns:a16="http://schemas.microsoft.com/office/drawing/2014/main" id="{BC70D568-9530-4865-98BE-4E26028C6C6C}"/>
+              </a:ext>
+            </a:extLst>
+          </p:cNvPr>
+          <p:cNvPicPr>
+            <a:picLocks noChangeAspect="1"/>
+          </p:cNvPicPr>
+          <p:nvPr/>
+        </p:nvPicPr>
+        <p:blipFill>
+          <a:blip r:embed="rId5">
+            <a:extLst>
+              <a:ext uri="{28A0092B-C50C-407E-A947-70E740481C1C}">
+                <a14:useLocalDpi xmlns:a14="http://schemas.microsoft.com/office/drawing/2010/main" val="0"/>
+              </a:ext>
+            </a:extLst>
+          </a:blip>
+          <a:stretch>
+            <a:fillRect/>
+          </a:stretch>
+        </p:blipFill>
+        <p:spPr>
+          <a:xfrm>
+            <a:off x="5615096" y="885624"/>
+            <a:ext cx="608150" cy="608150"/>
+          </a:xfrm>
+          <a:prstGeom prst="rect">
+            <a:avLst/>
+          </a:prstGeom>
+        </p:spPr>
+      </p:pic>
+      <p:sp>
+        <p:nvSpPr>
+          <p:cNvPr id="46" name="TextBox 45">
+            <a:extLst>
+              <a:ext uri="{FF2B5EF4-FFF2-40B4-BE49-F238E27FC236}">
+                <a16:creationId xmlns:a16="http://schemas.microsoft.com/office/drawing/2014/main" id="{74F1EC77-D57C-4F68-87EE-3D231C0396EB}"/>
+              </a:ext>
+            </a:extLst>
+          </p:cNvPr>
+          <p:cNvSpPr txBox="1"/>
+          <p:nvPr/>
+        </p:nvSpPr>
+        <p:spPr>
+          <a:xfrm>
+            <a:off x="5560398" y="1527668"/>
+            <a:ext cx="1071204" cy="646331"/>
+          </a:xfrm>
+          <a:prstGeom prst="rect">
+            <a:avLst/>
+          </a:prstGeom>
+          <a:noFill/>
+        </p:spPr>
+        <p:txBody>
+          <a:bodyPr wrap="square" rtlCol="0">
+            <a:spAutoFit/>
+          </a:bodyPr>
+          <a:lstStyle/>
+          <a:p>
+            <a:r>
+              <a:rPr lang="en-US" dirty="0"/>
+              <a:t>Traffic Manager</a:t>
+            </a:r>
+          </a:p>
+        </p:txBody>
+      </p:sp>
+      <p:cxnSp>
+        <p:nvCxnSpPr>
+          <p:cNvPr id="49" name="Straight Arrow Connector 48">
+            <a:extLst>
+              <a:ext uri="{FF2B5EF4-FFF2-40B4-BE49-F238E27FC236}">
+                <a16:creationId xmlns:a16="http://schemas.microsoft.com/office/drawing/2014/main" id="{F6915BFE-BC6B-4724-B42D-6DB840BEF46A}"/>
+              </a:ext>
+            </a:extLst>
+          </p:cNvPr>
+          <p:cNvCxnSpPr>
+            <a:cxnSpLocks/>
+            <a:stCxn id="45" idx="2"/>
+          </p:cNvCxnSpPr>
+          <p:nvPr/>
+        </p:nvCxnSpPr>
+        <p:spPr>
+          <a:xfrm>
+            <a:off x="5919171" y="1493774"/>
+            <a:ext cx="2371389" cy="1056386"/>
+          </a:xfrm>
+          <a:prstGeom prst="straightConnector1">
+            <a:avLst/>
+          </a:prstGeom>
+          <a:ln>
+            <a:tailEnd type="triangle"/>
+          </a:ln>
+        </p:spPr>
+        <p:style>
+          <a:lnRef idx="1">
+            <a:schemeClr val="accent1"/>
+          </a:lnRef>
+          <a:fillRef idx="0">
+            <a:schemeClr val="accent1"/>
+          </a:fillRef>
+          <a:effectRef idx="0">
+            <a:schemeClr val="accent1"/>
+          </a:effectRef>
+          <a:fontRef idx="minor">
+            <a:schemeClr val="tx1"/>
+          </a:fontRef>
+        </p:style>
+      </p:cxnSp>
+      <p:sp>
+        <p:nvSpPr>
+          <p:cNvPr id="54" name="TextBox 53">
+            <a:extLst>
+              <a:ext uri="{FF2B5EF4-FFF2-40B4-BE49-F238E27FC236}">
+                <a16:creationId xmlns:a16="http://schemas.microsoft.com/office/drawing/2014/main" id="{5A694F18-F187-4FE3-9DD2-97B479CC8A64}"/>
+              </a:ext>
+            </a:extLst>
+          </p:cNvPr>
+          <p:cNvSpPr txBox="1"/>
+          <p:nvPr/>
+        </p:nvSpPr>
+        <p:spPr>
+          <a:xfrm>
+            <a:off x="430823" y="2143144"/>
+            <a:ext cx="996555" cy="369332"/>
+          </a:xfrm>
+          <a:prstGeom prst="rect">
+            <a:avLst/>
+          </a:prstGeom>
+          <a:noFill/>
+        </p:spPr>
+        <p:txBody>
+          <a:bodyPr wrap="none" rtlCol="0">
+            <a:spAutoFit/>
+          </a:bodyPr>
+          <a:lstStyle/>
+          <a:p>
+            <a:r>
+              <a:rPr lang="en-US" dirty="0"/>
+              <a:t>Region 1</a:t>
+            </a:r>
+          </a:p>
+        </p:txBody>
+      </p:sp>
+      <p:sp>
+        <p:nvSpPr>
+          <p:cNvPr id="55" name="TextBox 54">
+            <a:extLst>
+              <a:ext uri="{FF2B5EF4-FFF2-40B4-BE49-F238E27FC236}">
+                <a16:creationId xmlns:a16="http://schemas.microsoft.com/office/drawing/2014/main" id="{5779ECA2-2ADF-4AC5-B1AE-8F83B675A725}"/>
+              </a:ext>
+            </a:extLst>
+          </p:cNvPr>
+          <p:cNvSpPr txBox="1"/>
+          <p:nvPr/>
+        </p:nvSpPr>
+        <p:spPr>
+          <a:xfrm>
+            <a:off x="10699795" y="2081050"/>
+            <a:ext cx="996555" cy="369332"/>
+          </a:xfrm>
+          <a:prstGeom prst="rect">
+            <a:avLst/>
+          </a:prstGeom>
+          <a:noFill/>
+        </p:spPr>
+        <p:txBody>
+          <a:bodyPr wrap="none" rtlCol="0">
+            <a:spAutoFit/>
+          </a:bodyPr>
+          <a:lstStyle/>
+          <a:p>
+            <a:r>
+              <a:rPr lang="en-US" dirty="0"/>
+              <a:t>Region 2</a:t>
+            </a:r>
+          </a:p>
+        </p:txBody>
+      </p:sp>
+      <p:sp>
+        <p:nvSpPr>
+          <p:cNvPr id="56" name="Rectangle 55">
+            <a:extLst>
+              <a:ext uri="{FF2B5EF4-FFF2-40B4-BE49-F238E27FC236}">
+                <a16:creationId xmlns:a16="http://schemas.microsoft.com/office/drawing/2014/main" id="{BCA2EEAF-3D39-4C83-BED4-0554870F7874}"/>
+              </a:ext>
+            </a:extLst>
+          </p:cNvPr>
+          <p:cNvSpPr/>
+          <p:nvPr/>
+        </p:nvSpPr>
+        <p:spPr>
+          <a:xfrm>
+            <a:off x="274320" y="1868131"/>
+            <a:ext cx="11653520" cy="4853691"/>
+          </a:xfrm>
+          <a:prstGeom prst="rect">
+            <a:avLst/>
+          </a:prstGeom>
+          <a:noFill/>
+          <a:ln>
+            <a:prstDash val="dash"/>
+          </a:ln>
+        </p:spPr>
+        <p:style>
+          <a:lnRef idx="2">
+            <a:schemeClr val="accent1">
+              <a:shade val="50000"/>
+            </a:schemeClr>
+          </a:lnRef>
+          <a:fillRef idx="1">
+            <a:schemeClr val="accent1"/>
+          </a:fillRef>
+          <a:effectRef idx="0">
+            <a:schemeClr val="accent1"/>
+          </a:effectRef>
+          <a:fontRef idx="minor">
+            <a:schemeClr val="lt1"/>
+          </a:fontRef>
+        </p:style>
+        <p:txBody>
+          <a:bodyPr rtlCol="0" anchor="ctr"/>
+          <a:lstStyle/>
+          <a:p>
+            <a:pPr algn="ctr"/>
+            <a:endParaRPr lang="en-US" sz="2160"/>
+          </a:p>
+        </p:txBody>
+      </p:sp>
+      <p:pic>
+        <p:nvPicPr>
+          <p:cNvPr id="57" name="Picture 56">
+            <a:extLst>
+              <a:ext uri="{FF2B5EF4-FFF2-40B4-BE49-F238E27FC236}">
+                <a16:creationId xmlns:a16="http://schemas.microsoft.com/office/drawing/2014/main" id="{2640B32D-2980-4F92-A139-7FDC688813D2}"/>
+              </a:ext>
+            </a:extLst>
+          </p:cNvPr>
+          <p:cNvPicPr>
+            <a:picLocks noChangeAspect="1"/>
+          </p:cNvPicPr>
+          <p:nvPr/>
+        </p:nvPicPr>
+        <p:blipFill>
+          <a:blip r:embed="rId6">
+            <a:extLst>
+              <a:ext uri="{28A0092B-C50C-407E-A947-70E740481C1C}">
+                <a14:useLocalDpi xmlns:a14="http://schemas.microsoft.com/office/drawing/2010/main" val="0"/>
+              </a:ext>
+            </a:extLst>
+          </a:blip>
+          <a:stretch>
+            <a:fillRect/>
+          </a:stretch>
+        </p:blipFill>
+        <p:spPr>
+          <a:xfrm>
+            <a:off x="11550958" y="1565849"/>
+            <a:ext cx="641042" cy="608150"/>
+          </a:xfrm>
+          <a:prstGeom prst="rect">
+            <a:avLst/>
+          </a:prstGeom>
+        </p:spPr>
+      </p:pic>
+    </p:spTree>
+    <p:extLst>
+      <p:ext uri="{BB962C8B-B14F-4D97-AF65-F5344CB8AC3E}">
+        <p14:creationId xmlns:p14="http://schemas.microsoft.com/office/powerpoint/2010/main" val="1129223970"/>
+      </p:ext>
+    </p:extLst>
+  </p:cSld>
+  <p:clrMapOvr>
+    <a:masterClrMapping/>
+  </p:clrMapOvr>
+  <p:timing>
+    <p:tnLst>
+      <p:par>
+        <p:cTn id="1" dur="indefinite" restart="never" nodeType="tmRoot">
+          <p:childTnLst>
+            <p:seq concurrent="1" nextAc="seek">
+              <p:cTn id="2" dur="indefinite" nodeType="mainSeq">
+                <p:childTnLst>
+                  <p:par>
+                    <p:cTn id="3" fill="hold">
+                      <p:stCondLst>
+                        <p:cond delay="indefinite"/>
+                        <p:cond evt="onBegin" delay="0">
+                          <p:tn val="2"/>
+                        </p:cond>
+                      </p:stCondLst>
+                      <p:childTnLst>
+                        <p:par>
+                          <p:cTn id="4" fill="hold">
+                            <p:stCondLst>
+                              <p:cond delay="0"/>
+                            </p:stCondLst>
+                            <p:childTnLst>
+                              <p:par>
+                                <p:cTn id="5" presetID="10" presetClass="entr" presetSubtype="0" fill="hold" nodeType="withEffect">
+                                  <p:stCondLst>
+                                    <p:cond delay="0"/>
+                                  </p:stCondLst>
+                                  <p:childTnLst>
+                                    <p:set>
+                                      <p:cBhvr>
+                                        <p:cTn id="6" dur="1" fill="hold">
+                                          <p:stCondLst>
+                                            <p:cond delay="0"/>
+                                          </p:stCondLst>
+                                        </p:cTn>
+                                        <p:tgtEl>
+                                          <p:spTgt spid="41"/>
+                                        </p:tgtEl>
+                                        <p:attrNameLst>
+                                          <p:attrName>style.visibility</p:attrName>
+                                        </p:attrNameLst>
+                                      </p:cBhvr>
+                                      <p:to>
+                                        <p:strVal val="visible"/>
+                                      </p:to>
+                                    </p:set>
+                                    <p:animEffect transition="in" filter="fade">
+                                      <p:cBhvr>
+                                        <p:cTn id="7" dur="500"/>
+                                        <p:tgtEl>
+                                          <p:spTgt spid="41"/>
+                                        </p:tgtEl>
+                                      </p:cBhvr>
+                                    </p:animEffect>
+                                  </p:childTnLst>
+                                </p:cTn>
+                              </p:par>
+                              <p:par>
+                                <p:cTn id="8" presetID="10" presetClass="entr" presetSubtype="0" fill="hold" nodeType="withEffect">
+                                  <p:stCondLst>
+                                    <p:cond delay="0"/>
+                                  </p:stCondLst>
+                                  <p:childTnLst>
+                                    <p:set>
+                                      <p:cBhvr>
+                                        <p:cTn id="9" dur="1" fill="hold">
+                                          <p:stCondLst>
+                                            <p:cond delay="0"/>
+                                          </p:stCondLst>
+                                        </p:cTn>
+                                        <p:tgtEl>
+                                          <p:spTgt spid="44"/>
+                                        </p:tgtEl>
+                                        <p:attrNameLst>
+                                          <p:attrName>style.visibility</p:attrName>
+                                        </p:attrNameLst>
+                                      </p:cBhvr>
+                                      <p:to>
+                                        <p:strVal val="visible"/>
+                                      </p:to>
+                                    </p:set>
+                                    <p:animEffect transition="in" filter="fade">
+                                      <p:cBhvr>
+                                        <p:cTn id="10" dur="500"/>
+                                        <p:tgtEl>
+                                          <p:spTgt spid="44"/>
+                                        </p:tgtEl>
+                                      </p:cBhvr>
+                                    </p:animEffect>
+                                  </p:childTnLst>
+                                </p:cTn>
+                              </p:par>
+                              <p:par>
+                                <p:cTn id="11" presetID="10" presetClass="entr" presetSubtype="0" fill="hold" nodeType="withEffect">
+                                  <p:stCondLst>
+                                    <p:cond delay="0"/>
+                                  </p:stCondLst>
+                                  <p:childTnLst>
+                                    <p:set>
+                                      <p:cBhvr>
+                                        <p:cTn id="12" dur="1" fill="hold">
+                                          <p:stCondLst>
+                                            <p:cond delay="0"/>
+                                          </p:stCondLst>
+                                        </p:cTn>
+                                        <p:tgtEl>
+                                          <p:spTgt spid="42"/>
+                                        </p:tgtEl>
+                                        <p:attrNameLst>
+                                          <p:attrName>style.visibility</p:attrName>
+                                        </p:attrNameLst>
+                                      </p:cBhvr>
+                                      <p:to>
+                                        <p:strVal val="visible"/>
+                                      </p:to>
+                                    </p:set>
+                                    <p:animEffect transition="in" filter="fade">
+                                      <p:cBhvr>
+                                        <p:cTn id="13" dur="500"/>
+                                        <p:tgtEl>
+                                          <p:spTgt spid="42"/>
+                                        </p:tgtEl>
+                                      </p:cBhvr>
+                                    </p:animEffect>
+                                  </p:childTnLst>
+                                </p:cTn>
+                              </p:par>
+                              <p:par>
+                                <p:cTn id="14" presetID="10" presetClass="entr" presetSubtype="0" fill="hold" nodeType="withEffect">
+                                  <p:stCondLst>
+                                    <p:cond delay="0"/>
+                                  </p:stCondLst>
+                                  <p:childTnLst>
+                                    <p:set>
+                                      <p:cBhvr>
+                                        <p:cTn id="15" dur="1" fill="hold">
+                                          <p:stCondLst>
+                                            <p:cond delay="0"/>
+                                          </p:stCondLst>
+                                        </p:cTn>
+                                        <p:tgtEl>
+                                          <p:spTgt spid="43"/>
+                                        </p:tgtEl>
+                                        <p:attrNameLst>
+                                          <p:attrName>style.visibility</p:attrName>
+                                        </p:attrNameLst>
+                                      </p:cBhvr>
+                                      <p:to>
+                                        <p:strVal val="visible"/>
+                                      </p:to>
+                                    </p:set>
+                                    <p:animEffect transition="in" filter="fade">
+                                      <p:cBhvr>
+                                        <p:cTn id="16" dur="500"/>
+                                        <p:tgtEl>
+                                          <p:spTgt spid="43"/>
+                                        </p:tgtEl>
+                                      </p:cBhvr>
+                                    </p:animEffect>
+                                  </p:childTnLst>
+                                </p:cTn>
+                              </p:par>
+                              <p:par>
+                                <p:cTn id="17" presetID="10" presetClass="entr" presetSubtype="0" fill="hold" nodeType="withEffect">
+                                  <p:stCondLst>
+                                    <p:cond delay="0"/>
+                                  </p:stCondLst>
+                                  <p:childTnLst>
+                                    <p:set>
+                                      <p:cBhvr>
+                                        <p:cTn id="18" dur="1" fill="hold">
+                                          <p:stCondLst>
+                                            <p:cond delay="0"/>
+                                          </p:stCondLst>
+                                        </p:cTn>
+                                        <p:tgtEl>
+                                          <p:spTgt spid="45"/>
+                                        </p:tgtEl>
+                                        <p:attrNameLst>
+                                          <p:attrName>style.visibility</p:attrName>
+                                        </p:attrNameLst>
+                                      </p:cBhvr>
+                                      <p:to>
+                                        <p:strVal val="visible"/>
+                                      </p:to>
+                                    </p:set>
+                                    <p:animEffect transition="in" filter="fade">
+                                      <p:cBhvr>
+                                        <p:cTn id="19" dur="500"/>
+                                        <p:tgtEl>
+                                          <p:spTgt spid="45"/>
+                                        </p:tgtEl>
+                                      </p:cBhvr>
+                                    </p:animEffect>
+                                  </p:childTnLst>
+                                </p:cTn>
+                              </p:par>
+                              <p:par>
+                                <p:cTn id="20" presetID="10" presetClass="entr" presetSubtype="0" fill="hold" grpId="0" nodeType="withEffect">
+                                  <p:stCondLst>
+                                    <p:cond delay="0"/>
+                                  </p:stCondLst>
+                                  <p:childTnLst>
+                                    <p:set>
+                                      <p:cBhvr>
+                                        <p:cTn id="21" dur="1" fill="hold">
+                                          <p:stCondLst>
+                                            <p:cond delay="0"/>
+                                          </p:stCondLst>
+                                        </p:cTn>
+                                        <p:tgtEl>
+                                          <p:spTgt spid="46"/>
+                                        </p:tgtEl>
+                                        <p:attrNameLst>
+                                          <p:attrName>style.visibility</p:attrName>
+                                        </p:attrNameLst>
+                                      </p:cBhvr>
+                                      <p:to>
+                                        <p:strVal val="visible"/>
+                                      </p:to>
+                                    </p:set>
+                                    <p:animEffect transition="in" filter="fade">
+                                      <p:cBhvr>
+                                        <p:cTn id="22" dur="500"/>
+                                        <p:tgtEl>
+                                          <p:spTgt spid="46"/>
+                                        </p:tgtEl>
+                                      </p:cBhvr>
+                                    </p:animEffect>
+                                  </p:childTnLst>
+                                </p:cTn>
+                              </p:par>
+                              <p:par>
+                                <p:cTn id="23" presetID="10" presetClass="entr" presetSubtype="0" fill="hold" nodeType="withEffect">
+                                  <p:stCondLst>
+                                    <p:cond delay="0"/>
+                                  </p:stCondLst>
+                                  <p:childTnLst>
+                                    <p:set>
+                                      <p:cBhvr>
+                                        <p:cTn id="24" dur="1" fill="hold">
+                                          <p:stCondLst>
+                                            <p:cond delay="0"/>
+                                          </p:stCondLst>
+                                        </p:cTn>
+                                        <p:tgtEl>
+                                          <p:spTgt spid="49"/>
+                                        </p:tgtEl>
+                                        <p:attrNameLst>
+                                          <p:attrName>style.visibility</p:attrName>
+                                        </p:attrNameLst>
+                                      </p:cBhvr>
+                                      <p:to>
+                                        <p:strVal val="visible"/>
+                                      </p:to>
+                                    </p:set>
+                                    <p:animEffect transition="in" filter="fade">
+                                      <p:cBhvr>
+                                        <p:cTn id="25" dur="500"/>
+                                        <p:tgtEl>
+                                          <p:spTgt spid="49"/>
+                                        </p:tgtEl>
+                                      </p:cBhvr>
+                                    </p:animEffect>
+                                  </p:childTnLst>
+                                </p:cTn>
+                              </p:par>
+                              <p:par>
+                                <p:cTn id="26" presetID="10" presetClass="entr" presetSubtype="0" fill="hold" grpId="0" nodeType="withEffect">
+                                  <p:stCondLst>
+                                    <p:cond delay="0"/>
+                                  </p:stCondLst>
+                                  <p:childTnLst>
+                                    <p:set>
+                                      <p:cBhvr>
+                                        <p:cTn id="27" dur="1" fill="hold">
+                                          <p:stCondLst>
+                                            <p:cond delay="0"/>
+                                          </p:stCondLst>
+                                        </p:cTn>
+                                        <p:tgtEl>
+                                          <p:spTgt spid="54"/>
+                                        </p:tgtEl>
+                                        <p:attrNameLst>
+                                          <p:attrName>style.visibility</p:attrName>
+                                        </p:attrNameLst>
+                                      </p:cBhvr>
+                                      <p:to>
+                                        <p:strVal val="visible"/>
+                                      </p:to>
+                                    </p:set>
+                                    <p:animEffect transition="in" filter="fade">
+                                      <p:cBhvr>
+                                        <p:cTn id="28" dur="500"/>
+                                        <p:tgtEl>
+                                          <p:spTgt spid="54"/>
+                                        </p:tgtEl>
+                                      </p:cBhvr>
+                                    </p:animEffect>
+                                  </p:childTnLst>
+                                </p:cTn>
+                              </p:par>
+                              <p:par>
+                                <p:cTn id="29" presetID="10" presetClass="entr" presetSubtype="0" fill="hold" grpId="0" nodeType="withEffect">
+                                  <p:stCondLst>
+                                    <p:cond delay="0"/>
+                                  </p:stCondLst>
+                                  <p:childTnLst>
+                                    <p:set>
+                                      <p:cBhvr>
+                                        <p:cTn id="30" dur="1" fill="hold">
+                                          <p:stCondLst>
+                                            <p:cond delay="0"/>
+                                          </p:stCondLst>
+                                        </p:cTn>
+                                        <p:tgtEl>
+                                          <p:spTgt spid="55"/>
+                                        </p:tgtEl>
+                                        <p:attrNameLst>
+                                          <p:attrName>style.visibility</p:attrName>
+                                        </p:attrNameLst>
+                                      </p:cBhvr>
+                                      <p:to>
+                                        <p:strVal val="visible"/>
+                                      </p:to>
+                                    </p:set>
+                                    <p:animEffect transition="in" filter="fade">
+                                      <p:cBhvr>
+                                        <p:cTn id="31" dur="500"/>
+                                        <p:tgtEl>
+                                          <p:spTgt spid="55"/>
+                                        </p:tgtEl>
+                                      </p:cBhvr>
+                                    </p:animEffect>
+                                  </p:childTnLst>
+                                </p:cTn>
+                              </p:par>
+                            </p:childTnLst>
+                          </p:cTn>
+                        </p:par>
+                      </p:childTnLst>
+                    </p:cTn>
+                  </p:par>
+                </p:childTnLst>
+              </p:cTn>
+              <p:prevCondLst>
+                <p:cond evt="onPrev" delay="0">
+                  <p:tgtEl>
+                    <p:sldTgt/>
+                  </p:tgtEl>
+                </p:cond>
+              </p:prevCondLst>
+              <p:nextCondLst>
+                <p:cond evt="onNext" delay="0">
+                  <p:tgtEl>
+                    <p:sldTgt/>
+                  </p:tgtEl>
+                </p:cond>
+              </p:nextCondLst>
+            </p:seq>
+          </p:childTnLst>
+        </p:cTn>
+      </p:par>
+    </p:tnLst>
+    <p:bldLst>
+      <p:bldP spid="46" grpId="0"/>
+      <p:bldP spid="54" grpId="0"/>
+      <p:bldP spid="55" grpId="0"/>
     </p:bldLst>
   </p:timing>
 </p:sld>
